--- a/hand-held_environment_monitor_Template.pptx
+++ b/hand-held_environment_monitor_Template.pptx
@@ -26,7 +26,7 @@
     <p:sldId id="269" r:id="rId14"/>
     <p:sldId id="270" r:id="rId15"/>
     <p:sldId id="278" r:id="rId16"/>
-    <p:sldId id="272" r:id="rId17"/>
+    <p:sldId id="280" r:id="rId17"/>
     <p:sldId id="273" r:id="rId18"/>
     <p:sldId id="274" r:id="rId19"/>
     <p:sldId id="279" r:id="rId20"/>
@@ -132,6 +132,36 @@
       </a:defRPr>
     </a:lvl9pPr>
   </p:defaultTextStyle>
+  <p:extLst>
+    <p:ext uri="{EFAFB233-063F-42B5-8137-9DF3F51BA10A}">
+      <p15:sldGuideLst xmlns:p15="http://schemas.microsoft.com/office/powerpoint/2012/main">
+        <p15:guide id="1" orient="horz" pos="1620">
+          <p15:clr>
+            <a:srgbClr val="A4A3A4"/>
+          </p15:clr>
+        </p15:guide>
+        <p15:guide id="2" pos="2880">
+          <p15:clr>
+            <a:srgbClr val="A4A3A4"/>
+          </p15:clr>
+        </p15:guide>
+      </p15:sldGuideLst>
+    </p:ext>
+    <p:ext uri="{2D200454-40CA-4A62-9FC3-DE9A4176ACB9}">
+      <p15:notesGuideLst xmlns:p15="http://schemas.microsoft.com/office/powerpoint/2012/main">
+        <p15:guide id="1" orient="horz" pos="2880">
+          <p15:clr>
+            <a:srgbClr val="A4A3A4"/>
+          </p15:clr>
+        </p15:guide>
+        <p15:guide id="2" pos="2160">
+          <p15:clr>
+            <a:srgbClr val="A4A3A4"/>
+          </p15:clr>
+        </p15:guide>
+      </p15:notesGuideLst>
+    </p:ext>
+  </p:extLst>
 </p:presentation>
 </file>
 
@@ -11950,26 +11980,71 @@
       </p:sp>
       <p:sp>
         <p:nvSpPr>
-          <p:cNvPr id="3" name="Content Placeholder 2"/>
+          <p:cNvPr id="4" name="Content Placeholder 3"/>
           <p:cNvSpPr>
             <a:spLocks noGrp="1"/>
           </p:cNvSpPr>
           <p:nvPr>
-            <p:ph idx="1"/>
-          </p:nvPr>
-        </p:nvSpPr>
-        <p:spPr/>
+            <p:ph sz="half" idx="2"/>
+          </p:nvPr>
+        </p:nvSpPr>
+        <p:spPr>
+          <a:xfrm>
+            <a:off x="3995936" y="1267199"/>
+            <a:ext cx="4055166" cy="3176759"/>
+          </a:xfrm>
+        </p:spPr>
         <p:txBody>
           <a:bodyPr/>
           <a:lstStyle/>
           <a:p>
-            <a:endParaRPr lang="en-GB" dirty="0" smtClean="0"/>
-          </a:p>
-        </p:txBody>
-      </p:sp>
-      <p:sp>
-        <p:nvSpPr>
-          <p:cNvPr id="5" name="灯片编号占位符 4"/>
+            <a:r>
+              <a:rPr lang="en-US" altLang="zh-CN" sz="1050" dirty="0" smtClean="0"/>
+              <a:t>HCHO </a:t>
+            </a:r>
+            <a:r>
+              <a:rPr lang="en-US" altLang="zh-CN" sz="1050" dirty="0"/>
+              <a:t>Sensor is a semiconductor VOC gas </a:t>
+            </a:r>
+            <a:r>
+              <a:rPr lang="en-US" altLang="zh-CN" sz="1050" dirty="0" smtClean="0"/>
+              <a:t>sensor, which covert the circuit conductivity to the output </a:t>
+            </a:r>
+            <a:r>
+              <a:rPr lang="en-US" altLang="zh-CN" sz="1050" dirty="0"/>
+              <a:t>signal that corresponding to the gas </a:t>
+            </a:r>
+            <a:r>
+              <a:rPr lang="en-US" altLang="zh-CN" sz="1050" dirty="0" smtClean="0"/>
+              <a:t>concentration. It </a:t>
+            </a:r>
+            <a:r>
+              <a:rPr lang="en-US" altLang="zh-CN" sz="1050" dirty="0"/>
+              <a:t>has a very high sensitivity and </a:t>
+            </a:r>
+            <a:r>
+              <a:rPr lang="en-US" altLang="zh-CN" sz="1050" dirty="0" smtClean="0"/>
+              <a:t>stability, </a:t>
+            </a:r>
+            <a:r>
+              <a:rPr lang="en-US" altLang="zh-CN" sz="1050" dirty="0"/>
+              <a:t>can be used to detect harmful </a:t>
+            </a:r>
+            <a:r>
+              <a:rPr lang="en-US" altLang="zh-CN" sz="1050" dirty="0" smtClean="0"/>
+              <a:t>HCHO in </a:t>
+            </a:r>
+            <a:r>
+              <a:rPr lang="en-US" altLang="zh-CN" sz="1050" dirty="0"/>
+              <a:t>the home environment. Therefore, it’s a good assistant for you to improve indoor environment quality of life.</a:t>
+            </a:r>
+            <a:endParaRPr lang="en-GB" sz="1050" dirty="0"/>
+          </a:p>
+        </p:txBody>
+      </p:sp>
+      <p:sp>
+        <p:nvSpPr>
+          <p:cNvPr id="6" name="灯片编号占位符 5"/>
           <p:cNvSpPr>
             <a:spLocks noGrp="1"/>
           </p:cNvSpPr>
@@ -11991,10 +12066,75 @@
           </a:p>
         </p:txBody>
       </p:sp>
+      <p:pic>
+        <p:nvPicPr>
+          <p:cNvPr id="1028" name="Picture 4" descr="http://www.seeedstudio.com/wiki/images/9/96/HCHO_Hardware_Connection.jpg"/>
+          <p:cNvPicPr>
+            <a:picLocks noChangeAspect="1" noChangeArrowheads="1"/>
+          </p:cNvPicPr>
+          <p:nvPr/>
+        </p:nvPicPr>
+        <p:blipFill>
+          <a:blip r:embed="rId2">
+            <a:extLst>
+              <a:ext uri="{28A0092B-C50C-407E-A947-70E740481C1C}">
+                <a14:useLocalDpi xmlns:a14="http://schemas.microsoft.com/office/drawing/2010/main" val="0"/>
+              </a:ext>
+            </a:extLst>
+          </a:blip>
+          <a:srcRect/>
+          <a:stretch>
+            <a:fillRect/>
+          </a:stretch>
+        </p:blipFill>
+        <p:spPr bwMode="auto">
+          <a:xfrm>
+            <a:off x="358966" y="1425982"/>
+            <a:ext cx="3332203" cy="2859191"/>
+          </a:xfrm>
+          <a:prstGeom prst="rect">
+            <a:avLst/>
+          </a:prstGeom>
+          <a:noFill/>
+          <a:extLst>
+            <a:ext uri="{909E8E84-426E-40DD-AFC4-6F175D3DCCD1}">
+              <a14:hiddenFill xmlns:a14="http://schemas.microsoft.com/office/drawing/2010/main">
+                <a:solidFill>
+                  <a:srgbClr val="FFFFFF"/>
+                </a:solidFill>
+              </a14:hiddenFill>
+            </a:ext>
+          </a:extLst>
+        </p:spPr>
+      </p:pic>
+      <p:pic>
+        <p:nvPicPr>
+          <p:cNvPr id="8" name="Picture 7"/>
+          <p:cNvPicPr>
+            <a:picLocks noChangeAspect="1"/>
+          </p:cNvPicPr>
+          <p:nvPr/>
+        </p:nvPicPr>
+        <p:blipFill>
+          <a:blip r:embed="rId3"/>
+          <a:stretch>
+            <a:fillRect/>
+          </a:stretch>
+        </p:blipFill>
+        <p:spPr>
+          <a:xfrm>
+            <a:off x="3851920" y="2427734"/>
+            <a:ext cx="4896544" cy="1728192"/>
+          </a:xfrm>
+          <a:prstGeom prst="rect">
+            <a:avLst/>
+          </a:prstGeom>
+        </p:spPr>
+      </p:pic>
     </p:spTree>
     <p:extLst>
       <p:ext uri="{BB962C8B-B14F-4D97-AF65-F5344CB8AC3E}">
-        <p14:creationId xmlns:p14="http://schemas.microsoft.com/office/powerpoint/2010/main" val="1107435703"/>
+        <p14:creationId xmlns:p14="http://schemas.microsoft.com/office/powerpoint/2010/main" val="1240185870"/>
       </p:ext>
     </p:extLst>
   </p:cSld>
@@ -14156,7 +14296,7 @@
   </a:extraClrSchemeLst>
   <a:extLst>
     <a:ext uri="{05A4C25C-085E-4340-85A3-A5531E510DB2}">
-      <thm15:themeFamily xmlns:thm15="http://schemas.microsoft.com/office/thememl/2012/main" xmlns="" name="TietoWide.potx" id="{407FC52C-B31F-416B-B0DF-E64EDCAD1AAD}" vid="{D1606DFC-6FAD-4E06-AAC4-8659CF7D3AA4}"/>
+      <thm15:themeFamily xmlns:thm15="http://schemas.microsoft.com/office/thememl/2012/main" name="TietoWide.potx" id="{407FC52C-B31F-416B-B0DF-E64EDCAD1AAD}" vid="{D1606DFC-6FAD-4E06-AAC4-8659CF7D3AA4}"/>
     </a:ext>
   </a:extLst>
 </a:theme>
@@ -14553,7 +14693,7 @@
   </a:extraClrSchemeLst>
   <a:extLst>
     <a:ext uri="{05A4C25C-085E-4340-85A3-A5531E510DB2}">
-      <thm15:themeFamily xmlns:thm15="http://schemas.microsoft.com/office/thememl/2012/main" xmlns="" name="TietoWide.potx" id="{407FC52C-B31F-416B-B0DF-E64EDCAD1AAD}" vid="{28909277-7591-4C81-9516-753778D0A93A}"/>
+      <thm15:themeFamily xmlns:thm15="http://schemas.microsoft.com/office/thememl/2012/main" name="TietoWide.potx" id="{407FC52C-B31F-416B-B0DF-E64EDCAD1AAD}" vid="{28909277-7591-4C81-9516-753778D0A93A}"/>
     </a:ext>
   </a:extLst>
 </a:theme>
@@ -14950,7 +15090,7 @@
   </a:extraClrSchemeLst>
   <a:extLst>
     <a:ext uri="{05A4C25C-085E-4340-85A3-A5531E510DB2}">
-      <thm15:themeFamily xmlns:thm15="http://schemas.microsoft.com/office/thememl/2012/main" xmlns="" name="TietoWide.potx" id="{407FC52C-B31F-416B-B0DF-E64EDCAD1AAD}" vid="{21F28A9E-4B05-468D-95BF-99C04B67B517}"/>
+      <thm15:themeFamily xmlns:thm15="http://schemas.microsoft.com/office/thememl/2012/main" name="TietoWide.potx" id="{407FC52C-B31F-416B-B0DF-E64EDCAD1AAD}" vid="{21F28A9E-4B05-468D-95BF-99C04B67B517}"/>
     </a:ext>
   </a:extLst>
 </a:theme>
@@ -15347,7 +15487,7 @@
   </a:extraClrSchemeLst>
   <a:extLst>
     <a:ext uri="{05A4C25C-085E-4340-85A3-A5531E510DB2}">
-      <thm15:themeFamily xmlns:thm15="http://schemas.microsoft.com/office/thememl/2012/main" xmlns="" name="TietoWide.potx" id="{407FC52C-B31F-416B-B0DF-E64EDCAD1AAD}" vid="{F89F9D2D-6F40-4A37-93D4-5871285F8B21}"/>
+      <thm15:themeFamily xmlns:thm15="http://schemas.microsoft.com/office/thememl/2012/main" name="TietoWide.potx" id="{407FC52C-B31F-416B-B0DF-E64EDCAD1AAD}" vid="{F89F9D2D-6F40-4A37-93D4-5871285F8B21}"/>
     </a:ext>
   </a:extLst>
 </a:theme>

--- a/hand-held_environment_monitor_Template.pptx
+++ b/hand-held_environment_monitor_Template.pptx
@@ -8,10 +8,10 @@
     <p:sldMasterId id="2147483699" r:id="rId4"/>
   </p:sldMasterIdLst>
   <p:notesMasterIdLst>
-    <p:notesMasterId r:id="rId25"/>
+    <p:notesMasterId r:id="rId26"/>
   </p:notesMasterIdLst>
   <p:handoutMasterIdLst>
-    <p:handoutMasterId r:id="rId26"/>
+    <p:handoutMasterId r:id="rId27"/>
   </p:handoutMasterIdLst>
   <p:sldIdLst>
     <p:sldId id="256" r:id="rId5"/>
@@ -27,13 +27,14 @@
     <p:sldId id="270" r:id="rId15"/>
     <p:sldId id="278" r:id="rId16"/>
     <p:sldId id="280" r:id="rId17"/>
-    <p:sldId id="273" r:id="rId18"/>
-    <p:sldId id="274" r:id="rId19"/>
-    <p:sldId id="279" r:id="rId20"/>
-    <p:sldId id="276" r:id="rId21"/>
-    <p:sldId id="277" r:id="rId22"/>
-    <p:sldId id="265" r:id="rId23"/>
-    <p:sldId id="261" r:id="rId24"/>
+    <p:sldId id="281" r:id="rId18"/>
+    <p:sldId id="282" r:id="rId19"/>
+    <p:sldId id="274" r:id="rId20"/>
+    <p:sldId id="279" r:id="rId21"/>
+    <p:sldId id="276" r:id="rId22"/>
+    <p:sldId id="277" r:id="rId23"/>
+    <p:sldId id="265" r:id="rId24"/>
+    <p:sldId id="261" r:id="rId25"/>
   </p:sldIdLst>
   <p:sldSz cx="9144000" cy="5143500" type="screen16x9"/>
   <p:notesSz cx="6858000" cy="9144000"/>
@@ -134,7 +135,7 @@
   </p:defaultTextStyle>
   <p:extLst>
     <p:ext uri="{EFAFB233-063F-42B5-8137-9DF3F51BA10A}">
-      <p15:sldGuideLst xmlns:p15="http://schemas.microsoft.com/office/powerpoint/2012/main">
+      <p15:sldGuideLst xmlns:p15="http://schemas.microsoft.com/office/powerpoint/2012/main" xmlns="">
         <p15:guide id="1" orient="horz" pos="1620">
           <p15:clr>
             <a:srgbClr val="A4A3A4"/>
@@ -148,7 +149,7 @@
       </p15:sldGuideLst>
     </p:ext>
     <p:ext uri="{2D200454-40CA-4A62-9FC3-DE9A4176ACB9}">
-      <p15:notesGuideLst xmlns:p15="http://schemas.microsoft.com/office/powerpoint/2012/main">
+      <p15:notesGuideLst xmlns:p15="http://schemas.microsoft.com/office/powerpoint/2012/main" xmlns="">
         <p15:guide id="1" orient="horz" pos="2880">
           <p15:clr>
             <a:srgbClr val="A4A3A4"/>
@@ -11654,6 +11655,13 @@
   <p:clrMapOvr>
     <a:masterClrMapping/>
   </p:clrMapOvr>
+  <p:timing>
+    <p:tnLst>
+      <p:par>
+        <p:cTn id="1" dur="indefinite" restart="never" nodeType="tmRoot"/>
+      </p:par>
+    </p:tnLst>
+  </p:timing>
 </p:sld>
 </file>
 
@@ -11750,6 +11758,13 @@
   <p:clrMapOvr>
     <a:masterClrMapping/>
   </p:clrMapOvr>
+  <p:timing>
+    <p:tnLst>
+      <p:par>
+        <p:cTn id="1" dur="indefinite" restart="never" nodeType="tmRoot"/>
+      </p:par>
+    </p:tnLst>
+  </p:timing>
 </p:sld>
 </file>
 
@@ -11935,6 +11950,13 @@
   <p:clrMapOvr>
     <a:masterClrMapping/>
   </p:clrMapOvr>
+  <p:timing>
+    <p:tnLst>
+      <p:par>
+        <p:cTn id="1" dur="indefinite" restart="never" nodeType="tmRoot"/>
+      </p:par>
+    </p:tnLst>
+  </p:timing>
 </p:sld>
 </file>
 
@@ -12141,6 +12163,13 @@
   <p:clrMapOvr>
     <a:masterClrMapping/>
   </p:clrMapOvr>
+  <p:timing>
+    <p:tnLst>
+      <p:par>
+        <p:cTn id="1" dur="indefinite" restart="never" nodeType="tmRoot"/>
+      </p:par>
+    </p:tnLst>
+  </p:timing>
 </p:sld>
 </file>
 
@@ -12177,7 +12206,7 @@
           <a:lstStyle/>
           <a:p>
             <a:r>
-              <a:rPr lang="en-GB" dirty="0" smtClean="0"/>
+              <a:rPr lang="en-US" dirty="0" smtClean="0"/>
               <a:t>CH4</a:t>
             </a:r>
             <a:endParaRPr lang="en-GB" dirty="0"/>
@@ -12186,26 +12215,51 @@
       </p:sp>
       <p:sp>
         <p:nvSpPr>
-          <p:cNvPr id="3" name="Content Placeholder 2"/>
+          <p:cNvPr id="4" name="Content Placeholder 3"/>
           <p:cNvSpPr>
             <a:spLocks noGrp="1"/>
           </p:cNvSpPr>
           <p:nvPr>
-            <p:ph idx="1"/>
-          </p:nvPr>
-        </p:nvSpPr>
-        <p:spPr/>
+            <p:ph sz="half" idx="2"/>
+          </p:nvPr>
+        </p:nvSpPr>
+        <p:spPr>
+          <a:xfrm>
+            <a:off x="3995936" y="1267199"/>
+            <a:ext cx="4055166" cy="3176759"/>
+          </a:xfrm>
+        </p:spPr>
         <p:txBody>
           <a:bodyPr/>
           <a:lstStyle/>
           <a:p>
-            <a:endParaRPr lang="en-GB" dirty="0" smtClean="0"/>
-          </a:p>
-        </p:txBody>
-      </p:sp>
-      <p:sp>
-        <p:nvSpPr>
-          <p:cNvPr id="5" name="灯片编号占位符 4"/>
+            <a:r>
+              <a:rPr lang="en-GB" sz="1050" dirty="0"/>
+              <a:t>T</a:t>
+            </a:r>
+            <a:r>
+              <a:rPr lang="en-GB" sz="1050" dirty="0" smtClean="0"/>
+              <a:t>he </a:t>
+            </a:r>
+            <a:r>
+              <a:rPr lang="en-GB" sz="1050" dirty="0"/>
+              <a:t>Grove - Gas Sensor(MQ2) module is useful for gas leakage detection (in home and industry). It is suitable for detecting H2, LPG, CH4, CO, Alcohol, Smoke or Propane. Due to its high sensitivity and fast response time, measurements can be taken as soon as possible. The sensitivity of the sensor can be adjusted by using the </a:t>
+            </a:r>
+            <a:r>
+              <a:rPr lang="en-GB" sz="1050" dirty="0" smtClean="0"/>
+              <a:t>potentiometer</a:t>
+            </a:r>
+            <a:r>
+              <a:rPr lang="en-US" altLang="zh-CN" sz="1050" dirty="0" smtClean="0"/>
+              <a:t>.</a:t>
+            </a:r>
+            <a:endParaRPr lang="en-GB" sz="1050" dirty="0"/>
+          </a:p>
+        </p:txBody>
+      </p:sp>
+      <p:sp>
+        <p:nvSpPr>
+          <p:cNvPr id="6" name="灯片编号占位符 5"/>
           <p:cNvSpPr>
             <a:spLocks noGrp="1"/>
           </p:cNvSpPr>
@@ -12227,16 +12281,131 @@
           </a:p>
         </p:txBody>
       </p:sp>
+      <p:pic>
+        <p:nvPicPr>
+          <p:cNvPr id="1026" name="Picture 2"/>
+          <p:cNvPicPr>
+            <a:picLocks noChangeAspect="1" noChangeArrowheads="1"/>
+          </p:cNvPicPr>
+          <p:nvPr/>
+        </p:nvPicPr>
+        <p:blipFill>
+          <a:blip r:embed="rId2">
+            <a:extLst>
+              <a:ext uri="{28A0092B-C50C-407E-A947-70E740481C1C}">
+                <a14:useLocalDpi xmlns:a14="http://schemas.microsoft.com/office/drawing/2010/main" val="0"/>
+              </a:ext>
+            </a:extLst>
+          </a:blip>
+          <a:srcRect/>
+          <a:stretch>
+            <a:fillRect/>
+          </a:stretch>
+        </p:blipFill>
+        <p:spPr bwMode="auto">
+          <a:xfrm>
+            <a:off x="107504" y="987574"/>
+            <a:ext cx="3295650" cy="2428875"/>
+          </a:xfrm>
+          <a:prstGeom prst="rect">
+            <a:avLst/>
+          </a:prstGeom>
+          <a:noFill/>
+          <a:ln>
+            <a:noFill/>
+          </a:ln>
+          <a:extLst>
+            <a:ext uri="{909E8E84-426E-40DD-AFC4-6F175D3DCCD1}">
+              <a14:hiddenFill xmlns:a14="http://schemas.microsoft.com/office/drawing/2010/main">
+                <a:solidFill>
+                  <a:schemeClr val="accent1"/>
+                </a:solidFill>
+              </a14:hiddenFill>
+            </a:ext>
+            <a:ext uri="{91240B29-F687-4F45-9708-019B960494DF}">
+              <a14:hiddenLine xmlns:a14="http://schemas.microsoft.com/office/drawing/2010/main" w="9525">
+                <a:solidFill>
+                  <a:schemeClr val="tx1"/>
+                </a:solidFill>
+                <a:miter lim="800000"/>
+                <a:headEnd/>
+                <a:tailEnd/>
+              </a14:hiddenLine>
+            </a:ext>
+          </a:extLst>
+        </p:spPr>
+      </p:pic>
+      <p:pic>
+        <p:nvPicPr>
+          <p:cNvPr id="1027" name="Picture 3"/>
+          <p:cNvPicPr>
+            <a:picLocks noChangeAspect="1" noChangeArrowheads="1"/>
+          </p:cNvPicPr>
+          <p:nvPr/>
+        </p:nvPicPr>
+        <p:blipFill>
+          <a:blip r:embed="rId3">
+            <a:extLst>
+              <a:ext uri="{28A0092B-C50C-407E-A947-70E740481C1C}">
+                <a14:useLocalDpi xmlns:a14="http://schemas.microsoft.com/office/drawing/2010/main" val="0"/>
+              </a:ext>
+            </a:extLst>
+          </a:blip>
+          <a:srcRect/>
+          <a:stretch>
+            <a:fillRect/>
+          </a:stretch>
+        </p:blipFill>
+        <p:spPr bwMode="auto">
+          <a:xfrm>
+            <a:off x="3621008" y="2502020"/>
+            <a:ext cx="4896544" cy="1504950"/>
+          </a:xfrm>
+          <a:prstGeom prst="rect">
+            <a:avLst/>
+          </a:prstGeom>
+          <a:noFill/>
+          <a:ln>
+            <a:noFill/>
+          </a:ln>
+          <a:extLst>
+            <a:ext uri="{909E8E84-426E-40DD-AFC4-6F175D3DCCD1}">
+              <a14:hiddenFill xmlns:a14="http://schemas.microsoft.com/office/drawing/2010/main">
+                <a:solidFill>
+                  <a:schemeClr val="accent1"/>
+                </a:solidFill>
+              </a14:hiddenFill>
+            </a:ext>
+            <a:ext uri="{91240B29-F687-4F45-9708-019B960494DF}">
+              <a14:hiddenLine xmlns:a14="http://schemas.microsoft.com/office/drawing/2010/main" w="9525">
+                <a:solidFill>
+                  <a:schemeClr val="tx1"/>
+                </a:solidFill>
+                <a:miter lim="800000"/>
+                <a:headEnd/>
+                <a:tailEnd/>
+              </a14:hiddenLine>
+            </a:ext>
+          </a:extLst>
+        </p:spPr>
+      </p:pic>
     </p:spTree>
     <p:extLst>
       <p:ext uri="{BB962C8B-B14F-4D97-AF65-F5344CB8AC3E}">
-        <p14:creationId xmlns:p14="http://schemas.microsoft.com/office/powerpoint/2010/main" val="1107435703"/>
+        <p14:creationId xmlns:p14="http://schemas.microsoft.com/office/powerpoint/2010/main" val="700919715"/>
       </p:ext>
     </p:extLst>
   </p:cSld>
   <p:clrMapOvr>
     <a:masterClrMapping/>
   </p:clrMapOvr>
+  <p:timing>
+    <p:tnLst>
+      <p:par>
+        <p:cTn id="1" dur="indefinite" restart="never" nodeType="tmRoot"/>
+      </p:par>
+    </p:tnLst>
+  </p:timing>
 </p:sld>
 </file>
 
@@ -12273,8 +12442,8 @@
           <a:lstStyle/>
           <a:p>
             <a:r>
-              <a:rPr lang="en-GB" dirty="0" smtClean="0"/>
-              <a:t>Air Quality</a:t>
+              <a:rPr lang="en-US" dirty="0" smtClean="0"/>
+              <a:t>Buzzer</a:t>
             </a:r>
             <a:endParaRPr lang="en-GB" dirty="0"/>
           </a:p>
@@ -12282,26 +12451,59 @@
       </p:sp>
       <p:sp>
         <p:nvSpPr>
-          <p:cNvPr id="3" name="Content Placeholder 2"/>
+          <p:cNvPr id="4" name="Content Placeholder 3"/>
           <p:cNvSpPr>
             <a:spLocks noGrp="1"/>
           </p:cNvSpPr>
           <p:nvPr>
-            <p:ph idx="1"/>
-          </p:nvPr>
-        </p:nvSpPr>
-        <p:spPr/>
+            <p:ph sz="half" idx="2"/>
+          </p:nvPr>
+        </p:nvSpPr>
+        <p:spPr>
+          <a:xfrm>
+            <a:off x="3995936" y="1267199"/>
+            <a:ext cx="4055166" cy="3176759"/>
+          </a:xfrm>
+        </p:spPr>
         <p:txBody>
           <a:bodyPr/>
           <a:lstStyle/>
           <a:p>
-            <a:endParaRPr lang="en-GB" dirty="0" smtClean="0"/>
-          </a:p>
-        </p:txBody>
-      </p:sp>
-      <p:sp>
-        <p:nvSpPr>
-          <p:cNvPr id="5" name="灯片编号占位符 4"/>
+            <a:r>
+              <a:rPr lang="en-GB" sz="1050" dirty="0"/>
+              <a:t>Buzzer, or </a:t>
+            </a:r>
+            <a:r>
+              <a:rPr lang="en-GB" sz="1050" dirty="0" err="1"/>
+              <a:t>Piezo</a:t>
+            </a:r>
+            <a:r>
+              <a:rPr lang="en-GB" sz="1050" dirty="0"/>
+              <a:t> speaker, is </a:t>
+            </a:r>
+            <a:r>
+              <a:rPr lang="en-GB" sz="1050" dirty="0" smtClean="0"/>
+              <a:t>being </a:t>
+            </a:r>
+            <a:r>
+              <a:rPr lang="en-GB" sz="1050" dirty="0"/>
+              <a:t>used as an alarm or </a:t>
+            </a:r>
+            <a:r>
+              <a:rPr lang="en-GB" sz="1050" dirty="0" smtClean="0"/>
+              <a:t>indicator</a:t>
+            </a:r>
+            <a:r>
+              <a:rPr lang="en-GB" sz="1050" dirty="0"/>
+              <a:t>.</a:t>
+            </a:r>
+            <a:endParaRPr lang="en-GB" sz="1050" dirty="0"/>
+          </a:p>
+        </p:txBody>
+      </p:sp>
+      <p:sp>
+        <p:nvSpPr>
+          <p:cNvPr id="6" name="灯片编号占位符 5"/>
           <p:cNvSpPr>
             <a:spLocks noGrp="1"/>
           </p:cNvSpPr>
@@ -12323,16 +12525,131 @@
           </a:p>
         </p:txBody>
       </p:sp>
+      <p:pic>
+        <p:nvPicPr>
+          <p:cNvPr id="2051" name="Picture 3"/>
+          <p:cNvPicPr>
+            <a:picLocks noChangeAspect="1" noChangeArrowheads="1"/>
+          </p:cNvPicPr>
+          <p:nvPr/>
+        </p:nvPicPr>
+        <p:blipFill>
+          <a:blip r:embed="rId2">
+            <a:extLst>
+              <a:ext uri="{28A0092B-C50C-407E-A947-70E740481C1C}">
+                <a14:useLocalDpi xmlns:a14="http://schemas.microsoft.com/office/drawing/2010/main" val="0"/>
+              </a:ext>
+            </a:extLst>
+          </a:blip>
+          <a:srcRect/>
+          <a:stretch>
+            <a:fillRect/>
+          </a:stretch>
+        </p:blipFill>
+        <p:spPr bwMode="auto">
+          <a:xfrm>
+            <a:off x="323528" y="1178045"/>
+            <a:ext cx="3124200" cy="2647950"/>
+          </a:xfrm>
+          <a:prstGeom prst="rect">
+            <a:avLst/>
+          </a:prstGeom>
+          <a:noFill/>
+          <a:ln>
+            <a:noFill/>
+          </a:ln>
+          <a:extLst>
+            <a:ext uri="{909E8E84-426E-40DD-AFC4-6F175D3DCCD1}">
+              <a14:hiddenFill xmlns:a14="http://schemas.microsoft.com/office/drawing/2010/main">
+                <a:solidFill>
+                  <a:schemeClr val="accent1"/>
+                </a:solidFill>
+              </a14:hiddenFill>
+            </a:ext>
+            <a:ext uri="{91240B29-F687-4F45-9708-019B960494DF}">
+              <a14:hiddenLine xmlns:a14="http://schemas.microsoft.com/office/drawing/2010/main" w="9525">
+                <a:solidFill>
+                  <a:schemeClr val="tx1"/>
+                </a:solidFill>
+                <a:miter lim="800000"/>
+                <a:headEnd/>
+                <a:tailEnd/>
+              </a14:hiddenLine>
+            </a:ext>
+          </a:extLst>
+        </p:spPr>
+      </p:pic>
+      <p:pic>
+        <p:nvPicPr>
+          <p:cNvPr id="2052" name="Picture 4"/>
+          <p:cNvPicPr>
+            <a:picLocks noChangeAspect="1" noChangeArrowheads="1"/>
+          </p:cNvPicPr>
+          <p:nvPr/>
+        </p:nvPicPr>
+        <p:blipFill>
+          <a:blip r:embed="rId3">
+            <a:extLst>
+              <a:ext uri="{28A0092B-C50C-407E-A947-70E740481C1C}">
+                <a14:useLocalDpi xmlns:a14="http://schemas.microsoft.com/office/drawing/2010/main" val="0"/>
+              </a:ext>
+            </a:extLst>
+          </a:blip>
+          <a:srcRect/>
+          <a:stretch>
+            <a:fillRect/>
+          </a:stretch>
+        </p:blipFill>
+        <p:spPr bwMode="auto">
+          <a:xfrm>
+            <a:off x="3779912" y="2283718"/>
+            <a:ext cx="5086672" cy="1133475"/>
+          </a:xfrm>
+          <a:prstGeom prst="rect">
+            <a:avLst/>
+          </a:prstGeom>
+          <a:noFill/>
+          <a:ln>
+            <a:noFill/>
+          </a:ln>
+          <a:extLst>
+            <a:ext uri="{909E8E84-426E-40DD-AFC4-6F175D3DCCD1}">
+              <a14:hiddenFill xmlns:a14="http://schemas.microsoft.com/office/drawing/2010/main">
+                <a:solidFill>
+                  <a:schemeClr val="accent1"/>
+                </a:solidFill>
+              </a14:hiddenFill>
+            </a:ext>
+            <a:ext uri="{91240B29-F687-4F45-9708-019B960494DF}">
+              <a14:hiddenLine xmlns:a14="http://schemas.microsoft.com/office/drawing/2010/main" w="9525">
+                <a:solidFill>
+                  <a:schemeClr val="tx1"/>
+                </a:solidFill>
+                <a:miter lim="800000"/>
+                <a:headEnd/>
+                <a:tailEnd/>
+              </a14:hiddenLine>
+            </a:ext>
+          </a:extLst>
+        </p:spPr>
+      </p:pic>
     </p:spTree>
     <p:extLst>
       <p:ext uri="{BB962C8B-B14F-4D97-AF65-F5344CB8AC3E}">
-        <p14:creationId xmlns:p14="http://schemas.microsoft.com/office/powerpoint/2010/main" val="1107435703"/>
+        <p14:creationId xmlns:p14="http://schemas.microsoft.com/office/powerpoint/2010/main" val="1247900463"/>
       </p:ext>
     </p:extLst>
   </p:cSld>
   <p:clrMapOvr>
     <a:masterClrMapping/>
   </p:clrMapOvr>
+  <p:timing>
+    <p:tnLst>
+      <p:par>
+        <p:cTn id="1" dur="indefinite" restart="never" nodeType="tmRoot"/>
+      </p:par>
+    </p:tnLst>
+  </p:timing>
 </p:sld>
 </file>
 
@@ -12370,6 +12687,109 @@
           <a:p>
             <a:r>
               <a:rPr lang="en-GB" dirty="0" smtClean="0"/>
+              <a:t>Air Quality</a:t>
+            </a:r>
+            <a:endParaRPr lang="en-GB" dirty="0"/>
+          </a:p>
+        </p:txBody>
+      </p:sp>
+      <p:sp>
+        <p:nvSpPr>
+          <p:cNvPr id="3" name="Content Placeholder 2"/>
+          <p:cNvSpPr>
+            <a:spLocks noGrp="1"/>
+          </p:cNvSpPr>
+          <p:nvPr>
+            <p:ph idx="1"/>
+          </p:nvPr>
+        </p:nvSpPr>
+        <p:spPr/>
+        <p:txBody>
+          <a:bodyPr/>
+          <a:lstStyle/>
+          <a:p>
+            <a:endParaRPr lang="en-GB" dirty="0" smtClean="0"/>
+          </a:p>
+        </p:txBody>
+      </p:sp>
+      <p:sp>
+        <p:nvSpPr>
+          <p:cNvPr id="5" name="灯片编号占位符 4"/>
+          <p:cNvSpPr>
+            <a:spLocks noGrp="1"/>
+          </p:cNvSpPr>
+          <p:nvPr>
+            <p:ph type="sldNum" sz="quarter" idx="10"/>
+          </p:nvPr>
+        </p:nvSpPr>
+        <p:spPr/>
+        <p:txBody>
+          <a:bodyPr/>
+          <a:lstStyle/>
+          <a:p>
+            <a:fld id="{F7E2903A-6526-4E0B-828D-C31687035264}" type="slidenum">
+              <a:rPr lang="en-GB" smtClean="0"/>
+              <a:pPr/>
+              <a:t>16</a:t>
+            </a:fld>
+            <a:endParaRPr lang="en-GB" dirty="0"/>
+          </a:p>
+        </p:txBody>
+      </p:sp>
+    </p:spTree>
+    <p:extLst>
+      <p:ext uri="{BB962C8B-B14F-4D97-AF65-F5344CB8AC3E}">
+        <p14:creationId xmlns:p14="http://schemas.microsoft.com/office/powerpoint/2010/main" val="1107435703"/>
+      </p:ext>
+    </p:extLst>
+  </p:cSld>
+  <p:clrMapOvr>
+    <a:masterClrMapping/>
+  </p:clrMapOvr>
+  <p:timing>
+    <p:tnLst>
+      <p:par>
+        <p:cTn id="1" dur="indefinite" restart="never" nodeType="tmRoot"/>
+      </p:par>
+    </p:tnLst>
+  </p:timing>
+</p:sld>
+</file>
+
+<file path=ppt/slides/slide17.xml><?xml version="1.0" encoding="utf-8"?>
+<p:sld xmlns:a="http://schemas.openxmlformats.org/drawingml/2006/main" xmlns:r="http://schemas.openxmlformats.org/officeDocument/2006/relationships" xmlns:p="http://schemas.openxmlformats.org/presentationml/2006/main">
+  <p:cSld>
+    <p:spTree>
+      <p:nvGrpSpPr>
+        <p:cNvPr id="1" name=""/>
+        <p:cNvGrpSpPr/>
+        <p:nvPr/>
+      </p:nvGrpSpPr>
+      <p:grpSpPr>
+        <a:xfrm>
+          <a:off x="0" y="0"/>
+          <a:ext cx="0" cy="0"/>
+          <a:chOff x="0" y="0"/>
+          <a:chExt cx="0" cy="0"/>
+        </a:xfrm>
+      </p:grpSpPr>
+      <p:sp>
+        <p:nvSpPr>
+          <p:cNvPr id="2" name="Title 1"/>
+          <p:cNvSpPr>
+            <a:spLocks noGrp="1"/>
+          </p:cNvSpPr>
+          <p:nvPr>
+            <p:ph type="title"/>
+          </p:nvPr>
+        </p:nvSpPr>
+        <p:spPr/>
+        <p:txBody>
+          <a:bodyPr/>
+          <a:lstStyle/>
+          <a:p>
+            <a:r>
+              <a:rPr lang="en-GB" dirty="0" smtClean="0"/>
               <a:t>Scenario</a:t>
             </a:r>
             <a:endParaRPr lang="en-GB" dirty="0"/>
@@ -12423,7 +12843,7 @@
             <a:fld id="{F7E2903A-6526-4E0B-828D-C31687035264}" type="slidenum">
               <a:rPr lang="en-GB" smtClean="0"/>
               <a:pPr/>
-              <a:t>16</a:t>
+              <a:t>17</a:t>
             </a:fld>
             <a:endParaRPr lang="en-GB" dirty="0"/>
           </a:p>
@@ -12629,82 +13049,13 @@
   <p:clrMapOvr>
     <a:masterClrMapping/>
   </p:clrMapOvr>
-</p:sld>
-</file>
-
-<file path=ppt/slides/slide17.xml><?xml version="1.0" encoding="utf-8"?>
-<p:sld xmlns:a="http://schemas.openxmlformats.org/drawingml/2006/main" xmlns:r="http://schemas.openxmlformats.org/officeDocument/2006/relationships" xmlns:p="http://schemas.openxmlformats.org/presentationml/2006/main">
-  <p:cSld>
-    <p:spTree>
-      <p:nvGrpSpPr>
-        <p:cNvPr id="1" name=""/>
-        <p:cNvGrpSpPr/>
-        <p:nvPr/>
-      </p:nvGrpSpPr>
-      <p:grpSpPr>
-        <a:xfrm>
-          <a:off x="0" y="0"/>
-          <a:ext cx="0" cy="0"/>
-          <a:chOff x="0" y="0"/>
-          <a:chExt cx="0" cy="0"/>
-        </a:xfrm>
-      </p:grpSpPr>
-      <p:sp>
-        <p:nvSpPr>
-          <p:cNvPr id="2" name="Title 1"/>
-          <p:cNvSpPr>
-            <a:spLocks noGrp="1"/>
-          </p:cNvSpPr>
-          <p:nvPr>
-            <p:ph type="ctrTitle"/>
-          </p:nvPr>
-        </p:nvSpPr>
-        <p:spPr/>
-        <p:txBody>
-          <a:bodyPr/>
-          <a:lstStyle/>
-          <a:p>
-            <a:r>
-              <a:rPr lang="en-GB" dirty="0" smtClean="0"/>
-              <a:t>Enhancement</a:t>
-            </a:r>
-            <a:endParaRPr lang="en-GB" dirty="0"/>
-          </a:p>
-        </p:txBody>
-      </p:sp>
-      <p:sp>
-        <p:nvSpPr>
-          <p:cNvPr id="3" name="Subtitle 2"/>
-          <p:cNvSpPr>
-            <a:spLocks noGrp="1"/>
-          </p:cNvSpPr>
-          <p:nvPr>
-            <p:ph type="subTitle" idx="1"/>
-          </p:nvPr>
-        </p:nvSpPr>
-        <p:spPr/>
-        <p:txBody>
-          <a:bodyPr/>
-          <a:lstStyle/>
-          <a:p>
-            <a:r>
-              <a:rPr lang="en-GB" dirty="0" smtClean="0"/>
-              <a:t>HHEM</a:t>
-            </a:r>
-            <a:endParaRPr lang="en-GB" dirty="0"/>
-          </a:p>
-        </p:txBody>
-      </p:sp>
-    </p:spTree>
-    <p:extLst>
-      <p:ext uri="{BB962C8B-B14F-4D97-AF65-F5344CB8AC3E}">
-        <p14:creationId xmlns:p14="http://schemas.microsoft.com/office/powerpoint/2010/main" val="643548604"/>
-      </p:ext>
-    </p:extLst>
-  </p:cSld>
-  <p:clrMapOvr>
-    <a:masterClrMapping/>
-  </p:clrMapOvr>
+  <p:timing>
+    <p:tnLst>
+      <p:par>
+        <p:cTn id="1" dur="indefinite" restart="never" nodeType="tmRoot"/>
+      </p:par>
+    </p:tnLst>
+  </p:timing>
 </p:sld>
 </file>
 
@@ -12732,7 +13083,7 @@
             <a:spLocks noGrp="1"/>
           </p:cNvSpPr>
           <p:nvPr>
-            <p:ph type="title"/>
+            <p:ph type="ctrTitle"/>
           </p:nvPr>
         </p:nvSpPr>
         <p:spPr/>
@@ -12742,7 +13093,7 @@
           <a:p>
             <a:r>
               <a:rPr lang="en-GB" dirty="0" smtClean="0"/>
-              <a:t>Proposal</a:t>
+              <a:t>Enhancement</a:t>
             </a:r>
             <a:endParaRPr lang="en-GB" dirty="0"/>
           </a:p>
@@ -12750,12 +13101,12 @@
       </p:sp>
       <p:sp>
         <p:nvSpPr>
-          <p:cNvPr id="3" name="Content Placeholder 2"/>
+          <p:cNvPr id="3" name="Subtitle 2"/>
           <p:cNvSpPr>
             <a:spLocks noGrp="1"/>
           </p:cNvSpPr>
           <p:nvPr>
-            <p:ph idx="1"/>
+            <p:ph type="subTitle" idx="1"/>
           </p:nvPr>
         </p:nvSpPr>
         <p:spPr/>
@@ -12765,34 +13116,8 @@
           <a:p>
             <a:r>
               <a:rPr lang="en-GB" dirty="0" smtClean="0"/>
-              <a:t>Human Detecting</a:t>
-            </a:r>
-          </a:p>
-          <a:p>
-            <a:endParaRPr lang="en-GB" dirty="0" smtClean="0"/>
-          </a:p>
-        </p:txBody>
-      </p:sp>
-      <p:sp>
-        <p:nvSpPr>
-          <p:cNvPr id="5" name="灯片编号占位符 4"/>
-          <p:cNvSpPr>
-            <a:spLocks noGrp="1"/>
-          </p:cNvSpPr>
-          <p:nvPr>
-            <p:ph type="sldNum" sz="quarter" idx="10"/>
-          </p:nvPr>
-        </p:nvSpPr>
-        <p:spPr/>
-        <p:txBody>
-          <a:bodyPr/>
-          <a:lstStyle/>
-          <a:p>
-            <a:fld id="{F7E2903A-6526-4E0B-828D-C31687035264}" type="slidenum">
-              <a:rPr lang="en-GB" smtClean="0"/>
-              <a:pPr/>
-              <a:t>18</a:t>
-            </a:fld>
+              <a:t>HHEM</a:t>
+            </a:r>
             <a:endParaRPr lang="en-GB" dirty="0"/>
           </a:p>
         </p:txBody>
@@ -12800,13 +13125,20 @@
     </p:spTree>
     <p:extLst>
       <p:ext uri="{BB962C8B-B14F-4D97-AF65-F5344CB8AC3E}">
-        <p14:creationId xmlns:p14="http://schemas.microsoft.com/office/powerpoint/2010/main" val="3732645470"/>
+        <p14:creationId xmlns:p14="http://schemas.microsoft.com/office/powerpoint/2010/main" val="643548604"/>
       </p:ext>
     </p:extLst>
   </p:cSld>
   <p:clrMapOvr>
     <a:masterClrMapping/>
   </p:clrMapOvr>
+  <p:timing>
+    <p:tnLst>
+      <p:par>
+        <p:cTn id="1" dur="indefinite" restart="never" nodeType="tmRoot"/>
+      </p:par>
+    </p:tnLst>
+  </p:timing>
 </p:sld>
 </file>
 
@@ -12842,7 +13174,11 @@
           <a:bodyPr/>
           <a:lstStyle/>
           <a:p>
-            <a:endParaRPr lang="en-GB"/>
+            <a:r>
+              <a:rPr lang="en-GB" dirty="0" smtClean="0"/>
+              <a:t>Proposal</a:t>
+            </a:r>
+            <a:endParaRPr lang="en-GB" dirty="0"/>
           </a:p>
         </p:txBody>
       </p:sp>
@@ -12853,7 +13189,7 @@
             <a:spLocks noGrp="1"/>
           </p:cNvSpPr>
           <p:nvPr>
-            <p:ph sz="half" idx="1"/>
+            <p:ph idx="1"/>
           </p:nvPr>
         </p:nvSpPr>
         <p:spPr/>
@@ -12861,32 +13197,19 @@
           <a:bodyPr/>
           <a:lstStyle/>
           <a:p>
-            <a:endParaRPr lang="en-GB" dirty="0"/>
-          </a:p>
-        </p:txBody>
-      </p:sp>
-      <p:sp>
-        <p:nvSpPr>
-          <p:cNvPr id="4" name="Content Placeholder 3"/>
-          <p:cNvSpPr>
-            <a:spLocks noGrp="1"/>
-          </p:cNvSpPr>
-          <p:nvPr>
-            <p:ph sz="half" idx="2"/>
-          </p:nvPr>
-        </p:nvSpPr>
-        <p:spPr/>
-        <p:txBody>
-          <a:bodyPr/>
-          <a:lstStyle/>
-          <a:p>
-            <a:endParaRPr lang="en-GB" dirty="0"/>
-          </a:p>
-        </p:txBody>
-      </p:sp>
-      <p:sp>
-        <p:nvSpPr>
-          <p:cNvPr id="6" name="灯片编号占位符 5"/>
+            <a:r>
+              <a:rPr lang="en-GB" dirty="0" smtClean="0"/>
+              <a:t>Human Detecting</a:t>
+            </a:r>
+          </a:p>
+          <a:p>
+            <a:endParaRPr lang="en-GB" dirty="0" smtClean="0"/>
+          </a:p>
+        </p:txBody>
+      </p:sp>
+      <p:sp>
+        <p:nvSpPr>
+          <p:cNvPr id="5" name="灯片编号占位符 4"/>
           <p:cNvSpPr>
             <a:spLocks noGrp="1"/>
           </p:cNvSpPr>
@@ -12911,13 +13234,20 @@
     </p:spTree>
     <p:extLst>
       <p:ext uri="{BB962C8B-B14F-4D97-AF65-F5344CB8AC3E}">
-        <p14:creationId xmlns:p14="http://schemas.microsoft.com/office/powerpoint/2010/main" val="2471984264"/>
+        <p14:creationId xmlns:p14="http://schemas.microsoft.com/office/powerpoint/2010/main" val="3732645470"/>
       </p:ext>
     </p:extLst>
   </p:cSld>
   <p:clrMapOvr>
     <a:masterClrMapping/>
   </p:clrMapOvr>
+  <p:timing>
+    <p:tnLst>
+      <p:par>
+        <p:cTn id="1" dur="indefinite" restart="never" nodeType="tmRoot"/>
+      </p:par>
+    </p:tnLst>
+  </p:timing>
 </p:sld>
 </file>
 
@@ -13040,6 +13370,13 @@
   <p:clrMapOvr>
     <a:masterClrMapping/>
   </p:clrMapOvr>
+  <p:timing>
+    <p:tnLst>
+      <p:par>
+        <p:cTn id="1" dur="indefinite" restart="never" nodeType="tmRoot"/>
+      </p:par>
+    </p:tnLst>
+  </p:timing>
 </p:sld>
 </file>
 
@@ -13062,6 +13399,124 @@
       </p:grpSpPr>
       <p:sp>
         <p:nvSpPr>
+          <p:cNvPr id="2" name="Title 1"/>
+          <p:cNvSpPr>
+            <a:spLocks noGrp="1"/>
+          </p:cNvSpPr>
+          <p:nvPr>
+            <p:ph type="title"/>
+          </p:nvPr>
+        </p:nvSpPr>
+        <p:spPr/>
+        <p:txBody>
+          <a:bodyPr/>
+          <a:lstStyle/>
+          <a:p>
+            <a:endParaRPr lang="en-GB"/>
+          </a:p>
+        </p:txBody>
+      </p:sp>
+      <p:sp>
+        <p:nvSpPr>
+          <p:cNvPr id="3" name="Content Placeholder 2"/>
+          <p:cNvSpPr>
+            <a:spLocks noGrp="1"/>
+          </p:cNvSpPr>
+          <p:nvPr>
+            <p:ph sz="half" idx="1"/>
+          </p:nvPr>
+        </p:nvSpPr>
+        <p:spPr/>
+        <p:txBody>
+          <a:bodyPr/>
+          <a:lstStyle/>
+          <a:p>
+            <a:endParaRPr lang="en-GB" dirty="0"/>
+          </a:p>
+        </p:txBody>
+      </p:sp>
+      <p:sp>
+        <p:nvSpPr>
+          <p:cNvPr id="4" name="Content Placeholder 3"/>
+          <p:cNvSpPr>
+            <a:spLocks noGrp="1"/>
+          </p:cNvSpPr>
+          <p:nvPr>
+            <p:ph sz="half" idx="2"/>
+          </p:nvPr>
+        </p:nvSpPr>
+        <p:spPr/>
+        <p:txBody>
+          <a:bodyPr/>
+          <a:lstStyle/>
+          <a:p>
+            <a:endParaRPr lang="en-GB" dirty="0"/>
+          </a:p>
+        </p:txBody>
+      </p:sp>
+      <p:sp>
+        <p:nvSpPr>
+          <p:cNvPr id="6" name="灯片编号占位符 5"/>
+          <p:cNvSpPr>
+            <a:spLocks noGrp="1"/>
+          </p:cNvSpPr>
+          <p:nvPr>
+            <p:ph type="sldNum" sz="quarter" idx="10"/>
+          </p:nvPr>
+        </p:nvSpPr>
+        <p:spPr/>
+        <p:txBody>
+          <a:bodyPr/>
+          <a:lstStyle/>
+          <a:p>
+            <a:fld id="{F7E2903A-6526-4E0B-828D-C31687035264}" type="slidenum">
+              <a:rPr lang="en-GB" smtClean="0"/>
+              <a:pPr/>
+              <a:t>20</a:t>
+            </a:fld>
+            <a:endParaRPr lang="en-GB" dirty="0"/>
+          </a:p>
+        </p:txBody>
+      </p:sp>
+    </p:spTree>
+    <p:extLst>
+      <p:ext uri="{BB962C8B-B14F-4D97-AF65-F5344CB8AC3E}">
+        <p14:creationId xmlns:p14="http://schemas.microsoft.com/office/powerpoint/2010/main" val="2471984264"/>
+      </p:ext>
+    </p:extLst>
+  </p:cSld>
+  <p:clrMapOvr>
+    <a:masterClrMapping/>
+  </p:clrMapOvr>
+  <p:timing>
+    <p:tnLst>
+      <p:par>
+        <p:cTn id="1" dur="indefinite" restart="never" nodeType="tmRoot"/>
+      </p:par>
+    </p:tnLst>
+  </p:timing>
+</p:sld>
+</file>
+
+<file path=ppt/slides/slide21.xml><?xml version="1.0" encoding="utf-8"?>
+<p:sld xmlns:a="http://schemas.openxmlformats.org/drawingml/2006/main" xmlns:r="http://schemas.openxmlformats.org/officeDocument/2006/relationships" xmlns:p="http://schemas.openxmlformats.org/presentationml/2006/main">
+  <p:cSld>
+    <p:spTree>
+      <p:nvGrpSpPr>
+        <p:cNvPr id="1" name=""/>
+        <p:cNvGrpSpPr/>
+        <p:nvPr/>
+      </p:nvGrpSpPr>
+      <p:grpSpPr>
+        <a:xfrm>
+          <a:off x="0" y="0"/>
+          <a:ext cx="0" cy="0"/>
+          <a:chOff x="0" y="0"/>
+          <a:chExt cx="0" cy="0"/>
+        </a:xfrm>
+      </p:grpSpPr>
+      <p:sp>
+        <p:nvSpPr>
           <p:cNvPr id="2" name="CONTACTINFO"/>
           <p:cNvSpPr txBox="1"/>
           <p:nvPr/>
@@ -13157,6 +13612,13 @@
   <p:clrMapOvr>
     <a:masterClrMapping/>
   </p:clrMapOvr>
+  <p:timing>
+    <p:tnLst>
+      <p:par>
+        <p:cTn id="1" dur="indefinite" restart="never" nodeType="tmRoot"/>
+      </p:par>
+    </p:tnLst>
+  </p:timing>
 </p:sld>
 </file>
 
@@ -13318,6 +13780,13 @@
   <p:clrMapOvr>
     <a:masterClrMapping/>
   </p:clrMapOvr>
+  <p:timing>
+    <p:tnLst>
+      <p:par>
+        <p:cTn id="1" dur="indefinite" restart="never" nodeType="tmRoot"/>
+      </p:par>
+    </p:tnLst>
+  </p:timing>
 </p:sld>
 </file>
 
@@ -13394,6 +13863,13 @@
   <p:clrMapOvr>
     <a:masterClrMapping/>
   </p:clrMapOvr>
+  <p:timing>
+    <p:tnLst>
+      <p:par>
+        <p:cTn id="1" dur="indefinite" restart="never" nodeType="tmRoot"/>
+      </p:par>
+    </p:tnLst>
+  </p:timing>
 </p:sld>
 </file>
 
@@ -13522,6 +13998,13 @@
   <p:clrMapOvr>
     <a:masterClrMapping/>
   </p:clrMapOvr>
+  <p:timing>
+    <p:tnLst>
+      <p:par>
+        <p:cTn id="1" dur="indefinite" restart="never" nodeType="tmRoot"/>
+      </p:par>
+    </p:tnLst>
+  </p:timing>
 </p:sld>
 </file>
 
@@ -13598,6 +14081,13 @@
   <p:clrMapOvr>
     <a:masterClrMapping/>
   </p:clrMapOvr>
+  <p:timing>
+    <p:tnLst>
+      <p:par>
+        <p:cTn id="1" dur="indefinite" restart="never" nodeType="tmRoot"/>
+      </p:par>
+    </p:tnLst>
+  </p:timing>
 </p:sld>
 </file>
 
@@ -13733,6 +14223,13 @@
   <p:clrMapOvr>
     <a:masterClrMapping/>
   </p:clrMapOvr>
+  <p:timing>
+    <p:tnLst>
+      <p:par>
+        <p:cTn id="1" dur="indefinite" restart="never" nodeType="tmRoot"/>
+      </p:par>
+    </p:tnLst>
+  </p:timing>
 </p:sld>
 </file>
 
@@ -13809,6 +14306,13 @@
   <p:clrMapOvr>
     <a:masterClrMapping/>
   </p:clrMapOvr>
+  <p:timing>
+    <p:tnLst>
+      <p:par>
+        <p:cTn id="1" dur="indefinite" restart="never" nodeType="tmRoot"/>
+      </p:par>
+    </p:tnLst>
+  </p:timing>
 </p:sld>
 </file>
 
@@ -13914,6 +14418,13 @@
   <p:clrMapOvr>
     <a:masterClrMapping/>
   </p:clrMapOvr>
+  <p:timing>
+    <p:tnLst>
+      <p:par>
+        <p:cTn id="1" dur="indefinite" restart="never" nodeType="tmRoot"/>
+      </p:par>
+    </p:tnLst>
+  </p:timing>
 </p:sld>
 </file>
 
@@ -14296,7 +14807,7 @@
   </a:extraClrSchemeLst>
   <a:extLst>
     <a:ext uri="{05A4C25C-085E-4340-85A3-A5531E510DB2}">
-      <thm15:themeFamily xmlns:thm15="http://schemas.microsoft.com/office/thememl/2012/main" name="TietoWide.potx" id="{407FC52C-B31F-416B-B0DF-E64EDCAD1AAD}" vid="{D1606DFC-6FAD-4E06-AAC4-8659CF7D3AA4}"/>
+      <thm15:themeFamily xmlns:thm15="http://schemas.microsoft.com/office/thememl/2012/main" xmlns="" name="TietoWide.potx" id="{407FC52C-B31F-416B-B0DF-E64EDCAD1AAD}" vid="{D1606DFC-6FAD-4E06-AAC4-8659CF7D3AA4}"/>
     </a:ext>
   </a:extLst>
 </a:theme>
@@ -14693,7 +15204,7 @@
   </a:extraClrSchemeLst>
   <a:extLst>
     <a:ext uri="{05A4C25C-085E-4340-85A3-A5531E510DB2}">
-      <thm15:themeFamily xmlns:thm15="http://schemas.microsoft.com/office/thememl/2012/main" name="TietoWide.potx" id="{407FC52C-B31F-416B-B0DF-E64EDCAD1AAD}" vid="{28909277-7591-4C81-9516-753778D0A93A}"/>
+      <thm15:themeFamily xmlns:thm15="http://schemas.microsoft.com/office/thememl/2012/main" xmlns="" name="TietoWide.potx" id="{407FC52C-B31F-416B-B0DF-E64EDCAD1AAD}" vid="{28909277-7591-4C81-9516-753778D0A93A}"/>
     </a:ext>
   </a:extLst>
 </a:theme>
@@ -15090,7 +15601,7 @@
   </a:extraClrSchemeLst>
   <a:extLst>
     <a:ext uri="{05A4C25C-085E-4340-85A3-A5531E510DB2}">
-      <thm15:themeFamily xmlns:thm15="http://schemas.microsoft.com/office/thememl/2012/main" name="TietoWide.potx" id="{407FC52C-B31F-416B-B0DF-E64EDCAD1AAD}" vid="{21F28A9E-4B05-468D-95BF-99C04B67B517}"/>
+      <thm15:themeFamily xmlns:thm15="http://schemas.microsoft.com/office/thememl/2012/main" xmlns="" name="TietoWide.potx" id="{407FC52C-B31F-416B-B0DF-E64EDCAD1AAD}" vid="{21F28A9E-4B05-468D-95BF-99C04B67B517}"/>
     </a:ext>
   </a:extLst>
 </a:theme>
@@ -15487,7 +15998,7 @@
   </a:extraClrSchemeLst>
   <a:extLst>
     <a:ext uri="{05A4C25C-085E-4340-85A3-A5531E510DB2}">
-      <thm15:themeFamily xmlns:thm15="http://schemas.microsoft.com/office/thememl/2012/main" name="TietoWide.potx" id="{407FC52C-B31F-416B-B0DF-E64EDCAD1AAD}" vid="{F89F9D2D-6F40-4A37-93D4-5871285F8B21}"/>
+      <thm15:themeFamily xmlns:thm15="http://schemas.microsoft.com/office/thememl/2012/main" xmlns="" name="TietoWide.potx" id="{407FC52C-B31F-416B-B0DF-E64EDCAD1AAD}" vid="{F89F9D2D-6F40-4A37-93D4-5871285F8B21}"/>
     </a:ext>
   </a:extLst>
 </a:theme>

--- a/hand-held_environment_monitor_Template.pptx
+++ b/hand-held_environment_monitor_Template.pptx
@@ -135,7 +135,7 @@
   </p:defaultTextStyle>
   <p:extLst>
     <p:ext uri="{EFAFB233-063F-42B5-8137-9DF3F51BA10A}">
-      <p15:sldGuideLst xmlns:p15="http://schemas.microsoft.com/office/powerpoint/2012/main" xmlns="">
+      <p15:sldGuideLst xmlns:p15="http://schemas.microsoft.com/office/powerpoint/2012/main">
         <p15:guide id="1" orient="horz" pos="1620">
           <p15:clr>
             <a:srgbClr val="A4A3A4"/>
@@ -149,7 +149,7 @@
       </p15:sldGuideLst>
     </p:ext>
     <p:ext uri="{2D200454-40CA-4A62-9FC3-DE9A4176ACB9}">
-      <p15:notesGuideLst xmlns:p15="http://schemas.microsoft.com/office/powerpoint/2012/main" xmlns="">
+      <p15:notesGuideLst xmlns:p15="http://schemas.microsoft.com/office/powerpoint/2012/main">
         <p15:guide id="1" orient="horz" pos="2880">
           <p15:clr>
             <a:srgbClr val="A4A3A4"/>
@@ -11987,7 +11987,12 @@
             <p:ph type="title"/>
           </p:nvPr>
         </p:nvSpPr>
-        <p:spPr/>
+        <p:spPr>
+          <a:xfrm>
+            <a:off x="396000" y="144718"/>
+            <a:ext cx="8229600" cy="740437"/>
+          </a:xfrm>
+        </p:spPr>
         <p:txBody>
           <a:bodyPr/>
           <a:lstStyle/>
@@ -12012,8 +12017,8 @@
         </p:nvSpPr>
         <p:spPr>
           <a:xfrm>
-            <a:off x="3995936" y="1267199"/>
-            <a:ext cx="4055166" cy="3176759"/>
+            <a:off x="3995936" y="1059583"/>
+            <a:ext cx="4055166" cy="3384376"/>
           </a:xfrm>
         </p:spPr>
         <p:txBody>
@@ -12131,7 +12136,7 @@
       </p:pic>
       <p:pic>
         <p:nvPicPr>
-          <p:cNvPr id="8" name="Picture 7"/>
+          <p:cNvPr id="5" name="Picture 4"/>
           <p:cNvPicPr>
             <a:picLocks noChangeAspect="1"/>
           </p:cNvPicPr>
@@ -12145,8 +12150,8 @@
         </p:blipFill>
         <p:spPr>
           <a:xfrm>
-            <a:off x="3851920" y="2427734"/>
-            <a:ext cx="4896544" cy="1728192"/>
+            <a:off x="3923928" y="2192533"/>
+            <a:ext cx="4896544" cy="2251425"/>
           </a:xfrm>
           <a:prstGeom prst="rect">
             <a:avLst/>
@@ -12497,7 +12502,6 @@
               <a:rPr lang="en-GB" sz="1050" dirty="0"/>
               <a:t>.</a:t>
             </a:r>
-            <a:endParaRPr lang="en-GB" sz="1050" dirty="0"/>
           </a:p>
         </p:txBody>
       </p:sp>
@@ -14807,7 +14811,7 @@
   </a:extraClrSchemeLst>
   <a:extLst>
     <a:ext uri="{05A4C25C-085E-4340-85A3-A5531E510DB2}">
-      <thm15:themeFamily xmlns:thm15="http://schemas.microsoft.com/office/thememl/2012/main" xmlns="" name="TietoWide.potx" id="{407FC52C-B31F-416B-B0DF-E64EDCAD1AAD}" vid="{D1606DFC-6FAD-4E06-AAC4-8659CF7D3AA4}"/>
+      <thm15:themeFamily xmlns:thm15="http://schemas.microsoft.com/office/thememl/2012/main" name="TietoWide.potx" id="{407FC52C-B31F-416B-B0DF-E64EDCAD1AAD}" vid="{D1606DFC-6FAD-4E06-AAC4-8659CF7D3AA4}"/>
     </a:ext>
   </a:extLst>
 </a:theme>
@@ -15204,7 +15208,7 @@
   </a:extraClrSchemeLst>
   <a:extLst>
     <a:ext uri="{05A4C25C-085E-4340-85A3-A5531E510DB2}">
-      <thm15:themeFamily xmlns:thm15="http://schemas.microsoft.com/office/thememl/2012/main" xmlns="" name="TietoWide.potx" id="{407FC52C-B31F-416B-B0DF-E64EDCAD1AAD}" vid="{28909277-7591-4C81-9516-753778D0A93A}"/>
+      <thm15:themeFamily xmlns:thm15="http://schemas.microsoft.com/office/thememl/2012/main" name="TietoWide.potx" id="{407FC52C-B31F-416B-B0DF-E64EDCAD1AAD}" vid="{28909277-7591-4C81-9516-753778D0A93A}"/>
     </a:ext>
   </a:extLst>
 </a:theme>
@@ -15601,7 +15605,7 @@
   </a:extraClrSchemeLst>
   <a:extLst>
     <a:ext uri="{05A4C25C-085E-4340-85A3-A5531E510DB2}">
-      <thm15:themeFamily xmlns:thm15="http://schemas.microsoft.com/office/thememl/2012/main" xmlns="" name="TietoWide.potx" id="{407FC52C-B31F-416B-B0DF-E64EDCAD1AAD}" vid="{21F28A9E-4B05-468D-95BF-99C04B67B517}"/>
+      <thm15:themeFamily xmlns:thm15="http://schemas.microsoft.com/office/thememl/2012/main" name="TietoWide.potx" id="{407FC52C-B31F-416B-B0DF-E64EDCAD1AAD}" vid="{21F28A9E-4B05-468D-95BF-99C04B67B517}"/>
     </a:ext>
   </a:extLst>
 </a:theme>
@@ -15998,7 +16002,7 @@
   </a:extraClrSchemeLst>
   <a:extLst>
     <a:ext uri="{05A4C25C-085E-4340-85A3-A5531E510DB2}">
-      <thm15:themeFamily xmlns:thm15="http://schemas.microsoft.com/office/thememl/2012/main" xmlns="" name="TietoWide.potx" id="{407FC52C-B31F-416B-B0DF-E64EDCAD1AAD}" vid="{F89F9D2D-6F40-4A37-93D4-5871285F8B21}"/>
+      <thm15:themeFamily xmlns:thm15="http://schemas.microsoft.com/office/thememl/2012/main" name="TietoWide.potx" id="{407FC52C-B31F-416B-B0DF-E64EDCAD1AAD}" vid="{F89F9D2D-6F40-4A37-93D4-5871285F8B21}"/>
     </a:ext>
   </a:extLst>
 </a:theme>

--- a/hand-held_environment_monitor_Template.pptx
+++ b/hand-held_environment_monitor_Template.pptx
@@ -8,10 +8,10 @@
     <p:sldMasterId id="2147483699" r:id="rId4"/>
   </p:sldMasterIdLst>
   <p:notesMasterIdLst>
-    <p:notesMasterId r:id="rId26"/>
+    <p:notesMasterId r:id="rId29"/>
   </p:notesMasterIdLst>
   <p:handoutMasterIdLst>
-    <p:handoutMasterId r:id="rId27"/>
+    <p:handoutMasterId r:id="rId30"/>
   </p:handoutMasterIdLst>
   <p:sldIdLst>
     <p:sldId id="256" r:id="rId5"/>
@@ -23,18 +23,21 @@
     <p:sldId id="268" r:id="rId11"/>
     <p:sldId id="264" r:id="rId12"/>
     <p:sldId id="267" r:id="rId13"/>
-    <p:sldId id="269" r:id="rId14"/>
-    <p:sldId id="270" r:id="rId15"/>
-    <p:sldId id="278" r:id="rId16"/>
-    <p:sldId id="280" r:id="rId17"/>
-    <p:sldId id="281" r:id="rId18"/>
-    <p:sldId id="282" r:id="rId19"/>
-    <p:sldId id="274" r:id="rId20"/>
-    <p:sldId id="279" r:id="rId21"/>
-    <p:sldId id="276" r:id="rId22"/>
-    <p:sldId id="277" r:id="rId23"/>
-    <p:sldId id="265" r:id="rId24"/>
-    <p:sldId id="261" r:id="rId25"/>
+    <p:sldId id="284" r:id="rId14"/>
+    <p:sldId id="285" r:id="rId15"/>
+    <p:sldId id="283" r:id="rId16"/>
+    <p:sldId id="269" r:id="rId17"/>
+    <p:sldId id="270" r:id="rId18"/>
+    <p:sldId id="278" r:id="rId19"/>
+    <p:sldId id="280" r:id="rId20"/>
+    <p:sldId id="281" r:id="rId21"/>
+    <p:sldId id="282" r:id="rId22"/>
+    <p:sldId id="274" r:id="rId23"/>
+    <p:sldId id="279" r:id="rId24"/>
+    <p:sldId id="276" r:id="rId25"/>
+    <p:sldId id="277" r:id="rId26"/>
+    <p:sldId id="265" r:id="rId27"/>
+    <p:sldId id="261" r:id="rId28"/>
   </p:sldIdLst>
   <p:sldSz cx="9144000" cy="5143500" type="screen16x9"/>
   <p:notesSz cx="6858000" cy="9144000"/>
@@ -164,6 +167,3043 @@
     </p:ext>
   </p:extLst>
 </p:presentation>
+</file>
+
+<file path=ppt/diagrams/colors1.xml><?xml version="1.0" encoding="utf-8"?>
+<dgm:colorsDef xmlns:dgm="http://schemas.openxmlformats.org/drawingml/2006/diagram" xmlns:a="http://schemas.openxmlformats.org/drawingml/2006/main" uniqueId="urn:microsoft.com/office/officeart/2005/8/colors/accent1_2">
+  <dgm:title val=""/>
+  <dgm:desc val=""/>
+  <dgm:catLst>
+    <dgm:cat type="accent1" pri="11200"/>
+  </dgm:catLst>
+  <dgm:styleLbl name="node0">
+    <dgm:fillClrLst meth="repeat">
+      <a:schemeClr val="accent1"/>
+    </dgm:fillClrLst>
+    <dgm:linClrLst meth="repeat">
+      <a:schemeClr val="lt1"/>
+    </dgm:linClrLst>
+    <dgm:effectClrLst/>
+    <dgm:txLinClrLst/>
+    <dgm:txFillClrLst/>
+    <dgm:txEffectClrLst/>
+  </dgm:styleLbl>
+  <dgm:styleLbl name="alignNode1">
+    <dgm:fillClrLst meth="repeat">
+      <a:schemeClr val="accent1"/>
+    </dgm:fillClrLst>
+    <dgm:linClrLst meth="repeat">
+      <a:schemeClr val="accent1"/>
+    </dgm:linClrLst>
+    <dgm:effectClrLst/>
+    <dgm:txLinClrLst/>
+    <dgm:txFillClrLst/>
+    <dgm:txEffectClrLst/>
+  </dgm:styleLbl>
+  <dgm:styleLbl name="node1">
+    <dgm:fillClrLst meth="repeat">
+      <a:schemeClr val="accent1"/>
+    </dgm:fillClrLst>
+    <dgm:linClrLst meth="repeat">
+      <a:schemeClr val="lt1"/>
+    </dgm:linClrLst>
+    <dgm:effectClrLst/>
+    <dgm:txLinClrLst/>
+    <dgm:txFillClrLst/>
+    <dgm:txEffectClrLst/>
+  </dgm:styleLbl>
+  <dgm:styleLbl name="lnNode1">
+    <dgm:fillClrLst meth="repeat">
+      <a:schemeClr val="accent1"/>
+    </dgm:fillClrLst>
+    <dgm:linClrLst meth="repeat">
+      <a:schemeClr val="lt1"/>
+    </dgm:linClrLst>
+    <dgm:effectClrLst/>
+    <dgm:txLinClrLst/>
+    <dgm:txFillClrLst/>
+    <dgm:txEffectClrLst/>
+  </dgm:styleLbl>
+  <dgm:styleLbl name="vennNode1">
+    <dgm:fillClrLst meth="repeat">
+      <a:schemeClr val="accent1">
+        <a:alpha val="50000"/>
+      </a:schemeClr>
+    </dgm:fillClrLst>
+    <dgm:linClrLst meth="repeat">
+      <a:schemeClr val="lt1"/>
+    </dgm:linClrLst>
+    <dgm:effectClrLst/>
+    <dgm:txLinClrLst/>
+    <dgm:txFillClrLst/>
+    <dgm:txEffectClrLst/>
+  </dgm:styleLbl>
+  <dgm:styleLbl name="node2">
+    <dgm:fillClrLst meth="repeat">
+      <a:schemeClr val="accent1"/>
+    </dgm:fillClrLst>
+    <dgm:linClrLst meth="repeat">
+      <a:schemeClr val="lt1"/>
+    </dgm:linClrLst>
+    <dgm:effectClrLst/>
+    <dgm:txLinClrLst/>
+    <dgm:txFillClrLst/>
+    <dgm:txEffectClrLst/>
+  </dgm:styleLbl>
+  <dgm:styleLbl name="node3">
+    <dgm:fillClrLst meth="repeat">
+      <a:schemeClr val="accent1"/>
+    </dgm:fillClrLst>
+    <dgm:linClrLst meth="repeat">
+      <a:schemeClr val="lt1"/>
+    </dgm:linClrLst>
+    <dgm:effectClrLst/>
+    <dgm:txLinClrLst/>
+    <dgm:txFillClrLst/>
+    <dgm:txEffectClrLst/>
+  </dgm:styleLbl>
+  <dgm:styleLbl name="node4">
+    <dgm:fillClrLst meth="repeat">
+      <a:schemeClr val="accent1"/>
+    </dgm:fillClrLst>
+    <dgm:linClrLst meth="repeat">
+      <a:schemeClr val="lt1"/>
+    </dgm:linClrLst>
+    <dgm:effectClrLst/>
+    <dgm:txLinClrLst/>
+    <dgm:txFillClrLst/>
+    <dgm:txEffectClrLst/>
+  </dgm:styleLbl>
+  <dgm:styleLbl name="fgImgPlace1">
+    <dgm:fillClrLst meth="repeat">
+      <a:schemeClr val="accent1">
+        <a:tint val="50000"/>
+      </a:schemeClr>
+    </dgm:fillClrLst>
+    <dgm:linClrLst meth="repeat">
+      <a:schemeClr val="lt1"/>
+    </dgm:linClrLst>
+    <dgm:effectClrLst/>
+    <dgm:txLinClrLst/>
+    <dgm:txFillClrLst meth="repeat">
+      <a:schemeClr val="lt1"/>
+    </dgm:txFillClrLst>
+    <dgm:txEffectClrLst/>
+  </dgm:styleLbl>
+  <dgm:styleLbl name="alignImgPlace1">
+    <dgm:fillClrLst meth="repeat">
+      <a:schemeClr val="accent1">
+        <a:tint val="50000"/>
+      </a:schemeClr>
+    </dgm:fillClrLst>
+    <dgm:linClrLst meth="repeat">
+      <a:schemeClr val="lt1"/>
+    </dgm:linClrLst>
+    <dgm:effectClrLst/>
+    <dgm:txLinClrLst/>
+    <dgm:txFillClrLst meth="repeat">
+      <a:schemeClr val="lt1"/>
+    </dgm:txFillClrLst>
+    <dgm:txEffectClrLst/>
+  </dgm:styleLbl>
+  <dgm:styleLbl name="bgImgPlace1">
+    <dgm:fillClrLst meth="repeat">
+      <a:schemeClr val="accent1">
+        <a:tint val="50000"/>
+      </a:schemeClr>
+    </dgm:fillClrLst>
+    <dgm:linClrLst meth="repeat">
+      <a:schemeClr val="lt1"/>
+    </dgm:linClrLst>
+    <dgm:effectClrLst/>
+    <dgm:txLinClrLst/>
+    <dgm:txFillClrLst meth="repeat">
+      <a:schemeClr val="lt1"/>
+    </dgm:txFillClrLst>
+    <dgm:txEffectClrLst/>
+  </dgm:styleLbl>
+  <dgm:styleLbl name="sibTrans2D1">
+    <dgm:fillClrLst meth="repeat">
+      <a:schemeClr val="accent1">
+        <a:tint val="60000"/>
+      </a:schemeClr>
+    </dgm:fillClrLst>
+    <dgm:linClrLst meth="repeat">
+      <a:schemeClr val="accent1">
+        <a:tint val="60000"/>
+      </a:schemeClr>
+    </dgm:linClrLst>
+    <dgm:effectClrLst/>
+    <dgm:txLinClrLst/>
+    <dgm:txFillClrLst/>
+    <dgm:txEffectClrLst/>
+  </dgm:styleLbl>
+  <dgm:styleLbl name="fgSibTrans2D1">
+    <dgm:fillClrLst meth="repeat">
+      <a:schemeClr val="accent1">
+        <a:tint val="60000"/>
+      </a:schemeClr>
+    </dgm:fillClrLst>
+    <dgm:linClrLst meth="repeat">
+      <a:schemeClr val="accent1">
+        <a:tint val="60000"/>
+      </a:schemeClr>
+    </dgm:linClrLst>
+    <dgm:effectClrLst/>
+    <dgm:txLinClrLst/>
+    <dgm:txFillClrLst/>
+    <dgm:txEffectClrLst/>
+  </dgm:styleLbl>
+  <dgm:styleLbl name="bgSibTrans2D1">
+    <dgm:fillClrLst meth="repeat">
+      <a:schemeClr val="accent1">
+        <a:tint val="60000"/>
+      </a:schemeClr>
+    </dgm:fillClrLst>
+    <dgm:linClrLst meth="repeat">
+      <a:schemeClr val="accent1">
+        <a:tint val="60000"/>
+      </a:schemeClr>
+    </dgm:linClrLst>
+    <dgm:effectClrLst/>
+    <dgm:txLinClrLst/>
+    <dgm:txFillClrLst/>
+    <dgm:txEffectClrLst/>
+  </dgm:styleLbl>
+  <dgm:styleLbl name="sibTrans1D1">
+    <dgm:fillClrLst meth="repeat">
+      <a:schemeClr val="accent1"/>
+    </dgm:fillClrLst>
+    <dgm:linClrLst meth="repeat">
+      <a:schemeClr val="accent1"/>
+    </dgm:linClrLst>
+    <dgm:effectClrLst/>
+    <dgm:txLinClrLst/>
+    <dgm:txFillClrLst meth="repeat">
+      <a:schemeClr val="tx1"/>
+    </dgm:txFillClrLst>
+    <dgm:txEffectClrLst/>
+  </dgm:styleLbl>
+  <dgm:styleLbl name="callout">
+    <dgm:fillClrLst meth="repeat">
+      <a:schemeClr val="accent1"/>
+    </dgm:fillClrLst>
+    <dgm:linClrLst meth="repeat">
+      <a:schemeClr val="accent1">
+        <a:tint val="50000"/>
+      </a:schemeClr>
+    </dgm:linClrLst>
+    <dgm:effectClrLst/>
+    <dgm:txLinClrLst/>
+    <dgm:txFillClrLst meth="repeat">
+      <a:schemeClr val="tx1"/>
+    </dgm:txFillClrLst>
+    <dgm:txEffectClrLst/>
+  </dgm:styleLbl>
+  <dgm:styleLbl name="asst0">
+    <dgm:fillClrLst meth="repeat">
+      <a:schemeClr val="accent1"/>
+    </dgm:fillClrLst>
+    <dgm:linClrLst meth="repeat">
+      <a:schemeClr val="lt1"/>
+    </dgm:linClrLst>
+    <dgm:effectClrLst/>
+    <dgm:txLinClrLst/>
+    <dgm:txFillClrLst/>
+    <dgm:txEffectClrLst/>
+  </dgm:styleLbl>
+  <dgm:styleLbl name="asst1">
+    <dgm:fillClrLst meth="repeat">
+      <a:schemeClr val="accent1"/>
+    </dgm:fillClrLst>
+    <dgm:linClrLst meth="repeat">
+      <a:schemeClr val="lt1"/>
+    </dgm:linClrLst>
+    <dgm:effectClrLst/>
+    <dgm:txLinClrLst/>
+    <dgm:txFillClrLst/>
+    <dgm:txEffectClrLst/>
+  </dgm:styleLbl>
+  <dgm:styleLbl name="asst2">
+    <dgm:fillClrLst meth="repeat">
+      <a:schemeClr val="accent1"/>
+    </dgm:fillClrLst>
+    <dgm:linClrLst meth="repeat">
+      <a:schemeClr val="lt1"/>
+    </dgm:linClrLst>
+    <dgm:effectClrLst/>
+    <dgm:txLinClrLst/>
+    <dgm:txFillClrLst/>
+    <dgm:txEffectClrLst/>
+  </dgm:styleLbl>
+  <dgm:styleLbl name="asst3">
+    <dgm:fillClrLst meth="repeat">
+      <a:schemeClr val="accent1"/>
+    </dgm:fillClrLst>
+    <dgm:linClrLst meth="repeat">
+      <a:schemeClr val="lt1"/>
+    </dgm:linClrLst>
+    <dgm:effectClrLst/>
+    <dgm:txLinClrLst/>
+    <dgm:txFillClrLst/>
+    <dgm:txEffectClrLst/>
+  </dgm:styleLbl>
+  <dgm:styleLbl name="asst4">
+    <dgm:fillClrLst meth="repeat">
+      <a:schemeClr val="accent1"/>
+    </dgm:fillClrLst>
+    <dgm:linClrLst meth="repeat">
+      <a:schemeClr val="lt1"/>
+    </dgm:linClrLst>
+    <dgm:effectClrLst/>
+    <dgm:txLinClrLst/>
+    <dgm:txFillClrLst/>
+    <dgm:txEffectClrLst/>
+  </dgm:styleLbl>
+  <dgm:styleLbl name="parChTrans2D1">
+    <dgm:fillClrLst meth="repeat">
+      <a:schemeClr val="accent1">
+        <a:tint val="60000"/>
+      </a:schemeClr>
+    </dgm:fillClrLst>
+    <dgm:linClrLst meth="repeat">
+      <a:schemeClr val="accent1">
+        <a:tint val="60000"/>
+      </a:schemeClr>
+    </dgm:linClrLst>
+    <dgm:effectClrLst/>
+    <dgm:txLinClrLst/>
+    <dgm:txFillClrLst meth="repeat">
+      <a:schemeClr val="lt1"/>
+    </dgm:txFillClrLst>
+    <dgm:txEffectClrLst/>
+  </dgm:styleLbl>
+  <dgm:styleLbl name="parChTrans2D2">
+    <dgm:fillClrLst meth="repeat">
+      <a:schemeClr val="accent1"/>
+    </dgm:fillClrLst>
+    <dgm:linClrLst meth="repeat">
+      <a:schemeClr val="accent1"/>
+    </dgm:linClrLst>
+    <dgm:effectClrLst/>
+    <dgm:txLinClrLst/>
+    <dgm:txFillClrLst meth="repeat">
+      <a:schemeClr val="lt1"/>
+    </dgm:txFillClrLst>
+    <dgm:txEffectClrLst/>
+  </dgm:styleLbl>
+  <dgm:styleLbl name="parChTrans2D3">
+    <dgm:fillClrLst meth="repeat">
+      <a:schemeClr val="accent1"/>
+    </dgm:fillClrLst>
+    <dgm:linClrLst meth="repeat">
+      <a:schemeClr val="accent1"/>
+    </dgm:linClrLst>
+    <dgm:effectClrLst/>
+    <dgm:txLinClrLst/>
+    <dgm:txFillClrLst meth="repeat">
+      <a:schemeClr val="lt1"/>
+    </dgm:txFillClrLst>
+    <dgm:txEffectClrLst/>
+  </dgm:styleLbl>
+  <dgm:styleLbl name="parChTrans2D4">
+    <dgm:fillClrLst meth="repeat">
+      <a:schemeClr val="accent1"/>
+    </dgm:fillClrLst>
+    <dgm:linClrLst meth="repeat">
+      <a:schemeClr val="accent1"/>
+    </dgm:linClrLst>
+    <dgm:effectClrLst/>
+    <dgm:txLinClrLst/>
+    <dgm:txFillClrLst meth="repeat">
+      <a:schemeClr val="lt1"/>
+    </dgm:txFillClrLst>
+    <dgm:txEffectClrLst/>
+  </dgm:styleLbl>
+  <dgm:styleLbl name="parChTrans1D1">
+    <dgm:fillClrLst meth="repeat">
+      <a:schemeClr val="accent1"/>
+    </dgm:fillClrLst>
+    <dgm:linClrLst meth="repeat">
+      <a:schemeClr val="accent1">
+        <a:shade val="60000"/>
+      </a:schemeClr>
+    </dgm:linClrLst>
+    <dgm:effectClrLst/>
+    <dgm:txLinClrLst/>
+    <dgm:txFillClrLst meth="repeat">
+      <a:schemeClr val="tx1"/>
+    </dgm:txFillClrLst>
+    <dgm:txEffectClrLst/>
+  </dgm:styleLbl>
+  <dgm:styleLbl name="parChTrans1D2">
+    <dgm:fillClrLst meth="repeat">
+      <a:schemeClr val="accent1"/>
+    </dgm:fillClrLst>
+    <dgm:linClrLst meth="repeat">
+      <a:schemeClr val="accent1">
+        <a:shade val="60000"/>
+      </a:schemeClr>
+    </dgm:linClrLst>
+    <dgm:effectClrLst/>
+    <dgm:txLinClrLst/>
+    <dgm:txFillClrLst meth="repeat">
+      <a:schemeClr val="tx1"/>
+    </dgm:txFillClrLst>
+    <dgm:txEffectClrLst/>
+  </dgm:styleLbl>
+  <dgm:styleLbl name="parChTrans1D3">
+    <dgm:fillClrLst meth="repeat">
+      <a:schemeClr val="accent1"/>
+    </dgm:fillClrLst>
+    <dgm:linClrLst meth="repeat">
+      <a:schemeClr val="accent1">
+        <a:shade val="80000"/>
+      </a:schemeClr>
+    </dgm:linClrLst>
+    <dgm:effectClrLst/>
+    <dgm:txLinClrLst/>
+    <dgm:txFillClrLst meth="repeat">
+      <a:schemeClr val="tx1"/>
+    </dgm:txFillClrLst>
+    <dgm:txEffectClrLst/>
+  </dgm:styleLbl>
+  <dgm:styleLbl name="parChTrans1D4">
+    <dgm:fillClrLst meth="repeat">
+      <a:schemeClr val="accent1"/>
+    </dgm:fillClrLst>
+    <dgm:linClrLst meth="repeat">
+      <a:schemeClr val="accent1">
+        <a:shade val="80000"/>
+      </a:schemeClr>
+    </dgm:linClrLst>
+    <dgm:effectClrLst/>
+    <dgm:txLinClrLst/>
+    <dgm:txFillClrLst meth="repeat">
+      <a:schemeClr val="tx1"/>
+    </dgm:txFillClrLst>
+    <dgm:txEffectClrLst/>
+  </dgm:styleLbl>
+  <dgm:styleLbl name="fgAcc1">
+    <dgm:fillClrLst meth="repeat">
+      <a:schemeClr val="lt1">
+        <a:alpha val="90000"/>
+      </a:schemeClr>
+    </dgm:fillClrLst>
+    <dgm:linClrLst meth="repeat">
+      <a:schemeClr val="accent1"/>
+    </dgm:linClrLst>
+    <dgm:effectClrLst/>
+    <dgm:txLinClrLst/>
+    <dgm:txFillClrLst meth="repeat">
+      <a:schemeClr val="dk1"/>
+    </dgm:txFillClrLst>
+    <dgm:txEffectClrLst/>
+  </dgm:styleLbl>
+  <dgm:styleLbl name="conFgAcc1">
+    <dgm:fillClrLst meth="repeat">
+      <a:schemeClr val="lt1">
+        <a:alpha val="90000"/>
+      </a:schemeClr>
+    </dgm:fillClrLst>
+    <dgm:linClrLst meth="repeat">
+      <a:schemeClr val="accent1"/>
+    </dgm:linClrLst>
+    <dgm:effectClrLst/>
+    <dgm:txLinClrLst/>
+    <dgm:txFillClrLst meth="repeat">
+      <a:schemeClr val="dk1"/>
+    </dgm:txFillClrLst>
+    <dgm:txEffectClrLst/>
+  </dgm:styleLbl>
+  <dgm:styleLbl name="alignAcc1">
+    <dgm:fillClrLst meth="repeat">
+      <a:schemeClr val="lt1">
+        <a:alpha val="90000"/>
+      </a:schemeClr>
+    </dgm:fillClrLst>
+    <dgm:linClrLst meth="repeat">
+      <a:schemeClr val="accent1"/>
+    </dgm:linClrLst>
+    <dgm:effectClrLst/>
+    <dgm:txLinClrLst/>
+    <dgm:txFillClrLst meth="repeat">
+      <a:schemeClr val="dk1"/>
+    </dgm:txFillClrLst>
+    <dgm:txEffectClrLst/>
+  </dgm:styleLbl>
+  <dgm:styleLbl name="trAlignAcc1">
+    <dgm:fillClrLst meth="repeat">
+      <a:schemeClr val="lt1">
+        <a:alpha val="40000"/>
+      </a:schemeClr>
+    </dgm:fillClrLst>
+    <dgm:linClrLst meth="repeat">
+      <a:schemeClr val="accent1"/>
+    </dgm:linClrLst>
+    <dgm:effectClrLst/>
+    <dgm:txLinClrLst/>
+    <dgm:txFillClrLst meth="repeat">
+      <a:schemeClr val="dk1"/>
+    </dgm:txFillClrLst>
+    <dgm:txEffectClrLst/>
+  </dgm:styleLbl>
+  <dgm:styleLbl name="bgAcc1">
+    <dgm:fillClrLst meth="repeat">
+      <a:schemeClr val="lt1">
+        <a:alpha val="90000"/>
+      </a:schemeClr>
+    </dgm:fillClrLst>
+    <dgm:linClrLst meth="repeat">
+      <a:schemeClr val="accent1"/>
+    </dgm:linClrLst>
+    <dgm:effectClrLst/>
+    <dgm:txLinClrLst/>
+    <dgm:txFillClrLst meth="repeat">
+      <a:schemeClr val="dk1"/>
+    </dgm:txFillClrLst>
+    <dgm:txEffectClrLst/>
+  </dgm:styleLbl>
+  <dgm:styleLbl name="solidFgAcc1">
+    <dgm:fillClrLst meth="repeat">
+      <a:schemeClr val="lt1"/>
+    </dgm:fillClrLst>
+    <dgm:linClrLst meth="repeat">
+      <a:schemeClr val="accent1"/>
+    </dgm:linClrLst>
+    <dgm:effectClrLst/>
+    <dgm:txLinClrLst/>
+    <dgm:txFillClrLst meth="repeat">
+      <a:schemeClr val="dk1"/>
+    </dgm:txFillClrLst>
+    <dgm:txEffectClrLst/>
+  </dgm:styleLbl>
+  <dgm:styleLbl name="solidAlignAcc1">
+    <dgm:fillClrLst meth="repeat">
+      <a:schemeClr val="lt1"/>
+    </dgm:fillClrLst>
+    <dgm:linClrLst meth="repeat">
+      <a:schemeClr val="accent1"/>
+    </dgm:linClrLst>
+    <dgm:effectClrLst/>
+    <dgm:txLinClrLst/>
+    <dgm:txFillClrLst meth="repeat">
+      <a:schemeClr val="dk1"/>
+    </dgm:txFillClrLst>
+    <dgm:txEffectClrLst/>
+  </dgm:styleLbl>
+  <dgm:styleLbl name="solidBgAcc1">
+    <dgm:fillClrLst meth="repeat">
+      <a:schemeClr val="lt1"/>
+    </dgm:fillClrLst>
+    <dgm:linClrLst meth="repeat">
+      <a:schemeClr val="accent1"/>
+    </dgm:linClrLst>
+    <dgm:effectClrLst/>
+    <dgm:txLinClrLst/>
+    <dgm:txFillClrLst meth="repeat">
+      <a:schemeClr val="dk1"/>
+    </dgm:txFillClrLst>
+    <dgm:txEffectClrLst/>
+  </dgm:styleLbl>
+  <dgm:styleLbl name="fgAccFollowNode1">
+    <dgm:fillClrLst meth="repeat">
+      <a:schemeClr val="accent1">
+        <a:alpha val="90000"/>
+        <a:tint val="40000"/>
+      </a:schemeClr>
+    </dgm:fillClrLst>
+    <dgm:linClrLst meth="repeat">
+      <a:schemeClr val="accent1">
+        <a:alpha val="90000"/>
+        <a:tint val="40000"/>
+      </a:schemeClr>
+    </dgm:linClrLst>
+    <dgm:effectClrLst/>
+    <dgm:txLinClrLst/>
+    <dgm:txFillClrLst meth="repeat">
+      <a:schemeClr val="dk1"/>
+    </dgm:txFillClrLst>
+    <dgm:txEffectClrLst/>
+  </dgm:styleLbl>
+  <dgm:styleLbl name="alignAccFollowNode1">
+    <dgm:fillClrLst meth="repeat">
+      <a:schemeClr val="accent1">
+        <a:alpha val="90000"/>
+        <a:tint val="40000"/>
+      </a:schemeClr>
+    </dgm:fillClrLst>
+    <dgm:linClrLst meth="repeat">
+      <a:schemeClr val="accent1">
+        <a:alpha val="90000"/>
+        <a:tint val="40000"/>
+      </a:schemeClr>
+    </dgm:linClrLst>
+    <dgm:effectClrLst/>
+    <dgm:txLinClrLst/>
+    <dgm:txFillClrLst meth="repeat">
+      <a:schemeClr val="dk1"/>
+    </dgm:txFillClrLst>
+    <dgm:txEffectClrLst/>
+  </dgm:styleLbl>
+  <dgm:styleLbl name="bgAccFollowNode1">
+    <dgm:fillClrLst meth="repeat">
+      <a:schemeClr val="accent1">
+        <a:alpha val="90000"/>
+        <a:tint val="40000"/>
+      </a:schemeClr>
+    </dgm:fillClrLst>
+    <dgm:linClrLst meth="repeat">
+      <a:schemeClr val="accent1">
+        <a:alpha val="90000"/>
+        <a:tint val="40000"/>
+      </a:schemeClr>
+    </dgm:linClrLst>
+    <dgm:effectClrLst/>
+    <dgm:txLinClrLst/>
+    <dgm:txFillClrLst meth="repeat">
+      <a:schemeClr val="dk1"/>
+    </dgm:txFillClrLst>
+    <dgm:txEffectClrLst/>
+  </dgm:styleLbl>
+  <dgm:styleLbl name="fgAcc0">
+    <dgm:fillClrLst meth="repeat">
+      <a:schemeClr val="lt1">
+        <a:alpha val="90000"/>
+      </a:schemeClr>
+    </dgm:fillClrLst>
+    <dgm:linClrLst meth="repeat">
+      <a:schemeClr val="accent1"/>
+    </dgm:linClrLst>
+    <dgm:effectClrLst/>
+    <dgm:txLinClrLst/>
+    <dgm:txFillClrLst meth="repeat">
+      <a:schemeClr val="dk1"/>
+    </dgm:txFillClrLst>
+    <dgm:txEffectClrLst/>
+  </dgm:styleLbl>
+  <dgm:styleLbl name="fgAcc2">
+    <dgm:fillClrLst meth="repeat">
+      <a:schemeClr val="lt1">
+        <a:alpha val="90000"/>
+      </a:schemeClr>
+    </dgm:fillClrLst>
+    <dgm:linClrLst meth="repeat">
+      <a:schemeClr val="accent1"/>
+    </dgm:linClrLst>
+    <dgm:effectClrLst/>
+    <dgm:txLinClrLst/>
+    <dgm:txFillClrLst meth="repeat">
+      <a:schemeClr val="dk1"/>
+    </dgm:txFillClrLst>
+    <dgm:txEffectClrLst/>
+  </dgm:styleLbl>
+  <dgm:styleLbl name="fgAcc3">
+    <dgm:fillClrLst meth="repeat">
+      <a:schemeClr val="lt1">
+        <a:alpha val="90000"/>
+      </a:schemeClr>
+    </dgm:fillClrLst>
+    <dgm:linClrLst meth="repeat">
+      <a:schemeClr val="accent1"/>
+    </dgm:linClrLst>
+    <dgm:effectClrLst/>
+    <dgm:txLinClrLst/>
+    <dgm:txFillClrLst meth="repeat">
+      <a:schemeClr val="dk1"/>
+    </dgm:txFillClrLst>
+    <dgm:txEffectClrLst/>
+  </dgm:styleLbl>
+  <dgm:styleLbl name="fgAcc4">
+    <dgm:fillClrLst meth="repeat">
+      <a:schemeClr val="lt1">
+        <a:alpha val="90000"/>
+      </a:schemeClr>
+    </dgm:fillClrLst>
+    <dgm:linClrLst meth="repeat">
+      <a:schemeClr val="accent1"/>
+    </dgm:linClrLst>
+    <dgm:effectClrLst/>
+    <dgm:txLinClrLst/>
+    <dgm:txFillClrLst meth="repeat">
+      <a:schemeClr val="dk1"/>
+    </dgm:txFillClrLst>
+    <dgm:txEffectClrLst/>
+  </dgm:styleLbl>
+  <dgm:styleLbl name="bgShp">
+    <dgm:fillClrLst meth="repeat">
+      <a:schemeClr val="accent1">
+        <a:tint val="40000"/>
+      </a:schemeClr>
+    </dgm:fillClrLst>
+    <dgm:linClrLst meth="repeat">
+      <a:schemeClr val="accent1"/>
+    </dgm:linClrLst>
+    <dgm:effectClrLst/>
+    <dgm:txLinClrLst/>
+    <dgm:txFillClrLst meth="repeat">
+      <a:schemeClr val="dk1"/>
+    </dgm:txFillClrLst>
+    <dgm:txEffectClrLst/>
+  </dgm:styleLbl>
+  <dgm:styleLbl name="dkBgShp">
+    <dgm:fillClrLst meth="repeat">
+      <a:schemeClr val="accent1">
+        <a:shade val="80000"/>
+      </a:schemeClr>
+    </dgm:fillClrLst>
+    <dgm:linClrLst meth="repeat">
+      <a:schemeClr val="accent1"/>
+    </dgm:linClrLst>
+    <dgm:effectClrLst/>
+    <dgm:txLinClrLst/>
+    <dgm:txFillClrLst meth="repeat">
+      <a:schemeClr val="lt1"/>
+    </dgm:txFillClrLst>
+    <dgm:txEffectClrLst/>
+  </dgm:styleLbl>
+  <dgm:styleLbl name="trBgShp">
+    <dgm:fillClrLst meth="repeat">
+      <a:schemeClr val="accent1">
+        <a:tint val="50000"/>
+        <a:alpha val="40000"/>
+      </a:schemeClr>
+    </dgm:fillClrLst>
+    <dgm:linClrLst meth="repeat">
+      <a:schemeClr val="accent1"/>
+    </dgm:linClrLst>
+    <dgm:effectClrLst/>
+    <dgm:txLinClrLst/>
+    <dgm:txFillClrLst meth="repeat">
+      <a:schemeClr val="lt1"/>
+    </dgm:txFillClrLst>
+    <dgm:txEffectClrLst/>
+  </dgm:styleLbl>
+  <dgm:styleLbl name="fgShp">
+    <dgm:fillClrLst meth="repeat">
+      <a:schemeClr val="accent1">
+        <a:tint val="60000"/>
+      </a:schemeClr>
+    </dgm:fillClrLst>
+    <dgm:linClrLst meth="repeat">
+      <a:schemeClr val="lt1"/>
+    </dgm:linClrLst>
+    <dgm:effectClrLst/>
+    <dgm:txLinClrLst/>
+    <dgm:txFillClrLst meth="repeat">
+      <a:schemeClr val="dk1"/>
+    </dgm:txFillClrLst>
+    <dgm:txEffectClrLst/>
+  </dgm:styleLbl>
+  <dgm:styleLbl name="revTx">
+    <dgm:fillClrLst meth="repeat">
+      <a:schemeClr val="lt1">
+        <a:alpha val="0"/>
+      </a:schemeClr>
+    </dgm:fillClrLst>
+    <dgm:linClrLst meth="repeat">
+      <a:schemeClr val="dk1">
+        <a:alpha val="0"/>
+      </a:schemeClr>
+    </dgm:linClrLst>
+    <dgm:effectClrLst/>
+    <dgm:txLinClrLst/>
+    <dgm:txFillClrLst meth="repeat">
+      <a:schemeClr val="tx1"/>
+    </dgm:txFillClrLst>
+    <dgm:txEffectClrLst/>
+  </dgm:styleLbl>
+</dgm:colorsDef>
+</file>
+
+<file path=ppt/diagrams/data1.xml><?xml version="1.0" encoding="utf-8"?>
+<dgm:dataModel xmlns:dgm="http://schemas.openxmlformats.org/drawingml/2006/diagram" xmlns:a="http://schemas.openxmlformats.org/drawingml/2006/main">
+  <dgm:ptLst>
+    <dgm:pt modelId="{03CD5F60-3C9E-479B-BF5B-186B13180958}" type="doc">
+      <dgm:prSet loTypeId="urn:microsoft.com/office/officeart/2005/8/layout/radial4" loCatId="relationship" qsTypeId="urn:microsoft.com/office/officeart/2005/8/quickstyle/simple1" qsCatId="simple" csTypeId="urn:microsoft.com/office/officeart/2005/8/colors/accent1_2" csCatId="accent1" phldr="1"/>
+      <dgm:spPr/>
+      <dgm:t>
+        <a:bodyPr/>
+        <a:lstStyle/>
+        <a:p>
+          <a:endParaRPr lang="zh-CN" altLang="en-US"/>
+        </a:p>
+      </dgm:t>
+    </dgm:pt>
+    <dgm:pt modelId="{F367BEBF-D9F1-4A32-9C07-AEB36DA575D5}">
+      <dgm:prSet phldrT="[Text]" custT="1"/>
+      <dgm:spPr>
+        <a:solidFill>
+          <a:schemeClr val="bg1"/>
+        </a:solidFill>
+      </dgm:spPr>
+      <dgm:t>
+        <a:bodyPr/>
+        <a:lstStyle/>
+        <a:p>
+          <a:r>
+            <a:rPr lang="en-US" altLang="zh-CN" sz="1600" dirty="0" smtClean="0">
+              <a:solidFill>
+                <a:schemeClr val="tx2"/>
+              </a:solidFill>
+            </a:rPr>
+            <a:t>Cloud Server</a:t>
+          </a:r>
+        </a:p>
+      </dgm:t>
+    </dgm:pt>
+    <dgm:pt modelId="{D2FFD240-B44F-4996-89A5-F05AC998ADCE}" type="parTrans" cxnId="{3D5C871A-FECE-4C69-A3D5-C6A2D1E8B6F1}">
+      <dgm:prSet/>
+      <dgm:spPr/>
+      <dgm:t>
+        <a:bodyPr/>
+        <a:lstStyle/>
+        <a:p>
+          <a:endParaRPr lang="zh-CN" altLang="en-US"/>
+        </a:p>
+      </dgm:t>
+    </dgm:pt>
+    <dgm:pt modelId="{457C6250-1909-4785-8E98-CB2261D8B3A2}" type="sibTrans" cxnId="{3D5C871A-FECE-4C69-A3D5-C6A2D1E8B6F1}">
+      <dgm:prSet/>
+      <dgm:spPr/>
+      <dgm:t>
+        <a:bodyPr/>
+        <a:lstStyle/>
+        <a:p>
+          <a:endParaRPr lang="zh-CN" altLang="en-US"/>
+        </a:p>
+      </dgm:t>
+    </dgm:pt>
+    <dgm:pt modelId="{98BBC121-5C91-4DC9-B19B-3144686B63E6}">
+      <dgm:prSet phldrT="[Text]" custT="1"/>
+      <dgm:spPr>
+        <a:solidFill>
+          <a:schemeClr val="bg1"/>
+        </a:solidFill>
+      </dgm:spPr>
+      <dgm:t>
+        <a:bodyPr/>
+        <a:lstStyle/>
+        <a:p>
+          <a:r>
+            <a:rPr lang="en-US" altLang="zh-CN" sz="1600" dirty="0" smtClean="0">
+              <a:solidFill>
+                <a:schemeClr val="tx2"/>
+              </a:solidFill>
+            </a:rPr>
+            <a:t>Yun Shield</a:t>
+          </a:r>
+        </a:p>
+      </dgm:t>
+    </dgm:pt>
+    <dgm:pt modelId="{754C3326-FC53-4CC7-B281-CC03656AEDA6}" type="parTrans" cxnId="{AD678C62-21F8-4C32-B2EC-C81749827E50}">
+      <dgm:prSet/>
+      <dgm:spPr>
+        <a:solidFill>
+          <a:schemeClr val="accent1">
+            <a:lumMod val="60000"/>
+            <a:lumOff val="40000"/>
+          </a:schemeClr>
+        </a:solidFill>
+      </dgm:spPr>
+      <dgm:t>
+        <a:bodyPr/>
+        <a:lstStyle/>
+        <a:p>
+          <a:endParaRPr lang="zh-CN" altLang="en-US"/>
+        </a:p>
+      </dgm:t>
+    </dgm:pt>
+    <dgm:pt modelId="{A0FEE6C0-3DC3-4F2F-A775-1E9E67EB8420}" type="sibTrans" cxnId="{AD678C62-21F8-4C32-B2EC-C81749827E50}">
+      <dgm:prSet/>
+      <dgm:spPr/>
+      <dgm:t>
+        <a:bodyPr/>
+        <a:lstStyle/>
+        <a:p>
+          <a:endParaRPr lang="zh-CN" altLang="en-US"/>
+        </a:p>
+      </dgm:t>
+    </dgm:pt>
+    <dgm:pt modelId="{B51F6A52-2D75-4129-8C99-32EBEE9D862F}">
+      <dgm:prSet phldrT="[Text]" custT="1"/>
+      <dgm:spPr>
+        <a:solidFill>
+          <a:schemeClr val="bg1"/>
+        </a:solidFill>
+      </dgm:spPr>
+      <dgm:t>
+        <a:bodyPr/>
+        <a:lstStyle/>
+        <a:p>
+          <a:r>
+            <a:rPr lang="en-US" altLang="zh-CN" sz="1600" dirty="0" smtClean="0">
+              <a:solidFill>
+                <a:schemeClr val="tx2"/>
+              </a:solidFill>
+            </a:rPr>
+            <a:t>Mobile</a:t>
+          </a:r>
+        </a:p>
+      </dgm:t>
+    </dgm:pt>
+    <dgm:pt modelId="{4E77BBAB-3767-4C7C-89A6-6C30CF70AF9C}" type="parTrans" cxnId="{6421676A-45E2-4701-ACB9-C8FD453612FD}">
+      <dgm:prSet/>
+      <dgm:spPr>
+        <a:solidFill>
+          <a:schemeClr val="accent1">
+            <a:lumMod val="60000"/>
+            <a:lumOff val="40000"/>
+          </a:schemeClr>
+        </a:solidFill>
+      </dgm:spPr>
+      <dgm:t>
+        <a:bodyPr/>
+        <a:lstStyle/>
+        <a:p>
+          <a:endParaRPr lang="zh-CN" altLang="en-US"/>
+        </a:p>
+      </dgm:t>
+    </dgm:pt>
+    <dgm:pt modelId="{04DE8F79-3FBB-411D-A065-DBDEAF47CB17}" type="sibTrans" cxnId="{6421676A-45E2-4701-ACB9-C8FD453612FD}">
+      <dgm:prSet/>
+      <dgm:spPr/>
+      <dgm:t>
+        <a:bodyPr/>
+        <a:lstStyle/>
+        <a:p>
+          <a:endParaRPr lang="zh-CN" altLang="en-US"/>
+        </a:p>
+      </dgm:t>
+    </dgm:pt>
+    <dgm:pt modelId="{04FADAF6-9C01-4EB0-A40B-FDC49A2FEB2D}">
+      <dgm:prSet phldrT="[Text]" custT="1"/>
+      <dgm:spPr>
+        <a:solidFill>
+          <a:schemeClr val="bg1"/>
+        </a:solidFill>
+      </dgm:spPr>
+      <dgm:t>
+        <a:bodyPr/>
+        <a:lstStyle/>
+        <a:p>
+          <a:r>
+            <a:rPr lang="en-US" altLang="zh-CN" sz="1600" dirty="0" smtClean="0">
+              <a:solidFill>
+                <a:schemeClr val="tx2"/>
+              </a:solidFill>
+            </a:rPr>
+            <a:t>Sensors</a:t>
+          </a:r>
+        </a:p>
+      </dgm:t>
+    </dgm:pt>
+    <dgm:pt modelId="{7F064D22-915C-4E96-A693-282E3C9907E4}" type="parTrans" cxnId="{52713573-B336-44B8-9DE2-CAA95CE7CA39}">
+      <dgm:prSet/>
+      <dgm:spPr>
+        <a:solidFill>
+          <a:schemeClr val="accent1">
+            <a:lumMod val="60000"/>
+            <a:lumOff val="40000"/>
+          </a:schemeClr>
+        </a:solidFill>
+      </dgm:spPr>
+      <dgm:t>
+        <a:bodyPr/>
+        <a:lstStyle/>
+        <a:p>
+          <a:endParaRPr lang="zh-CN" altLang="en-US"/>
+        </a:p>
+      </dgm:t>
+    </dgm:pt>
+    <dgm:pt modelId="{E706EA7B-0C28-460D-8DFA-8FD6741B10EF}" type="sibTrans" cxnId="{52713573-B336-44B8-9DE2-CAA95CE7CA39}">
+      <dgm:prSet/>
+      <dgm:spPr/>
+      <dgm:t>
+        <a:bodyPr/>
+        <a:lstStyle/>
+        <a:p>
+          <a:endParaRPr lang="zh-CN" altLang="en-US"/>
+        </a:p>
+      </dgm:t>
+    </dgm:pt>
+    <dgm:pt modelId="{2C5A8E47-5FB9-453D-B2AA-3AFEF77087B7}">
+      <dgm:prSet phldrT="[Text]" custT="1"/>
+      <dgm:spPr>
+        <a:solidFill>
+          <a:schemeClr val="bg1"/>
+        </a:solidFill>
+      </dgm:spPr>
+      <dgm:t>
+        <a:bodyPr/>
+        <a:lstStyle/>
+        <a:p>
+          <a:r>
+            <a:rPr lang="en-US" altLang="zh-CN" sz="1600" dirty="0" smtClean="0">
+              <a:solidFill>
+                <a:schemeClr val="tx2"/>
+              </a:solidFill>
+            </a:rPr>
+            <a:t>Board</a:t>
+          </a:r>
+        </a:p>
+      </dgm:t>
+    </dgm:pt>
+    <dgm:pt modelId="{6C1B94BE-6852-4EBF-81F5-B7394C883F29}" type="parTrans" cxnId="{45957881-71CE-447A-9B20-DCE3D255123D}">
+      <dgm:prSet/>
+      <dgm:spPr>
+        <a:solidFill>
+          <a:schemeClr val="accent1">
+            <a:lumMod val="60000"/>
+            <a:lumOff val="40000"/>
+          </a:schemeClr>
+        </a:solidFill>
+      </dgm:spPr>
+      <dgm:t>
+        <a:bodyPr/>
+        <a:lstStyle/>
+        <a:p>
+          <a:endParaRPr lang="zh-CN" altLang="en-US"/>
+        </a:p>
+      </dgm:t>
+    </dgm:pt>
+    <dgm:pt modelId="{4BBDF689-549C-40D0-AD16-3103BA374954}" type="sibTrans" cxnId="{45957881-71CE-447A-9B20-DCE3D255123D}">
+      <dgm:prSet/>
+      <dgm:spPr/>
+      <dgm:t>
+        <a:bodyPr/>
+        <a:lstStyle/>
+        <a:p>
+          <a:endParaRPr lang="zh-CN" altLang="en-US"/>
+        </a:p>
+      </dgm:t>
+    </dgm:pt>
+    <dgm:pt modelId="{C4D07FF7-8274-4816-A43F-F734A84E6C11}" type="pres">
+      <dgm:prSet presAssocID="{03CD5F60-3C9E-479B-BF5B-186B13180958}" presName="cycle" presStyleCnt="0">
+        <dgm:presLayoutVars>
+          <dgm:chMax val="1"/>
+          <dgm:dir/>
+          <dgm:animLvl val="ctr"/>
+          <dgm:resizeHandles val="exact"/>
+        </dgm:presLayoutVars>
+      </dgm:prSet>
+      <dgm:spPr/>
+      <dgm:t>
+        <a:bodyPr/>
+        <a:lstStyle/>
+        <a:p>
+          <a:endParaRPr lang="zh-CN" altLang="en-US"/>
+        </a:p>
+      </dgm:t>
+    </dgm:pt>
+    <dgm:pt modelId="{BA7B139A-1A2F-497B-9463-05040C97EBF7}" type="pres">
+      <dgm:prSet presAssocID="{F367BEBF-D9F1-4A32-9C07-AEB36DA575D5}" presName="centerShape" presStyleLbl="node0" presStyleIdx="0" presStyleCnt="1" custScaleX="123505" custScaleY="24042" custLinFactNeighborX="59588" custLinFactNeighborY="7869"/>
+      <dgm:spPr/>
+      <dgm:t>
+        <a:bodyPr/>
+        <a:lstStyle/>
+        <a:p>
+          <a:endParaRPr lang="zh-CN" altLang="en-US"/>
+        </a:p>
+      </dgm:t>
+    </dgm:pt>
+    <dgm:pt modelId="{B5DDEEE0-788D-4A47-8981-9A3D05B4237C}" type="pres">
+      <dgm:prSet presAssocID="{754C3326-FC53-4CC7-B281-CC03656AEDA6}" presName="parTrans" presStyleLbl="bgSibTrans2D1" presStyleIdx="0" presStyleCnt="4" custAng="21495576" custScaleX="54057" custLinFactNeighborX="39531" custLinFactNeighborY="-9105"/>
+      <dgm:spPr/>
+      <dgm:t>
+        <a:bodyPr/>
+        <a:lstStyle/>
+        <a:p>
+          <a:endParaRPr lang="zh-CN" altLang="en-US"/>
+        </a:p>
+      </dgm:t>
+    </dgm:pt>
+    <dgm:pt modelId="{084A16DB-BBA9-446B-9E05-BA04740747E0}" type="pres">
+      <dgm:prSet presAssocID="{98BBC121-5C91-4DC9-B19B-3144686B63E6}" presName="node" presStyleLbl="node1" presStyleIdx="0" presStyleCnt="4" custScaleY="34412" custRadScaleRad="12125" custRadScaleInc="-235535">
+        <dgm:presLayoutVars>
+          <dgm:bulletEnabled val="1"/>
+        </dgm:presLayoutVars>
+      </dgm:prSet>
+      <dgm:spPr/>
+      <dgm:t>
+        <a:bodyPr/>
+        <a:lstStyle/>
+        <a:p>
+          <a:endParaRPr lang="zh-CN" altLang="en-US"/>
+        </a:p>
+      </dgm:t>
+    </dgm:pt>
+    <dgm:pt modelId="{9CADC56C-2549-413C-A4B3-D0E8F7085CB4}" type="pres">
+      <dgm:prSet presAssocID="{6C1B94BE-6852-4EBF-81F5-B7394C883F29}" presName="parTrans" presStyleLbl="bgSibTrans2D1" presStyleIdx="1" presStyleCnt="4" custAng="23462" custScaleX="16458" custLinFactNeighborX="-2441" custLinFactNeighborY="-20907"/>
+      <dgm:spPr/>
+      <dgm:t>
+        <a:bodyPr/>
+        <a:lstStyle/>
+        <a:p>
+          <a:endParaRPr lang="zh-CN" altLang="en-US"/>
+        </a:p>
+      </dgm:t>
+    </dgm:pt>
+    <dgm:pt modelId="{59491F13-2308-41AE-90B9-8F6BADDEDFF4}" type="pres">
+      <dgm:prSet presAssocID="{2C5A8E47-5FB9-453D-B2AA-3AFEF77087B7}" presName="node" presStyleLbl="node1" presStyleIdx="1" presStyleCnt="4" custAng="0" custScaleX="48753" custScaleY="25039" custRadScaleRad="174776" custRadScaleInc="-153956">
+        <dgm:presLayoutVars>
+          <dgm:bulletEnabled val="1"/>
+        </dgm:presLayoutVars>
+      </dgm:prSet>
+      <dgm:spPr/>
+      <dgm:t>
+        <a:bodyPr/>
+        <a:lstStyle/>
+        <a:p>
+          <a:endParaRPr lang="zh-CN" altLang="en-US"/>
+        </a:p>
+      </dgm:t>
+    </dgm:pt>
+    <dgm:pt modelId="{8419F5A1-A69B-4543-A679-1CA2817D8EC5}" type="pres">
+      <dgm:prSet presAssocID="{4E77BBAB-3767-4C7C-89A6-6C30CF70AF9C}" presName="parTrans" presStyleLbl="bgSibTrans2D1" presStyleIdx="2" presStyleCnt="4" custAng="19851198" custScaleX="57827" custLinFactNeighborX="-19590" custLinFactNeighborY="-3676"/>
+      <dgm:spPr>
+        <a:prstGeom prst="rightArrow">
+          <a:avLst/>
+        </a:prstGeom>
+      </dgm:spPr>
+      <dgm:t>
+        <a:bodyPr/>
+        <a:lstStyle/>
+        <a:p>
+          <a:endParaRPr lang="zh-CN" altLang="en-US"/>
+        </a:p>
+      </dgm:t>
+    </dgm:pt>
+    <dgm:pt modelId="{F7C0FD41-478A-46A3-B2D4-0C9B59CC473A}" type="pres">
+      <dgm:prSet presAssocID="{B51F6A52-2D75-4129-8C99-32EBEE9D862F}" presName="node" presStyleLbl="node1" presStyleIdx="2" presStyleCnt="4" custScaleX="58991" custScaleY="22243" custRadScaleRad="120656" custRadScaleInc="31416">
+        <dgm:presLayoutVars>
+          <dgm:bulletEnabled val="1"/>
+        </dgm:presLayoutVars>
+      </dgm:prSet>
+      <dgm:spPr/>
+      <dgm:t>
+        <a:bodyPr/>
+        <a:lstStyle/>
+        <a:p>
+          <a:endParaRPr lang="zh-CN" altLang="en-US"/>
+        </a:p>
+      </dgm:t>
+    </dgm:pt>
+    <dgm:pt modelId="{BF6D7523-14F2-4E12-A4D1-F1271B8FC5D6}" type="pres">
+      <dgm:prSet presAssocID="{7F064D22-915C-4E96-A693-282E3C9907E4}" presName="parTrans" presStyleLbl="bgSibTrans2D1" presStyleIdx="3" presStyleCnt="4" custAng="4204036" custScaleX="19650" custLinFactNeighborX="-49455" custLinFactNeighborY="-20696"/>
+      <dgm:spPr/>
+      <dgm:t>
+        <a:bodyPr/>
+        <a:lstStyle/>
+        <a:p>
+          <a:endParaRPr lang="zh-CN" altLang="en-US"/>
+        </a:p>
+      </dgm:t>
+    </dgm:pt>
+    <dgm:pt modelId="{D71C0E9E-C759-44C7-A943-9ED763CCF038}" type="pres">
+      <dgm:prSet presAssocID="{04FADAF6-9C01-4EB0-A40B-FDC49A2FEB2D}" presName="node" presStyleLbl="node1" presStyleIdx="3" presStyleCnt="4" custScaleX="83843" custScaleY="37534" custRadScaleRad="146736" custRadScaleInc="-299838">
+        <dgm:presLayoutVars>
+          <dgm:bulletEnabled val="1"/>
+        </dgm:presLayoutVars>
+      </dgm:prSet>
+      <dgm:spPr/>
+      <dgm:t>
+        <a:bodyPr/>
+        <a:lstStyle/>
+        <a:p>
+          <a:endParaRPr lang="zh-CN" altLang="en-US"/>
+        </a:p>
+      </dgm:t>
+    </dgm:pt>
+  </dgm:ptLst>
+  <dgm:cxnLst>
+    <dgm:cxn modelId="{D0BF936D-B00A-4D49-80A7-103ACFB1BDFF}" type="presOf" srcId="{03CD5F60-3C9E-479B-BF5B-186B13180958}" destId="{C4D07FF7-8274-4816-A43F-F734A84E6C11}" srcOrd="0" destOrd="0" presId="urn:microsoft.com/office/officeart/2005/8/layout/radial4"/>
+    <dgm:cxn modelId="{3D5C871A-FECE-4C69-A3D5-C6A2D1E8B6F1}" srcId="{03CD5F60-3C9E-479B-BF5B-186B13180958}" destId="{F367BEBF-D9F1-4A32-9C07-AEB36DA575D5}" srcOrd="0" destOrd="0" parTransId="{D2FFD240-B44F-4996-89A5-F05AC998ADCE}" sibTransId="{457C6250-1909-4785-8E98-CB2261D8B3A2}"/>
+    <dgm:cxn modelId="{66FAC4BB-E28F-4060-A887-39937DA74540}" type="presOf" srcId="{F367BEBF-D9F1-4A32-9C07-AEB36DA575D5}" destId="{BA7B139A-1A2F-497B-9463-05040C97EBF7}" srcOrd="0" destOrd="0" presId="urn:microsoft.com/office/officeart/2005/8/layout/radial4"/>
+    <dgm:cxn modelId="{DBAA762E-B665-4B24-B675-CF0453D11D55}" type="presOf" srcId="{04FADAF6-9C01-4EB0-A40B-FDC49A2FEB2D}" destId="{D71C0E9E-C759-44C7-A943-9ED763CCF038}" srcOrd="0" destOrd="0" presId="urn:microsoft.com/office/officeart/2005/8/layout/radial4"/>
+    <dgm:cxn modelId="{AC555F4F-83F3-4136-985E-BEC2C09C3337}" type="presOf" srcId="{7F064D22-915C-4E96-A693-282E3C9907E4}" destId="{BF6D7523-14F2-4E12-A4D1-F1271B8FC5D6}" srcOrd="0" destOrd="0" presId="urn:microsoft.com/office/officeart/2005/8/layout/radial4"/>
+    <dgm:cxn modelId="{6421676A-45E2-4701-ACB9-C8FD453612FD}" srcId="{F367BEBF-D9F1-4A32-9C07-AEB36DA575D5}" destId="{B51F6A52-2D75-4129-8C99-32EBEE9D862F}" srcOrd="2" destOrd="0" parTransId="{4E77BBAB-3767-4C7C-89A6-6C30CF70AF9C}" sibTransId="{04DE8F79-3FBB-411D-A065-DBDEAF47CB17}"/>
+    <dgm:cxn modelId="{474F81AE-F123-425E-883B-CBF24941EF4F}" type="presOf" srcId="{98BBC121-5C91-4DC9-B19B-3144686B63E6}" destId="{084A16DB-BBA9-446B-9E05-BA04740747E0}" srcOrd="0" destOrd="0" presId="urn:microsoft.com/office/officeart/2005/8/layout/radial4"/>
+    <dgm:cxn modelId="{71A09525-FBC3-4B7B-A958-0B75A2E8C545}" type="presOf" srcId="{4E77BBAB-3767-4C7C-89A6-6C30CF70AF9C}" destId="{8419F5A1-A69B-4543-A679-1CA2817D8EC5}" srcOrd="0" destOrd="0" presId="urn:microsoft.com/office/officeart/2005/8/layout/radial4"/>
+    <dgm:cxn modelId="{714A23FF-BA44-4EB8-B483-3D5DF528D5CC}" type="presOf" srcId="{6C1B94BE-6852-4EBF-81F5-B7394C883F29}" destId="{9CADC56C-2549-413C-A4B3-D0E8F7085CB4}" srcOrd="0" destOrd="0" presId="urn:microsoft.com/office/officeart/2005/8/layout/radial4"/>
+    <dgm:cxn modelId="{73B189AC-C3C8-4555-B470-FE3EC73F6234}" type="presOf" srcId="{B51F6A52-2D75-4129-8C99-32EBEE9D862F}" destId="{F7C0FD41-478A-46A3-B2D4-0C9B59CC473A}" srcOrd="0" destOrd="0" presId="urn:microsoft.com/office/officeart/2005/8/layout/radial4"/>
+    <dgm:cxn modelId="{45957881-71CE-447A-9B20-DCE3D255123D}" srcId="{F367BEBF-D9F1-4A32-9C07-AEB36DA575D5}" destId="{2C5A8E47-5FB9-453D-B2AA-3AFEF77087B7}" srcOrd="1" destOrd="0" parTransId="{6C1B94BE-6852-4EBF-81F5-B7394C883F29}" sibTransId="{4BBDF689-549C-40D0-AD16-3103BA374954}"/>
+    <dgm:cxn modelId="{E1D28859-7496-4B7C-B9C5-A111C5D06488}" type="presOf" srcId="{754C3326-FC53-4CC7-B281-CC03656AEDA6}" destId="{B5DDEEE0-788D-4A47-8981-9A3D05B4237C}" srcOrd="0" destOrd="0" presId="urn:microsoft.com/office/officeart/2005/8/layout/radial4"/>
+    <dgm:cxn modelId="{81D6FC2B-B93A-45D1-B1E1-C5FB6BAF8CEB}" type="presOf" srcId="{2C5A8E47-5FB9-453D-B2AA-3AFEF77087B7}" destId="{59491F13-2308-41AE-90B9-8F6BADDEDFF4}" srcOrd="0" destOrd="0" presId="urn:microsoft.com/office/officeart/2005/8/layout/radial4"/>
+    <dgm:cxn modelId="{AD678C62-21F8-4C32-B2EC-C81749827E50}" srcId="{F367BEBF-D9F1-4A32-9C07-AEB36DA575D5}" destId="{98BBC121-5C91-4DC9-B19B-3144686B63E6}" srcOrd="0" destOrd="0" parTransId="{754C3326-FC53-4CC7-B281-CC03656AEDA6}" sibTransId="{A0FEE6C0-3DC3-4F2F-A775-1E9E67EB8420}"/>
+    <dgm:cxn modelId="{52713573-B336-44B8-9DE2-CAA95CE7CA39}" srcId="{F367BEBF-D9F1-4A32-9C07-AEB36DA575D5}" destId="{04FADAF6-9C01-4EB0-A40B-FDC49A2FEB2D}" srcOrd="3" destOrd="0" parTransId="{7F064D22-915C-4E96-A693-282E3C9907E4}" sibTransId="{E706EA7B-0C28-460D-8DFA-8FD6741B10EF}"/>
+    <dgm:cxn modelId="{EFD6AB27-83C2-430E-B837-B60711DC63D7}" type="presParOf" srcId="{C4D07FF7-8274-4816-A43F-F734A84E6C11}" destId="{BA7B139A-1A2F-497B-9463-05040C97EBF7}" srcOrd="0" destOrd="0" presId="urn:microsoft.com/office/officeart/2005/8/layout/radial4"/>
+    <dgm:cxn modelId="{4B33CC13-B806-4C88-B6B8-6B0AF0E79676}" type="presParOf" srcId="{C4D07FF7-8274-4816-A43F-F734A84E6C11}" destId="{B5DDEEE0-788D-4A47-8981-9A3D05B4237C}" srcOrd="1" destOrd="0" presId="urn:microsoft.com/office/officeart/2005/8/layout/radial4"/>
+    <dgm:cxn modelId="{974C750A-6B06-4B24-83B3-73119DC3BCBF}" type="presParOf" srcId="{C4D07FF7-8274-4816-A43F-F734A84E6C11}" destId="{084A16DB-BBA9-446B-9E05-BA04740747E0}" srcOrd="2" destOrd="0" presId="urn:microsoft.com/office/officeart/2005/8/layout/radial4"/>
+    <dgm:cxn modelId="{378A2F4B-3E10-4554-999F-7D8F8A5C0DB1}" type="presParOf" srcId="{C4D07FF7-8274-4816-A43F-F734A84E6C11}" destId="{9CADC56C-2549-413C-A4B3-D0E8F7085CB4}" srcOrd="3" destOrd="0" presId="urn:microsoft.com/office/officeart/2005/8/layout/radial4"/>
+    <dgm:cxn modelId="{4B7D566B-F60A-42A9-99BE-0643079868D1}" type="presParOf" srcId="{C4D07FF7-8274-4816-A43F-F734A84E6C11}" destId="{59491F13-2308-41AE-90B9-8F6BADDEDFF4}" srcOrd="4" destOrd="0" presId="urn:microsoft.com/office/officeart/2005/8/layout/radial4"/>
+    <dgm:cxn modelId="{E969046C-5A61-45F0-BC5C-1952B8A33E49}" type="presParOf" srcId="{C4D07FF7-8274-4816-A43F-F734A84E6C11}" destId="{8419F5A1-A69B-4543-A679-1CA2817D8EC5}" srcOrd="5" destOrd="0" presId="urn:microsoft.com/office/officeart/2005/8/layout/radial4"/>
+    <dgm:cxn modelId="{98331486-0937-47D1-A2C4-B44C0DACC33B}" type="presParOf" srcId="{C4D07FF7-8274-4816-A43F-F734A84E6C11}" destId="{F7C0FD41-478A-46A3-B2D4-0C9B59CC473A}" srcOrd="6" destOrd="0" presId="urn:microsoft.com/office/officeart/2005/8/layout/radial4"/>
+    <dgm:cxn modelId="{5B0C529E-EB2A-4334-BCCD-1E8C7BCC849F}" type="presParOf" srcId="{C4D07FF7-8274-4816-A43F-F734A84E6C11}" destId="{BF6D7523-14F2-4E12-A4D1-F1271B8FC5D6}" srcOrd="7" destOrd="0" presId="urn:microsoft.com/office/officeart/2005/8/layout/radial4"/>
+    <dgm:cxn modelId="{751B0021-CA0E-48F0-89FF-11981F9D0E46}" type="presParOf" srcId="{C4D07FF7-8274-4816-A43F-F734A84E6C11}" destId="{D71C0E9E-C759-44C7-A943-9ED763CCF038}" srcOrd="8" destOrd="0" presId="urn:microsoft.com/office/officeart/2005/8/layout/radial4"/>
+  </dgm:cxnLst>
+  <dgm:bg/>
+  <dgm:whole/>
+  <dgm:extLst>
+    <a:ext uri="http://schemas.microsoft.com/office/drawing/2008/diagram">
+      <dsp:dataModelExt xmlns:dsp="http://schemas.microsoft.com/office/drawing/2008/diagram" relId="rId7" minVer="http://schemas.openxmlformats.org/drawingml/2006/diagram"/>
+    </a:ext>
+  </dgm:extLst>
+</dgm:dataModel>
+</file>
+
+<file path=ppt/diagrams/drawing1.xml><?xml version="1.0" encoding="utf-8"?>
+<dsp:drawing xmlns:dgm="http://schemas.openxmlformats.org/drawingml/2006/diagram" xmlns:dsp="http://schemas.microsoft.com/office/drawing/2008/diagram" xmlns:a="http://schemas.openxmlformats.org/drawingml/2006/main">
+  <dsp:spTree>
+    <dsp:nvGrpSpPr>
+      <dsp:cNvPr id="0" name=""/>
+      <dsp:cNvGrpSpPr/>
+    </dsp:nvGrpSpPr>
+    <dsp:grpSpPr/>
+    <dsp:sp modelId="{BA7B139A-1A2F-497B-9463-05040C97EBF7}">
+      <dsp:nvSpPr>
+        <dsp:cNvPr id="0" name=""/>
+        <dsp:cNvSpPr/>
+      </dsp:nvSpPr>
+      <dsp:spPr>
+        <a:xfrm>
+          <a:off x="5563941" y="2526744"/>
+          <a:ext cx="1873286" cy="364661"/>
+        </a:xfrm>
+        <a:prstGeom prst="ellipse">
+          <a:avLst/>
+        </a:prstGeom>
+        <a:solidFill>
+          <a:schemeClr val="bg1"/>
+        </a:solidFill>
+        <a:ln w="25400" cap="flat" cmpd="sng" algn="ctr">
+          <a:solidFill>
+            <a:schemeClr val="lt1">
+              <a:hueOff val="0"/>
+              <a:satOff val="0"/>
+              <a:lumOff val="0"/>
+              <a:alphaOff val="0"/>
+            </a:schemeClr>
+          </a:solidFill>
+          <a:prstDash val="solid"/>
+        </a:ln>
+        <a:effectLst/>
+      </dsp:spPr>
+      <dsp:style>
+        <a:lnRef idx="2">
+          <a:scrgbClr r="0" g="0" b="0"/>
+        </a:lnRef>
+        <a:fillRef idx="1">
+          <a:scrgbClr r="0" g="0" b="0"/>
+        </a:fillRef>
+        <a:effectRef idx="0">
+          <a:scrgbClr r="0" g="0" b="0"/>
+        </a:effectRef>
+        <a:fontRef idx="minor">
+          <a:schemeClr val="lt1"/>
+        </a:fontRef>
+      </dsp:style>
+      <dsp:txBody>
+        <a:bodyPr spcFirstLastPara="0" vert="horz" wrap="square" lIns="10160" tIns="10160" rIns="10160" bIns="10160" numCol="1" spcCol="1270" anchor="ctr" anchorCtr="0">
+          <a:noAutofit/>
+        </a:bodyPr>
+        <a:lstStyle/>
+        <a:p>
+          <a:pPr lvl="0" algn="ctr" defTabSz="711200">
+            <a:lnSpc>
+              <a:spcPct val="90000"/>
+            </a:lnSpc>
+            <a:spcBef>
+              <a:spcPct val="0"/>
+            </a:spcBef>
+            <a:spcAft>
+              <a:spcPct val="35000"/>
+            </a:spcAft>
+          </a:pPr>
+          <a:r>
+            <a:rPr lang="en-US" altLang="zh-CN" sz="1600" kern="1200" dirty="0" smtClean="0">
+              <a:solidFill>
+                <a:schemeClr val="tx2"/>
+              </a:solidFill>
+            </a:rPr>
+            <a:t>Cloud Server</a:t>
+          </a:r>
+        </a:p>
+      </dsp:txBody>
+      <dsp:txXfrm>
+        <a:off x="5838277" y="2580147"/>
+        <a:ext cx="1324614" cy="257855"/>
+      </dsp:txXfrm>
+    </dsp:sp>
+    <dsp:sp modelId="{B5DDEEE0-788D-4A47-8981-9A3D05B4237C}">
+      <dsp:nvSpPr>
+        <dsp:cNvPr id="0" name=""/>
+        <dsp:cNvSpPr/>
+      </dsp:nvSpPr>
+      <dsp:spPr>
+        <a:xfrm rot="10800000">
+          <a:off x="5002930" y="2403048"/>
+          <a:ext cx="714507" cy="432279"/>
+        </a:xfrm>
+        <a:prstGeom prst="leftArrow">
+          <a:avLst>
+            <a:gd name="adj1" fmla="val 60000"/>
+            <a:gd name="adj2" fmla="val 50000"/>
+          </a:avLst>
+        </a:prstGeom>
+        <a:solidFill>
+          <a:schemeClr val="accent1">
+            <a:lumMod val="60000"/>
+            <a:lumOff val="40000"/>
+          </a:schemeClr>
+        </a:solidFill>
+        <a:ln>
+          <a:noFill/>
+        </a:ln>
+        <a:effectLst/>
+      </dsp:spPr>
+      <dsp:style>
+        <a:lnRef idx="0">
+          <a:scrgbClr r="0" g="0" b="0"/>
+        </a:lnRef>
+        <a:fillRef idx="1">
+          <a:scrgbClr r="0" g="0" b="0"/>
+        </a:fillRef>
+        <a:effectRef idx="0">
+          <a:scrgbClr r="0" g="0" b="0"/>
+        </a:effectRef>
+        <a:fontRef idx="minor">
+          <a:schemeClr val="lt1"/>
+        </a:fontRef>
+      </dsp:style>
+    </dsp:sp>
+    <dsp:sp modelId="{084A16DB-BBA9-446B-9E05-BA04740747E0}">
+      <dsp:nvSpPr>
+        <dsp:cNvPr id="0" name=""/>
+        <dsp:cNvSpPr/>
+      </dsp:nvSpPr>
+      <dsp:spPr>
+        <a:xfrm>
+          <a:off x="3456631" y="2440134"/>
+          <a:ext cx="1440931" cy="396682"/>
+        </a:xfrm>
+        <a:prstGeom prst="roundRect">
+          <a:avLst>
+            <a:gd name="adj" fmla="val 10000"/>
+          </a:avLst>
+        </a:prstGeom>
+        <a:solidFill>
+          <a:schemeClr val="bg1"/>
+        </a:solidFill>
+        <a:ln w="25400" cap="flat" cmpd="sng" algn="ctr">
+          <a:solidFill>
+            <a:schemeClr val="lt1">
+              <a:hueOff val="0"/>
+              <a:satOff val="0"/>
+              <a:lumOff val="0"/>
+              <a:alphaOff val="0"/>
+            </a:schemeClr>
+          </a:solidFill>
+          <a:prstDash val="solid"/>
+        </a:ln>
+        <a:effectLst/>
+      </dsp:spPr>
+      <dsp:style>
+        <a:lnRef idx="2">
+          <a:scrgbClr r="0" g="0" b="0"/>
+        </a:lnRef>
+        <a:fillRef idx="1">
+          <a:scrgbClr r="0" g="0" b="0"/>
+        </a:fillRef>
+        <a:effectRef idx="0">
+          <a:scrgbClr r="0" g="0" b="0"/>
+        </a:effectRef>
+        <a:fontRef idx="minor">
+          <a:schemeClr val="lt1"/>
+        </a:fontRef>
+      </dsp:style>
+      <dsp:txBody>
+        <a:bodyPr spcFirstLastPara="0" vert="horz" wrap="square" lIns="30480" tIns="30480" rIns="30480" bIns="30480" numCol="1" spcCol="1270" anchor="ctr" anchorCtr="0">
+          <a:noAutofit/>
+        </a:bodyPr>
+        <a:lstStyle/>
+        <a:p>
+          <a:pPr lvl="0" algn="ctr" defTabSz="711200">
+            <a:lnSpc>
+              <a:spcPct val="90000"/>
+            </a:lnSpc>
+            <a:spcBef>
+              <a:spcPct val="0"/>
+            </a:spcBef>
+            <a:spcAft>
+              <a:spcPct val="35000"/>
+            </a:spcAft>
+          </a:pPr>
+          <a:r>
+            <a:rPr lang="en-US" altLang="zh-CN" sz="1600" kern="1200" dirty="0" smtClean="0">
+              <a:solidFill>
+                <a:schemeClr val="tx2"/>
+              </a:solidFill>
+            </a:rPr>
+            <a:t>Yun Shield</a:t>
+          </a:r>
+        </a:p>
+      </dsp:txBody>
+      <dsp:txXfrm>
+        <a:off x="3468249" y="2451752"/>
+        <a:ext cx="1417695" cy="373446"/>
+      </dsp:txXfrm>
+    </dsp:sp>
+    <dsp:sp modelId="{9CADC56C-2549-413C-A4B3-D0E8F7085CB4}">
+      <dsp:nvSpPr>
+        <dsp:cNvPr id="0" name=""/>
+        <dsp:cNvSpPr/>
+      </dsp:nvSpPr>
+      <dsp:spPr>
+        <a:xfrm rot="10855017">
+          <a:off x="2551518" y="2370748"/>
+          <a:ext cx="745935" cy="432279"/>
+        </a:xfrm>
+        <a:prstGeom prst="leftArrow">
+          <a:avLst>
+            <a:gd name="adj1" fmla="val 60000"/>
+            <a:gd name="adj2" fmla="val 50000"/>
+          </a:avLst>
+        </a:prstGeom>
+        <a:solidFill>
+          <a:schemeClr val="accent1">
+            <a:lumMod val="60000"/>
+            <a:lumOff val="40000"/>
+          </a:schemeClr>
+        </a:solidFill>
+        <a:ln>
+          <a:noFill/>
+        </a:ln>
+        <a:effectLst/>
+      </dsp:spPr>
+      <dsp:style>
+        <a:lnRef idx="0">
+          <a:scrgbClr r="0" g="0" b="0"/>
+        </a:lnRef>
+        <a:fillRef idx="1">
+          <a:scrgbClr r="0" g="0" b="0"/>
+        </a:fillRef>
+        <a:effectRef idx="0">
+          <a:scrgbClr r="0" g="0" b="0"/>
+        </a:effectRef>
+        <a:fontRef idx="minor">
+          <a:schemeClr val="lt1"/>
+        </a:fontRef>
+      </dsp:style>
+    </dsp:sp>
+    <dsp:sp modelId="{59491F13-2308-41AE-90B9-8F6BADDEDFF4}">
+      <dsp:nvSpPr>
+        <dsp:cNvPr id="0" name=""/>
+        <dsp:cNvSpPr/>
+      </dsp:nvSpPr>
+      <dsp:spPr>
+        <a:xfrm>
+          <a:off x="417789" y="2512146"/>
+          <a:ext cx="702497" cy="288635"/>
+        </a:xfrm>
+        <a:prstGeom prst="roundRect">
+          <a:avLst>
+            <a:gd name="adj" fmla="val 10000"/>
+          </a:avLst>
+        </a:prstGeom>
+        <a:solidFill>
+          <a:schemeClr val="bg1"/>
+        </a:solidFill>
+        <a:ln w="25400" cap="flat" cmpd="sng" algn="ctr">
+          <a:solidFill>
+            <a:schemeClr val="lt1">
+              <a:hueOff val="0"/>
+              <a:satOff val="0"/>
+              <a:lumOff val="0"/>
+              <a:alphaOff val="0"/>
+            </a:schemeClr>
+          </a:solidFill>
+          <a:prstDash val="solid"/>
+        </a:ln>
+        <a:effectLst/>
+      </dsp:spPr>
+      <dsp:style>
+        <a:lnRef idx="2">
+          <a:scrgbClr r="0" g="0" b="0"/>
+        </a:lnRef>
+        <a:fillRef idx="1">
+          <a:scrgbClr r="0" g="0" b="0"/>
+        </a:fillRef>
+        <a:effectRef idx="0">
+          <a:scrgbClr r="0" g="0" b="0"/>
+        </a:effectRef>
+        <a:fontRef idx="minor">
+          <a:schemeClr val="lt1"/>
+        </a:fontRef>
+      </dsp:style>
+      <dsp:txBody>
+        <a:bodyPr spcFirstLastPara="0" vert="horz" wrap="square" lIns="30480" tIns="30480" rIns="30480" bIns="30480" numCol="1" spcCol="1270" anchor="ctr" anchorCtr="0">
+          <a:noAutofit/>
+        </a:bodyPr>
+        <a:lstStyle/>
+        <a:p>
+          <a:pPr lvl="0" algn="ctr" defTabSz="711200">
+            <a:lnSpc>
+              <a:spcPct val="90000"/>
+            </a:lnSpc>
+            <a:spcBef>
+              <a:spcPct val="0"/>
+            </a:spcBef>
+            <a:spcAft>
+              <a:spcPct val="35000"/>
+            </a:spcAft>
+          </a:pPr>
+          <a:r>
+            <a:rPr lang="en-US" altLang="zh-CN" sz="1600" kern="1200" dirty="0" smtClean="0">
+              <a:solidFill>
+                <a:schemeClr val="tx2"/>
+              </a:solidFill>
+            </a:rPr>
+            <a:t>Board</a:t>
+          </a:r>
+        </a:p>
+      </dsp:txBody>
+      <dsp:txXfrm>
+        <a:off x="426243" y="2520600"/>
+        <a:ext cx="685589" cy="271727"/>
+      </dsp:txXfrm>
+    </dsp:sp>
+    <dsp:sp modelId="{8419F5A1-A69B-4543-A679-1CA2817D8EC5}">
+      <dsp:nvSpPr>
+        <dsp:cNvPr id="0" name=""/>
+        <dsp:cNvSpPr/>
+      </dsp:nvSpPr>
+      <dsp:spPr>
+        <a:xfrm rot="13162373">
+          <a:off x="5061404" y="1264852"/>
+          <a:ext cx="1147114" cy="432279"/>
+        </a:xfrm>
+        <a:prstGeom prst="rightArrow">
+          <a:avLst/>
+        </a:prstGeom>
+        <a:solidFill>
+          <a:schemeClr val="accent1">
+            <a:lumMod val="60000"/>
+            <a:lumOff val="40000"/>
+          </a:schemeClr>
+        </a:solidFill>
+        <a:ln>
+          <a:noFill/>
+        </a:ln>
+        <a:effectLst/>
+      </dsp:spPr>
+      <dsp:style>
+        <a:lnRef idx="0">
+          <a:scrgbClr r="0" g="0" b="0"/>
+        </a:lnRef>
+        <a:fillRef idx="1">
+          <a:scrgbClr r="0" g="0" b="0"/>
+        </a:fillRef>
+        <a:effectRef idx="0">
+          <a:scrgbClr r="0" g="0" b="0"/>
+        </a:effectRef>
+        <a:fontRef idx="minor">
+          <a:schemeClr val="lt1"/>
+        </a:fontRef>
+      </dsp:style>
+    </dsp:sp>
+    <dsp:sp modelId="{F7C0FD41-478A-46A3-B2D4-0C9B59CC473A}">
+      <dsp:nvSpPr>
+        <dsp:cNvPr id="0" name=""/>
+        <dsp:cNvSpPr/>
+      </dsp:nvSpPr>
+      <dsp:spPr>
+        <a:xfrm>
+          <a:off x="5235359" y="445721"/>
+          <a:ext cx="850019" cy="256405"/>
+        </a:xfrm>
+        <a:prstGeom prst="roundRect">
+          <a:avLst>
+            <a:gd name="adj" fmla="val 10000"/>
+          </a:avLst>
+        </a:prstGeom>
+        <a:solidFill>
+          <a:schemeClr val="bg1"/>
+        </a:solidFill>
+        <a:ln w="25400" cap="flat" cmpd="sng" algn="ctr">
+          <a:solidFill>
+            <a:schemeClr val="lt1">
+              <a:hueOff val="0"/>
+              <a:satOff val="0"/>
+              <a:lumOff val="0"/>
+              <a:alphaOff val="0"/>
+            </a:schemeClr>
+          </a:solidFill>
+          <a:prstDash val="solid"/>
+        </a:ln>
+        <a:effectLst/>
+      </dsp:spPr>
+      <dsp:style>
+        <a:lnRef idx="2">
+          <a:scrgbClr r="0" g="0" b="0"/>
+        </a:lnRef>
+        <a:fillRef idx="1">
+          <a:scrgbClr r="0" g="0" b="0"/>
+        </a:fillRef>
+        <a:effectRef idx="0">
+          <a:scrgbClr r="0" g="0" b="0"/>
+        </a:effectRef>
+        <a:fontRef idx="minor">
+          <a:schemeClr val="lt1"/>
+        </a:fontRef>
+      </dsp:style>
+      <dsp:txBody>
+        <a:bodyPr spcFirstLastPara="0" vert="horz" wrap="square" lIns="30480" tIns="30480" rIns="30480" bIns="30480" numCol="1" spcCol="1270" anchor="ctr" anchorCtr="0">
+          <a:noAutofit/>
+        </a:bodyPr>
+        <a:lstStyle/>
+        <a:p>
+          <a:pPr lvl="0" algn="ctr" defTabSz="711200">
+            <a:lnSpc>
+              <a:spcPct val="90000"/>
+            </a:lnSpc>
+            <a:spcBef>
+              <a:spcPct val="0"/>
+            </a:spcBef>
+            <a:spcAft>
+              <a:spcPct val="35000"/>
+            </a:spcAft>
+          </a:pPr>
+          <a:r>
+            <a:rPr lang="en-US" altLang="zh-CN" sz="1600" kern="1200" dirty="0" smtClean="0">
+              <a:solidFill>
+                <a:schemeClr val="tx2"/>
+              </a:solidFill>
+            </a:rPr>
+            <a:t>Mobile</a:t>
+          </a:r>
+        </a:p>
+      </dsp:txBody>
+      <dsp:txXfrm>
+        <a:off x="5242869" y="453231"/>
+        <a:ext cx="834999" cy="241385"/>
+      </dsp:txXfrm>
+    </dsp:sp>
+    <dsp:sp modelId="{BF6D7523-14F2-4E12-A4D1-F1271B8FC5D6}">
+      <dsp:nvSpPr>
+        <dsp:cNvPr id="0" name=""/>
+        <dsp:cNvSpPr/>
+      </dsp:nvSpPr>
+      <dsp:spPr>
+        <a:xfrm rot="16200000">
+          <a:off x="1154360" y="1407893"/>
+          <a:ext cx="862131" cy="432279"/>
+        </a:xfrm>
+        <a:prstGeom prst="leftArrow">
+          <a:avLst>
+            <a:gd name="adj1" fmla="val 60000"/>
+            <a:gd name="adj2" fmla="val 50000"/>
+          </a:avLst>
+        </a:prstGeom>
+        <a:solidFill>
+          <a:schemeClr val="accent1">
+            <a:lumMod val="60000"/>
+            <a:lumOff val="40000"/>
+          </a:schemeClr>
+        </a:solidFill>
+        <a:ln>
+          <a:noFill/>
+        </a:ln>
+        <a:effectLst/>
+      </dsp:spPr>
+      <dsp:style>
+        <a:lnRef idx="0">
+          <a:scrgbClr r="0" g="0" b="0"/>
+        </a:lnRef>
+        <a:fillRef idx="1">
+          <a:scrgbClr r="0" g="0" b="0"/>
+        </a:fillRef>
+        <a:effectRef idx="0">
+          <a:scrgbClr r="0" g="0" b="0"/>
+        </a:effectRef>
+        <a:fontRef idx="minor">
+          <a:schemeClr val="lt1"/>
+        </a:fontRef>
+      </dsp:style>
+    </dsp:sp>
+    <dsp:sp modelId="{D71C0E9E-C759-44C7-A943-9ED763CCF038}">
+      <dsp:nvSpPr>
+        <dsp:cNvPr id="0" name=""/>
+        <dsp:cNvSpPr/>
+      </dsp:nvSpPr>
+      <dsp:spPr>
+        <a:xfrm>
+          <a:off x="1088872" y="749286"/>
+          <a:ext cx="1208120" cy="432671"/>
+        </a:xfrm>
+        <a:prstGeom prst="roundRect">
+          <a:avLst>
+            <a:gd name="adj" fmla="val 10000"/>
+          </a:avLst>
+        </a:prstGeom>
+        <a:solidFill>
+          <a:schemeClr val="bg1"/>
+        </a:solidFill>
+        <a:ln w="25400" cap="flat" cmpd="sng" algn="ctr">
+          <a:solidFill>
+            <a:schemeClr val="lt1">
+              <a:hueOff val="0"/>
+              <a:satOff val="0"/>
+              <a:lumOff val="0"/>
+              <a:alphaOff val="0"/>
+            </a:schemeClr>
+          </a:solidFill>
+          <a:prstDash val="solid"/>
+        </a:ln>
+        <a:effectLst/>
+      </dsp:spPr>
+      <dsp:style>
+        <a:lnRef idx="2">
+          <a:scrgbClr r="0" g="0" b="0"/>
+        </a:lnRef>
+        <a:fillRef idx="1">
+          <a:scrgbClr r="0" g="0" b="0"/>
+        </a:fillRef>
+        <a:effectRef idx="0">
+          <a:scrgbClr r="0" g="0" b="0"/>
+        </a:effectRef>
+        <a:fontRef idx="minor">
+          <a:schemeClr val="lt1"/>
+        </a:fontRef>
+      </dsp:style>
+      <dsp:txBody>
+        <a:bodyPr spcFirstLastPara="0" vert="horz" wrap="square" lIns="30480" tIns="30480" rIns="30480" bIns="30480" numCol="1" spcCol="1270" anchor="ctr" anchorCtr="0">
+          <a:noAutofit/>
+        </a:bodyPr>
+        <a:lstStyle/>
+        <a:p>
+          <a:pPr lvl="0" algn="ctr" defTabSz="711200">
+            <a:lnSpc>
+              <a:spcPct val="90000"/>
+            </a:lnSpc>
+            <a:spcBef>
+              <a:spcPct val="0"/>
+            </a:spcBef>
+            <a:spcAft>
+              <a:spcPct val="35000"/>
+            </a:spcAft>
+          </a:pPr>
+          <a:r>
+            <a:rPr lang="en-US" altLang="zh-CN" sz="1600" kern="1200" dirty="0" smtClean="0">
+              <a:solidFill>
+                <a:schemeClr val="tx2"/>
+              </a:solidFill>
+            </a:rPr>
+            <a:t>Sensors</a:t>
+          </a:r>
+        </a:p>
+      </dsp:txBody>
+      <dsp:txXfrm>
+        <a:off x="1101545" y="761959"/>
+        <a:ext cx="1182774" cy="407325"/>
+      </dsp:txXfrm>
+    </dsp:sp>
+  </dsp:spTree>
+</dsp:drawing>
+</file>
+
+<file path=ppt/diagrams/layout1.xml><?xml version="1.0" encoding="utf-8"?>
+<dgm:layoutDef xmlns:dgm="http://schemas.openxmlformats.org/drawingml/2006/diagram" xmlns:a="http://schemas.openxmlformats.org/drawingml/2006/main" uniqueId="urn:microsoft.com/office/officeart/2005/8/layout/radial4">
+  <dgm:title val=""/>
+  <dgm:desc val=""/>
+  <dgm:catLst>
+    <dgm:cat type="relationship" pri="19000"/>
+  </dgm:catLst>
+  <dgm:sampData>
+    <dgm:dataModel>
+      <dgm:ptLst>
+        <dgm:pt modelId="0" type="doc"/>
+        <dgm:pt modelId="1">
+          <dgm:prSet phldr="1"/>
+        </dgm:pt>
+        <dgm:pt modelId="11">
+          <dgm:prSet phldr="1"/>
+        </dgm:pt>
+        <dgm:pt modelId="12">
+          <dgm:prSet phldr="1"/>
+        </dgm:pt>
+        <dgm:pt modelId="13">
+          <dgm:prSet phldr="1"/>
+        </dgm:pt>
+      </dgm:ptLst>
+      <dgm:cxnLst>
+        <dgm:cxn modelId="2" srcId="0" destId="1" srcOrd="0" destOrd="0"/>
+        <dgm:cxn modelId="3" srcId="1" destId="11" srcOrd="0" destOrd="0"/>
+        <dgm:cxn modelId="4" srcId="1" destId="12" srcOrd="1" destOrd="0"/>
+        <dgm:cxn modelId="5" srcId="1" destId="13" srcOrd="2" destOrd="0"/>
+      </dgm:cxnLst>
+      <dgm:bg/>
+      <dgm:whole/>
+    </dgm:dataModel>
+  </dgm:sampData>
+  <dgm:styleData>
+    <dgm:dataModel>
+      <dgm:ptLst>
+        <dgm:pt modelId="0" type="doc"/>
+        <dgm:pt modelId="1"/>
+        <dgm:pt modelId="11"/>
+        <dgm:pt modelId="12"/>
+      </dgm:ptLst>
+      <dgm:cxnLst>
+        <dgm:cxn modelId="2" srcId="0" destId="1" srcOrd="0" destOrd="0"/>
+        <dgm:cxn modelId="15" srcId="1" destId="11" srcOrd="0" destOrd="0"/>
+        <dgm:cxn modelId="16" srcId="1" destId="12" srcOrd="1" destOrd="0"/>
+      </dgm:cxnLst>
+      <dgm:bg/>
+      <dgm:whole/>
+    </dgm:dataModel>
+  </dgm:styleData>
+  <dgm:clrData>
+    <dgm:dataModel>
+      <dgm:ptLst>
+        <dgm:pt modelId="0" type="doc"/>
+        <dgm:pt modelId="1"/>
+        <dgm:pt modelId="11"/>
+        <dgm:pt modelId="12"/>
+        <dgm:pt modelId="13"/>
+        <dgm:pt modelId="14"/>
+        <dgm:pt modelId="15"/>
+        <dgm:pt modelId="16"/>
+      </dgm:ptLst>
+      <dgm:cxnLst>
+        <dgm:cxn modelId="2" srcId="0" destId="1" srcOrd="0" destOrd="0"/>
+        <dgm:cxn modelId="16" srcId="1" destId="11" srcOrd="0" destOrd="0"/>
+        <dgm:cxn modelId="17" srcId="1" destId="12" srcOrd="1" destOrd="0"/>
+        <dgm:cxn modelId="18" srcId="1" destId="13" srcOrd="2" destOrd="0"/>
+        <dgm:cxn modelId="19" srcId="1" destId="14" srcOrd="3" destOrd="0"/>
+        <dgm:cxn modelId="20" srcId="1" destId="15" srcOrd="4" destOrd="0"/>
+        <dgm:cxn modelId="21" srcId="1" destId="16" srcOrd="5" destOrd="0"/>
+      </dgm:cxnLst>
+      <dgm:bg/>
+      <dgm:whole/>
+    </dgm:dataModel>
+  </dgm:clrData>
+  <dgm:layoutNode name="cycle">
+    <dgm:varLst>
+      <dgm:chMax val="1"/>
+      <dgm:dir/>
+      <dgm:animLvl val="ctr"/>
+      <dgm:resizeHandles val="exact"/>
+    </dgm:varLst>
+    <dgm:choose name="Name0">
+      <dgm:if name="Name1" func="var" arg="dir" op="equ" val="norm">
+        <dgm:choose name="Name2">
+          <dgm:if name="Name3" axis="ch ch" ptType="node node" st="1 1" cnt="1 0" func="cnt" op="lte" val="1">
+            <dgm:alg type="cycle">
+              <dgm:param type="stAng" val="0"/>
+              <dgm:param type="spanAng" val="360"/>
+              <dgm:param type="ctrShpMap" val="fNode"/>
+            </dgm:alg>
+          </dgm:if>
+          <dgm:else name="Name4">
+            <dgm:choose name="Name5">
+              <dgm:if name="Name6" axis="ch ch" ptType="node node" st="1 1" cnt="1 0" func="cnt" op="lte" val="3">
+                <dgm:alg type="cycle">
+                  <dgm:param type="stAng" val="-55"/>
+                  <dgm:param type="spanAng" val="110"/>
+                  <dgm:param type="ctrShpMap" val="fNode"/>
+                </dgm:alg>
+              </dgm:if>
+              <dgm:else name="Name7">
+                <dgm:choose name="Name8">
+                  <dgm:if name="Name9" axis="ch ch" ptType="node node" st="1 1" cnt="1 0" func="cnt" op="equ" val="4">
+                    <dgm:alg type="cycle">
+                      <dgm:param type="stAng" val="-75"/>
+                      <dgm:param type="spanAng" val="150"/>
+                      <dgm:param type="ctrShpMap" val="fNode"/>
+                    </dgm:alg>
+                  </dgm:if>
+                  <dgm:else name="Name10">
+                    <dgm:alg type="cycle">
+                      <dgm:param type="stAng" val="-90"/>
+                      <dgm:param type="spanAng" val="180"/>
+                      <dgm:param type="ctrShpMap" val="fNode"/>
+                    </dgm:alg>
+                  </dgm:else>
+                </dgm:choose>
+              </dgm:else>
+            </dgm:choose>
+          </dgm:else>
+        </dgm:choose>
+      </dgm:if>
+      <dgm:else name="Name11">
+        <dgm:choose name="Name12">
+          <dgm:if name="Name13" axis="ch ch" ptType="node node" st="1 1" cnt="1 0" func="cnt" op="lte" val="1">
+            <dgm:alg type="cycle">
+              <dgm:param type="stAng" val="0"/>
+              <dgm:param type="spanAng" val="-360"/>
+              <dgm:param type="ctrShpMap" val="fNode"/>
+            </dgm:alg>
+          </dgm:if>
+          <dgm:else name="Name14">
+            <dgm:choose name="Name15">
+              <dgm:if name="Name16" axis="ch ch" ptType="node node" st="1 1" cnt="1 0" func="cnt" op="lte" val="3">
+                <dgm:alg type="cycle">
+                  <dgm:param type="stAng" val="55"/>
+                  <dgm:param type="spanAng" val="-110"/>
+                  <dgm:param type="ctrShpMap" val="fNode"/>
+                </dgm:alg>
+              </dgm:if>
+              <dgm:else name="Name17">
+                <dgm:choose name="Name18">
+                  <dgm:if name="Name19" axis="ch ch" ptType="node node" st="1 1" cnt="1 0" func="cnt" op="equ" val="4">
+                    <dgm:alg type="cycle">
+                      <dgm:param type="stAng" val="75"/>
+                      <dgm:param type="spanAng" val="-150"/>
+                      <dgm:param type="ctrShpMap" val="fNode"/>
+                    </dgm:alg>
+                  </dgm:if>
+                  <dgm:else name="Name20">
+                    <dgm:alg type="cycle">
+                      <dgm:param type="stAng" val="90"/>
+                      <dgm:param type="spanAng" val="-180"/>
+                      <dgm:param type="ctrShpMap" val="fNode"/>
+                    </dgm:alg>
+                  </dgm:else>
+                </dgm:choose>
+              </dgm:else>
+            </dgm:choose>
+          </dgm:else>
+        </dgm:choose>
+      </dgm:else>
+    </dgm:choose>
+    <dgm:shape xmlns:r="http://schemas.openxmlformats.org/officeDocument/2006/relationships" r:blip="">
+      <dgm:adjLst/>
+    </dgm:shape>
+    <dgm:presOf/>
+    <dgm:constrLst>
+      <dgm:constr type="w" for="ch" forName="centerShape" refType="w"/>
+      <dgm:constr type="w" for="ch" forName="node" refType="w" refFor="ch" refForName="centerShape" fact="0.95"/>
+      <dgm:constr type="h" for="ch" forName="parTrans" refType="w" refFor="ch" refForName="centerShape" fact="0.285"/>
+      <dgm:constr type="sp" refType="w" refFor="ch" refForName="centerShape" op="equ" fact="0.23"/>
+      <dgm:constr type="sibSp" refType="w" refFor="ch" refForName="node" fact="0.1"/>
+      <dgm:constr type="primFontSz" for="ch" forName="node" op="equ"/>
+    </dgm:constrLst>
+    <dgm:choose name="Name21">
+      <dgm:if name="Name22" axis="ch ch" ptType="node node" st="1 1" cnt="1 0" func="cnt" op="lte" val="5">
+        <dgm:ruleLst>
+          <dgm:rule type="w" for="ch" forName="centerShape" val="NaN" fact="0.27" max="NaN"/>
+        </dgm:ruleLst>
+      </dgm:if>
+      <dgm:else name="Name23">
+        <dgm:ruleLst>
+          <dgm:rule type="w" for="ch" forName="centerShape" val="NaN" fact="0.27" max="NaN"/>
+          <dgm:rule type="w" for="ch" forName="node" val="NaN" fact="0.7" max="NaN"/>
+        </dgm:ruleLst>
+      </dgm:else>
+    </dgm:choose>
+    <dgm:forEach name="Name24" axis="ch" ptType="node" cnt="1">
+      <dgm:layoutNode name="centerShape" styleLbl="node0">
+        <dgm:alg type="tx"/>
+        <dgm:shape xmlns:r="http://schemas.openxmlformats.org/officeDocument/2006/relationships" type="ellipse" r:blip="">
+          <dgm:adjLst/>
+        </dgm:shape>
+        <dgm:presOf axis="self"/>
+        <dgm:constrLst>
+          <dgm:constr type="tMarg" refType="primFontSz" fact="0.05"/>
+          <dgm:constr type="bMarg" refType="primFontSz" fact="0.05"/>
+          <dgm:constr type="lMarg" refType="primFontSz" fact="0.05"/>
+          <dgm:constr type="rMarg" refType="primFontSz" fact="0.05"/>
+          <dgm:constr type="primFontSz" val="65"/>
+          <dgm:constr type="h" refType="w"/>
+        </dgm:constrLst>
+        <dgm:ruleLst>
+          <dgm:rule type="primFontSz" val="5" fact="NaN" max="NaN"/>
+        </dgm:ruleLst>
+      </dgm:layoutNode>
+      <dgm:forEach name="Name25" axis="ch">
+        <dgm:forEach name="Name26" axis="self" ptType="parTrans">
+          <dgm:layoutNode name="parTrans" styleLbl="bgSibTrans2D1">
+            <dgm:alg type="conn">
+              <dgm:param type="begPts" val="auto"/>
+              <dgm:param type="endPts" val="ctr"/>
+              <dgm:param type="endSty" val="noArr"/>
+              <dgm:param type="begSty" val="arr"/>
+            </dgm:alg>
+            <dgm:shape xmlns:r="http://schemas.openxmlformats.org/officeDocument/2006/relationships" type="conn" r:blip="">
+              <dgm:adjLst/>
+            </dgm:shape>
+            <dgm:presOf axis="self"/>
+            <dgm:constrLst>
+              <dgm:constr type="begPad" refType="connDist" fact="0.055"/>
+              <dgm:constr type="endPad"/>
+            </dgm:constrLst>
+            <dgm:ruleLst/>
+          </dgm:layoutNode>
+        </dgm:forEach>
+        <dgm:forEach name="Name27" axis="self" ptType="node">
+          <dgm:layoutNode name="node" styleLbl="node1">
+            <dgm:varLst>
+              <dgm:bulletEnabled val="1"/>
+            </dgm:varLst>
+            <dgm:alg type="tx"/>
+            <dgm:shape xmlns:r="http://schemas.openxmlformats.org/officeDocument/2006/relationships" type="roundRect" r:blip="">
+              <dgm:adjLst>
+                <dgm:adj idx="1" val="0.1"/>
+              </dgm:adjLst>
+            </dgm:shape>
+            <dgm:presOf axis="desOrSelf" ptType="node"/>
+            <dgm:constrLst>
+              <dgm:constr type="primFontSz" val="65"/>
+              <dgm:constr type="h" refType="w" fact="0.8"/>
+              <dgm:constr type="tMarg" refType="primFontSz" fact="0.15"/>
+              <dgm:constr type="bMarg" refType="primFontSz" fact="0.15"/>
+              <dgm:constr type="lMarg" refType="primFontSz" fact="0.15"/>
+              <dgm:constr type="rMarg" refType="primFontSz" fact="0.15"/>
+            </dgm:constrLst>
+            <dgm:ruleLst>
+              <dgm:rule type="primFontSz" val="5" fact="NaN" max="NaN"/>
+            </dgm:ruleLst>
+          </dgm:layoutNode>
+        </dgm:forEach>
+      </dgm:forEach>
+    </dgm:forEach>
+  </dgm:layoutNode>
+</dgm:layoutDef>
+</file>
+
+<file path=ppt/diagrams/quickStyle1.xml><?xml version="1.0" encoding="utf-8"?>
+<dgm:styleDef xmlns:dgm="http://schemas.openxmlformats.org/drawingml/2006/diagram" xmlns:a="http://schemas.openxmlformats.org/drawingml/2006/main" uniqueId="urn:microsoft.com/office/officeart/2005/8/quickstyle/simple1">
+  <dgm:title val=""/>
+  <dgm:desc val=""/>
+  <dgm:catLst>
+    <dgm:cat type="simple" pri="10100"/>
+  </dgm:catLst>
+  <dgm:scene3d>
+    <a:camera prst="orthographicFront"/>
+    <a:lightRig rig="threePt" dir="t"/>
+  </dgm:scene3d>
+  <dgm:styleLbl name="node0">
+    <dgm:scene3d>
+      <a:camera prst="orthographicFront"/>
+      <a:lightRig rig="threePt" dir="t"/>
+    </dgm:scene3d>
+    <dgm:sp3d/>
+    <dgm:txPr/>
+    <dgm:style>
+      <a:lnRef idx="2">
+        <a:scrgbClr r="0" g="0" b="0"/>
+      </a:lnRef>
+      <a:fillRef idx="1">
+        <a:scrgbClr r="0" g="0" b="0"/>
+      </a:fillRef>
+      <a:effectRef idx="0">
+        <a:scrgbClr r="0" g="0" b="0"/>
+      </a:effectRef>
+      <a:fontRef idx="minor">
+        <a:schemeClr val="lt1"/>
+      </a:fontRef>
+    </dgm:style>
+  </dgm:styleLbl>
+  <dgm:styleLbl name="lnNode1">
+    <dgm:scene3d>
+      <a:camera prst="orthographicFront"/>
+      <a:lightRig rig="threePt" dir="t"/>
+    </dgm:scene3d>
+    <dgm:sp3d/>
+    <dgm:txPr/>
+    <dgm:style>
+      <a:lnRef idx="2">
+        <a:scrgbClr r="0" g="0" b="0"/>
+      </a:lnRef>
+      <a:fillRef idx="1">
+        <a:scrgbClr r="0" g="0" b="0"/>
+      </a:fillRef>
+      <a:effectRef idx="0">
+        <a:scrgbClr r="0" g="0" b="0"/>
+      </a:effectRef>
+      <a:fontRef idx="minor">
+        <a:schemeClr val="lt1"/>
+      </a:fontRef>
+    </dgm:style>
+  </dgm:styleLbl>
+  <dgm:styleLbl name="vennNode1">
+    <dgm:scene3d>
+      <a:camera prst="orthographicFront"/>
+      <a:lightRig rig="threePt" dir="t"/>
+    </dgm:scene3d>
+    <dgm:sp3d/>
+    <dgm:txPr/>
+    <dgm:style>
+      <a:lnRef idx="2">
+        <a:scrgbClr r="0" g="0" b="0"/>
+      </a:lnRef>
+      <a:fillRef idx="1">
+        <a:scrgbClr r="0" g="0" b="0"/>
+      </a:fillRef>
+      <a:effectRef idx="0">
+        <a:scrgbClr r="0" g="0" b="0"/>
+      </a:effectRef>
+      <a:fontRef idx="minor">
+        <a:schemeClr val="tx1"/>
+      </a:fontRef>
+    </dgm:style>
+  </dgm:styleLbl>
+  <dgm:styleLbl name="alignNode1">
+    <dgm:scene3d>
+      <a:camera prst="orthographicFront"/>
+      <a:lightRig rig="threePt" dir="t"/>
+    </dgm:scene3d>
+    <dgm:sp3d/>
+    <dgm:txPr/>
+    <dgm:style>
+      <a:lnRef idx="2">
+        <a:scrgbClr r="0" g="0" b="0"/>
+      </a:lnRef>
+      <a:fillRef idx="1">
+        <a:scrgbClr r="0" g="0" b="0"/>
+      </a:fillRef>
+      <a:effectRef idx="0">
+        <a:scrgbClr r="0" g="0" b="0"/>
+      </a:effectRef>
+      <a:fontRef idx="minor">
+        <a:schemeClr val="lt1"/>
+      </a:fontRef>
+    </dgm:style>
+  </dgm:styleLbl>
+  <dgm:styleLbl name="node1">
+    <dgm:scene3d>
+      <a:camera prst="orthographicFront"/>
+      <a:lightRig rig="threePt" dir="t"/>
+    </dgm:scene3d>
+    <dgm:sp3d/>
+    <dgm:txPr/>
+    <dgm:style>
+      <a:lnRef idx="2">
+        <a:scrgbClr r="0" g="0" b="0"/>
+      </a:lnRef>
+      <a:fillRef idx="1">
+        <a:scrgbClr r="0" g="0" b="0"/>
+      </a:fillRef>
+      <a:effectRef idx="0">
+        <a:scrgbClr r="0" g="0" b="0"/>
+      </a:effectRef>
+      <a:fontRef idx="minor">
+        <a:schemeClr val="lt1"/>
+      </a:fontRef>
+    </dgm:style>
+  </dgm:styleLbl>
+  <dgm:styleLbl name="node2">
+    <dgm:scene3d>
+      <a:camera prst="orthographicFront"/>
+      <a:lightRig rig="threePt" dir="t"/>
+    </dgm:scene3d>
+    <dgm:sp3d/>
+    <dgm:txPr/>
+    <dgm:style>
+      <a:lnRef idx="2">
+        <a:scrgbClr r="0" g="0" b="0"/>
+      </a:lnRef>
+      <a:fillRef idx="1">
+        <a:scrgbClr r="0" g="0" b="0"/>
+      </a:fillRef>
+      <a:effectRef idx="0">
+        <a:scrgbClr r="0" g="0" b="0"/>
+      </a:effectRef>
+      <a:fontRef idx="minor">
+        <a:schemeClr val="lt1"/>
+      </a:fontRef>
+    </dgm:style>
+  </dgm:styleLbl>
+  <dgm:styleLbl name="node3">
+    <dgm:scene3d>
+      <a:camera prst="orthographicFront"/>
+      <a:lightRig rig="threePt" dir="t"/>
+    </dgm:scene3d>
+    <dgm:sp3d/>
+    <dgm:txPr/>
+    <dgm:style>
+      <a:lnRef idx="2">
+        <a:scrgbClr r="0" g="0" b="0"/>
+      </a:lnRef>
+      <a:fillRef idx="1">
+        <a:scrgbClr r="0" g="0" b="0"/>
+      </a:fillRef>
+      <a:effectRef idx="0">
+        <a:scrgbClr r="0" g="0" b="0"/>
+      </a:effectRef>
+      <a:fontRef idx="minor">
+        <a:schemeClr val="lt1"/>
+      </a:fontRef>
+    </dgm:style>
+  </dgm:styleLbl>
+  <dgm:styleLbl name="node4">
+    <dgm:scene3d>
+      <a:camera prst="orthographicFront"/>
+      <a:lightRig rig="threePt" dir="t"/>
+    </dgm:scene3d>
+    <dgm:sp3d/>
+    <dgm:txPr/>
+    <dgm:style>
+      <a:lnRef idx="2">
+        <a:scrgbClr r="0" g="0" b="0"/>
+      </a:lnRef>
+      <a:fillRef idx="1">
+        <a:scrgbClr r="0" g="0" b="0"/>
+      </a:fillRef>
+      <a:effectRef idx="0">
+        <a:scrgbClr r="0" g="0" b="0"/>
+      </a:effectRef>
+      <a:fontRef idx="minor">
+        <a:schemeClr val="lt1"/>
+      </a:fontRef>
+    </dgm:style>
+  </dgm:styleLbl>
+  <dgm:styleLbl name="fgImgPlace1">
+    <dgm:scene3d>
+      <a:camera prst="orthographicFront"/>
+      <a:lightRig rig="threePt" dir="t"/>
+    </dgm:scene3d>
+    <dgm:sp3d/>
+    <dgm:txPr/>
+    <dgm:style>
+      <a:lnRef idx="2">
+        <a:scrgbClr r="0" g="0" b="0"/>
+      </a:lnRef>
+      <a:fillRef idx="1">
+        <a:scrgbClr r="0" g="0" b="0"/>
+      </a:fillRef>
+      <a:effectRef idx="0">
+        <a:scrgbClr r="0" g="0" b="0"/>
+      </a:effectRef>
+      <a:fontRef idx="minor"/>
+    </dgm:style>
+  </dgm:styleLbl>
+  <dgm:styleLbl name="alignImgPlace1">
+    <dgm:scene3d>
+      <a:camera prst="orthographicFront"/>
+      <a:lightRig rig="threePt" dir="t"/>
+    </dgm:scene3d>
+    <dgm:sp3d/>
+    <dgm:txPr/>
+    <dgm:style>
+      <a:lnRef idx="2">
+        <a:scrgbClr r="0" g="0" b="0"/>
+      </a:lnRef>
+      <a:fillRef idx="1">
+        <a:scrgbClr r="0" g="0" b="0"/>
+      </a:fillRef>
+      <a:effectRef idx="0">
+        <a:scrgbClr r="0" g="0" b="0"/>
+      </a:effectRef>
+      <a:fontRef idx="minor"/>
+    </dgm:style>
+  </dgm:styleLbl>
+  <dgm:styleLbl name="bgImgPlace1">
+    <dgm:scene3d>
+      <a:camera prst="orthographicFront"/>
+      <a:lightRig rig="threePt" dir="t"/>
+    </dgm:scene3d>
+    <dgm:sp3d/>
+    <dgm:txPr/>
+    <dgm:style>
+      <a:lnRef idx="2">
+        <a:scrgbClr r="0" g="0" b="0"/>
+      </a:lnRef>
+      <a:fillRef idx="1">
+        <a:scrgbClr r="0" g="0" b="0"/>
+      </a:fillRef>
+      <a:effectRef idx="0">
+        <a:scrgbClr r="0" g="0" b="0"/>
+      </a:effectRef>
+      <a:fontRef idx="minor"/>
+    </dgm:style>
+  </dgm:styleLbl>
+  <dgm:styleLbl name="sibTrans2D1">
+    <dgm:scene3d>
+      <a:camera prst="orthographicFront"/>
+      <a:lightRig rig="threePt" dir="t"/>
+    </dgm:scene3d>
+    <dgm:sp3d/>
+    <dgm:txPr/>
+    <dgm:style>
+      <a:lnRef idx="0">
+        <a:scrgbClr r="0" g="0" b="0"/>
+      </a:lnRef>
+      <a:fillRef idx="1">
+        <a:scrgbClr r="0" g="0" b="0"/>
+      </a:fillRef>
+      <a:effectRef idx="0">
+        <a:scrgbClr r="0" g="0" b="0"/>
+      </a:effectRef>
+      <a:fontRef idx="minor">
+        <a:schemeClr val="lt1"/>
+      </a:fontRef>
+    </dgm:style>
+  </dgm:styleLbl>
+  <dgm:styleLbl name="fgSibTrans2D1">
+    <dgm:scene3d>
+      <a:camera prst="orthographicFront"/>
+      <a:lightRig rig="threePt" dir="t"/>
+    </dgm:scene3d>
+    <dgm:sp3d/>
+    <dgm:txPr/>
+    <dgm:style>
+      <a:lnRef idx="0">
+        <a:scrgbClr r="0" g="0" b="0"/>
+      </a:lnRef>
+      <a:fillRef idx="1">
+        <a:scrgbClr r="0" g="0" b="0"/>
+      </a:fillRef>
+      <a:effectRef idx="0">
+        <a:scrgbClr r="0" g="0" b="0"/>
+      </a:effectRef>
+      <a:fontRef idx="minor">
+        <a:schemeClr val="lt1"/>
+      </a:fontRef>
+    </dgm:style>
+  </dgm:styleLbl>
+  <dgm:styleLbl name="bgSibTrans2D1">
+    <dgm:scene3d>
+      <a:camera prst="orthographicFront"/>
+      <a:lightRig rig="threePt" dir="t"/>
+    </dgm:scene3d>
+    <dgm:sp3d/>
+    <dgm:txPr/>
+    <dgm:style>
+      <a:lnRef idx="0">
+        <a:scrgbClr r="0" g="0" b="0"/>
+      </a:lnRef>
+      <a:fillRef idx="1">
+        <a:scrgbClr r="0" g="0" b="0"/>
+      </a:fillRef>
+      <a:effectRef idx="0">
+        <a:scrgbClr r="0" g="0" b="0"/>
+      </a:effectRef>
+      <a:fontRef idx="minor">
+        <a:schemeClr val="lt1"/>
+      </a:fontRef>
+    </dgm:style>
+  </dgm:styleLbl>
+  <dgm:styleLbl name="sibTrans1D1">
+    <dgm:scene3d>
+      <a:camera prst="orthographicFront"/>
+      <a:lightRig rig="threePt" dir="t"/>
+    </dgm:scene3d>
+    <dgm:sp3d/>
+    <dgm:txPr/>
+    <dgm:style>
+      <a:lnRef idx="1">
+        <a:scrgbClr r="0" g="0" b="0"/>
+      </a:lnRef>
+      <a:fillRef idx="0">
+        <a:scrgbClr r="0" g="0" b="0"/>
+      </a:fillRef>
+      <a:effectRef idx="0">
+        <a:scrgbClr r="0" g="0" b="0"/>
+      </a:effectRef>
+      <a:fontRef idx="minor"/>
+    </dgm:style>
+  </dgm:styleLbl>
+  <dgm:styleLbl name="callout">
+    <dgm:scene3d>
+      <a:camera prst="orthographicFront"/>
+      <a:lightRig rig="threePt" dir="t"/>
+    </dgm:scene3d>
+    <dgm:sp3d/>
+    <dgm:txPr/>
+    <dgm:style>
+      <a:lnRef idx="2">
+        <a:scrgbClr r="0" g="0" b="0"/>
+      </a:lnRef>
+      <a:fillRef idx="1">
+        <a:scrgbClr r="0" g="0" b="0"/>
+      </a:fillRef>
+      <a:effectRef idx="0">
+        <a:scrgbClr r="0" g="0" b="0"/>
+      </a:effectRef>
+      <a:fontRef idx="minor"/>
+    </dgm:style>
+  </dgm:styleLbl>
+  <dgm:styleLbl name="asst0">
+    <dgm:scene3d>
+      <a:camera prst="orthographicFront"/>
+      <a:lightRig rig="threePt" dir="t"/>
+    </dgm:scene3d>
+    <dgm:sp3d/>
+    <dgm:txPr/>
+    <dgm:style>
+      <a:lnRef idx="2">
+        <a:scrgbClr r="0" g="0" b="0"/>
+      </a:lnRef>
+      <a:fillRef idx="1">
+        <a:scrgbClr r="0" g="0" b="0"/>
+      </a:fillRef>
+      <a:effectRef idx="0">
+        <a:scrgbClr r="0" g="0" b="0"/>
+      </a:effectRef>
+      <a:fontRef idx="minor">
+        <a:schemeClr val="lt1"/>
+      </a:fontRef>
+    </dgm:style>
+  </dgm:styleLbl>
+  <dgm:styleLbl name="asst1">
+    <dgm:scene3d>
+      <a:camera prst="orthographicFront"/>
+      <a:lightRig rig="threePt" dir="t"/>
+    </dgm:scene3d>
+    <dgm:sp3d/>
+    <dgm:txPr/>
+    <dgm:style>
+      <a:lnRef idx="2">
+        <a:scrgbClr r="0" g="0" b="0"/>
+      </a:lnRef>
+      <a:fillRef idx="1">
+        <a:scrgbClr r="0" g="0" b="0"/>
+      </a:fillRef>
+      <a:effectRef idx="0">
+        <a:scrgbClr r="0" g="0" b="0"/>
+      </a:effectRef>
+      <a:fontRef idx="minor">
+        <a:schemeClr val="lt1"/>
+      </a:fontRef>
+    </dgm:style>
+  </dgm:styleLbl>
+  <dgm:styleLbl name="asst2">
+    <dgm:scene3d>
+      <a:camera prst="orthographicFront"/>
+      <a:lightRig rig="threePt" dir="t"/>
+    </dgm:scene3d>
+    <dgm:sp3d/>
+    <dgm:txPr/>
+    <dgm:style>
+      <a:lnRef idx="2">
+        <a:scrgbClr r="0" g="0" b="0"/>
+      </a:lnRef>
+      <a:fillRef idx="1">
+        <a:scrgbClr r="0" g="0" b="0"/>
+      </a:fillRef>
+      <a:effectRef idx="0">
+        <a:scrgbClr r="0" g="0" b="0"/>
+      </a:effectRef>
+      <a:fontRef idx="minor">
+        <a:schemeClr val="lt1"/>
+      </a:fontRef>
+    </dgm:style>
+  </dgm:styleLbl>
+  <dgm:styleLbl name="asst3">
+    <dgm:scene3d>
+      <a:camera prst="orthographicFront"/>
+      <a:lightRig rig="threePt" dir="t"/>
+    </dgm:scene3d>
+    <dgm:sp3d/>
+    <dgm:txPr/>
+    <dgm:style>
+      <a:lnRef idx="2">
+        <a:scrgbClr r="0" g="0" b="0"/>
+      </a:lnRef>
+      <a:fillRef idx="1">
+        <a:scrgbClr r="0" g="0" b="0"/>
+      </a:fillRef>
+      <a:effectRef idx="0">
+        <a:scrgbClr r="0" g="0" b="0"/>
+      </a:effectRef>
+      <a:fontRef idx="minor">
+        <a:schemeClr val="lt1"/>
+      </a:fontRef>
+    </dgm:style>
+  </dgm:styleLbl>
+  <dgm:styleLbl name="asst4">
+    <dgm:scene3d>
+      <a:camera prst="orthographicFront"/>
+      <a:lightRig rig="threePt" dir="t"/>
+    </dgm:scene3d>
+    <dgm:sp3d/>
+    <dgm:txPr/>
+    <dgm:style>
+      <a:lnRef idx="2">
+        <a:scrgbClr r="0" g="0" b="0"/>
+      </a:lnRef>
+      <a:fillRef idx="1">
+        <a:scrgbClr r="0" g="0" b="0"/>
+      </a:fillRef>
+      <a:effectRef idx="0">
+        <a:scrgbClr r="0" g="0" b="0"/>
+      </a:effectRef>
+      <a:fontRef idx="minor">
+        <a:schemeClr val="lt1"/>
+      </a:fontRef>
+    </dgm:style>
+  </dgm:styleLbl>
+  <dgm:styleLbl name="parChTrans2D1">
+    <dgm:scene3d>
+      <a:camera prst="orthographicFront"/>
+      <a:lightRig rig="threePt" dir="t"/>
+    </dgm:scene3d>
+    <dgm:sp3d/>
+    <dgm:txPr/>
+    <dgm:style>
+      <a:lnRef idx="2">
+        <a:scrgbClr r="0" g="0" b="0"/>
+      </a:lnRef>
+      <a:fillRef idx="1">
+        <a:scrgbClr r="0" g="0" b="0"/>
+      </a:fillRef>
+      <a:effectRef idx="0">
+        <a:scrgbClr r="0" g="0" b="0"/>
+      </a:effectRef>
+      <a:fontRef idx="minor">
+        <a:schemeClr val="lt1"/>
+      </a:fontRef>
+    </dgm:style>
+  </dgm:styleLbl>
+  <dgm:styleLbl name="parChTrans2D2">
+    <dgm:scene3d>
+      <a:camera prst="orthographicFront"/>
+      <a:lightRig rig="threePt" dir="t"/>
+    </dgm:scene3d>
+    <dgm:sp3d/>
+    <dgm:txPr/>
+    <dgm:style>
+      <a:lnRef idx="2">
+        <a:scrgbClr r="0" g="0" b="0"/>
+      </a:lnRef>
+      <a:fillRef idx="1">
+        <a:scrgbClr r="0" g="0" b="0"/>
+      </a:fillRef>
+      <a:effectRef idx="0">
+        <a:scrgbClr r="0" g="0" b="0"/>
+      </a:effectRef>
+      <a:fontRef idx="minor">
+        <a:schemeClr val="lt1"/>
+      </a:fontRef>
+    </dgm:style>
+  </dgm:styleLbl>
+  <dgm:styleLbl name="parChTrans2D3">
+    <dgm:scene3d>
+      <a:camera prst="orthographicFront"/>
+      <a:lightRig rig="threePt" dir="t"/>
+    </dgm:scene3d>
+    <dgm:sp3d/>
+    <dgm:txPr/>
+    <dgm:style>
+      <a:lnRef idx="2">
+        <a:scrgbClr r="0" g="0" b="0"/>
+      </a:lnRef>
+      <a:fillRef idx="1">
+        <a:scrgbClr r="0" g="0" b="0"/>
+      </a:fillRef>
+      <a:effectRef idx="0">
+        <a:scrgbClr r="0" g="0" b="0"/>
+      </a:effectRef>
+      <a:fontRef idx="minor">
+        <a:schemeClr val="lt1"/>
+      </a:fontRef>
+    </dgm:style>
+  </dgm:styleLbl>
+  <dgm:styleLbl name="parChTrans2D4">
+    <dgm:scene3d>
+      <a:camera prst="orthographicFront"/>
+      <a:lightRig rig="threePt" dir="t"/>
+    </dgm:scene3d>
+    <dgm:sp3d/>
+    <dgm:txPr/>
+    <dgm:style>
+      <a:lnRef idx="2">
+        <a:scrgbClr r="0" g="0" b="0"/>
+      </a:lnRef>
+      <a:fillRef idx="1">
+        <a:scrgbClr r="0" g="0" b="0"/>
+      </a:fillRef>
+      <a:effectRef idx="0">
+        <a:scrgbClr r="0" g="0" b="0"/>
+      </a:effectRef>
+      <a:fontRef idx="minor">
+        <a:schemeClr val="lt1"/>
+      </a:fontRef>
+    </dgm:style>
+  </dgm:styleLbl>
+  <dgm:styleLbl name="parChTrans1D1">
+    <dgm:scene3d>
+      <a:camera prst="orthographicFront"/>
+      <a:lightRig rig="threePt" dir="t"/>
+    </dgm:scene3d>
+    <dgm:sp3d/>
+    <dgm:txPr/>
+    <dgm:style>
+      <a:lnRef idx="2">
+        <a:scrgbClr r="0" g="0" b="0"/>
+      </a:lnRef>
+      <a:fillRef idx="0">
+        <a:scrgbClr r="0" g="0" b="0"/>
+      </a:fillRef>
+      <a:effectRef idx="0">
+        <a:scrgbClr r="0" g="0" b="0"/>
+      </a:effectRef>
+      <a:fontRef idx="minor"/>
+    </dgm:style>
+  </dgm:styleLbl>
+  <dgm:styleLbl name="parChTrans1D2">
+    <dgm:scene3d>
+      <a:camera prst="orthographicFront"/>
+      <a:lightRig rig="threePt" dir="t"/>
+    </dgm:scene3d>
+    <dgm:sp3d/>
+    <dgm:txPr/>
+    <dgm:style>
+      <a:lnRef idx="2">
+        <a:scrgbClr r="0" g="0" b="0"/>
+      </a:lnRef>
+      <a:fillRef idx="0">
+        <a:scrgbClr r="0" g="0" b="0"/>
+      </a:fillRef>
+      <a:effectRef idx="0">
+        <a:scrgbClr r="0" g="0" b="0"/>
+      </a:effectRef>
+      <a:fontRef idx="minor"/>
+    </dgm:style>
+  </dgm:styleLbl>
+  <dgm:styleLbl name="parChTrans1D3">
+    <dgm:scene3d>
+      <a:camera prst="orthographicFront"/>
+      <a:lightRig rig="threePt" dir="t"/>
+    </dgm:scene3d>
+    <dgm:sp3d/>
+    <dgm:txPr/>
+    <dgm:style>
+      <a:lnRef idx="2">
+        <a:scrgbClr r="0" g="0" b="0"/>
+      </a:lnRef>
+      <a:fillRef idx="0">
+        <a:scrgbClr r="0" g="0" b="0"/>
+      </a:fillRef>
+      <a:effectRef idx="0">
+        <a:scrgbClr r="0" g="0" b="0"/>
+      </a:effectRef>
+      <a:fontRef idx="minor"/>
+    </dgm:style>
+  </dgm:styleLbl>
+  <dgm:styleLbl name="parChTrans1D4">
+    <dgm:scene3d>
+      <a:camera prst="orthographicFront"/>
+      <a:lightRig rig="threePt" dir="t"/>
+    </dgm:scene3d>
+    <dgm:sp3d/>
+    <dgm:txPr/>
+    <dgm:style>
+      <a:lnRef idx="2">
+        <a:scrgbClr r="0" g="0" b="0"/>
+      </a:lnRef>
+      <a:fillRef idx="0">
+        <a:scrgbClr r="0" g="0" b="0"/>
+      </a:fillRef>
+      <a:effectRef idx="0">
+        <a:scrgbClr r="0" g="0" b="0"/>
+      </a:effectRef>
+      <a:fontRef idx="minor"/>
+    </dgm:style>
+  </dgm:styleLbl>
+  <dgm:styleLbl name="fgAcc1">
+    <dgm:scene3d>
+      <a:camera prst="orthographicFront"/>
+      <a:lightRig rig="threePt" dir="t"/>
+    </dgm:scene3d>
+    <dgm:sp3d/>
+    <dgm:txPr/>
+    <dgm:style>
+      <a:lnRef idx="2">
+        <a:scrgbClr r="0" g="0" b="0"/>
+      </a:lnRef>
+      <a:fillRef idx="1">
+        <a:scrgbClr r="0" g="0" b="0"/>
+      </a:fillRef>
+      <a:effectRef idx="0">
+        <a:scrgbClr r="0" g="0" b="0"/>
+      </a:effectRef>
+      <a:fontRef idx="minor"/>
+    </dgm:style>
+  </dgm:styleLbl>
+  <dgm:styleLbl name="conFgAcc1">
+    <dgm:scene3d>
+      <a:camera prst="orthographicFront"/>
+      <a:lightRig rig="threePt" dir="t"/>
+    </dgm:scene3d>
+    <dgm:sp3d/>
+    <dgm:txPr/>
+    <dgm:style>
+      <a:lnRef idx="2">
+        <a:scrgbClr r="0" g="0" b="0"/>
+      </a:lnRef>
+      <a:fillRef idx="1">
+        <a:scrgbClr r="0" g="0" b="0"/>
+      </a:fillRef>
+      <a:effectRef idx="0">
+        <a:scrgbClr r="0" g="0" b="0"/>
+      </a:effectRef>
+      <a:fontRef idx="minor"/>
+    </dgm:style>
+  </dgm:styleLbl>
+  <dgm:styleLbl name="alignAcc1">
+    <dgm:scene3d>
+      <a:camera prst="orthographicFront"/>
+      <a:lightRig rig="threePt" dir="t"/>
+    </dgm:scene3d>
+    <dgm:sp3d/>
+    <dgm:txPr/>
+    <dgm:style>
+      <a:lnRef idx="2">
+        <a:scrgbClr r="0" g="0" b="0"/>
+      </a:lnRef>
+      <a:fillRef idx="1">
+        <a:scrgbClr r="0" g="0" b="0"/>
+      </a:fillRef>
+      <a:effectRef idx="0">
+        <a:scrgbClr r="0" g="0" b="0"/>
+      </a:effectRef>
+      <a:fontRef idx="minor"/>
+    </dgm:style>
+  </dgm:styleLbl>
+  <dgm:styleLbl name="trAlignAcc1">
+    <dgm:scene3d>
+      <a:camera prst="orthographicFront"/>
+      <a:lightRig rig="threePt" dir="t"/>
+    </dgm:scene3d>
+    <dgm:sp3d/>
+    <dgm:txPr/>
+    <dgm:style>
+      <a:lnRef idx="1">
+        <a:scrgbClr r="0" g="0" b="0"/>
+      </a:lnRef>
+      <a:fillRef idx="1">
+        <a:scrgbClr r="0" g="0" b="0"/>
+      </a:fillRef>
+      <a:effectRef idx="0">
+        <a:scrgbClr r="0" g="0" b="0"/>
+      </a:effectRef>
+      <a:fontRef idx="minor"/>
+    </dgm:style>
+  </dgm:styleLbl>
+  <dgm:styleLbl name="bgAcc1">
+    <dgm:scene3d>
+      <a:camera prst="orthographicFront"/>
+      <a:lightRig rig="threePt" dir="t"/>
+    </dgm:scene3d>
+    <dgm:sp3d/>
+    <dgm:txPr/>
+    <dgm:style>
+      <a:lnRef idx="2">
+        <a:scrgbClr r="0" g="0" b="0"/>
+      </a:lnRef>
+      <a:fillRef idx="1">
+        <a:scrgbClr r="0" g="0" b="0"/>
+      </a:fillRef>
+      <a:effectRef idx="0">
+        <a:scrgbClr r="0" g="0" b="0"/>
+      </a:effectRef>
+      <a:fontRef idx="minor"/>
+    </dgm:style>
+  </dgm:styleLbl>
+  <dgm:styleLbl name="solidFgAcc1">
+    <dgm:scene3d>
+      <a:camera prst="orthographicFront"/>
+      <a:lightRig rig="threePt" dir="t"/>
+    </dgm:scene3d>
+    <dgm:sp3d/>
+    <dgm:txPr/>
+    <dgm:style>
+      <a:lnRef idx="2">
+        <a:scrgbClr r="0" g="0" b="0"/>
+      </a:lnRef>
+      <a:fillRef idx="1">
+        <a:scrgbClr r="0" g="0" b="0"/>
+      </a:fillRef>
+      <a:effectRef idx="0">
+        <a:scrgbClr r="0" g="0" b="0"/>
+      </a:effectRef>
+      <a:fontRef idx="minor"/>
+    </dgm:style>
+  </dgm:styleLbl>
+  <dgm:styleLbl name="solidAlignAcc1">
+    <dgm:scene3d>
+      <a:camera prst="orthographicFront"/>
+      <a:lightRig rig="threePt" dir="t"/>
+    </dgm:scene3d>
+    <dgm:sp3d/>
+    <dgm:txPr/>
+    <dgm:style>
+      <a:lnRef idx="2">
+        <a:scrgbClr r="0" g="0" b="0"/>
+      </a:lnRef>
+      <a:fillRef idx="1">
+        <a:scrgbClr r="0" g="0" b="0"/>
+      </a:fillRef>
+      <a:effectRef idx="0">
+        <a:scrgbClr r="0" g="0" b="0"/>
+      </a:effectRef>
+      <a:fontRef idx="minor"/>
+    </dgm:style>
+  </dgm:styleLbl>
+  <dgm:styleLbl name="solidBgAcc1">
+    <dgm:scene3d>
+      <a:camera prst="orthographicFront"/>
+      <a:lightRig rig="threePt" dir="t"/>
+    </dgm:scene3d>
+    <dgm:sp3d/>
+    <dgm:txPr/>
+    <dgm:style>
+      <a:lnRef idx="2">
+        <a:scrgbClr r="0" g="0" b="0"/>
+      </a:lnRef>
+      <a:fillRef idx="1">
+        <a:scrgbClr r="0" g="0" b="0"/>
+      </a:fillRef>
+      <a:effectRef idx="0">
+        <a:scrgbClr r="0" g="0" b="0"/>
+      </a:effectRef>
+      <a:fontRef idx="minor"/>
+    </dgm:style>
+  </dgm:styleLbl>
+  <dgm:styleLbl name="fgAccFollowNode1">
+    <dgm:scene3d>
+      <a:camera prst="orthographicFront"/>
+      <a:lightRig rig="threePt" dir="t"/>
+    </dgm:scene3d>
+    <dgm:sp3d/>
+    <dgm:txPr/>
+    <dgm:style>
+      <a:lnRef idx="2">
+        <a:scrgbClr r="0" g="0" b="0"/>
+      </a:lnRef>
+      <a:fillRef idx="1">
+        <a:scrgbClr r="0" g="0" b="0"/>
+      </a:fillRef>
+      <a:effectRef idx="0">
+        <a:scrgbClr r="0" g="0" b="0"/>
+      </a:effectRef>
+      <a:fontRef idx="minor"/>
+    </dgm:style>
+  </dgm:styleLbl>
+  <dgm:styleLbl name="alignAccFollowNode1">
+    <dgm:scene3d>
+      <a:camera prst="orthographicFront"/>
+      <a:lightRig rig="threePt" dir="t"/>
+    </dgm:scene3d>
+    <dgm:sp3d/>
+    <dgm:txPr/>
+    <dgm:style>
+      <a:lnRef idx="2">
+        <a:scrgbClr r="0" g="0" b="0"/>
+      </a:lnRef>
+      <a:fillRef idx="1">
+        <a:scrgbClr r="0" g="0" b="0"/>
+      </a:fillRef>
+      <a:effectRef idx="0">
+        <a:scrgbClr r="0" g="0" b="0"/>
+      </a:effectRef>
+      <a:fontRef idx="minor"/>
+    </dgm:style>
+  </dgm:styleLbl>
+  <dgm:styleLbl name="bgAccFollowNode1">
+    <dgm:scene3d>
+      <a:camera prst="orthographicFront"/>
+      <a:lightRig rig="threePt" dir="t"/>
+    </dgm:scene3d>
+    <dgm:sp3d/>
+    <dgm:txPr/>
+    <dgm:style>
+      <a:lnRef idx="2">
+        <a:scrgbClr r="0" g="0" b="0"/>
+      </a:lnRef>
+      <a:fillRef idx="1">
+        <a:scrgbClr r="0" g="0" b="0"/>
+      </a:fillRef>
+      <a:effectRef idx="0">
+        <a:scrgbClr r="0" g="0" b="0"/>
+      </a:effectRef>
+      <a:fontRef idx="minor"/>
+    </dgm:style>
+  </dgm:styleLbl>
+  <dgm:styleLbl name="fgAcc0">
+    <dgm:scene3d>
+      <a:camera prst="orthographicFront"/>
+      <a:lightRig rig="threePt" dir="t"/>
+    </dgm:scene3d>
+    <dgm:sp3d/>
+    <dgm:txPr/>
+    <dgm:style>
+      <a:lnRef idx="2">
+        <a:scrgbClr r="0" g="0" b="0"/>
+      </a:lnRef>
+      <a:fillRef idx="1">
+        <a:scrgbClr r="0" g="0" b="0"/>
+      </a:fillRef>
+      <a:effectRef idx="0">
+        <a:scrgbClr r="0" g="0" b="0"/>
+      </a:effectRef>
+      <a:fontRef idx="minor"/>
+    </dgm:style>
+  </dgm:styleLbl>
+  <dgm:styleLbl name="fgAcc2">
+    <dgm:scene3d>
+      <a:camera prst="orthographicFront"/>
+      <a:lightRig rig="threePt" dir="t"/>
+    </dgm:scene3d>
+    <dgm:sp3d/>
+    <dgm:txPr/>
+    <dgm:style>
+      <a:lnRef idx="2">
+        <a:scrgbClr r="0" g="0" b="0"/>
+      </a:lnRef>
+      <a:fillRef idx="1">
+        <a:scrgbClr r="0" g="0" b="0"/>
+      </a:fillRef>
+      <a:effectRef idx="0">
+        <a:scrgbClr r="0" g="0" b="0"/>
+      </a:effectRef>
+      <a:fontRef idx="minor"/>
+    </dgm:style>
+  </dgm:styleLbl>
+  <dgm:styleLbl name="fgAcc3">
+    <dgm:scene3d>
+      <a:camera prst="orthographicFront"/>
+      <a:lightRig rig="threePt" dir="t"/>
+    </dgm:scene3d>
+    <dgm:sp3d/>
+    <dgm:txPr/>
+    <dgm:style>
+      <a:lnRef idx="2">
+        <a:scrgbClr r="0" g="0" b="0"/>
+      </a:lnRef>
+      <a:fillRef idx="1">
+        <a:scrgbClr r="0" g="0" b="0"/>
+      </a:fillRef>
+      <a:effectRef idx="0">
+        <a:scrgbClr r="0" g="0" b="0"/>
+      </a:effectRef>
+      <a:fontRef idx="minor"/>
+    </dgm:style>
+  </dgm:styleLbl>
+  <dgm:styleLbl name="fgAcc4">
+    <dgm:scene3d>
+      <a:camera prst="orthographicFront"/>
+      <a:lightRig rig="threePt" dir="t"/>
+    </dgm:scene3d>
+    <dgm:sp3d/>
+    <dgm:txPr/>
+    <dgm:style>
+      <a:lnRef idx="2">
+        <a:scrgbClr r="0" g="0" b="0"/>
+      </a:lnRef>
+      <a:fillRef idx="1">
+        <a:scrgbClr r="0" g="0" b="0"/>
+      </a:fillRef>
+      <a:effectRef idx="0">
+        <a:scrgbClr r="0" g="0" b="0"/>
+      </a:effectRef>
+      <a:fontRef idx="minor"/>
+    </dgm:style>
+  </dgm:styleLbl>
+  <dgm:styleLbl name="bgShp">
+    <dgm:scene3d>
+      <a:camera prst="orthographicFront"/>
+      <a:lightRig rig="threePt" dir="t"/>
+    </dgm:scene3d>
+    <dgm:sp3d/>
+    <dgm:txPr/>
+    <dgm:style>
+      <a:lnRef idx="0">
+        <a:scrgbClr r="0" g="0" b="0"/>
+      </a:lnRef>
+      <a:fillRef idx="1">
+        <a:scrgbClr r="0" g="0" b="0"/>
+      </a:fillRef>
+      <a:effectRef idx="0">
+        <a:scrgbClr r="0" g="0" b="0"/>
+      </a:effectRef>
+      <a:fontRef idx="minor"/>
+    </dgm:style>
+  </dgm:styleLbl>
+  <dgm:styleLbl name="dkBgShp">
+    <dgm:scene3d>
+      <a:camera prst="orthographicFront"/>
+      <a:lightRig rig="threePt" dir="t"/>
+    </dgm:scene3d>
+    <dgm:sp3d/>
+    <dgm:txPr/>
+    <dgm:style>
+      <a:lnRef idx="0">
+        <a:scrgbClr r="0" g="0" b="0"/>
+      </a:lnRef>
+      <a:fillRef idx="1">
+        <a:scrgbClr r="0" g="0" b="0"/>
+      </a:fillRef>
+      <a:effectRef idx="0">
+        <a:scrgbClr r="0" g="0" b="0"/>
+      </a:effectRef>
+      <a:fontRef idx="minor"/>
+    </dgm:style>
+  </dgm:styleLbl>
+  <dgm:styleLbl name="trBgShp">
+    <dgm:scene3d>
+      <a:camera prst="orthographicFront"/>
+      <a:lightRig rig="threePt" dir="t"/>
+    </dgm:scene3d>
+    <dgm:sp3d/>
+    <dgm:txPr/>
+    <dgm:style>
+      <a:lnRef idx="0">
+        <a:scrgbClr r="0" g="0" b="0"/>
+      </a:lnRef>
+      <a:fillRef idx="1">
+        <a:scrgbClr r="0" g="0" b="0"/>
+      </a:fillRef>
+      <a:effectRef idx="0">
+        <a:scrgbClr r="0" g="0" b="0"/>
+      </a:effectRef>
+      <a:fontRef idx="minor"/>
+    </dgm:style>
+  </dgm:styleLbl>
+  <dgm:styleLbl name="fgShp">
+    <dgm:scene3d>
+      <a:camera prst="orthographicFront"/>
+      <a:lightRig rig="threePt" dir="t"/>
+    </dgm:scene3d>
+    <dgm:sp3d/>
+    <dgm:txPr/>
+    <dgm:style>
+      <a:lnRef idx="2">
+        <a:scrgbClr r="0" g="0" b="0"/>
+      </a:lnRef>
+      <a:fillRef idx="1">
+        <a:scrgbClr r="0" g="0" b="0"/>
+      </a:fillRef>
+      <a:effectRef idx="0">
+        <a:scrgbClr r="0" g="0" b="0"/>
+      </a:effectRef>
+      <a:fontRef idx="minor"/>
+    </dgm:style>
+  </dgm:styleLbl>
+  <dgm:styleLbl name="revTx">
+    <dgm:scene3d>
+      <a:camera prst="orthographicFront"/>
+      <a:lightRig rig="threePt" dir="t"/>
+    </dgm:scene3d>
+    <dgm:sp3d/>
+    <dgm:txPr/>
+    <dgm:style>
+      <a:lnRef idx="0">
+        <a:scrgbClr r="0" g="0" b="0"/>
+      </a:lnRef>
+      <a:fillRef idx="0">
+        <a:scrgbClr r="0" g="0" b="0"/>
+      </a:fillRef>
+      <a:effectRef idx="0">
+        <a:scrgbClr r="0" g="0" b="0"/>
+      </a:effectRef>
+      <a:fontRef idx="minor"/>
+    </dgm:style>
+  </dgm:styleLbl>
+</dgm:styleDef>
 </file>
 
 <file path=ppt/handoutMasters/handoutMaster1.xml><?xml version="1.0" encoding="utf-8"?>
@@ -11606,7 +14646,7 @@
             <a:spLocks noGrp="1"/>
           </p:cNvSpPr>
           <p:nvPr>
-            <p:ph type="ctrTitle"/>
+            <p:ph type="title"/>
           </p:nvPr>
         </p:nvSpPr>
         <p:spPr/>
@@ -11615,21 +14655,50 @@
           <a:lstStyle/>
           <a:p>
             <a:r>
-              <a:rPr lang="en-GB" dirty="0" smtClean="0"/>
-              <a:t>Monitor Indicator</a:t>
-            </a:r>
-            <a:endParaRPr lang="en-GB" dirty="0"/>
-          </a:p>
-        </p:txBody>
-      </p:sp>
-      <p:sp>
-        <p:nvSpPr>
-          <p:cNvPr id="3" name="Subtitle 2"/>
+              <a:rPr lang="en-US" altLang="zh-CN" dirty="0" smtClean="0"/>
+              <a:t>Yun Shield</a:t>
+            </a:r>
+            <a:endParaRPr lang="zh-CN" altLang="en-US" dirty="0"/>
+          </a:p>
+        </p:txBody>
+      </p:sp>
+      <p:pic>
+        <p:nvPicPr>
+          <p:cNvPr id="5" name="Content Placeholder 4"/>
+          <p:cNvPicPr>
+            <a:picLocks noGrp="1" noChangeAspect="1"/>
+          </p:cNvPicPr>
+          <p:nvPr>
+            <p:ph idx="1"/>
+          </p:nvPr>
+        </p:nvPicPr>
+        <p:blipFill>
+          <a:blip r:embed="rId2">
+            <a:extLst>
+              <a:ext uri="{28A0092B-C50C-407E-A947-70E740481C1C}">
+                <a14:useLocalDpi xmlns:a14="http://schemas.microsoft.com/office/drawing/2010/main" val="0"/>
+              </a:ext>
+            </a:extLst>
+          </a:blip>
+          <a:stretch>
+            <a:fillRect/>
+          </a:stretch>
+        </p:blipFill>
+        <p:spPr>
+          <a:xfrm rot="5400000">
+            <a:off x="296113" y="1347415"/>
+            <a:ext cx="3625498" cy="2719124"/>
+          </a:xfrm>
+        </p:spPr>
+      </p:pic>
+      <p:sp>
+        <p:nvSpPr>
+          <p:cNvPr id="4" name="Slide Number Placeholder 3"/>
           <p:cNvSpPr>
             <a:spLocks noGrp="1"/>
           </p:cNvSpPr>
           <p:nvPr>
-            <p:ph type="subTitle" idx="1"/>
+            <p:ph type="sldNum" sz="quarter" idx="10"/>
           </p:nvPr>
         </p:nvSpPr>
         <p:spPr/>
@@ -11637,31 +14706,55 @@
           <a:bodyPr/>
           <a:lstStyle/>
           <a:p>
-            <a:r>
-              <a:rPr lang="en-GB" dirty="0" smtClean="0"/>
-              <a:t>HHEM</a:t>
-            </a:r>
+            <a:fld id="{F7E2903A-6526-4E0B-828D-C31687035264}" type="slidenum">
+              <a:rPr lang="en-GB" smtClean="0"/>
+              <a:pPr/>
+              <a:t>10</a:t>
+            </a:fld>
             <a:endParaRPr lang="en-GB" dirty="0"/>
           </a:p>
         </p:txBody>
       </p:sp>
+      <p:pic>
+        <p:nvPicPr>
+          <p:cNvPr id="6" name="Picture 5"/>
+          <p:cNvPicPr>
+            <a:picLocks noChangeAspect="1"/>
+          </p:cNvPicPr>
+          <p:nvPr/>
+        </p:nvPicPr>
+        <p:blipFill>
+          <a:blip r:embed="rId3">
+            <a:extLst>
+              <a:ext uri="{28A0092B-C50C-407E-A947-70E740481C1C}">
+                <a14:useLocalDpi xmlns:a14="http://schemas.microsoft.com/office/drawing/2010/main" val="0"/>
+              </a:ext>
+            </a:extLst>
+          </a:blip>
+          <a:stretch>
+            <a:fillRect/>
+          </a:stretch>
+        </p:blipFill>
+        <p:spPr>
+          <a:xfrm>
+            <a:off x="4387868" y="771550"/>
+            <a:ext cx="2962688" cy="3505689"/>
+          </a:xfrm>
+          <a:prstGeom prst="rect">
+            <a:avLst/>
+          </a:prstGeom>
+        </p:spPr>
+      </p:pic>
     </p:spTree>
     <p:extLst>
       <p:ext uri="{BB962C8B-B14F-4D97-AF65-F5344CB8AC3E}">
-        <p14:creationId xmlns:p14="http://schemas.microsoft.com/office/powerpoint/2010/main" val="1539575219"/>
+        <p14:creationId xmlns:p14="http://schemas.microsoft.com/office/powerpoint/2010/main" val="34205432"/>
       </p:ext>
     </p:extLst>
   </p:cSld>
   <p:clrMapOvr>
     <a:masterClrMapping/>
   </p:clrMapOvr>
-  <p:timing>
-    <p:tnLst>
-      <p:par>
-        <p:cTn id="1" dur="indefinite" restart="never" nodeType="tmRoot"/>
-      </p:par>
-    </p:tnLst>
-  </p:timing>
 </p:sld>
 </file>
 
@@ -11698,35 +14791,42 @@
           <a:lstStyle/>
           <a:p>
             <a:r>
-              <a:rPr lang="en-GB" altLang="zh-CN" dirty="0"/>
-              <a:t>Temperature and Humidity</a:t>
-            </a:r>
-            <a:endParaRPr lang="en-GB" dirty="0"/>
-          </a:p>
-        </p:txBody>
-      </p:sp>
-      <p:sp>
-        <p:nvSpPr>
-          <p:cNvPr id="3" name="Content Placeholder 2"/>
-          <p:cNvSpPr>
-            <a:spLocks noGrp="1"/>
-          </p:cNvSpPr>
+              <a:rPr lang="en-US" altLang="zh-CN" dirty="0" smtClean="0"/>
+              <a:t>Yun Shield Management</a:t>
+            </a:r>
+            <a:endParaRPr lang="zh-CN" altLang="en-US" dirty="0"/>
+          </a:p>
+        </p:txBody>
+      </p:sp>
+      <p:pic>
+        <p:nvPicPr>
+          <p:cNvPr id="5" name="Content Placeholder 4"/>
+          <p:cNvPicPr>
+            <a:picLocks noGrp="1" noChangeAspect="1"/>
+          </p:cNvPicPr>
           <p:nvPr>
             <p:ph idx="1"/>
           </p:nvPr>
-        </p:nvSpPr>
-        <p:spPr/>
-        <p:txBody>
-          <a:bodyPr/>
-          <a:lstStyle/>
-          <a:p>
-            <a:endParaRPr lang="en-GB" dirty="0" smtClean="0"/>
-          </a:p>
-        </p:txBody>
-      </p:sp>
-      <p:sp>
-        <p:nvSpPr>
-          <p:cNvPr id="5" name="灯片编号占位符 4"/>
+        </p:nvPicPr>
+        <p:blipFill>
+          <a:blip r:embed="rId2"/>
+          <a:stretch>
+            <a:fillRect/>
+          </a:stretch>
+        </p:blipFill>
+        <p:spPr>
+          <a:xfrm>
+            <a:off x="2324080" y="1266825"/>
+            <a:ext cx="4372015" cy="3105150"/>
+          </a:xfrm>
+          <a:prstGeom prst="rect">
+            <a:avLst/>
+          </a:prstGeom>
+        </p:spPr>
+      </p:pic>
+      <p:sp>
+        <p:nvSpPr>
+          <p:cNvPr id="4" name="Slide Number Placeholder 3"/>
           <p:cNvSpPr>
             <a:spLocks noGrp="1"/>
           </p:cNvSpPr>
@@ -11751,20 +14851,13 @@
     </p:spTree>
     <p:extLst>
       <p:ext uri="{BB962C8B-B14F-4D97-AF65-F5344CB8AC3E}">
-        <p14:creationId xmlns:p14="http://schemas.microsoft.com/office/powerpoint/2010/main" val="1107435703"/>
+        <p14:creationId xmlns:p14="http://schemas.microsoft.com/office/powerpoint/2010/main" val="1440245528"/>
       </p:ext>
     </p:extLst>
   </p:cSld>
   <p:clrMapOvr>
     <a:masterClrMapping/>
   </p:clrMapOvr>
-  <p:timing>
-    <p:tnLst>
-      <p:par>
-        <p:cTn id="1" dur="indefinite" restart="never" nodeType="tmRoot"/>
-      </p:par>
-    </p:tnLst>
-  </p:timing>
 </p:sld>
 </file>
 
@@ -11785,41 +14878,16 @@
           <a:chExt cx="0" cy="0"/>
         </a:xfrm>
       </p:grpSpPr>
-      <p:sp>
-        <p:nvSpPr>
-          <p:cNvPr id="2" name="Title 1"/>
-          <p:cNvSpPr>
-            <a:spLocks noGrp="1"/>
-          </p:cNvSpPr>
-          <p:nvPr>
-            <p:ph type="title"/>
-          </p:nvPr>
-        </p:nvSpPr>
-        <p:spPr/>
-        <p:txBody>
-          <a:bodyPr/>
-          <a:lstStyle/>
-          <a:p>
-            <a:r>
-              <a:rPr lang="en-GB" dirty="0" smtClean="0"/>
-              <a:t>Dust</a:t>
-            </a:r>
-            <a:endParaRPr lang="en-GB" dirty="0"/>
-          </a:p>
-        </p:txBody>
-      </p:sp>
       <p:pic>
         <p:nvPicPr>
-          <p:cNvPr id="5" name="内容占位符 4"/>
+          <p:cNvPr id="6" name="Picture 5"/>
           <p:cNvPicPr>
-            <a:picLocks noGrp="1" noChangeAspect="1"/>
+            <a:picLocks noChangeAspect="1"/>
           </p:cNvPicPr>
-          <p:nvPr>
-            <p:ph sz="half" idx="1"/>
-          </p:nvPr>
+          <p:nvPr/>
         </p:nvPicPr>
         <p:blipFill>
-          <a:blip r:embed="rId2" cstate="print">
+          <a:blip r:embed="rId2">
             <a:extLst>
               <a:ext uri="{28A0092B-C50C-407E-A947-70E740481C1C}">
                 <a14:useLocalDpi xmlns:a14="http://schemas.microsoft.com/office/drawing/2010/main" val="0"/>
@@ -11832,63 +14900,40 @@
         </p:blipFill>
         <p:spPr>
           <a:xfrm>
-            <a:off x="539552" y="1419622"/>
-            <a:ext cx="2952328" cy="2952328"/>
-          </a:xfrm>
+            <a:off x="1340426" y="3435846"/>
+            <a:ext cx="1803000" cy="1080120"/>
+          </a:xfrm>
+          <a:prstGeom prst="rect">
+            <a:avLst/>
+          </a:prstGeom>
         </p:spPr>
       </p:pic>
       <p:sp>
         <p:nvSpPr>
-          <p:cNvPr id="4" name="Content Placeholder 3"/>
+          <p:cNvPr id="2" name="Title 1"/>
           <p:cNvSpPr>
             <a:spLocks noGrp="1"/>
           </p:cNvSpPr>
           <p:nvPr>
-            <p:ph sz="half" idx="2"/>
+            <p:ph type="title"/>
           </p:nvPr>
         </p:nvSpPr>
-        <p:spPr>
-          <a:xfrm>
-            <a:off x="4320000" y="1267199"/>
-            <a:ext cx="3731102" cy="3176759"/>
-          </a:xfrm>
-        </p:spPr>
+        <p:spPr/>
         <p:txBody>
           <a:bodyPr/>
           <a:lstStyle/>
           <a:p>
             <a:r>
-              <a:rPr lang="en-US" sz="1050" dirty="0" smtClean="0"/>
-              <a:t>This </a:t>
-            </a:r>
-            <a:r>
-              <a:rPr lang="en-US" sz="1050" dirty="0"/>
-              <a:t>Dust Sensor measures the Particulate Matter level in air by counting the Lo Pulse Occupancy time(LPO time) in given time unit. LPO time is in proportion to PM concentration. This sensor can provide you pretty reliable data for air purifier system because it's still responsive to particulates whose </a:t>
-            </a:r>
-            <a:r>
-              <a:rPr lang="en-US" sz="1050" dirty="0" smtClean="0"/>
-              <a:t>diameter </a:t>
-            </a:r>
-            <a:r>
-              <a:rPr lang="en-US" sz="1050" dirty="0"/>
-              <a:t>is 1um</a:t>
-            </a:r>
-            <a:r>
-              <a:rPr lang="en-US" sz="1050" dirty="0" smtClean="0"/>
-              <a:t>.</a:t>
-            </a:r>
-          </a:p>
-          <a:p>
-            <a:pPr marL="0" indent="0">
-              <a:buNone/>
-            </a:pPr>
-            <a:endParaRPr lang="en-GB" sz="1050" dirty="0"/>
-          </a:p>
-        </p:txBody>
-      </p:sp>
-      <p:sp>
-        <p:nvSpPr>
-          <p:cNvPr id="6" name="灯片编号占位符 5"/>
+              <a:rPr lang="en-US" altLang="zh-CN" dirty="0" smtClean="0"/>
+              <a:t>Yun Shield in Data Transfer</a:t>
+            </a:r>
+            <a:endParaRPr lang="zh-CN" altLang="en-US" dirty="0"/>
+          </a:p>
+        </p:txBody>
+      </p:sp>
+      <p:sp>
+        <p:nvSpPr>
+          <p:cNvPr id="4" name="Slide Number Placeholder 3"/>
           <p:cNvSpPr>
             <a:spLocks noGrp="1"/>
           </p:cNvSpPr>
@@ -11910,16 +14955,37 @@
           </a:p>
         </p:txBody>
       </p:sp>
+      <p:graphicFrame>
+        <p:nvGraphicFramePr>
+          <p:cNvPr id="5" name="Content Placeholder 4"/>
+          <p:cNvGraphicFramePr>
+            <a:graphicFrameLocks noGrp="1"/>
+          </p:cNvGraphicFramePr>
+          <p:nvPr>
+            <p:ph idx="1"/>
+            <p:extLst/>
+          </p:nvPr>
+        </p:nvGraphicFramePr>
+        <p:xfrm>
+          <a:off x="395288" y="1266825"/>
+          <a:ext cx="8229600" cy="3105150"/>
+        </p:xfrm>
+        <a:graphic>
+          <a:graphicData uri="http://schemas.openxmlformats.org/drawingml/2006/diagram">
+            <dgm:relIds xmlns:dgm="http://schemas.openxmlformats.org/drawingml/2006/diagram" xmlns:r="http://schemas.openxmlformats.org/officeDocument/2006/relationships" r:dm="rId3" r:lo="rId4" r:qs="rId5" r:cs="rId6"/>
+          </a:graphicData>
+        </a:graphic>
+      </p:graphicFrame>
       <p:pic>
         <p:nvPicPr>
-          <p:cNvPr id="3" name="图片 2"/>
+          <p:cNvPr id="7" name="Picture 6"/>
           <p:cNvPicPr>
             <a:picLocks noChangeAspect="1"/>
           </p:cNvPicPr>
           <p:nvPr/>
         </p:nvPicPr>
         <p:blipFill>
-          <a:blip r:embed="rId3" cstate="print">
+          <a:blip r:embed="rId8">
             <a:extLst>
               <a:ext uri="{28A0092B-C50C-407E-A947-70E740481C1C}">
                 <a14:useLocalDpi xmlns:a14="http://schemas.microsoft.com/office/drawing/2010/main" val="0"/>
@@ -11932,8 +14998,252 @@
         </p:blipFill>
         <p:spPr>
           <a:xfrm>
-            <a:off x="3707904" y="2355726"/>
-            <a:ext cx="4955323" cy="1857738"/>
+            <a:off x="712248" y="1091127"/>
+            <a:ext cx="1351135" cy="1050885"/>
+          </a:xfrm>
+          <a:prstGeom prst="rect">
+            <a:avLst/>
+          </a:prstGeom>
+        </p:spPr>
+      </p:pic>
+      <p:pic>
+        <p:nvPicPr>
+          <p:cNvPr id="9" name="Picture 8"/>
+          <p:cNvPicPr>
+            <a:picLocks noChangeAspect="1"/>
+          </p:cNvPicPr>
+          <p:nvPr/>
+        </p:nvPicPr>
+        <p:blipFill>
+          <a:blip r:embed="rId9" cstate="print">
+            <a:extLst>
+              <a:ext uri="{28A0092B-C50C-407E-A947-70E740481C1C}">
+                <a14:useLocalDpi xmlns:a14="http://schemas.microsoft.com/office/drawing/2010/main" val="0"/>
+              </a:ext>
+            </a:extLst>
+          </a:blip>
+          <a:stretch>
+            <a:fillRect/>
+          </a:stretch>
+        </p:blipFill>
+        <p:spPr>
+          <a:xfrm>
+            <a:off x="2395462" y="1152718"/>
+            <a:ext cx="1282203" cy="961652"/>
+          </a:xfrm>
+          <a:prstGeom prst="rect">
+            <a:avLst/>
+          </a:prstGeom>
+        </p:spPr>
+      </p:pic>
+      <p:pic>
+        <p:nvPicPr>
+          <p:cNvPr id="10" name="Picture 9"/>
+          <p:cNvPicPr>
+            <a:picLocks noChangeAspect="1"/>
+          </p:cNvPicPr>
+          <p:nvPr/>
+        </p:nvPicPr>
+        <p:blipFill>
+          <a:blip r:embed="rId10" cstate="print">
+            <a:extLst>
+              <a:ext uri="{28A0092B-C50C-407E-A947-70E740481C1C}">
+                <a14:useLocalDpi xmlns:a14="http://schemas.microsoft.com/office/drawing/2010/main" val="0"/>
+              </a:ext>
+            </a:extLst>
+          </a:blip>
+          <a:stretch>
+            <a:fillRect/>
+          </a:stretch>
+        </p:blipFill>
+        <p:spPr>
+          <a:xfrm>
+            <a:off x="3831929" y="2767797"/>
+            <a:ext cx="1368152" cy="1026114"/>
+          </a:xfrm>
+          <a:prstGeom prst="rect">
+            <a:avLst/>
+          </a:prstGeom>
+        </p:spPr>
+      </p:pic>
+      <p:pic>
+        <p:nvPicPr>
+          <p:cNvPr id="11" name="Picture 10"/>
+          <p:cNvPicPr>
+            <a:picLocks noChangeAspect="1"/>
+          </p:cNvPicPr>
+          <p:nvPr/>
+        </p:nvPicPr>
+        <p:blipFill>
+          <a:blip r:embed="rId11">
+            <a:extLst>
+              <a:ext uri="{28A0092B-C50C-407E-A947-70E740481C1C}">
+                <a14:useLocalDpi xmlns:a14="http://schemas.microsoft.com/office/drawing/2010/main" val="0"/>
+              </a:ext>
+            </a:extLst>
+          </a:blip>
+          <a:stretch>
+            <a:fillRect/>
+          </a:stretch>
+        </p:blipFill>
+        <p:spPr>
+          <a:xfrm>
+            <a:off x="6427807" y="3109740"/>
+            <a:ext cx="936104" cy="936104"/>
+          </a:xfrm>
+          <a:prstGeom prst="rect">
+            <a:avLst/>
+          </a:prstGeom>
+        </p:spPr>
+      </p:pic>
+      <p:pic>
+        <p:nvPicPr>
+          <p:cNvPr id="12" name="Picture 11"/>
+          <p:cNvPicPr>
+            <a:picLocks noChangeAspect="1"/>
+          </p:cNvPicPr>
+          <p:nvPr/>
+        </p:nvPicPr>
+        <p:blipFill>
+          <a:blip r:embed="rId12" cstate="print">
+            <a:extLst>
+              <a:ext uri="{28A0092B-C50C-407E-A947-70E740481C1C}">
+                <a14:useLocalDpi xmlns:a14="http://schemas.microsoft.com/office/drawing/2010/main" val="0"/>
+              </a:ext>
+            </a:extLst>
+          </a:blip>
+          <a:stretch>
+            <a:fillRect/>
+          </a:stretch>
+        </p:blipFill>
+        <p:spPr>
+          <a:xfrm>
+            <a:off x="4510088" y="1523641"/>
+            <a:ext cx="888123" cy="666092"/>
+          </a:xfrm>
+          <a:prstGeom prst="rect">
+            <a:avLst/>
+          </a:prstGeom>
+        </p:spPr>
+      </p:pic>
+      <p:sp>
+        <p:nvSpPr>
+          <p:cNvPr id="17" name="Right Arrow 16"/>
+          <p:cNvSpPr/>
+          <p:nvPr/>
+        </p:nvSpPr>
+        <p:spPr bwMode="auto">
+          <a:xfrm rot="18366852">
+            <a:off x="7021208" y="2567747"/>
+            <a:ext cx="978408" cy="484632"/>
+          </a:xfrm>
+          <a:prstGeom prst="rightArrow">
+            <a:avLst/>
+          </a:prstGeom>
+          <a:solidFill>
+            <a:srgbClr val="9ACAEB"/>
+          </a:solidFill>
+          <a:ln w="9525" cap="flat" cmpd="sng" algn="ctr">
+            <a:solidFill>
+              <a:srgbClr val="9ACAEB"/>
+            </a:solidFill>
+            <a:prstDash val="solid"/>
+            <a:round/>
+            <a:headEnd type="none" w="med" len="med"/>
+            <a:tailEnd type="none" w="med" len="med"/>
+          </a:ln>
+          <a:effectLst/>
+        </p:spPr>
+        <p:txBody>
+          <a:bodyPr vert="horz" wrap="square" lIns="91440" tIns="45720" rIns="91440" bIns="45720" numCol="1" rtlCol="0" anchor="t" anchorCtr="0" compatLnSpc="1">
+            <a:prstTxWarp prst="textNoShape">
+              <a:avLst/>
+            </a:prstTxWarp>
+          </a:bodyPr>
+          <a:lstStyle/>
+          <a:p>
+            <a:pPr marL="0" marR="0" indent="0" algn="r" defTabSz="914400" rtl="0" eaLnBrk="1" fontAlgn="base" latinLnBrk="0" hangingPunct="1">
+              <a:lnSpc>
+                <a:spcPct val="100000"/>
+              </a:lnSpc>
+              <a:spcBef>
+                <a:spcPct val="0"/>
+              </a:spcBef>
+              <a:spcAft>
+                <a:spcPct val="0"/>
+              </a:spcAft>
+              <a:buClrTx/>
+              <a:buSzTx/>
+              <a:buFontTx/>
+              <a:buNone/>
+              <a:tabLst/>
+            </a:pPr>
+            <a:endParaRPr kumimoji="0" lang="zh-CN" altLang="en-US" sz="1600" b="0" i="0" u="none" strike="noStrike" cap="none" normalizeH="0" baseline="0" smtClean="0">
+              <a:ln>
+                <a:noFill/>
+              </a:ln>
+              <a:solidFill>
+                <a:schemeClr val="tx1"/>
+              </a:solidFill>
+              <a:effectLst/>
+              <a:latin typeface="Arial" charset="0"/>
+            </a:endParaRPr>
+          </a:p>
+        </p:txBody>
+      </p:sp>
+      <p:sp>
+        <p:nvSpPr>
+          <p:cNvPr id="18" name="TextBox 17"/>
+          <p:cNvSpPr txBox="1"/>
+          <p:nvPr/>
+        </p:nvSpPr>
+        <p:spPr>
+          <a:xfrm>
+            <a:off x="7907953" y="2294769"/>
+            <a:ext cx="557325" cy="369332"/>
+          </a:xfrm>
+          <a:prstGeom prst="rect">
+            <a:avLst/>
+          </a:prstGeom>
+          <a:noFill/>
+        </p:spPr>
+        <p:txBody>
+          <a:bodyPr wrap="square" rtlCol="0">
+            <a:spAutoFit/>
+          </a:bodyPr>
+          <a:lstStyle/>
+          <a:p>
+            <a:r>
+              <a:rPr lang="en-US" altLang="zh-CN" dirty="0" smtClean="0"/>
+              <a:t>PC</a:t>
+            </a:r>
+          </a:p>
+        </p:txBody>
+      </p:sp>
+      <p:pic>
+        <p:nvPicPr>
+          <p:cNvPr id="19" name="Picture 18"/>
+          <p:cNvPicPr>
+            <a:picLocks noChangeAspect="1"/>
+          </p:cNvPicPr>
+          <p:nvPr/>
+        </p:nvPicPr>
+        <p:blipFill>
+          <a:blip r:embed="rId13" cstate="print">
+            <a:extLst>
+              <a:ext uri="{28A0092B-C50C-407E-A947-70E740481C1C}">
+                <a14:useLocalDpi xmlns:a14="http://schemas.microsoft.com/office/drawing/2010/main" val="0"/>
+              </a:ext>
+            </a:extLst>
+          </a:blip>
+          <a:stretch>
+            <a:fillRect/>
+          </a:stretch>
+        </p:blipFill>
+        <p:spPr>
+          <a:xfrm>
+            <a:off x="7063057" y="1357837"/>
+            <a:ext cx="1689792" cy="979895"/>
           </a:xfrm>
           <a:prstGeom prst="rect">
             <a:avLst/>
@@ -11943,7 +15253,7 @@
     </p:spTree>
     <p:extLst>
       <p:ext uri="{BB962C8B-B14F-4D97-AF65-F5344CB8AC3E}">
-        <p14:creationId xmlns:p14="http://schemas.microsoft.com/office/powerpoint/2010/main" val="916757674"/>
+        <p14:creationId xmlns:p14="http://schemas.microsoft.com/office/powerpoint/2010/main" val="451580679"/>
       </p:ext>
     </p:extLst>
   </p:cSld>
@@ -11984,22 +15294,17 @@
             <a:spLocks noGrp="1"/>
           </p:cNvSpPr>
           <p:nvPr>
-            <p:ph type="title"/>
+            <p:ph type="ctrTitle"/>
           </p:nvPr>
         </p:nvSpPr>
-        <p:spPr>
-          <a:xfrm>
-            <a:off x="396000" y="144718"/>
-            <a:ext cx="8229600" cy="740437"/>
-          </a:xfrm>
-        </p:spPr>
+        <p:spPr/>
         <p:txBody>
           <a:bodyPr/>
           <a:lstStyle/>
           <a:p>
             <a:r>
               <a:rPr lang="en-GB" dirty="0" smtClean="0"/>
-              <a:t>HCHO</a:t>
+              <a:t>Monitor Indicator</a:t>
             </a:r>
             <a:endParaRPr lang="en-GB" dirty="0"/>
           </a:p>
@@ -12007,161 +15312,31 @@
       </p:sp>
       <p:sp>
         <p:nvSpPr>
-          <p:cNvPr id="4" name="Content Placeholder 3"/>
+          <p:cNvPr id="3" name="Subtitle 2"/>
           <p:cNvSpPr>
             <a:spLocks noGrp="1"/>
           </p:cNvSpPr>
           <p:nvPr>
-            <p:ph sz="half" idx="2"/>
+            <p:ph type="subTitle" idx="1"/>
           </p:nvPr>
         </p:nvSpPr>
-        <p:spPr>
-          <a:xfrm>
-            <a:off x="3995936" y="1059583"/>
-            <a:ext cx="4055166" cy="3384376"/>
-          </a:xfrm>
-        </p:spPr>
+        <p:spPr/>
         <p:txBody>
           <a:bodyPr/>
           <a:lstStyle/>
           <a:p>
             <a:r>
-              <a:rPr lang="en-US" altLang="zh-CN" sz="1050" dirty="0" smtClean="0"/>
-              <a:t>HCHO </a:t>
-            </a:r>
-            <a:r>
-              <a:rPr lang="en-US" altLang="zh-CN" sz="1050" dirty="0"/>
-              <a:t>Sensor is a semiconductor VOC gas </a:t>
-            </a:r>
-            <a:r>
-              <a:rPr lang="en-US" altLang="zh-CN" sz="1050" dirty="0" smtClean="0"/>
-              <a:t>sensor, which covert the circuit conductivity to the output </a:t>
-            </a:r>
-            <a:r>
-              <a:rPr lang="en-US" altLang="zh-CN" sz="1050" dirty="0"/>
-              <a:t>signal that corresponding to the gas </a:t>
-            </a:r>
-            <a:r>
-              <a:rPr lang="en-US" altLang="zh-CN" sz="1050" dirty="0" smtClean="0"/>
-              <a:t>concentration. It </a:t>
-            </a:r>
-            <a:r>
-              <a:rPr lang="en-US" altLang="zh-CN" sz="1050" dirty="0"/>
-              <a:t>has a very high sensitivity and </a:t>
-            </a:r>
-            <a:r>
-              <a:rPr lang="en-US" altLang="zh-CN" sz="1050" dirty="0" smtClean="0"/>
-              <a:t>stability, </a:t>
-            </a:r>
-            <a:r>
-              <a:rPr lang="en-US" altLang="zh-CN" sz="1050" dirty="0"/>
-              <a:t>can be used to detect harmful </a:t>
-            </a:r>
-            <a:r>
-              <a:rPr lang="en-US" altLang="zh-CN" sz="1050" dirty="0" smtClean="0"/>
-              <a:t>HCHO in </a:t>
-            </a:r>
-            <a:r>
-              <a:rPr lang="en-US" altLang="zh-CN" sz="1050" dirty="0"/>
-              <a:t>the home environment. Therefore, it’s a good assistant for you to improve indoor environment quality of life.</a:t>
-            </a:r>
-            <a:endParaRPr lang="en-GB" sz="1050" dirty="0"/>
-          </a:p>
-        </p:txBody>
-      </p:sp>
-      <p:sp>
-        <p:nvSpPr>
-          <p:cNvPr id="6" name="灯片编号占位符 5"/>
-          <p:cNvSpPr>
-            <a:spLocks noGrp="1"/>
-          </p:cNvSpPr>
-          <p:nvPr>
-            <p:ph type="sldNum" sz="quarter" idx="10"/>
-          </p:nvPr>
-        </p:nvSpPr>
-        <p:spPr/>
-        <p:txBody>
-          <a:bodyPr/>
-          <a:lstStyle/>
-          <a:p>
-            <a:fld id="{F7E2903A-6526-4E0B-828D-C31687035264}" type="slidenum">
-              <a:rPr lang="en-GB" smtClean="0"/>
-              <a:pPr/>
-              <a:t>13</a:t>
-            </a:fld>
+              <a:rPr lang="en-GB" dirty="0" smtClean="0"/>
+              <a:t>HHEM</a:t>
+            </a:r>
             <a:endParaRPr lang="en-GB" dirty="0"/>
           </a:p>
         </p:txBody>
       </p:sp>
-      <p:pic>
-        <p:nvPicPr>
-          <p:cNvPr id="1028" name="Picture 4" descr="http://www.seeedstudio.com/wiki/images/9/96/HCHO_Hardware_Connection.jpg"/>
-          <p:cNvPicPr>
-            <a:picLocks noChangeAspect="1" noChangeArrowheads="1"/>
-          </p:cNvPicPr>
-          <p:nvPr/>
-        </p:nvPicPr>
-        <p:blipFill>
-          <a:blip r:embed="rId2">
-            <a:extLst>
-              <a:ext uri="{28A0092B-C50C-407E-A947-70E740481C1C}">
-                <a14:useLocalDpi xmlns:a14="http://schemas.microsoft.com/office/drawing/2010/main" val="0"/>
-              </a:ext>
-            </a:extLst>
-          </a:blip>
-          <a:srcRect/>
-          <a:stretch>
-            <a:fillRect/>
-          </a:stretch>
-        </p:blipFill>
-        <p:spPr bwMode="auto">
-          <a:xfrm>
-            <a:off x="358966" y="1425982"/>
-            <a:ext cx="3332203" cy="2859191"/>
-          </a:xfrm>
-          <a:prstGeom prst="rect">
-            <a:avLst/>
-          </a:prstGeom>
-          <a:noFill/>
-          <a:extLst>
-            <a:ext uri="{909E8E84-426E-40DD-AFC4-6F175D3DCCD1}">
-              <a14:hiddenFill xmlns:a14="http://schemas.microsoft.com/office/drawing/2010/main">
-                <a:solidFill>
-                  <a:srgbClr val="FFFFFF"/>
-                </a:solidFill>
-              </a14:hiddenFill>
-            </a:ext>
-          </a:extLst>
-        </p:spPr>
-      </p:pic>
-      <p:pic>
-        <p:nvPicPr>
-          <p:cNvPr id="5" name="Picture 4"/>
-          <p:cNvPicPr>
-            <a:picLocks noChangeAspect="1"/>
-          </p:cNvPicPr>
-          <p:nvPr/>
-        </p:nvPicPr>
-        <p:blipFill>
-          <a:blip r:embed="rId3"/>
-          <a:stretch>
-            <a:fillRect/>
-          </a:stretch>
-        </p:blipFill>
-        <p:spPr>
-          <a:xfrm>
-            <a:off x="3923928" y="2192533"/>
-            <a:ext cx="4896544" cy="2251425"/>
-          </a:xfrm>
-          <a:prstGeom prst="rect">
-            <a:avLst/>
-          </a:prstGeom>
-        </p:spPr>
-      </p:pic>
     </p:spTree>
     <p:extLst>
       <p:ext uri="{BB962C8B-B14F-4D97-AF65-F5344CB8AC3E}">
-        <p14:creationId xmlns:p14="http://schemas.microsoft.com/office/powerpoint/2010/main" val="1240185870"/>
+        <p14:creationId xmlns:p14="http://schemas.microsoft.com/office/powerpoint/2010/main" val="1539575219"/>
       </p:ext>
     </p:extLst>
   </p:cSld>
@@ -12211,8 +15386,8 @@
           <a:lstStyle/>
           <a:p>
             <a:r>
-              <a:rPr lang="en-US" dirty="0" smtClean="0"/>
-              <a:t>CH4</a:t>
+              <a:rPr lang="en-GB" altLang="zh-CN" dirty="0"/>
+              <a:t>Temperature and Humidity</a:t>
             </a:r>
             <a:endParaRPr lang="en-GB" dirty="0"/>
           </a:p>
@@ -12220,51 +15395,26 @@
       </p:sp>
       <p:sp>
         <p:nvSpPr>
-          <p:cNvPr id="4" name="Content Placeholder 3"/>
+          <p:cNvPr id="3" name="Content Placeholder 2"/>
           <p:cNvSpPr>
             <a:spLocks noGrp="1"/>
           </p:cNvSpPr>
           <p:nvPr>
-            <p:ph sz="half" idx="2"/>
+            <p:ph idx="1"/>
           </p:nvPr>
         </p:nvSpPr>
-        <p:spPr>
-          <a:xfrm>
-            <a:off x="3995936" y="1267199"/>
-            <a:ext cx="4055166" cy="3176759"/>
-          </a:xfrm>
-        </p:spPr>
+        <p:spPr/>
         <p:txBody>
           <a:bodyPr/>
           <a:lstStyle/>
           <a:p>
-            <a:r>
-              <a:rPr lang="en-GB" sz="1050" dirty="0"/>
-              <a:t>T</a:t>
-            </a:r>
-            <a:r>
-              <a:rPr lang="en-GB" sz="1050" dirty="0" smtClean="0"/>
-              <a:t>he </a:t>
-            </a:r>
-            <a:r>
-              <a:rPr lang="en-GB" sz="1050" dirty="0"/>
-              <a:t>Grove - Gas Sensor(MQ2) module is useful for gas leakage detection (in home and industry). It is suitable for detecting H2, LPG, CH4, CO, Alcohol, Smoke or Propane. Due to its high sensitivity and fast response time, measurements can be taken as soon as possible. The sensitivity of the sensor can be adjusted by using the </a:t>
-            </a:r>
-            <a:r>
-              <a:rPr lang="en-GB" sz="1050" dirty="0" smtClean="0"/>
-              <a:t>potentiometer</a:t>
-            </a:r>
-            <a:r>
-              <a:rPr lang="en-US" altLang="zh-CN" sz="1050" dirty="0" smtClean="0"/>
-              <a:t>.</a:t>
-            </a:r>
-            <a:endParaRPr lang="en-GB" sz="1050" dirty="0"/>
-          </a:p>
-        </p:txBody>
-      </p:sp>
-      <p:sp>
-        <p:nvSpPr>
-          <p:cNvPr id="6" name="灯片编号占位符 5"/>
+            <a:endParaRPr lang="en-GB" dirty="0" smtClean="0"/>
+          </a:p>
+        </p:txBody>
+      </p:sp>
+      <p:sp>
+        <p:nvSpPr>
+          <p:cNvPr id="5" name="灯片编号占位符 4"/>
           <p:cNvSpPr>
             <a:spLocks noGrp="1"/>
           </p:cNvSpPr>
@@ -12286,118 +15436,10 @@
           </a:p>
         </p:txBody>
       </p:sp>
-      <p:pic>
-        <p:nvPicPr>
-          <p:cNvPr id="1026" name="Picture 2"/>
-          <p:cNvPicPr>
-            <a:picLocks noChangeAspect="1" noChangeArrowheads="1"/>
-          </p:cNvPicPr>
-          <p:nvPr/>
-        </p:nvPicPr>
-        <p:blipFill>
-          <a:blip r:embed="rId2">
-            <a:extLst>
-              <a:ext uri="{28A0092B-C50C-407E-A947-70E740481C1C}">
-                <a14:useLocalDpi xmlns:a14="http://schemas.microsoft.com/office/drawing/2010/main" val="0"/>
-              </a:ext>
-            </a:extLst>
-          </a:blip>
-          <a:srcRect/>
-          <a:stretch>
-            <a:fillRect/>
-          </a:stretch>
-        </p:blipFill>
-        <p:spPr bwMode="auto">
-          <a:xfrm>
-            <a:off x="107504" y="987574"/>
-            <a:ext cx="3295650" cy="2428875"/>
-          </a:xfrm>
-          <a:prstGeom prst="rect">
-            <a:avLst/>
-          </a:prstGeom>
-          <a:noFill/>
-          <a:ln>
-            <a:noFill/>
-          </a:ln>
-          <a:extLst>
-            <a:ext uri="{909E8E84-426E-40DD-AFC4-6F175D3DCCD1}">
-              <a14:hiddenFill xmlns:a14="http://schemas.microsoft.com/office/drawing/2010/main">
-                <a:solidFill>
-                  <a:schemeClr val="accent1"/>
-                </a:solidFill>
-              </a14:hiddenFill>
-            </a:ext>
-            <a:ext uri="{91240B29-F687-4F45-9708-019B960494DF}">
-              <a14:hiddenLine xmlns:a14="http://schemas.microsoft.com/office/drawing/2010/main" w="9525">
-                <a:solidFill>
-                  <a:schemeClr val="tx1"/>
-                </a:solidFill>
-                <a:miter lim="800000"/>
-                <a:headEnd/>
-                <a:tailEnd/>
-              </a14:hiddenLine>
-            </a:ext>
-          </a:extLst>
-        </p:spPr>
-      </p:pic>
-      <p:pic>
-        <p:nvPicPr>
-          <p:cNvPr id="1027" name="Picture 3"/>
-          <p:cNvPicPr>
-            <a:picLocks noChangeAspect="1" noChangeArrowheads="1"/>
-          </p:cNvPicPr>
-          <p:nvPr/>
-        </p:nvPicPr>
-        <p:blipFill>
-          <a:blip r:embed="rId3">
-            <a:extLst>
-              <a:ext uri="{28A0092B-C50C-407E-A947-70E740481C1C}">
-                <a14:useLocalDpi xmlns:a14="http://schemas.microsoft.com/office/drawing/2010/main" val="0"/>
-              </a:ext>
-            </a:extLst>
-          </a:blip>
-          <a:srcRect/>
-          <a:stretch>
-            <a:fillRect/>
-          </a:stretch>
-        </p:blipFill>
-        <p:spPr bwMode="auto">
-          <a:xfrm>
-            <a:off x="3621008" y="2502020"/>
-            <a:ext cx="4896544" cy="1504950"/>
-          </a:xfrm>
-          <a:prstGeom prst="rect">
-            <a:avLst/>
-          </a:prstGeom>
-          <a:noFill/>
-          <a:ln>
-            <a:noFill/>
-          </a:ln>
-          <a:extLst>
-            <a:ext uri="{909E8E84-426E-40DD-AFC4-6F175D3DCCD1}">
-              <a14:hiddenFill xmlns:a14="http://schemas.microsoft.com/office/drawing/2010/main">
-                <a:solidFill>
-                  <a:schemeClr val="accent1"/>
-                </a:solidFill>
-              </a14:hiddenFill>
-            </a:ext>
-            <a:ext uri="{91240B29-F687-4F45-9708-019B960494DF}">
-              <a14:hiddenLine xmlns:a14="http://schemas.microsoft.com/office/drawing/2010/main" w="9525">
-                <a:solidFill>
-                  <a:schemeClr val="tx1"/>
-                </a:solidFill>
-                <a:miter lim="800000"/>
-                <a:headEnd/>
-                <a:tailEnd/>
-              </a14:hiddenLine>
-            </a:ext>
-          </a:extLst>
-        </p:spPr>
-      </p:pic>
     </p:spTree>
     <p:extLst>
       <p:ext uri="{BB962C8B-B14F-4D97-AF65-F5344CB8AC3E}">
-        <p14:creationId xmlns:p14="http://schemas.microsoft.com/office/powerpoint/2010/main" val="700919715"/>
+        <p14:creationId xmlns:p14="http://schemas.microsoft.com/office/powerpoint/2010/main" val="1107435703"/>
       </p:ext>
     </p:extLst>
   </p:cSld>
@@ -12447,13 +15489,42 @@
           <a:lstStyle/>
           <a:p>
             <a:r>
-              <a:rPr lang="en-US" dirty="0" smtClean="0"/>
-              <a:t>Buzzer</a:t>
+              <a:rPr lang="en-GB" dirty="0" smtClean="0"/>
+              <a:t>Dust</a:t>
             </a:r>
             <a:endParaRPr lang="en-GB" dirty="0"/>
           </a:p>
         </p:txBody>
       </p:sp>
+      <p:pic>
+        <p:nvPicPr>
+          <p:cNvPr id="5" name="内容占位符 4"/>
+          <p:cNvPicPr>
+            <a:picLocks noGrp="1" noChangeAspect="1"/>
+          </p:cNvPicPr>
+          <p:nvPr>
+            <p:ph sz="half" idx="1"/>
+          </p:nvPr>
+        </p:nvPicPr>
+        <p:blipFill>
+          <a:blip r:embed="rId2" cstate="print">
+            <a:extLst>
+              <a:ext uri="{28A0092B-C50C-407E-A947-70E740481C1C}">
+                <a14:useLocalDpi xmlns:a14="http://schemas.microsoft.com/office/drawing/2010/main" val="0"/>
+              </a:ext>
+            </a:extLst>
+          </a:blip>
+          <a:stretch>
+            <a:fillRect/>
+          </a:stretch>
+        </p:blipFill>
+        <p:spPr>
+          <a:xfrm>
+            <a:off x="539552" y="1419622"/>
+            <a:ext cx="2952328" cy="2952328"/>
+          </a:xfrm>
+        </p:spPr>
+      </p:pic>
       <p:sp>
         <p:nvSpPr>
           <p:cNvPr id="4" name="Content Placeholder 3"/>
@@ -12466,8 +15537,8 @@
         </p:nvSpPr>
         <p:spPr>
           <a:xfrm>
-            <a:off x="3995936" y="1267199"/>
-            <a:ext cx="4055166" cy="3176759"/>
+            <a:off x="4320000" y="1267199"/>
+            <a:ext cx="3731102" cy="3176759"/>
           </a:xfrm>
         </p:spPr>
         <p:txBody>
@@ -12475,33 +15546,31 @@
           <a:lstStyle/>
           <a:p>
             <a:r>
-              <a:rPr lang="en-GB" sz="1050" dirty="0"/>
-              <a:t>Buzzer, or </a:t>
-            </a:r>
-            <a:r>
-              <a:rPr lang="en-GB" sz="1050" dirty="0" err="1"/>
-              <a:t>Piezo</a:t>
-            </a:r>
-            <a:r>
-              <a:rPr lang="en-GB" sz="1050" dirty="0"/>
-              <a:t> speaker, is </a:t>
-            </a:r>
-            <a:r>
-              <a:rPr lang="en-GB" sz="1050" dirty="0" smtClean="0"/>
-              <a:t>being </a:t>
-            </a:r>
-            <a:r>
-              <a:rPr lang="en-GB" sz="1050" dirty="0"/>
-              <a:t>used as an alarm or </a:t>
-            </a:r>
-            <a:r>
-              <a:rPr lang="en-GB" sz="1050" dirty="0" smtClean="0"/>
-              <a:t>indicator</a:t>
-            </a:r>
-            <a:r>
-              <a:rPr lang="en-GB" sz="1050" dirty="0"/>
+              <a:rPr lang="en-US" sz="1050" dirty="0" smtClean="0"/>
+              <a:t>This </a:t>
+            </a:r>
+            <a:r>
+              <a:rPr lang="en-US" sz="1050" dirty="0"/>
+              <a:t>Dust Sensor measures the Particulate Matter level in air by counting the Lo Pulse Occupancy time(LPO time) in given time unit. LPO time is in proportion to PM concentration. This sensor can provide you pretty reliable data for air purifier system because it's still responsive to particulates whose </a:t>
+            </a:r>
+            <a:r>
+              <a:rPr lang="en-US" sz="1050" dirty="0" smtClean="0"/>
+              <a:t>diameter </a:t>
+            </a:r>
+            <a:r>
+              <a:rPr lang="en-US" sz="1050" dirty="0"/>
+              <a:t>is 1um</a:t>
+            </a:r>
+            <a:r>
+              <a:rPr lang="en-US" sz="1050" dirty="0" smtClean="0"/>
               <a:t>.</a:t>
             </a:r>
+          </a:p>
+          <a:p>
+            <a:pPr marL="0" indent="0">
+              <a:buNone/>
+            </a:pPr>
+            <a:endParaRPr lang="en-GB" sz="1050" dirty="0"/>
           </a:p>
         </p:txBody>
       </p:sp>
@@ -12531,116 +15600,38 @@
       </p:sp>
       <p:pic>
         <p:nvPicPr>
-          <p:cNvPr id="2051" name="Picture 3"/>
+          <p:cNvPr id="3" name="图片 2"/>
           <p:cNvPicPr>
-            <a:picLocks noChangeAspect="1" noChangeArrowheads="1"/>
+            <a:picLocks noChangeAspect="1"/>
           </p:cNvPicPr>
           <p:nvPr/>
         </p:nvPicPr>
         <p:blipFill>
-          <a:blip r:embed="rId2">
+          <a:blip r:embed="rId3" cstate="print">
             <a:extLst>
               <a:ext uri="{28A0092B-C50C-407E-A947-70E740481C1C}">
                 <a14:useLocalDpi xmlns:a14="http://schemas.microsoft.com/office/drawing/2010/main" val="0"/>
               </a:ext>
             </a:extLst>
           </a:blip>
-          <a:srcRect/>
           <a:stretch>
             <a:fillRect/>
           </a:stretch>
         </p:blipFill>
-        <p:spPr bwMode="auto">
+        <p:spPr>
           <a:xfrm>
-            <a:off x="323528" y="1178045"/>
-            <a:ext cx="3124200" cy="2647950"/>
+            <a:off x="3707904" y="2355726"/>
+            <a:ext cx="4955323" cy="1857738"/>
           </a:xfrm>
           <a:prstGeom prst="rect">
             <a:avLst/>
           </a:prstGeom>
-          <a:noFill/>
-          <a:ln>
-            <a:noFill/>
-          </a:ln>
-          <a:extLst>
-            <a:ext uri="{909E8E84-426E-40DD-AFC4-6F175D3DCCD1}">
-              <a14:hiddenFill xmlns:a14="http://schemas.microsoft.com/office/drawing/2010/main">
-                <a:solidFill>
-                  <a:schemeClr val="accent1"/>
-                </a:solidFill>
-              </a14:hiddenFill>
-            </a:ext>
-            <a:ext uri="{91240B29-F687-4F45-9708-019B960494DF}">
-              <a14:hiddenLine xmlns:a14="http://schemas.microsoft.com/office/drawing/2010/main" w="9525">
-                <a:solidFill>
-                  <a:schemeClr val="tx1"/>
-                </a:solidFill>
-                <a:miter lim="800000"/>
-                <a:headEnd/>
-                <a:tailEnd/>
-              </a14:hiddenLine>
-            </a:ext>
-          </a:extLst>
-        </p:spPr>
-      </p:pic>
-      <p:pic>
-        <p:nvPicPr>
-          <p:cNvPr id="2052" name="Picture 4"/>
-          <p:cNvPicPr>
-            <a:picLocks noChangeAspect="1" noChangeArrowheads="1"/>
-          </p:cNvPicPr>
-          <p:nvPr/>
-        </p:nvPicPr>
-        <p:blipFill>
-          <a:blip r:embed="rId3">
-            <a:extLst>
-              <a:ext uri="{28A0092B-C50C-407E-A947-70E740481C1C}">
-                <a14:useLocalDpi xmlns:a14="http://schemas.microsoft.com/office/drawing/2010/main" val="0"/>
-              </a:ext>
-            </a:extLst>
-          </a:blip>
-          <a:srcRect/>
-          <a:stretch>
-            <a:fillRect/>
-          </a:stretch>
-        </p:blipFill>
-        <p:spPr bwMode="auto">
-          <a:xfrm>
-            <a:off x="3779912" y="2283718"/>
-            <a:ext cx="5086672" cy="1133475"/>
-          </a:xfrm>
-          <a:prstGeom prst="rect">
-            <a:avLst/>
-          </a:prstGeom>
-          <a:noFill/>
-          <a:ln>
-            <a:noFill/>
-          </a:ln>
-          <a:extLst>
-            <a:ext uri="{909E8E84-426E-40DD-AFC4-6F175D3DCCD1}">
-              <a14:hiddenFill xmlns:a14="http://schemas.microsoft.com/office/drawing/2010/main">
-                <a:solidFill>
-                  <a:schemeClr val="accent1"/>
-                </a:solidFill>
-              </a14:hiddenFill>
-            </a:ext>
-            <a:ext uri="{91240B29-F687-4F45-9708-019B960494DF}">
-              <a14:hiddenLine xmlns:a14="http://schemas.microsoft.com/office/drawing/2010/main" w="9525">
-                <a:solidFill>
-                  <a:schemeClr val="tx1"/>
-                </a:solidFill>
-                <a:miter lim="800000"/>
-                <a:headEnd/>
-                <a:tailEnd/>
-              </a14:hiddenLine>
-            </a:ext>
-          </a:extLst>
         </p:spPr>
       </p:pic>
     </p:spTree>
     <p:extLst>
       <p:ext uri="{BB962C8B-B14F-4D97-AF65-F5344CB8AC3E}">
-        <p14:creationId xmlns:p14="http://schemas.microsoft.com/office/powerpoint/2010/main" val="1247900463"/>
+        <p14:creationId xmlns:p14="http://schemas.microsoft.com/office/powerpoint/2010/main" val="916757674"/>
       </p:ext>
     </p:extLst>
   </p:cSld>
@@ -12684,14 +15675,19 @@
             <p:ph type="title"/>
           </p:nvPr>
         </p:nvSpPr>
-        <p:spPr/>
+        <p:spPr>
+          <a:xfrm>
+            <a:off x="396000" y="144718"/>
+            <a:ext cx="8229600" cy="740437"/>
+          </a:xfrm>
+        </p:spPr>
         <p:txBody>
           <a:bodyPr/>
           <a:lstStyle/>
           <a:p>
             <a:r>
               <a:rPr lang="en-GB" dirty="0" smtClean="0"/>
-              <a:t>Air Quality</a:t>
+              <a:t>HCHO</a:t>
             </a:r>
             <a:endParaRPr lang="en-GB" dirty="0"/>
           </a:p>
@@ -12699,26 +15695,71 @@
       </p:sp>
       <p:sp>
         <p:nvSpPr>
-          <p:cNvPr id="3" name="Content Placeholder 2"/>
+          <p:cNvPr id="4" name="Content Placeholder 3"/>
           <p:cNvSpPr>
             <a:spLocks noGrp="1"/>
           </p:cNvSpPr>
           <p:nvPr>
-            <p:ph idx="1"/>
+            <p:ph sz="half" idx="2"/>
           </p:nvPr>
         </p:nvSpPr>
-        <p:spPr/>
+        <p:spPr>
+          <a:xfrm>
+            <a:off x="3995936" y="1059583"/>
+            <a:ext cx="4055166" cy="3384376"/>
+          </a:xfrm>
+        </p:spPr>
         <p:txBody>
           <a:bodyPr/>
           <a:lstStyle/>
           <a:p>
-            <a:endParaRPr lang="en-GB" dirty="0" smtClean="0"/>
-          </a:p>
-        </p:txBody>
-      </p:sp>
-      <p:sp>
-        <p:nvSpPr>
-          <p:cNvPr id="5" name="灯片编号占位符 4"/>
+            <a:r>
+              <a:rPr lang="en-US" altLang="zh-CN" sz="1050" dirty="0" smtClean="0"/>
+              <a:t>HCHO </a:t>
+            </a:r>
+            <a:r>
+              <a:rPr lang="en-US" altLang="zh-CN" sz="1050" dirty="0"/>
+              <a:t>Sensor is a semiconductor VOC gas </a:t>
+            </a:r>
+            <a:r>
+              <a:rPr lang="en-US" altLang="zh-CN" sz="1050" dirty="0" smtClean="0"/>
+              <a:t>sensor, which covert the circuit conductivity to the output </a:t>
+            </a:r>
+            <a:r>
+              <a:rPr lang="en-US" altLang="zh-CN" sz="1050" dirty="0"/>
+              <a:t>signal that corresponding to the gas </a:t>
+            </a:r>
+            <a:r>
+              <a:rPr lang="en-US" altLang="zh-CN" sz="1050" dirty="0" smtClean="0"/>
+              <a:t>concentration. It </a:t>
+            </a:r>
+            <a:r>
+              <a:rPr lang="en-US" altLang="zh-CN" sz="1050" dirty="0"/>
+              <a:t>has a very high sensitivity and </a:t>
+            </a:r>
+            <a:r>
+              <a:rPr lang="en-US" altLang="zh-CN" sz="1050" dirty="0" smtClean="0"/>
+              <a:t>stability, </a:t>
+            </a:r>
+            <a:r>
+              <a:rPr lang="en-US" altLang="zh-CN" sz="1050" dirty="0"/>
+              <a:t>can be used to detect harmful </a:t>
+            </a:r>
+            <a:r>
+              <a:rPr lang="en-US" altLang="zh-CN" sz="1050" dirty="0" smtClean="0"/>
+              <a:t>HCHO in </a:t>
+            </a:r>
+            <a:r>
+              <a:rPr lang="en-US" altLang="zh-CN" sz="1050" dirty="0"/>
+              <a:t>the home environment. Therefore, it’s a good assistant for you to improve indoor environment quality of life.</a:t>
+            </a:r>
+            <a:endParaRPr lang="en-GB" sz="1050" dirty="0"/>
+          </a:p>
+        </p:txBody>
+      </p:sp>
+      <p:sp>
+        <p:nvSpPr>
+          <p:cNvPr id="6" name="灯片编号占位符 5"/>
           <p:cNvSpPr>
             <a:spLocks noGrp="1"/>
           </p:cNvSpPr>
@@ -12740,10 +15781,75 @@
           </a:p>
         </p:txBody>
       </p:sp>
+      <p:pic>
+        <p:nvPicPr>
+          <p:cNvPr id="1028" name="Picture 4" descr="http://www.seeedstudio.com/wiki/images/9/96/HCHO_Hardware_Connection.jpg"/>
+          <p:cNvPicPr>
+            <a:picLocks noChangeAspect="1" noChangeArrowheads="1"/>
+          </p:cNvPicPr>
+          <p:nvPr/>
+        </p:nvPicPr>
+        <p:blipFill>
+          <a:blip r:embed="rId2">
+            <a:extLst>
+              <a:ext uri="{28A0092B-C50C-407E-A947-70E740481C1C}">
+                <a14:useLocalDpi xmlns:a14="http://schemas.microsoft.com/office/drawing/2010/main" val="0"/>
+              </a:ext>
+            </a:extLst>
+          </a:blip>
+          <a:srcRect/>
+          <a:stretch>
+            <a:fillRect/>
+          </a:stretch>
+        </p:blipFill>
+        <p:spPr bwMode="auto">
+          <a:xfrm>
+            <a:off x="358966" y="1425982"/>
+            <a:ext cx="3332203" cy="2859191"/>
+          </a:xfrm>
+          <a:prstGeom prst="rect">
+            <a:avLst/>
+          </a:prstGeom>
+          <a:noFill/>
+          <a:extLst>
+            <a:ext uri="{909E8E84-426E-40DD-AFC4-6F175D3DCCD1}">
+              <a14:hiddenFill xmlns:a14="http://schemas.microsoft.com/office/drawing/2010/main">
+                <a:solidFill>
+                  <a:srgbClr val="FFFFFF"/>
+                </a:solidFill>
+              </a14:hiddenFill>
+            </a:ext>
+          </a:extLst>
+        </p:spPr>
+      </p:pic>
+      <p:pic>
+        <p:nvPicPr>
+          <p:cNvPr id="5" name="Picture 4"/>
+          <p:cNvPicPr>
+            <a:picLocks noChangeAspect="1"/>
+          </p:cNvPicPr>
+          <p:nvPr/>
+        </p:nvPicPr>
+        <p:blipFill>
+          <a:blip r:embed="rId3"/>
+          <a:stretch>
+            <a:fillRect/>
+          </a:stretch>
+        </p:blipFill>
+        <p:spPr>
+          <a:xfrm>
+            <a:off x="3923928" y="2192533"/>
+            <a:ext cx="4896544" cy="2251425"/>
+          </a:xfrm>
+          <a:prstGeom prst="rect">
+            <a:avLst/>
+          </a:prstGeom>
+        </p:spPr>
+      </p:pic>
     </p:spTree>
     <p:extLst>
       <p:ext uri="{BB962C8B-B14F-4D97-AF65-F5344CB8AC3E}">
-        <p14:creationId xmlns:p14="http://schemas.microsoft.com/office/powerpoint/2010/main" val="1107435703"/>
+        <p14:creationId xmlns:p14="http://schemas.microsoft.com/office/powerpoint/2010/main" val="1240185870"/>
       </p:ext>
     </p:extLst>
   </p:cSld>
@@ -12793,260 +15899,193 @@
           <a:lstStyle/>
           <a:p>
             <a:r>
-              <a:rPr lang="en-GB" dirty="0" smtClean="0"/>
-              <a:t>Scenario</a:t>
-            </a:r>
+              <a:rPr lang="en-US" dirty="0" smtClean="0"/>
+              <a:t>CH4</a:t>
+            </a:r>
+            <a:endParaRPr lang="en-GB" dirty="0"/>
+          </a:p>
+        </p:txBody>
+      </p:sp>
+      <p:sp>
+        <p:nvSpPr>
+          <p:cNvPr id="4" name="Content Placeholder 3"/>
+          <p:cNvSpPr>
+            <a:spLocks noGrp="1"/>
+          </p:cNvSpPr>
+          <p:nvPr>
+            <p:ph sz="half" idx="2"/>
+          </p:nvPr>
+        </p:nvSpPr>
+        <p:spPr>
+          <a:xfrm>
+            <a:off x="3995936" y="1267199"/>
+            <a:ext cx="4055166" cy="3176759"/>
+          </a:xfrm>
+        </p:spPr>
+        <p:txBody>
+          <a:bodyPr/>
+          <a:lstStyle/>
+          <a:p>
+            <a:r>
+              <a:rPr lang="en-GB" sz="1050" dirty="0"/>
+              <a:t>T</a:t>
+            </a:r>
+            <a:r>
+              <a:rPr lang="en-GB" sz="1050" dirty="0" smtClean="0"/>
+              <a:t>he </a:t>
+            </a:r>
+            <a:r>
+              <a:rPr lang="en-GB" sz="1050" dirty="0"/>
+              <a:t>Grove - Gas Sensor(MQ2) module is useful for gas leakage detection (in home and industry). It is suitable for detecting H2, LPG, CH4, CO, Alcohol, Smoke or Propane. Due to its high sensitivity and fast response time, measurements can be taken as soon as possible. The sensitivity of the sensor can be adjusted by using the </a:t>
+            </a:r>
+            <a:r>
+              <a:rPr lang="en-GB" sz="1050" dirty="0" smtClean="0"/>
+              <a:t>potentiometer</a:t>
+            </a:r>
+            <a:r>
+              <a:rPr lang="en-US" altLang="zh-CN" sz="1050" dirty="0" smtClean="0"/>
+              <a:t>.</a:t>
+            </a:r>
+            <a:endParaRPr lang="en-GB" sz="1050" dirty="0"/>
+          </a:p>
+        </p:txBody>
+      </p:sp>
+      <p:sp>
+        <p:nvSpPr>
+          <p:cNvPr id="6" name="灯片编号占位符 5"/>
+          <p:cNvSpPr>
+            <a:spLocks noGrp="1"/>
+          </p:cNvSpPr>
+          <p:nvPr>
+            <p:ph type="sldNum" sz="quarter" idx="10"/>
+          </p:nvPr>
+        </p:nvSpPr>
+        <p:spPr/>
+        <p:txBody>
+          <a:bodyPr/>
+          <a:lstStyle/>
+          <a:p>
+            <a:fld id="{F7E2903A-6526-4E0B-828D-C31687035264}" type="slidenum">
+              <a:rPr lang="en-GB" smtClean="0"/>
+              <a:pPr/>
+              <a:t>17</a:t>
+            </a:fld>
             <a:endParaRPr lang="en-GB" dirty="0"/>
           </a:p>
         </p:txBody>
       </p:sp>
       <p:pic>
         <p:nvPicPr>
-          <p:cNvPr id="4" name="内容占位符 3"/>
+          <p:cNvPr id="1026" name="Picture 2"/>
           <p:cNvPicPr>
-            <a:picLocks noGrp="1" noChangeAspect="1"/>
+            <a:picLocks noChangeAspect="1" noChangeArrowheads="1"/>
           </p:cNvPicPr>
-          <p:nvPr>
-            <p:ph idx="1"/>
-          </p:nvPr>
+          <p:nvPr/>
         </p:nvPicPr>
         <p:blipFill>
-          <a:blip r:embed="rId2" cstate="print">
+          <a:blip r:embed="rId2">
             <a:extLst>
               <a:ext uri="{28A0092B-C50C-407E-A947-70E740481C1C}">
                 <a14:useLocalDpi xmlns:a14="http://schemas.microsoft.com/office/drawing/2010/main" val="0"/>
               </a:ext>
             </a:extLst>
           </a:blip>
+          <a:srcRect/>
           <a:stretch>
             <a:fillRect/>
           </a:stretch>
         </p:blipFill>
-        <p:spPr>
+        <p:spPr bwMode="auto">
           <a:xfrm>
-            <a:off x="179512" y="1418376"/>
-            <a:ext cx="3672408" cy="2621986"/>
-          </a:xfrm>
+            <a:off x="107504" y="987574"/>
+            <a:ext cx="3295650" cy="2428875"/>
+          </a:xfrm>
+          <a:prstGeom prst="rect">
+            <a:avLst/>
+          </a:prstGeom>
+          <a:noFill/>
+          <a:ln>
+            <a:noFill/>
+          </a:ln>
+          <a:extLst>
+            <a:ext uri="{909E8E84-426E-40DD-AFC4-6F175D3DCCD1}">
+              <a14:hiddenFill xmlns:a14="http://schemas.microsoft.com/office/drawing/2010/main">
+                <a:solidFill>
+                  <a:schemeClr val="accent1"/>
+                </a:solidFill>
+              </a14:hiddenFill>
+            </a:ext>
+            <a:ext uri="{91240B29-F687-4F45-9708-019B960494DF}">
+              <a14:hiddenLine xmlns:a14="http://schemas.microsoft.com/office/drawing/2010/main" w="9525">
+                <a:solidFill>
+                  <a:schemeClr val="tx1"/>
+                </a:solidFill>
+                <a:miter lim="800000"/>
+                <a:headEnd/>
+                <a:tailEnd/>
+              </a14:hiddenLine>
+            </a:ext>
+          </a:extLst>
         </p:spPr>
       </p:pic>
-      <p:sp>
-        <p:nvSpPr>
-          <p:cNvPr id="5" name="灯片编号占位符 4"/>
-          <p:cNvSpPr>
-            <a:spLocks noGrp="1"/>
-          </p:cNvSpPr>
-          <p:nvPr>
-            <p:ph type="sldNum" sz="quarter" idx="10"/>
-          </p:nvPr>
-        </p:nvSpPr>
-        <p:spPr/>
-        <p:txBody>
-          <a:bodyPr/>
-          <a:lstStyle/>
-          <a:p>
-            <a:fld id="{F7E2903A-6526-4E0B-828D-C31687035264}" type="slidenum">
-              <a:rPr lang="en-GB" smtClean="0"/>
-              <a:pPr/>
-              <a:t>17</a:t>
-            </a:fld>
-            <a:endParaRPr lang="en-GB" dirty="0"/>
-          </a:p>
-        </p:txBody>
-      </p:sp>
       <p:pic>
         <p:nvPicPr>
-          <p:cNvPr id="6" name="图片 5"/>
+          <p:cNvPr id="1027" name="Picture 3"/>
           <p:cNvPicPr>
-            <a:picLocks noChangeAspect="1"/>
+            <a:picLocks noChangeAspect="1" noChangeArrowheads="1"/>
           </p:cNvPicPr>
           <p:nvPr/>
         </p:nvPicPr>
         <p:blipFill>
-          <a:blip r:embed="rId3" cstate="print">
+          <a:blip r:embed="rId3">
             <a:extLst>
               <a:ext uri="{28A0092B-C50C-407E-A947-70E740481C1C}">
                 <a14:useLocalDpi xmlns:a14="http://schemas.microsoft.com/office/drawing/2010/main" val="0"/>
               </a:ext>
             </a:extLst>
           </a:blip>
+          <a:srcRect/>
           <a:stretch>
             <a:fillRect/>
           </a:stretch>
         </p:blipFill>
-        <p:spPr>
+        <p:spPr bwMode="auto">
           <a:xfrm>
-            <a:off x="6300192" y="235576"/>
-            <a:ext cx="1728192" cy="2439475"/>
+            <a:off x="3621008" y="2502020"/>
+            <a:ext cx="4896544" cy="1504950"/>
           </a:xfrm>
           <a:prstGeom prst="rect">
             <a:avLst/>
           </a:prstGeom>
-        </p:spPr>
-      </p:pic>
-      <p:sp>
-        <p:nvSpPr>
-          <p:cNvPr id="7" name="右箭头 6"/>
-          <p:cNvSpPr/>
-          <p:nvPr/>
-        </p:nvSpPr>
-        <p:spPr bwMode="auto">
-          <a:xfrm>
-            <a:off x="4067944" y="1851670"/>
-            <a:ext cx="1944216" cy="216024"/>
-          </a:xfrm>
-          <a:prstGeom prst="rightArrow">
-            <a:avLst/>
-          </a:prstGeom>
-          <a:solidFill>
-            <a:schemeClr val="accent1"/>
-          </a:solidFill>
-          <a:ln w="9525" cap="flat" cmpd="sng" algn="ctr">
-            <a:solidFill>
-              <a:schemeClr val="tx1"/>
-            </a:solidFill>
-            <a:prstDash val="solid"/>
-            <a:round/>
-            <a:headEnd type="none" w="med" len="med"/>
-            <a:tailEnd type="none" w="med" len="med"/>
+          <a:noFill/>
+          <a:ln>
+            <a:noFill/>
           </a:ln>
-          <a:effectLst/>
-        </p:spPr>
-        <p:txBody>
-          <a:bodyPr vert="horz" wrap="square" lIns="91440" tIns="45720" rIns="91440" bIns="45720" numCol="1" rtlCol="0" anchor="t" anchorCtr="0" compatLnSpc="1">
-            <a:prstTxWarp prst="textNoShape">
-              <a:avLst/>
-            </a:prstTxWarp>
-          </a:bodyPr>
-          <a:lstStyle/>
-          <a:p>
-            <a:pPr marL="0" marR="0" indent="0" algn="r" defTabSz="914400" rtl="0" eaLnBrk="1" fontAlgn="base" latinLnBrk="0" hangingPunct="1">
-              <a:lnSpc>
-                <a:spcPct val="100000"/>
-              </a:lnSpc>
-              <a:spcBef>
-                <a:spcPct val="0"/>
-              </a:spcBef>
-              <a:spcAft>
-                <a:spcPct val="0"/>
-              </a:spcAft>
-              <a:buClrTx/>
-              <a:buSzTx/>
-              <a:buFontTx/>
-              <a:buNone/>
-              <a:tabLst/>
-            </a:pPr>
-            <a:endParaRPr kumimoji="0" lang="zh-CN" altLang="en-US" sz="1600" b="0" i="0" u="none" strike="noStrike" cap="none" normalizeH="0" baseline="0" smtClean="0">
-              <a:ln>
-                <a:noFill/>
-              </a:ln>
-              <a:solidFill>
-                <a:schemeClr val="tx1"/>
-              </a:solidFill>
-              <a:effectLst/>
-              <a:latin typeface="Arial" charset="0"/>
-            </a:endParaRPr>
-          </a:p>
-        </p:txBody>
-      </p:sp>
-      <p:sp>
-        <p:nvSpPr>
-          <p:cNvPr id="8" name="左箭头 7"/>
-          <p:cNvSpPr/>
-          <p:nvPr/>
-        </p:nvSpPr>
-        <p:spPr bwMode="auto">
-          <a:xfrm>
-            <a:off x="4067944" y="3147814"/>
-            <a:ext cx="1944216" cy="216024"/>
-          </a:xfrm>
-          <a:prstGeom prst="leftArrow">
-            <a:avLst/>
-          </a:prstGeom>
-          <a:solidFill>
-            <a:schemeClr val="accent1"/>
-          </a:solidFill>
-          <a:ln w="9525" cap="flat" cmpd="sng" algn="ctr">
-            <a:solidFill>
-              <a:schemeClr val="tx1"/>
-            </a:solidFill>
-            <a:prstDash val="solid"/>
-            <a:round/>
-            <a:headEnd type="none" w="med" len="med"/>
-            <a:tailEnd type="none" w="med" len="med"/>
-          </a:ln>
-          <a:effectLst/>
-        </p:spPr>
-        <p:txBody>
-          <a:bodyPr vert="horz" wrap="square" lIns="91440" tIns="45720" rIns="91440" bIns="45720" numCol="1" rtlCol="0" anchor="t" anchorCtr="0" compatLnSpc="1">
-            <a:prstTxWarp prst="textNoShape">
-              <a:avLst/>
-            </a:prstTxWarp>
-          </a:bodyPr>
-          <a:lstStyle/>
-          <a:p>
-            <a:pPr marL="0" marR="0" indent="0" algn="r" defTabSz="914400" rtl="0" eaLnBrk="1" fontAlgn="base" latinLnBrk="0" hangingPunct="1">
-              <a:lnSpc>
-                <a:spcPct val="100000"/>
-              </a:lnSpc>
-              <a:spcBef>
-                <a:spcPct val="0"/>
-              </a:spcBef>
-              <a:spcAft>
-                <a:spcPct val="0"/>
-              </a:spcAft>
-              <a:buClrTx/>
-              <a:buSzTx/>
-              <a:buFontTx/>
-              <a:buNone/>
-              <a:tabLst/>
-            </a:pPr>
-            <a:endParaRPr kumimoji="0" lang="zh-CN" altLang="en-US" sz="1600" b="0" i="0" u="none" strike="noStrike" cap="none" normalizeH="0" baseline="0" smtClean="0">
-              <a:ln>
-                <a:noFill/>
-              </a:ln>
-              <a:solidFill>
-                <a:schemeClr val="tx1"/>
-              </a:solidFill>
-              <a:effectLst/>
-              <a:latin typeface="Arial" charset="0"/>
-            </a:endParaRPr>
-          </a:p>
-        </p:txBody>
-      </p:sp>
-      <p:pic>
-        <p:nvPicPr>
-          <p:cNvPr id="10" name="图片 9"/>
-          <p:cNvPicPr>
-            <a:picLocks noChangeAspect="1"/>
-          </p:cNvPicPr>
-          <p:nvPr/>
-        </p:nvPicPr>
-        <p:blipFill>
-          <a:blip r:embed="rId4" cstate="print">
-            <a:extLst>
-              <a:ext uri="{28A0092B-C50C-407E-A947-70E740481C1C}">
-                <a14:useLocalDpi xmlns:a14="http://schemas.microsoft.com/office/drawing/2010/main" val="0"/>
-              </a:ext>
-            </a:extLst>
-          </a:blip>
-          <a:stretch>
-            <a:fillRect/>
-          </a:stretch>
-        </p:blipFill>
-        <p:spPr>
-          <a:xfrm>
-            <a:off x="6192180" y="2931790"/>
-            <a:ext cx="2232248" cy="1335533"/>
-          </a:xfrm>
-          <a:prstGeom prst="rect">
-            <a:avLst/>
-          </a:prstGeom>
+          <a:extLst>
+            <a:ext uri="{909E8E84-426E-40DD-AFC4-6F175D3DCCD1}">
+              <a14:hiddenFill xmlns:a14="http://schemas.microsoft.com/office/drawing/2010/main">
+                <a:solidFill>
+                  <a:schemeClr val="accent1"/>
+                </a:solidFill>
+              </a14:hiddenFill>
+            </a:ext>
+            <a:ext uri="{91240B29-F687-4F45-9708-019B960494DF}">
+              <a14:hiddenLine xmlns:a14="http://schemas.microsoft.com/office/drawing/2010/main" w="9525">
+                <a:solidFill>
+                  <a:schemeClr val="tx1"/>
+                </a:solidFill>
+                <a:miter lim="800000"/>
+                <a:headEnd/>
+                <a:tailEnd/>
+              </a14:hiddenLine>
+            </a:ext>
+          </a:extLst>
         </p:spPr>
       </p:pic>
     </p:spTree>
     <p:extLst>
       <p:ext uri="{BB962C8B-B14F-4D97-AF65-F5344CB8AC3E}">
-        <p14:creationId xmlns:p14="http://schemas.microsoft.com/office/powerpoint/2010/main" val="3277749795"/>
+        <p14:creationId xmlns:p14="http://schemas.microsoft.com/office/powerpoint/2010/main" val="700919715"/>
       </p:ext>
     </p:extLst>
   </p:cSld>
@@ -13087,7 +16126,7 @@
             <a:spLocks noGrp="1"/>
           </p:cNvSpPr>
           <p:nvPr>
-            <p:ph type="ctrTitle"/>
+            <p:ph type="title"/>
           </p:nvPr>
         </p:nvSpPr>
         <p:spPr/>
@@ -13096,8 +16135,8 @@
           <a:lstStyle/>
           <a:p>
             <a:r>
-              <a:rPr lang="en-GB" dirty="0" smtClean="0"/>
-              <a:t>Enhancement</a:t>
+              <a:rPr lang="en-US" dirty="0" smtClean="0"/>
+              <a:t>Buzzer</a:t>
             </a:r>
             <a:endParaRPr lang="en-GB" dirty="0"/>
           </a:p>
@@ -13105,31 +16144,191 @@
       </p:sp>
       <p:sp>
         <p:nvSpPr>
-          <p:cNvPr id="3" name="Subtitle 2"/>
+          <p:cNvPr id="4" name="Content Placeholder 3"/>
           <p:cNvSpPr>
             <a:spLocks noGrp="1"/>
           </p:cNvSpPr>
           <p:nvPr>
-            <p:ph type="subTitle" idx="1"/>
+            <p:ph sz="half" idx="2"/>
           </p:nvPr>
         </p:nvSpPr>
-        <p:spPr/>
+        <p:spPr>
+          <a:xfrm>
+            <a:off x="3995936" y="1267199"/>
+            <a:ext cx="4055166" cy="3176759"/>
+          </a:xfrm>
+        </p:spPr>
         <p:txBody>
           <a:bodyPr/>
           <a:lstStyle/>
           <a:p>
             <a:r>
-              <a:rPr lang="en-GB" dirty="0" smtClean="0"/>
-              <a:t>HHEM</a:t>
-            </a:r>
+              <a:rPr lang="en-GB" sz="1050" dirty="0"/>
+              <a:t>Buzzer, or </a:t>
+            </a:r>
+            <a:r>
+              <a:rPr lang="en-GB" sz="1050" dirty="0" err="1"/>
+              <a:t>Piezo</a:t>
+            </a:r>
+            <a:r>
+              <a:rPr lang="en-GB" sz="1050" dirty="0"/>
+              <a:t> speaker, is </a:t>
+            </a:r>
+            <a:r>
+              <a:rPr lang="en-GB" sz="1050" dirty="0" smtClean="0"/>
+              <a:t>being </a:t>
+            </a:r>
+            <a:r>
+              <a:rPr lang="en-GB" sz="1050" dirty="0"/>
+              <a:t>used as an alarm or </a:t>
+            </a:r>
+            <a:r>
+              <a:rPr lang="en-GB" sz="1050" dirty="0" smtClean="0"/>
+              <a:t>indicator</a:t>
+            </a:r>
+            <a:r>
+              <a:rPr lang="en-GB" sz="1050" dirty="0"/>
+              <a:t>.</a:t>
+            </a:r>
+          </a:p>
+        </p:txBody>
+      </p:sp>
+      <p:sp>
+        <p:nvSpPr>
+          <p:cNvPr id="6" name="灯片编号占位符 5"/>
+          <p:cNvSpPr>
+            <a:spLocks noGrp="1"/>
+          </p:cNvSpPr>
+          <p:nvPr>
+            <p:ph type="sldNum" sz="quarter" idx="10"/>
+          </p:nvPr>
+        </p:nvSpPr>
+        <p:spPr/>
+        <p:txBody>
+          <a:bodyPr/>
+          <a:lstStyle/>
+          <a:p>
+            <a:fld id="{F7E2903A-6526-4E0B-828D-C31687035264}" type="slidenum">
+              <a:rPr lang="en-GB" smtClean="0"/>
+              <a:pPr/>
+              <a:t>18</a:t>
+            </a:fld>
             <a:endParaRPr lang="en-GB" dirty="0"/>
           </a:p>
         </p:txBody>
       </p:sp>
+      <p:pic>
+        <p:nvPicPr>
+          <p:cNvPr id="2051" name="Picture 3"/>
+          <p:cNvPicPr>
+            <a:picLocks noChangeAspect="1" noChangeArrowheads="1"/>
+          </p:cNvPicPr>
+          <p:nvPr/>
+        </p:nvPicPr>
+        <p:blipFill>
+          <a:blip r:embed="rId2">
+            <a:extLst>
+              <a:ext uri="{28A0092B-C50C-407E-A947-70E740481C1C}">
+                <a14:useLocalDpi xmlns:a14="http://schemas.microsoft.com/office/drawing/2010/main" val="0"/>
+              </a:ext>
+            </a:extLst>
+          </a:blip>
+          <a:srcRect/>
+          <a:stretch>
+            <a:fillRect/>
+          </a:stretch>
+        </p:blipFill>
+        <p:spPr bwMode="auto">
+          <a:xfrm>
+            <a:off x="323528" y="1178045"/>
+            <a:ext cx="3124200" cy="2647950"/>
+          </a:xfrm>
+          <a:prstGeom prst="rect">
+            <a:avLst/>
+          </a:prstGeom>
+          <a:noFill/>
+          <a:ln>
+            <a:noFill/>
+          </a:ln>
+          <a:extLst>
+            <a:ext uri="{909E8E84-426E-40DD-AFC4-6F175D3DCCD1}">
+              <a14:hiddenFill xmlns:a14="http://schemas.microsoft.com/office/drawing/2010/main">
+                <a:solidFill>
+                  <a:schemeClr val="accent1"/>
+                </a:solidFill>
+              </a14:hiddenFill>
+            </a:ext>
+            <a:ext uri="{91240B29-F687-4F45-9708-019B960494DF}">
+              <a14:hiddenLine xmlns:a14="http://schemas.microsoft.com/office/drawing/2010/main" w="9525">
+                <a:solidFill>
+                  <a:schemeClr val="tx1"/>
+                </a:solidFill>
+                <a:miter lim="800000"/>
+                <a:headEnd/>
+                <a:tailEnd/>
+              </a14:hiddenLine>
+            </a:ext>
+          </a:extLst>
+        </p:spPr>
+      </p:pic>
+      <p:pic>
+        <p:nvPicPr>
+          <p:cNvPr id="2052" name="Picture 4"/>
+          <p:cNvPicPr>
+            <a:picLocks noChangeAspect="1" noChangeArrowheads="1"/>
+          </p:cNvPicPr>
+          <p:nvPr/>
+        </p:nvPicPr>
+        <p:blipFill>
+          <a:blip r:embed="rId3">
+            <a:extLst>
+              <a:ext uri="{28A0092B-C50C-407E-A947-70E740481C1C}">
+                <a14:useLocalDpi xmlns:a14="http://schemas.microsoft.com/office/drawing/2010/main" val="0"/>
+              </a:ext>
+            </a:extLst>
+          </a:blip>
+          <a:srcRect/>
+          <a:stretch>
+            <a:fillRect/>
+          </a:stretch>
+        </p:blipFill>
+        <p:spPr bwMode="auto">
+          <a:xfrm>
+            <a:off x="3779912" y="2283718"/>
+            <a:ext cx="5086672" cy="1133475"/>
+          </a:xfrm>
+          <a:prstGeom prst="rect">
+            <a:avLst/>
+          </a:prstGeom>
+          <a:noFill/>
+          <a:ln>
+            <a:noFill/>
+          </a:ln>
+          <a:extLst>
+            <a:ext uri="{909E8E84-426E-40DD-AFC4-6F175D3DCCD1}">
+              <a14:hiddenFill xmlns:a14="http://schemas.microsoft.com/office/drawing/2010/main">
+                <a:solidFill>
+                  <a:schemeClr val="accent1"/>
+                </a:solidFill>
+              </a14:hiddenFill>
+            </a:ext>
+            <a:ext uri="{91240B29-F687-4F45-9708-019B960494DF}">
+              <a14:hiddenLine xmlns:a14="http://schemas.microsoft.com/office/drawing/2010/main" w="9525">
+                <a:solidFill>
+                  <a:schemeClr val="tx1"/>
+                </a:solidFill>
+                <a:miter lim="800000"/>
+                <a:headEnd/>
+                <a:tailEnd/>
+              </a14:hiddenLine>
+            </a:ext>
+          </a:extLst>
+        </p:spPr>
+      </p:pic>
     </p:spTree>
     <p:extLst>
       <p:ext uri="{BB962C8B-B14F-4D97-AF65-F5344CB8AC3E}">
-        <p14:creationId xmlns:p14="http://schemas.microsoft.com/office/powerpoint/2010/main" val="643548604"/>
+        <p14:creationId xmlns:p14="http://schemas.microsoft.com/office/powerpoint/2010/main" val="1247900463"/>
       </p:ext>
     </p:extLst>
   </p:cSld>
@@ -13180,7 +16379,7 @@
           <a:p>
             <a:r>
               <a:rPr lang="en-GB" dirty="0" smtClean="0"/>
-              <a:t>Proposal</a:t>
+              <a:t>Air Quality</a:t>
             </a:r>
             <a:endParaRPr lang="en-GB" dirty="0"/>
           </a:p>
@@ -13201,12 +16400,6 @@
           <a:bodyPr/>
           <a:lstStyle/>
           <a:p>
-            <a:r>
-              <a:rPr lang="en-GB" dirty="0" smtClean="0"/>
-              <a:t>Human Detecting</a:t>
-            </a:r>
-          </a:p>
-          <a:p>
             <a:endParaRPr lang="en-GB" dirty="0" smtClean="0"/>
           </a:p>
         </p:txBody>
@@ -13238,7 +16431,7 @@
     </p:spTree>
     <p:extLst>
       <p:ext uri="{BB962C8B-B14F-4D97-AF65-F5344CB8AC3E}">
-        <p14:creationId xmlns:p14="http://schemas.microsoft.com/office/powerpoint/2010/main" val="3732645470"/>
+        <p14:creationId xmlns:p14="http://schemas.microsoft.com/office/powerpoint/2010/main" val="1107435703"/>
       </p:ext>
     </p:extLst>
   </p:cSld>
@@ -13416,6 +16609,501 @@
           <a:bodyPr/>
           <a:lstStyle/>
           <a:p>
+            <a:r>
+              <a:rPr lang="en-GB" dirty="0" smtClean="0"/>
+              <a:t>Scenario</a:t>
+            </a:r>
+            <a:endParaRPr lang="en-GB" dirty="0"/>
+          </a:p>
+        </p:txBody>
+      </p:sp>
+      <p:pic>
+        <p:nvPicPr>
+          <p:cNvPr id="4" name="内容占位符 3"/>
+          <p:cNvPicPr>
+            <a:picLocks noGrp="1" noChangeAspect="1"/>
+          </p:cNvPicPr>
+          <p:nvPr>
+            <p:ph idx="1"/>
+          </p:nvPr>
+        </p:nvPicPr>
+        <p:blipFill>
+          <a:blip r:embed="rId2" cstate="print">
+            <a:extLst>
+              <a:ext uri="{28A0092B-C50C-407E-A947-70E740481C1C}">
+                <a14:useLocalDpi xmlns:a14="http://schemas.microsoft.com/office/drawing/2010/main" val="0"/>
+              </a:ext>
+            </a:extLst>
+          </a:blip>
+          <a:stretch>
+            <a:fillRect/>
+          </a:stretch>
+        </p:blipFill>
+        <p:spPr>
+          <a:xfrm>
+            <a:off x="179512" y="1418376"/>
+            <a:ext cx="3672408" cy="2621986"/>
+          </a:xfrm>
+        </p:spPr>
+      </p:pic>
+      <p:sp>
+        <p:nvSpPr>
+          <p:cNvPr id="5" name="灯片编号占位符 4"/>
+          <p:cNvSpPr>
+            <a:spLocks noGrp="1"/>
+          </p:cNvSpPr>
+          <p:nvPr>
+            <p:ph type="sldNum" sz="quarter" idx="10"/>
+          </p:nvPr>
+        </p:nvSpPr>
+        <p:spPr/>
+        <p:txBody>
+          <a:bodyPr/>
+          <a:lstStyle/>
+          <a:p>
+            <a:fld id="{F7E2903A-6526-4E0B-828D-C31687035264}" type="slidenum">
+              <a:rPr lang="en-GB" smtClean="0"/>
+              <a:pPr/>
+              <a:t>20</a:t>
+            </a:fld>
+            <a:endParaRPr lang="en-GB" dirty="0"/>
+          </a:p>
+        </p:txBody>
+      </p:sp>
+      <p:pic>
+        <p:nvPicPr>
+          <p:cNvPr id="6" name="图片 5"/>
+          <p:cNvPicPr>
+            <a:picLocks noChangeAspect="1"/>
+          </p:cNvPicPr>
+          <p:nvPr/>
+        </p:nvPicPr>
+        <p:blipFill>
+          <a:blip r:embed="rId3" cstate="print">
+            <a:extLst>
+              <a:ext uri="{28A0092B-C50C-407E-A947-70E740481C1C}">
+                <a14:useLocalDpi xmlns:a14="http://schemas.microsoft.com/office/drawing/2010/main" val="0"/>
+              </a:ext>
+            </a:extLst>
+          </a:blip>
+          <a:stretch>
+            <a:fillRect/>
+          </a:stretch>
+        </p:blipFill>
+        <p:spPr>
+          <a:xfrm>
+            <a:off x="6300192" y="235576"/>
+            <a:ext cx="1728192" cy="2439475"/>
+          </a:xfrm>
+          <a:prstGeom prst="rect">
+            <a:avLst/>
+          </a:prstGeom>
+        </p:spPr>
+      </p:pic>
+      <p:sp>
+        <p:nvSpPr>
+          <p:cNvPr id="7" name="右箭头 6"/>
+          <p:cNvSpPr/>
+          <p:nvPr/>
+        </p:nvSpPr>
+        <p:spPr bwMode="auto">
+          <a:xfrm>
+            <a:off x="4067944" y="1851670"/>
+            <a:ext cx="1944216" cy="216024"/>
+          </a:xfrm>
+          <a:prstGeom prst="rightArrow">
+            <a:avLst/>
+          </a:prstGeom>
+          <a:solidFill>
+            <a:schemeClr val="accent1"/>
+          </a:solidFill>
+          <a:ln w="9525" cap="flat" cmpd="sng" algn="ctr">
+            <a:solidFill>
+              <a:schemeClr val="tx1"/>
+            </a:solidFill>
+            <a:prstDash val="solid"/>
+            <a:round/>
+            <a:headEnd type="none" w="med" len="med"/>
+            <a:tailEnd type="none" w="med" len="med"/>
+          </a:ln>
+          <a:effectLst/>
+        </p:spPr>
+        <p:txBody>
+          <a:bodyPr vert="horz" wrap="square" lIns="91440" tIns="45720" rIns="91440" bIns="45720" numCol="1" rtlCol="0" anchor="t" anchorCtr="0" compatLnSpc="1">
+            <a:prstTxWarp prst="textNoShape">
+              <a:avLst/>
+            </a:prstTxWarp>
+          </a:bodyPr>
+          <a:lstStyle/>
+          <a:p>
+            <a:pPr marL="0" marR="0" indent="0" algn="r" defTabSz="914400" rtl="0" eaLnBrk="1" fontAlgn="base" latinLnBrk="0" hangingPunct="1">
+              <a:lnSpc>
+                <a:spcPct val="100000"/>
+              </a:lnSpc>
+              <a:spcBef>
+                <a:spcPct val="0"/>
+              </a:spcBef>
+              <a:spcAft>
+                <a:spcPct val="0"/>
+              </a:spcAft>
+              <a:buClrTx/>
+              <a:buSzTx/>
+              <a:buFontTx/>
+              <a:buNone/>
+              <a:tabLst/>
+            </a:pPr>
+            <a:endParaRPr kumimoji="0" lang="zh-CN" altLang="en-US" sz="1600" b="0" i="0" u="none" strike="noStrike" cap="none" normalizeH="0" baseline="0" smtClean="0">
+              <a:ln>
+                <a:noFill/>
+              </a:ln>
+              <a:solidFill>
+                <a:schemeClr val="tx1"/>
+              </a:solidFill>
+              <a:effectLst/>
+              <a:latin typeface="Arial" charset="0"/>
+            </a:endParaRPr>
+          </a:p>
+        </p:txBody>
+      </p:sp>
+      <p:sp>
+        <p:nvSpPr>
+          <p:cNvPr id="8" name="左箭头 7"/>
+          <p:cNvSpPr/>
+          <p:nvPr/>
+        </p:nvSpPr>
+        <p:spPr bwMode="auto">
+          <a:xfrm>
+            <a:off x="4067944" y="3147814"/>
+            <a:ext cx="1944216" cy="216024"/>
+          </a:xfrm>
+          <a:prstGeom prst="leftArrow">
+            <a:avLst/>
+          </a:prstGeom>
+          <a:solidFill>
+            <a:schemeClr val="accent1"/>
+          </a:solidFill>
+          <a:ln w="9525" cap="flat" cmpd="sng" algn="ctr">
+            <a:solidFill>
+              <a:schemeClr val="tx1"/>
+            </a:solidFill>
+            <a:prstDash val="solid"/>
+            <a:round/>
+            <a:headEnd type="none" w="med" len="med"/>
+            <a:tailEnd type="none" w="med" len="med"/>
+          </a:ln>
+          <a:effectLst/>
+        </p:spPr>
+        <p:txBody>
+          <a:bodyPr vert="horz" wrap="square" lIns="91440" tIns="45720" rIns="91440" bIns="45720" numCol="1" rtlCol="0" anchor="t" anchorCtr="0" compatLnSpc="1">
+            <a:prstTxWarp prst="textNoShape">
+              <a:avLst/>
+            </a:prstTxWarp>
+          </a:bodyPr>
+          <a:lstStyle/>
+          <a:p>
+            <a:pPr marL="0" marR="0" indent="0" algn="r" defTabSz="914400" rtl="0" eaLnBrk="1" fontAlgn="base" latinLnBrk="0" hangingPunct="1">
+              <a:lnSpc>
+                <a:spcPct val="100000"/>
+              </a:lnSpc>
+              <a:spcBef>
+                <a:spcPct val="0"/>
+              </a:spcBef>
+              <a:spcAft>
+                <a:spcPct val="0"/>
+              </a:spcAft>
+              <a:buClrTx/>
+              <a:buSzTx/>
+              <a:buFontTx/>
+              <a:buNone/>
+              <a:tabLst/>
+            </a:pPr>
+            <a:endParaRPr kumimoji="0" lang="zh-CN" altLang="en-US" sz="1600" b="0" i="0" u="none" strike="noStrike" cap="none" normalizeH="0" baseline="0" smtClean="0">
+              <a:ln>
+                <a:noFill/>
+              </a:ln>
+              <a:solidFill>
+                <a:schemeClr val="tx1"/>
+              </a:solidFill>
+              <a:effectLst/>
+              <a:latin typeface="Arial" charset="0"/>
+            </a:endParaRPr>
+          </a:p>
+        </p:txBody>
+      </p:sp>
+      <p:pic>
+        <p:nvPicPr>
+          <p:cNvPr id="10" name="图片 9"/>
+          <p:cNvPicPr>
+            <a:picLocks noChangeAspect="1"/>
+          </p:cNvPicPr>
+          <p:nvPr/>
+        </p:nvPicPr>
+        <p:blipFill>
+          <a:blip r:embed="rId4" cstate="print">
+            <a:extLst>
+              <a:ext uri="{28A0092B-C50C-407E-A947-70E740481C1C}">
+                <a14:useLocalDpi xmlns:a14="http://schemas.microsoft.com/office/drawing/2010/main" val="0"/>
+              </a:ext>
+            </a:extLst>
+          </a:blip>
+          <a:stretch>
+            <a:fillRect/>
+          </a:stretch>
+        </p:blipFill>
+        <p:spPr>
+          <a:xfrm>
+            <a:off x="6192180" y="2931790"/>
+            <a:ext cx="2232248" cy="1335533"/>
+          </a:xfrm>
+          <a:prstGeom prst="rect">
+            <a:avLst/>
+          </a:prstGeom>
+        </p:spPr>
+      </p:pic>
+    </p:spTree>
+    <p:extLst>
+      <p:ext uri="{BB962C8B-B14F-4D97-AF65-F5344CB8AC3E}">
+        <p14:creationId xmlns:p14="http://schemas.microsoft.com/office/powerpoint/2010/main" val="3277749795"/>
+      </p:ext>
+    </p:extLst>
+  </p:cSld>
+  <p:clrMapOvr>
+    <a:masterClrMapping/>
+  </p:clrMapOvr>
+  <p:timing>
+    <p:tnLst>
+      <p:par>
+        <p:cTn id="1" dur="indefinite" restart="never" nodeType="tmRoot"/>
+      </p:par>
+    </p:tnLst>
+  </p:timing>
+</p:sld>
+</file>
+
+<file path=ppt/slides/slide21.xml><?xml version="1.0" encoding="utf-8"?>
+<p:sld xmlns:a="http://schemas.openxmlformats.org/drawingml/2006/main" xmlns:r="http://schemas.openxmlformats.org/officeDocument/2006/relationships" xmlns:p="http://schemas.openxmlformats.org/presentationml/2006/main">
+  <p:cSld>
+    <p:spTree>
+      <p:nvGrpSpPr>
+        <p:cNvPr id="1" name=""/>
+        <p:cNvGrpSpPr/>
+        <p:nvPr/>
+      </p:nvGrpSpPr>
+      <p:grpSpPr>
+        <a:xfrm>
+          <a:off x="0" y="0"/>
+          <a:ext cx="0" cy="0"/>
+          <a:chOff x="0" y="0"/>
+          <a:chExt cx="0" cy="0"/>
+        </a:xfrm>
+      </p:grpSpPr>
+      <p:sp>
+        <p:nvSpPr>
+          <p:cNvPr id="2" name="Title 1"/>
+          <p:cNvSpPr>
+            <a:spLocks noGrp="1"/>
+          </p:cNvSpPr>
+          <p:nvPr>
+            <p:ph type="ctrTitle"/>
+          </p:nvPr>
+        </p:nvSpPr>
+        <p:spPr/>
+        <p:txBody>
+          <a:bodyPr/>
+          <a:lstStyle/>
+          <a:p>
+            <a:r>
+              <a:rPr lang="en-GB" dirty="0" smtClean="0"/>
+              <a:t>Enhancement</a:t>
+            </a:r>
+            <a:endParaRPr lang="en-GB" dirty="0"/>
+          </a:p>
+        </p:txBody>
+      </p:sp>
+      <p:sp>
+        <p:nvSpPr>
+          <p:cNvPr id="3" name="Subtitle 2"/>
+          <p:cNvSpPr>
+            <a:spLocks noGrp="1"/>
+          </p:cNvSpPr>
+          <p:nvPr>
+            <p:ph type="subTitle" idx="1"/>
+          </p:nvPr>
+        </p:nvSpPr>
+        <p:spPr/>
+        <p:txBody>
+          <a:bodyPr/>
+          <a:lstStyle/>
+          <a:p>
+            <a:r>
+              <a:rPr lang="en-GB" dirty="0" smtClean="0"/>
+              <a:t>HHEM</a:t>
+            </a:r>
+            <a:endParaRPr lang="en-GB" dirty="0"/>
+          </a:p>
+        </p:txBody>
+      </p:sp>
+    </p:spTree>
+    <p:extLst>
+      <p:ext uri="{BB962C8B-B14F-4D97-AF65-F5344CB8AC3E}">
+        <p14:creationId xmlns:p14="http://schemas.microsoft.com/office/powerpoint/2010/main" val="643548604"/>
+      </p:ext>
+    </p:extLst>
+  </p:cSld>
+  <p:clrMapOvr>
+    <a:masterClrMapping/>
+  </p:clrMapOvr>
+  <p:timing>
+    <p:tnLst>
+      <p:par>
+        <p:cTn id="1" dur="indefinite" restart="never" nodeType="tmRoot"/>
+      </p:par>
+    </p:tnLst>
+  </p:timing>
+</p:sld>
+</file>
+
+<file path=ppt/slides/slide22.xml><?xml version="1.0" encoding="utf-8"?>
+<p:sld xmlns:a="http://schemas.openxmlformats.org/drawingml/2006/main" xmlns:r="http://schemas.openxmlformats.org/officeDocument/2006/relationships" xmlns:p="http://schemas.openxmlformats.org/presentationml/2006/main">
+  <p:cSld>
+    <p:spTree>
+      <p:nvGrpSpPr>
+        <p:cNvPr id="1" name=""/>
+        <p:cNvGrpSpPr/>
+        <p:nvPr/>
+      </p:nvGrpSpPr>
+      <p:grpSpPr>
+        <a:xfrm>
+          <a:off x="0" y="0"/>
+          <a:ext cx="0" cy="0"/>
+          <a:chOff x="0" y="0"/>
+          <a:chExt cx="0" cy="0"/>
+        </a:xfrm>
+      </p:grpSpPr>
+      <p:sp>
+        <p:nvSpPr>
+          <p:cNvPr id="2" name="Title 1"/>
+          <p:cNvSpPr>
+            <a:spLocks noGrp="1"/>
+          </p:cNvSpPr>
+          <p:nvPr>
+            <p:ph type="title"/>
+          </p:nvPr>
+        </p:nvSpPr>
+        <p:spPr/>
+        <p:txBody>
+          <a:bodyPr/>
+          <a:lstStyle/>
+          <a:p>
+            <a:r>
+              <a:rPr lang="en-GB" dirty="0" smtClean="0"/>
+              <a:t>Proposal</a:t>
+            </a:r>
+            <a:endParaRPr lang="en-GB" dirty="0"/>
+          </a:p>
+        </p:txBody>
+      </p:sp>
+      <p:sp>
+        <p:nvSpPr>
+          <p:cNvPr id="3" name="Content Placeholder 2"/>
+          <p:cNvSpPr>
+            <a:spLocks noGrp="1"/>
+          </p:cNvSpPr>
+          <p:nvPr>
+            <p:ph idx="1"/>
+          </p:nvPr>
+        </p:nvSpPr>
+        <p:spPr/>
+        <p:txBody>
+          <a:bodyPr/>
+          <a:lstStyle/>
+          <a:p>
+            <a:r>
+              <a:rPr lang="en-GB" dirty="0" smtClean="0"/>
+              <a:t>Human Detecting</a:t>
+            </a:r>
+          </a:p>
+          <a:p>
+            <a:endParaRPr lang="en-GB" dirty="0" smtClean="0"/>
+          </a:p>
+        </p:txBody>
+      </p:sp>
+      <p:sp>
+        <p:nvSpPr>
+          <p:cNvPr id="5" name="灯片编号占位符 4"/>
+          <p:cNvSpPr>
+            <a:spLocks noGrp="1"/>
+          </p:cNvSpPr>
+          <p:nvPr>
+            <p:ph type="sldNum" sz="quarter" idx="10"/>
+          </p:nvPr>
+        </p:nvSpPr>
+        <p:spPr/>
+        <p:txBody>
+          <a:bodyPr/>
+          <a:lstStyle/>
+          <a:p>
+            <a:fld id="{F7E2903A-6526-4E0B-828D-C31687035264}" type="slidenum">
+              <a:rPr lang="en-GB" smtClean="0"/>
+              <a:pPr/>
+              <a:t>22</a:t>
+            </a:fld>
+            <a:endParaRPr lang="en-GB" dirty="0"/>
+          </a:p>
+        </p:txBody>
+      </p:sp>
+    </p:spTree>
+    <p:extLst>
+      <p:ext uri="{BB962C8B-B14F-4D97-AF65-F5344CB8AC3E}">
+        <p14:creationId xmlns:p14="http://schemas.microsoft.com/office/powerpoint/2010/main" val="3732645470"/>
+      </p:ext>
+    </p:extLst>
+  </p:cSld>
+  <p:clrMapOvr>
+    <a:masterClrMapping/>
+  </p:clrMapOvr>
+  <p:timing>
+    <p:tnLst>
+      <p:par>
+        <p:cTn id="1" dur="indefinite" restart="never" nodeType="tmRoot"/>
+      </p:par>
+    </p:tnLst>
+  </p:timing>
+</p:sld>
+</file>
+
+<file path=ppt/slides/slide23.xml><?xml version="1.0" encoding="utf-8"?>
+<p:sld xmlns:a="http://schemas.openxmlformats.org/drawingml/2006/main" xmlns:r="http://schemas.openxmlformats.org/officeDocument/2006/relationships" xmlns:p="http://schemas.openxmlformats.org/presentationml/2006/main">
+  <p:cSld>
+    <p:spTree>
+      <p:nvGrpSpPr>
+        <p:cNvPr id="1" name=""/>
+        <p:cNvGrpSpPr/>
+        <p:nvPr/>
+      </p:nvGrpSpPr>
+      <p:grpSpPr>
+        <a:xfrm>
+          <a:off x="0" y="0"/>
+          <a:ext cx="0" cy="0"/>
+          <a:chOff x="0" y="0"/>
+          <a:chExt cx="0" cy="0"/>
+        </a:xfrm>
+      </p:grpSpPr>
+      <p:sp>
+        <p:nvSpPr>
+          <p:cNvPr id="2" name="Title 1"/>
+          <p:cNvSpPr>
+            <a:spLocks noGrp="1"/>
+          </p:cNvSpPr>
+          <p:nvPr>
+            <p:ph type="title"/>
+          </p:nvPr>
+        </p:nvSpPr>
+        <p:spPr/>
+        <p:txBody>
+          <a:bodyPr/>
+          <a:lstStyle/>
+          <a:p>
             <a:endParaRPr lang="en-GB"/>
           </a:p>
         </p:txBody>
@@ -13476,7 +17164,7 @@
             <a:fld id="{F7E2903A-6526-4E0B-828D-C31687035264}" type="slidenum">
               <a:rPr lang="en-GB" smtClean="0"/>
               <a:pPr/>
-              <a:t>20</a:t>
+              <a:t>23</a:t>
             </a:fld>
             <a:endParaRPr lang="en-GB" dirty="0"/>
           </a:p>
@@ -13502,7 +17190,7 @@
 </p:sld>
 </file>
 
-<file path=ppt/slides/slide21.xml><?xml version="1.0" encoding="utf-8"?>
+<file path=ppt/slides/slide24.xml><?xml version="1.0" encoding="utf-8"?>
 <p:sld xmlns:a="http://schemas.openxmlformats.org/drawingml/2006/main" xmlns:r="http://schemas.openxmlformats.org/officeDocument/2006/relationships" xmlns:p="http://schemas.openxmlformats.org/presentationml/2006/main">
   <p:cSld>
     <p:spTree>

--- a/hand-held_environment_monitor_Template.pptx
+++ b/hand-held_environment_monitor_Template.pptx
@@ -8,10 +8,10 @@
     <p:sldMasterId id="2147483699" r:id="rId4"/>
   </p:sldMasterIdLst>
   <p:notesMasterIdLst>
-    <p:notesMasterId r:id="rId29"/>
+    <p:notesMasterId r:id="rId26"/>
   </p:notesMasterIdLst>
   <p:handoutMasterIdLst>
-    <p:handoutMasterId r:id="rId30"/>
+    <p:handoutMasterId r:id="rId27"/>
   </p:handoutMasterIdLst>
   <p:sldIdLst>
     <p:sldId id="256" r:id="rId5"/>
@@ -32,12 +32,9 @@
     <p:sldId id="280" r:id="rId20"/>
     <p:sldId id="281" r:id="rId21"/>
     <p:sldId id="282" r:id="rId22"/>
-    <p:sldId id="274" r:id="rId23"/>
-    <p:sldId id="279" r:id="rId24"/>
-    <p:sldId id="276" r:id="rId25"/>
-    <p:sldId id="277" r:id="rId26"/>
-    <p:sldId id="265" r:id="rId27"/>
-    <p:sldId id="261" r:id="rId28"/>
+    <p:sldId id="276" r:id="rId23"/>
+    <p:sldId id="277" r:id="rId24"/>
+    <p:sldId id="261" r:id="rId25"/>
   </p:sldIdLst>
   <p:sldSz cx="9144000" cy="5143500" type="screen16x9"/>
   <p:notesSz cx="6858000" cy="9144000"/>
@@ -1328,8 +1325,8 @@
     <dgm:cxn modelId="{714A23FF-BA44-4EB8-B483-3D5DF528D5CC}" type="presOf" srcId="{6C1B94BE-6852-4EBF-81F5-B7394C883F29}" destId="{9CADC56C-2549-413C-A4B3-D0E8F7085CB4}" srcOrd="0" destOrd="0" presId="urn:microsoft.com/office/officeart/2005/8/layout/radial4"/>
     <dgm:cxn modelId="{73B189AC-C3C8-4555-B470-FE3EC73F6234}" type="presOf" srcId="{B51F6A52-2D75-4129-8C99-32EBEE9D862F}" destId="{F7C0FD41-478A-46A3-B2D4-0C9B59CC473A}" srcOrd="0" destOrd="0" presId="urn:microsoft.com/office/officeart/2005/8/layout/radial4"/>
     <dgm:cxn modelId="{45957881-71CE-447A-9B20-DCE3D255123D}" srcId="{F367BEBF-D9F1-4A32-9C07-AEB36DA575D5}" destId="{2C5A8E47-5FB9-453D-B2AA-3AFEF77087B7}" srcOrd="1" destOrd="0" parTransId="{6C1B94BE-6852-4EBF-81F5-B7394C883F29}" sibTransId="{4BBDF689-549C-40D0-AD16-3103BA374954}"/>
+    <dgm:cxn modelId="{81D6FC2B-B93A-45D1-B1E1-C5FB6BAF8CEB}" type="presOf" srcId="{2C5A8E47-5FB9-453D-B2AA-3AFEF77087B7}" destId="{59491F13-2308-41AE-90B9-8F6BADDEDFF4}" srcOrd="0" destOrd="0" presId="urn:microsoft.com/office/officeart/2005/8/layout/radial4"/>
     <dgm:cxn modelId="{E1D28859-7496-4B7C-B9C5-A111C5D06488}" type="presOf" srcId="{754C3326-FC53-4CC7-B281-CC03656AEDA6}" destId="{B5DDEEE0-788D-4A47-8981-9A3D05B4237C}" srcOrd="0" destOrd="0" presId="urn:microsoft.com/office/officeart/2005/8/layout/radial4"/>
-    <dgm:cxn modelId="{81D6FC2B-B93A-45D1-B1E1-C5FB6BAF8CEB}" type="presOf" srcId="{2C5A8E47-5FB9-453D-B2AA-3AFEF77087B7}" destId="{59491F13-2308-41AE-90B9-8F6BADDEDFF4}" srcOrd="0" destOrd="0" presId="urn:microsoft.com/office/officeart/2005/8/layout/radial4"/>
     <dgm:cxn modelId="{AD678C62-21F8-4C32-B2EC-C81749827E50}" srcId="{F367BEBF-D9F1-4A32-9C07-AEB36DA575D5}" destId="{98BBC121-5C91-4DC9-B19B-3144686B63E6}" srcOrd="0" destOrd="0" parTransId="{754C3326-FC53-4CC7-B281-CC03656AEDA6}" sibTransId="{A0FEE6C0-3DC3-4F2F-A775-1E9E67EB8420}"/>
     <dgm:cxn modelId="{52713573-B336-44B8-9DE2-CAA95CE7CA39}" srcId="{F367BEBF-D9F1-4A32-9C07-AEB36DA575D5}" destId="{04FADAF6-9C01-4EB0-A40B-FDC49A2FEB2D}" srcOrd="3" destOrd="0" parTransId="{7F064D22-915C-4E96-A693-282E3C9907E4}" sibTransId="{E706EA7B-0C28-460D-8DFA-8FD6741B10EF}"/>
     <dgm:cxn modelId="{EFD6AB27-83C2-430E-B837-B60711DC63D7}" type="presParOf" srcId="{C4D07FF7-8274-4816-A43F-F734A84E6C11}" destId="{BA7B139A-1A2F-497B-9463-05040C97EBF7}" srcOrd="0" destOrd="0" presId="urn:microsoft.com/office/officeart/2005/8/layout/radial4"/>
@@ -1360,554 +1357,6 @@
       <dsp:cNvGrpSpPr/>
     </dsp:nvGrpSpPr>
     <dsp:grpSpPr/>
-    <dsp:sp modelId="{BA7B139A-1A2F-497B-9463-05040C97EBF7}">
-      <dsp:nvSpPr>
-        <dsp:cNvPr id="0" name=""/>
-        <dsp:cNvSpPr/>
-      </dsp:nvSpPr>
-      <dsp:spPr>
-        <a:xfrm>
-          <a:off x="5563941" y="2526744"/>
-          <a:ext cx="1873286" cy="364661"/>
-        </a:xfrm>
-        <a:prstGeom prst="ellipse">
-          <a:avLst/>
-        </a:prstGeom>
-        <a:solidFill>
-          <a:schemeClr val="bg1"/>
-        </a:solidFill>
-        <a:ln w="25400" cap="flat" cmpd="sng" algn="ctr">
-          <a:solidFill>
-            <a:schemeClr val="lt1">
-              <a:hueOff val="0"/>
-              <a:satOff val="0"/>
-              <a:lumOff val="0"/>
-              <a:alphaOff val="0"/>
-            </a:schemeClr>
-          </a:solidFill>
-          <a:prstDash val="solid"/>
-        </a:ln>
-        <a:effectLst/>
-      </dsp:spPr>
-      <dsp:style>
-        <a:lnRef idx="2">
-          <a:scrgbClr r="0" g="0" b="0"/>
-        </a:lnRef>
-        <a:fillRef idx="1">
-          <a:scrgbClr r="0" g="0" b="0"/>
-        </a:fillRef>
-        <a:effectRef idx="0">
-          <a:scrgbClr r="0" g="0" b="0"/>
-        </a:effectRef>
-        <a:fontRef idx="minor">
-          <a:schemeClr val="lt1"/>
-        </a:fontRef>
-      </dsp:style>
-      <dsp:txBody>
-        <a:bodyPr spcFirstLastPara="0" vert="horz" wrap="square" lIns="10160" tIns="10160" rIns="10160" bIns="10160" numCol="1" spcCol="1270" anchor="ctr" anchorCtr="0">
-          <a:noAutofit/>
-        </a:bodyPr>
-        <a:lstStyle/>
-        <a:p>
-          <a:pPr lvl="0" algn="ctr" defTabSz="711200">
-            <a:lnSpc>
-              <a:spcPct val="90000"/>
-            </a:lnSpc>
-            <a:spcBef>
-              <a:spcPct val="0"/>
-            </a:spcBef>
-            <a:spcAft>
-              <a:spcPct val="35000"/>
-            </a:spcAft>
-          </a:pPr>
-          <a:r>
-            <a:rPr lang="en-US" altLang="zh-CN" sz="1600" kern="1200" dirty="0" smtClean="0">
-              <a:solidFill>
-                <a:schemeClr val="tx2"/>
-              </a:solidFill>
-            </a:rPr>
-            <a:t>Cloud Server</a:t>
-          </a:r>
-        </a:p>
-      </dsp:txBody>
-      <dsp:txXfrm>
-        <a:off x="5838277" y="2580147"/>
-        <a:ext cx="1324614" cy="257855"/>
-      </dsp:txXfrm>
-    </dsp:sp>
-    <dsp:sp modelId="{B5DDEEE0-788D-4A47-8981-9A3D05B4237C}">
-      <dsp:nvSpPr>
-        <dsp:cNvPr id="0" name=""/>
-        <dsp:cNvSpPr/>
-      </dsp:nvSpPr>
-      <dsp:spPr>
-        <a:xfrm rot="10800000">
-          <a:off x="5002930" y="2403048"/>
-          <a:ext cx="714507" cy="432279"/>
-        </a:xfrm>
-        <a:prstGeom prst="leftArrow">
-          <a:avLst>
-            <a:gd name="adj1" fmla="val 60000"/>
-            <a:gd name="adj2" fmla="val 50000"/>
-          </a:avLst>
-        </a:prstGeom>
-        <a:solidFill>
-          <a:schemeClr val="accent1">
-            <a:lumMod val="60000"/>
-            <a:lumOff val="40000"/>
-          </a:schemeClr>
-        </a:solidFill>
-        <a:ln>
-          <a:noFill/>
-        </a:ln>
-        <a:effectLst/>
-      </dsp:spPr>
-      <dsp:style>
-        <a:lnRef idx="0">
-          <a:scrgbClr r="0" g="0" b="0"/>
-        </a:lnRef>
-        <a:fillRef idx="1">
-          <a:scrgbClr r="0" g="0" b="0"/>
-        </a:fillRef>
-        <a:effectRef idx="0">
-          <a:scrgbClr r="0" g="0" b="0"/>
-        </a:effectRef>
-        <a:fontRef idx="minor">
-          <a:schemeClr val="lt1"/>
-        </a:fontRef>
-      </dsp:style>
-    </dsp:sp>
-    <dsp:sp modelId="{084A16DB-BBA9-446B-9E05-BA04740747E0}">
-      <dsp:nvSpPr>
-        <dsp:cNvPr id="0" name=""/>
-        <dsp:cNvSpPr/>
-      </dsp:nvSpPr>
-      <dsp:spPr>
-        <a:xfrm>
-          <a:off x="3456631" y="2440134"/>
-          <a:ext cx="1440931" cy="396682"/>
-        </a:xfrm>
-        <a:prstGeom prst="roundRect">
-          <a:avLst>
-            <a:gd name="adj" fmla="val 10000"/>
-          </a:avLst>
-        </a:prstGeom>
-        <a:solidFill>
-          <a:schemeClr val="bg1"/>
-        </a:solidFill>
-        <a:ln w="25400" cap="flat" cmpd="sng" algn="ctr">
-          <a:solidFill>
-            <a:schemeClr val="lt1">
-              <a:hueOff val="0"/>
-              <a:satOff val="0"/>
-              <a:lumOff val="0"/>
-              <a:alphaOff val="0"/>
-            </a:schemeClr>
-          </a:solidFill>
-          <a:prstDash val="solid"/>
-        </a:ln>
-        <a:effectLst/>
-      </dsp:spPr>
-      <dsp:style>
-        <a:lnRef idx="2">
-          <a:scrgbClr r="0" g="0" b="0"/>
-        </a:lnRef>
-        <a:fillRef idx="1">
-          <a:scrgbClr r="0" g="0" b="0"/>
-        </a:fillRef>
-        <a:effectRef idx="0">
-          <a:scrgbClr r="0" g="0" b="0"/>
-        </a:effectRef>
-        <a:fontRef idx="minor">
-          <a:schemeClr val="lt1"/>
-        </a:fontRef>
-      </dsp:style>
-      <dsp:txBody>
-        <a:bodyPr spcFirstLastPara="0" vert="horz" wrap="square" lIns="30480" tIns="30480" rIns="30480" bIns="30480" numCol="1" spcCol="1270" anchor="ctr" anchorCtr="0">
-          <a:noAutofit/>
-        </a:bodyPr>
-        <a:lstStyle/>
-        <a:p>
-          <a:pPr lvl="0" algn="ctr" defTabSz="711200">
-            <a:lnSpc>
-              <a:spcPct val="90000"/>
-            </a:lnSpc>
-            <a:spcBef>
-              <a:spcPct val="0"/>
-            </a:spcBef>
-            <a:spcAft>
-              <a:spcPct val="35000"/>
-            </a:spcAft>
-          </a:pPr>
-          <a:r>
-            <a:rPr lang="en-US" altLang="zh-CN" sz="1600" kern="1200" dirty="0" smtClean="0">
-              <a:solidFill>
-                <a:schemeClr val="tx2"/>
-              </a:solidFill>
-            </a:rPr>
-            <a:t>Yun Shield</a:t>
-          </a:r>
-        </a:p>
-      </dsp:txBody>
-      <dsp:txXfrm>
-        <a:off x="3468249" y="2451752"/>
-        <a:ext cx="1417695" cy="373446"/>
-      </dsp:txXfrm>
-    </dsp:sp>
-    <dsp:sp modelId="{9CADC56C-2549-413C-A4B3-D0E8F7085CB4}">
-      <dsp:nvSpPr>
-        <dsp:cNvPr id="0" name=""/>
-        <dsp:cNvSpPr/>
-      </dsp:nvSpPr>
-      <dsp:spPr>
-        <a:xfrm rot="10855017">
-          <a:off x="2551518" y="2370748"/>
-          <a:ext cx="745935" cy="432279"/>
-        </a:xfrm>
-        <a:prstGeom prst="leftArrow">
-          <a:avLst>
-            <a:gd name="adj1" fmla="val 60000"/>
-            <a:gd name="adj2" fmla="val 50000"/>
-          </a:avLst>
-        </a:prstGeom>
-        <a:solidFill>
-          <a:schemeClr val="accent1">
-            <a:lumMod val="60000"/>
-            <a:lumOff val="40000"/>
-          </a:schemeClr>
-        </a:solidFill>
-        <a:ln>
-          <a:noFill/>
-        </a:ln>
-        <a:effectLst/>
-      </dsp:spPr>
-      <dsp:style>
-        <a:lnRef idx="0">
-          <a:scrgbClr r="0" g="0" b="0"/>
-        </a:lnRef>
-        <a:fillRef idx="1">
-          <a:scrgbClr r="0" g="0" b="0"/>
-        </a:fillRef>
-        <a:effectRef idx="0">
-          <a:scrgbClr r="0" g="0" b="0"/>
-        </a:effectRef>
-        <a:fontRef idx="minor">
-          <a:schemeClr val="lt1"/>
-        </a:fontRef>
-      </dsp:style>
-    </dsp:sp>
-    <dsp:sp modelId="{59491F13-2308-41AE-90B9-8F6BADDEDFF4}">
-      <dsp:nvSpPr>
-        <dsp:cNvPr id="0" name=""/>
-        <dsp:cNvSpPr/>
-      </dsp:nvSpPr>
-      <dsp:spPr>
-        <a:xfrm>
-          <a:off x="417789" y="2512146"/>
-          <a:ext cx="702497" cy="288635"/>
-        </a:xfrm>
-        <a:prstGeom prst="roundRect">
-          <a:avLst>
-            <a:gd name="adj" fmla="val 10000"/>
-          </a:avLst>
-        </a:prstGeom>
-        <a:solidFill>
-          <a:schemeClr val="bg1"/>
-        </a:solidFill>
-        <a:ln w="25400" cap="flat" cmpd="sng" algn="ctr">
-          <a:solidFill>
-            <a:schemeClr val="lt1">
-              <a:hueOff val="0"/>
-              <a:satOff val="0"/>
-              <a:lumOff val="0"/>
-              <a:alphaOff val="0"/>
-            </a:schemeClr>
-          </a:solidFill>
-          <a:prstDash val="solid"/>
-        </a:ln>
-        <a:effectLst/>
-      </dsp:spPr>
-      <dsp:style>
-        <a:lnRef idx="2">
-          <a:scrgbClr r="0" g="0" b="0"/>
-        </a:lnRef>
-        <a:fillRef idx="1">
-          <a:scrgbClr r="0" g="0" b="0"/>
-        </a:fillRef>
-        <a:effectRef idx="0">
-          <a:scrgbClr r="0" g="0" b="0"/>
-        </a:effectRef>
-        <a:fontRef idx="minor">
-          <a:schemeClr val="lt1"/>
-        </a:fontRef>
-      </dsp:style>
-      <dsp:txBody>
-        <a:bodyPr spcFirstLastPara="0" vert="horz" wrap="square" lIns="30480" tIns="30480" rIns="30480" bIns="30480" numCol="1" spcCol="1270" anchor="ctr" anchorCtr="0">
-          <a:noAutofit/>
-        </a:bodyPr>
-        <a:lstStyle/>
-        <a:p>
-          <a:pPr lvl="0" algn="ctr" defTabSz="711200">
-            <a:lnSpc>
-              <a:spcPct val="90000"/>
-            </a:lnSpc>
-            <a:spcBef>
-              <a:spcPct val="0"/>
-            </a:spcBef>
-            <a:spcAft>
-              <a:spcPct val="35000"/>
-            </a:spcAft>
-          </a:pPr>
-          <a:r>
-            <a:rPr lang="en-US" altLang="zh-CN" sz="1600" kern="1200" dirty="0" smtClean="0">
-              <a:solidFill>
-                <a:schemeClr val="tx2"/>
-              </a:solidFill>
-            </a:rPr>
-            <a:t>Board</a:t>
-          </a:r>
-        </a:p>
-      </dsp:txBody>
-      <dsp:txXfrm>
-        <a:off x="426243" y="2520600"/>
-        <a:ext cx="685589" cy="271727"/>
-      </dsp:txXfrm>
-    </dsp:sp>
-    <dsp:sp modelId="{8419F5A1-A69B-4543-A679-1CA2817D8EC5}">
-      <dsp:nvSpPr>
-        <dsp:cNvPr id="0" name=""/>
-        <dsp:cNvSpPr/>
-      </dsp:nvSpPr>
-      <dsp:spPr>
-        <a:xfrm rot="13162373">
-          <a:off x="5061404" y="1264852"/>
-          <a:ext cx="1147114" cy="432279"/>
-        </a:xfrm>
-        <a:prstGeom prst="rightArrow">
-          <a:avLst/>
-        </a:prstGeom>
-        <a:solidFill>
-          <a:schemeClr val="accent1">
-            <a:lumMod val="60000"/>
-            <a:lumOff val="40000"/>
-          </a:schemeClr>
-        </a:solidFill>
-        <a:ln>
-          <a:noFill/>
-        </a:ln>
-        <a:effectLst/>
-      </dsp:spPr>
-      <dsp:style>
-        <a:lnRef idx="0">
-          <a:scrgbClr r="0" g="0" b="0"/>
-        </a:lnRef>
-        <a:fillRef idx="1">
-          <a:scrgbClr r="0" g="0" b="0"/>
-        </a:fillRef>
-        <a:effectRef idx="0">
-          <a:scrgbClr r="0" g="0" b="0"/>
-        </a:effectRef>
-        <a:fontRef idx="minor">
-          <a:schemeClr val="lt1"/>
-        </a:fontRef>
-      </dsp:style>
-    </dsp:sp>
-    <dsp:sp modelId="{F7C0FD41-478A-46A3-B2D4-0C9B59CC473A}">
-      <dsp:nvSpPr>
-        <dsp:cNvPr id="0" name=""/>
-        <dsp:cNvSpPr/>
-      </dsp:nvSpPr>
-      <dsp:spPr>
-        <a:xfrm>
-          <a:off x="5235359" y="445721"/>
-          <a:ext cx="850019" cy="256405"/>
-        </a:xfrm>
-        <a:prstGeom prst="roundRect">
-          <a:avLst>
-            <a:gd name="adj" fmla="val 10000"/>
-          </a:avLst>
-        </a:prstGeom>
-        <a:solidFill>
-          <a:schemeClr val="bg1"/>
-        </a:solidFill>
-        <a:ln w="25400" cap="flat" cmpd="sng" algn="ctr">
-          <a:solidFill>
-            <a:schemeClr val="lt1">
-              <a:hueOff val="0"/>
-              <a:satOff val="0"/>
-              <a:lumOff val="0"/>
-              <a:alphaOff val="0"/>
-            </a:schemeClr>
-          </a:solidFill>
-          <a:prstDash val="solid"/>
-        </a:ln>
-        <a:effectLst/>
-      </dsp:spPr>
-      <dsp:style>
-        <a:lnRef idx="2">
-          <a:scrgbClr r="0" g="0" b="0"/>
-        </a:lnRef>
-        <a:fillRef idx="1">
-          <a:scrgbClr r="0" g="0" b="0"/>
-        </a:fillRef>
-        <a:effectRef idx="0">
-          <a:scrgbClr r="0" g="0" b="0"/>
-        </a:effectRef>
-        <a:fontRef idx="minor">
-          <a:schemeClr val="lt1"/>
-        </a:fontRef>
-      </dsp:style>
-      <dsp:txBody>
-        <a:bodyPr spcFirstLastPara="0" vert="horz" wrap="square" lIns="30480" tIns="30480" rIns="30480" bIns="30480" numCol="1" spcCol="1270" anchor="ctr" anchorCtr="0">
-          <a:noAutofit/>
-        </a:bodyPr>
-        <a:lstStyle/>
-        <a:p>
-          <a:pPr lvl="0" algn="ctr" defTabSz="711200">
-            <a:lnSpc>
-              <a:spcPct val="90000"/>
-            </a:lnSpc>
-            <a:spcBef>
-              <a:spcPct val="0"/>
-            </a:spcBef>
-            <a:spcAft>
-              <a:spcPct val="35000"/>
-            </a:spcAft>
-          </a:pPr>
-          <a:r>
-            <a:rPr lang="en-US" altLang="zh-CN" sz="1600" kern="1200" dirty="0" smtClean="0">
-              <a:solidFill>
-                <a:schemeClr val="tx2"/>
-              </a:solidFill>
-            </a:rPr>
-            <a:t>Mobile</a:t>
-          </a:r>
-        </a:p>
-      </dsp:txBody>
-      <dsp:txXfrm>
-        <a:off x="5242869" y="453231"/>
-        <a:ext cx="834999" cy="241385"/>
-      </dsp:txXfrm>
-    </dsp:sp>
-    <dsp:sp modelId="{BF6D7523-14F2-4E12-A4D1-F1271B8FC5D6}">
-      <dsp:nvSpPr>
-        <dsp:cNvPr id="0" name=""/>
-        <dsp:cNvSpPr/>
-      </dsp:nvSpPr>
-      <dsp:spPr>
-        <a:xfrm rot="16200000">
-          <a:off x="1154360" y="1407893"/>
-          <a:ext cx="862131" cy="432279"/>
-        </a:xfrm>
-        <a:prstGeom prst="leftArrow">
-          <a:avLst>
-            <a:gd name="adj1" fmla="val 60000"/>
-            <a:gd name="adj2" fmla="val 50000"/>
-          </a:avLst>
-        </a:prstGeom>
-        <a:solidFill>
-          <a:schemeClr val="accent1">
-            <a:lumMod val="60000"/>
-            <a:lumOff val="40000"/>
-          </a:schemeClr>
-        </a:solidFill>
-        <a:ln>
-          <a:noFill/>
-        </a:ln>
-        <a:effectLst/>
-      </dsp:spPr>
-      <dsp:style>
-        <a:lnRef idx="0">
-          <a:scrgbClr r="0" g="0" b="0"/>
-        </a:lnRef>
-        <a:fillRef idx="1">
-          <a:scrgbClr r="0" g="0" b="0"/>
-        </a:fillRef>
-        <a:effectRef idx="0">
-          <a:scrgbClr r="0" g="0" b="0"/>
-        </a:effectRef>
-        <a:fontRef idx="minor">
-          <a:schemeClr val="lt1"/>
-        </a:fontRef>
-      </dsp:style>
-    </dsp:sp>
-    <dsp:sp modelId="{D71C0E9E-C759-44C7-A943-9ED763CCF038}">
-      <dsp:nvSpPr>
-        <dsp:cNvPr id="0" name=""/>
-        <dsp:cNvSpPr/>
-      </dsp:nvSpPr>
-      <dsp:spPr>
-        <a:xfrm>
-          <a:off x="1088872" y="749286"/>
-          <a:ext cx="1208120" cy="432671"/>
-        </a:xfrm>
-        <a:prstGeom prst="roundRect">
-          <a:avLst>
-            <a:gd name="adj" fmla="val 10000"/>
-          </a:avLst>
-        </a:prstGeom>
-        <a:solidFill>
-          <a:schemeClr val="bg1"/>
-        </a:solidFill>
-        <a:ln w="25400" cap="flat" cmpd="sng" algn="ctr">
-          <a:solidFill>
-            <a:schemeClr val="lt1">
-              <a:hueOff val="0"/>
-              <a:satOff val="0"/>
-              <a:lumOff val="0"/>
-              <a:alphaOff val="0"/>
-            </a:schemeClr>
-          </a:solidFill>
-          <a:prstDash val="solid"/>
-        </a:ln>
-        <a:effectLst/>
-      </dsp:spPr>
-      <dsp:style>
-        <a:lnRef idx="2">
-          <a:scrgbClr r="0" g="0" b="0"/>
-        </a:lnRef>
-        <a:fillRef idx="1">
-          <a:scrgbClr r="0" g="0" b="0"/>
-        </a:fillRef>
-        <a:effectRef idx="0">
-          <a:scrgbClr r="0" g="0" b="0"/>
-        </a:effectRef>
-        <a:fontRef idx="minor">
-          <a:schemeClr val="lt1"/>
-        </a:fontRef>
-      </dsp:style>
-      <dsp:txBody>
-        <a:bodyPr spcFirstLastPara="0" vert="horz" wrap="square" lIns="30480" tIns="30480" rIns="30480" bIns="30480" numCol="1" spcCol="1270" anchor="ctr" anchorCtr="0">
-          <a:noAutofit/>
-        </a:bodyPr>
-        <a:lstStyle/>
-        <a:p>
-          <a:pPr lvl="0" algn="ctr" defTabSz="711200">
-            <a:lnSpc>
-              <a:spcPct val="90000"/>
-            </a:lnSpc>
-            <a:spcBef>
-              <a:spcPct val="0"/>
-            </a:spcBef>
-            <a:spcAft>
-              <a:spcPct val="35000"/>
-            </a:spcAft>
-          </a:pPr>
-          <a:r>
-            <a:rPr lang="en-US" altLang="zh-CN" sz="1600" kern="1200" dirty="0" smtClean="0">
-              <a:solidFill>
-                <a:schemeClr val="tx2"/>
-              </a:solidFill>
-            </a:rPr>
-            <a:t>Sensors</a:t>
-          </a:r>
-        </a:p>
-      </dsp:txBody>
-      <dsp:txXfrm>
-        <a:off x="1101545" y="761959"/>
-        <a:ext cx="1182774" cy="407325"/>
-      </dsp:txXfrm>
-    </dsp:sp>
   </dsp:spTree>
 </dsp:drawing>
 </file>
@@ -16369,7 +15818,7 @@
             <a:spLocks noGrp="1"/>
           </p:cNvSpPr>
           <p:nvPr>
-            <p:ph type="title"/>
+            <p:ph type="ctrTitle"/>
           </p:nvPr>
         </p:nvSpPr>
         <p:spPr/>
@@ -16379,7 +15828,7 @@
           <a:p>
             <a:r>
               <a:rPr lang="en-GB" dirty="0" smtClean="0"/>
-              <a:t>Air Quality</a:t>
+              <a:t>Enhancement</a:t>
             </a:r>
             <a:endParaRPr lang="en-GB" dirty="0"/>
           </a:p>
@@ -16387,12 +15836,12 @@
       </p:sp>
       <p:sp>
         <p:nvSpPr>
-          <p:cNvPr id="3" name="Content Placeholder 2"/>
+          <p:cNvPr id="3" name="Subtitle 2"/>
           <p:cNvSpPr>
             <a:spLocks noGrp="1"/>
           </p:cNvSpPr>
           <p:nvPr>
-            <p:ph idx="1"/>
+            <p:ph type="subTitle" idx="1"/>
           </p:nvPr>
         </p:nvSpPr>
         <p:spPr/>
@@ -16400,30 +15849,10 @@
           <a:bodyPr/>
           <a:lstStyle/>
           <a:p>
-            <a:endParaRPr lang="en-GB" dirty="0" smtClean="0"/>
-          </a:p>
-        </p:txBody>
-      </p:sp>
-      <p:sp>
-        <p:nvSpPr>
-          <p:cNvPr id="5" name="灯片编号占位符 4"/>
-          <p:cNvSpPr>
-            <a:spLocks noGrp="1"/>
-          </p:cNvSpPr>
-          <p:nvPr>
-            <p:ph type="sldNum" sz="quarter" idx="10"/>
-          </p:nvPr>
-        </p:nvSpPr>
-        <p:spPr/>
-        <p:txBody>
-          <a:bodyPr/>
-          <a:lstStyle/>
-          <a:p>
-            <a:fld id="{F7E2903A-6526-4E0B-828D-C31687035264}" type="slidenum">
-              <a:rPr lang="en-GB" smtClean="0"/>
-              <a:pPr/>
-              <a:t>19</a:t>
-            </a:fld>
+            <a:r>
+              <a:rPr lang="en-GB" dirty="0" smtClean="0"/>
+              <a:t>HHEM</a:t>
+            </a:r>
             <a:endParaRPr lang="en-GB" dirty="0"/>
           </a:p>
         </p:txBody>
@@ -16431,7 +15860,7 @@
     </p:spTree>
     <p:extLst>
       <p:ext uri="{BB962C8B-B14F-4D97-AF65-F5344CB8AC3E}">
-        <p14:creationId xmlns:p14="http://schemas.microsoft.com/office/powerpoint/2010/main" val="1107435703"/>
+        <p14:creationId xmlns:p14="http://schemas.microsoft.com/office/powerpoint/2010/main" val="643548604"/>
       </p:ext>
     </p:extLst>
   </p:cSld>
@@ -16611,41 +16040,92 @@
           <a:p>
             <a:r>
               <a:rPr lang="en-GB" dirty="0" smtClean="0"/>
-              <a:t>Scenario</a:t>
+              <a:t>Improvement &amp; Enhancement</a:t>
             </a:r>
             <a:endParaRPr lang="en-GB" dirty="0"/>
           </a:p>
         </p:txBody>
       </p:sp>
-      <p:pic>
-        <p:nvPicPr>
-          <p:cNvPr id="4" name="内容占位符 3"/>
-          <p:cNvPicPr>
-            <a:picLocks noGrp="1" noChangeAspect="1"/>
-          </p:cNvPicPr>
+      <p:sp>
+        <p:nvSpPr>
+          <p:cNvPr id="3" name="Content Placeholder 2"/>
+          <p:cNvSpPr>
+            <a:spLocks noGrp="1"/>
+          </p:cNvSpPr>
           <p:nvPr>
             <p:ph idx="1"/>
           </p:nvPr>
-        </p:nvPicPr>
-        <p:blipFill>
-          <a:blip r:embed="rId2" cstate="print">
-            <a:extLst>
-              <a:ext uri="{28A0092B-C50C-407E-A947-70E740481C1C}">
-                <a14:useLocalDpi xmlns:a14="http://schemas.microsoft.com/office/drawing/2010/main" val="0"/>
-              </a:ext>
-            </a:extLst>
-          </a:blip>
-          <a:stretch>
-            <a:fillRect/>
-          </a:stretch>
-        </p:blipFill>
-        <p:spPr>
-          <a:xfrm>
-            <a:off x="179512" y="1418376"/>
-            <a:ext cx="3672408" cy="2621986"/>
-          </a:xfrm>
-        </p:spPr>
-      </p:pic>
+        </p:nvSpPr>
+        <p:spPr/>
+        <p:txBody>
+          <a:bodyPr/>
+          <a:lstStyle/>
+          <a:p>
+            <a:r>
+              <a:rPr lang="en-GB" dirty="0" smtClean="0"/>
+              <a:t>Air Quality Sensor </a:t>
+            </a:r>
+            <a:r>
+              <a:rPr lang="en-US" altLang="zh-CN" dirty="0" smtClean="0"/>
+              <a:t>compatibility</a:t>
+            </a:r>
+          </a:p>
+          <a:p>
+            <a:r>
+              <a:rPr lang="en-US" dirty="0" smtClean="0"/>
+              <a:t>Cloud Control enhancing</a:t>
+            </a:r>
+          </a:p>
+          <a:p>
+            <a:r>
+              <a:rPr lang="en-GB" dirty="0" smtClean="0"/>
+              <a:t>P</a:t>
+            </a:r>
+            <a:r>
+              <a:rPr lang="en-US" altLang="zh-CN" dirty="0" err="1" smtClean="0"/>
+              <a:t>ower</a:t>
+            </a:r>
+            <a:r>
+              <a:rPr lang="en-US" altLang="zh-CN" dirty="0" smtClean="0"/>
+              <a:t> </a:t>
+            </a:r>
+            <a:r>
+              <a:rPr lang="en-US" altLang="zh-CN" dirty="0" smtClean="0"/>
+              <a:t>improving</a:t>
+            </a:r>
+          </a:p>
+          <a:p>
+            <a:r>
+              <a:rPr lang="en-US" dirty="0" smtClean="0"/>
+              <a:t>Multi-</a:t>
+            </a:r>
+            <a:r>
+              <a:rPr lang="en-US" dirty="0" err="1" smtClean="0"/>
+              <a:t>IoT</a:t>
+            </a:r>
+            <a:r>
+              <a:rPr lang="en-US" smtClean="0"/>
+              <a:t> </a:t>
+            </a:r>
+            <a:r>
+              <a:rPr lang="en-US"/>
+              <a:t>W</a:t>
+            </a:r>
+            <a:r>
+              <a:rPr lang="en-US" smtClean="0"/>
+              <a:t>eb </a:t>
+            </a:r>
+            <a:r>
+              <a:rPr lang="en-US" dirty="0" smtClean="0"/>
+              <a:t>supporting</a:t>
+            </a:r>
+            <a:endParaRPr lang="en-GB" dirty="0" smtClean="0"/>
+          </a:p>
+          <a:p>
+            <a:endParaRPr lang="en-GB" dirty="0" smtClean="0"/>
+          </a:p>
+        </p:txBody>
+      </p:sp>
       <p:sp>
         <p:nvSpPr>
           <p:cNvPr id="5" name="灯片编号占位符 4"/>
@@ -16665,388 +16145,6 @@
               <a:rPr lang="en-GB" smtClean="0"/>
               <a:pPr/>
               <a:t>20</a:t>
-            </a:fld>
-            <a:endParaRPr lang="en-GB" dirty="0"/>
-          </a:p>
-        </p:txBody>
-      </p:sp>
-      <p:pic>
-        <p:nvPicPr>
-          <p:cNvPr id="6" name="图片 5"/>
-          <p:cNvPicPr>
-            <a:picLocks noChangeAspect="1"/>
-          </p:cNvPicPr>
-          <p:nvPr/>
-        </p:nvPicPr>
-        <p:blipFill>
-          <a:blip r:embed="rId3" cstate="print">
-            <a:extLst>
-              <a:ext uri="{28A0092B-C50C-407E-A947-70E740481C1C}">
-                <a14:useLocalDpi xmlns:a14="http://schemas.microsoft.com/office/drawing/2010/main" val="0"/>
-              </a:ext>
-            </a:extLst>
-          </a:blip>
-          <a:stretch>
-            <a:fillRect/>
-          </a:stretch>
-        </p:blipFill>
-        <p:spPr>
-          <a:xfrm>
-            <a:off x="6300192" y="235576"/>
-            <a:ext cx="1728192" cy="2439475"/>
-          </a:xfrm>
-          <a:prstGeom prst="rect">
-            <a:avLst/>
-          </a:prstGeom>
-        </p:spPr>
-      </p:pic>
-      <p:sp>
-        <p:nvSpPr>
-          <p:cNvPr id="7" name="右箭头 6"/>
-          <p:cNvSpPr/>
-          <p:nvPr/>
-        </p:nvSpPr>
-        <p:spPr bwMode="auto">
-          <a:xfrm>
-            <a:off x="4067944" y="1851670"/>
-            <a:ext cx="1944216" cy="216024"/>
-          </a:xfrm>
-          <a:prstGeom prst="rightArrow">
-            <a:avLst/>
-          </a:prstGeom>
-          <a:solidFill>
-            <a:schemeClr val="accent1"/>
-          </a:solidFill>
-          <a:ln w="9525" cap="flat" cmpd="sng" algn="ctr">
-            <a:solidFill>
-              <a:schemeClr val="tx1"/>
-            </a:solidFill>
-            <a:prstDash val="solid"/>
-            <a:round/>
-            <a:headEnd type="none" w="med" len="med"/>
-            <a:tailEnd type="none" w="med" len="med"/>
-          </a:ln>
-          <a:effectLst/>
-        </p:spPr>
-        <p:txBody>
-          <a:bodyPr vert="horz" wrap="square" lIns="91440" tIns="45720" rIns="91440" bIns="45720" numCol="1" rtlCol="0" anchor="t" anchorCtr="0" compatLnSpc="1">
-            <a:prstTxWarp prst="textNoShape">
-              <a:avLst/>
-            </a:prstTxWarp>
-          </a:bodyPr>
-          <a:lstStyle/>
-          <a:p>
-            <a:pPr marL="0" marR="0" indent="0" algn="r" defTabSz="914400" rtl="0" eaLnBrk="1" fontAlgn="base" latinLnBrk="0" hangingPunct="1">
-              <a:lnSpc>
-                <a:spcPct val="100000"/>
-              </a:lnSpc>
-              <a:spcBef>
-                <a:spcPct val="0"/>
-              </a:spcBef>
-              <a:spcAft>
-                <a:spcPct val="0"/>
-              </a:spcAft>
-              <a:buClrTx/>
-              <a:buSzTx/>
-              <a:buFontTx/>
-              <a:buNone/>
-              <a:tabLst/>
-            </a:pPr>
-            <a:endParaRPr kumimoji="0" lang="zh-CN" altLang="en-US" sz="1600" b="0" i="0" u="none" strike="noStrike" cap="none" normalizeH="0" baseline="0" smtClean="0">
-              <a:ln>
-                <a:noFill/>
-              </a:ln>
-              <a:solidFill>
-                <a:schemeClr val="tx1"/>
-              </a:solidFill>
-              <a:effectLst/>
-              <a:latin typeface="Arial" charset="0"/>
-            </a:endParaRPr>
-          </a:p>
-        </p:txBody>
-      </p:sp>
-      <p:sp>
-        <p:nvSpPr>
-          <p:cNvPr id="8" name="左箭头 7"/>
-          <p:cNvSpPr/>
-          <p:nvPr/>
-        </p:nvSpPr>
-        <p:spPr bwMode="auto">
-          <a:xfrm>
-            <a:off x="4067944" y="3147814"/>
-            <a:ext cx="1944216" cy="216024"/>
-          </a:xfrm>
-          <a:prstGeom prst="leftArrow">
-            <a:avLst/>
-          </a:prstGeom>
-          <a:solidFill>
-            <a:schemeClr val="accent1"/>
-          </a:solidFill>
-          <a:ln w="9525" cap="flat" cmpd="sng" algn="ctr">
-            <a:solidFill>
-              <a:schemeClr val="tx1"/>
-            </a:solidFill>
-            <a:prstDash val="solid"/>
-            <a:round/>
-            <a:headEnd type="none" w="med" len="med"/>
-            <a:tailEnd type="none" w="med" len="med"/>
-          </a:ln>
-          <a:effectLst/>
-        </p:spPr>
-        <p:txBody>
-          <a:bodyPr vert="horz" wrap="square" lIns="91440" tIns="45720" rIns="91440" bIns="45720" numCol="1" rtlCol="0" anchor="t" anchorCtr="0" compatLnSpc="1">
-            <a:prstTxWarp prst="textNoShape">
-              <a:avLst/>
-            </a:prstTxWarp>
-          </a:bodyPr>
-          <a:lstStyle/>
-          <a:p>
-            <a:pPr marL="0" marR="0" indent="0" algn="r" defTabSz="914400" rtl="0" eaLnBrk="1" fontAlgn="base" latinLnBrk="0" hangingPunct="1">
-              <a:lnSpc>
-                <a:spcPct val="100000"/>
-              </a:lnSpc>
-              <a:spcBef>
-                <a:spcPct val="0"/>
-              </a:spcBef>
-              <a:spcAft>
-                <a:spcPct val="0"/>
-              </a:spcAft>
-              <a:buClrTx/>
-              <a:buSzTx/>
-              <a:buFontTx/>
-              <a:buNone/>
-              <a:tabLst/>
-            </a:pPr>
-            <a:endParaRPr kumimoji="0" lang="zh-CN" altLang="en-US" sz="1600" b="0" i="0" u="none" strike="noStrike" cap="none" normalizeH="0" baseline="0" smtClean="0">
-              <a:ln>
-                <a:noFill/>
-              </a:ln>
-              <a:solidFill>
-                <a:schemeClr val="tx1"/>
-              </a:solidFill>
-              <a:effectLst/>
-              <a:latin typeface="Arial" charset="0"/>
-            </a:endParaRPr>
-          </a:p>
-        </p:txBody>
-      </p:sp>
-      <p:pic>
-        <p:nvPicPr>
-          <p:cNvPr id="10" name="图片 9"/>
-          <p:cNvPicPr>
-            <a:picLocks noChangeAspect="1"/>
-          </p:cNvPicPr>
-          <p:nvPr/>
-        </p:nvPicPr>
-        <p:blipFill>
-          <a:blip r:embed="rId4" cstate="print">
-            <a:extLst>
-              <a:ext uri="{28A0092B-C50C-407E-A947-70E740481C1C}">
-                <a14:useLocalDpi xmlns:a14="http://schemas.microsoft.com/office/drawing/2010/main" val="0"/>
-              </a:ext>
-            </a:extLst>
-          </a:blip>
-          <a:stretch>
-            <a:fillRect/>
-          </a:stretch>
-        </p:blipFill>
-        <p:spPr>
-          <a:xfrm>
-            <a:off x="6192180" y="2931790"/>
-            <a:ext cx="2232248" cy="1335533"/>
-          </a:xfrm>
-          <a:prstGeom prst="rect">
-            <a:avLst/>
-          </a:prstGeom>
-        </p:spPr>
-      </p:pic>
-    </p:spTree>
-    <p:extLst>
-      <p:ext uri="{BB962C8B-B14F-4D97-AF65-F5344CB8AC3E}">
-        <p14:creationId xmlns:p14="http://schemas.microsoft.com/office/powerpoint/2010/main" val="3277749795"/>
-      </p:ext>
-    </p:extLst>
-  </p:cSld>
-  <p:clrMapOvr>
-    <a:masterClrMapping/>
-  </p:clrMapOvr>
-  <p:timing>
-    <p:tnLst>
-      <p:par>
-        <p:cTn id="1" dur="indefinite" restart="never" nodeType="tmRoot"/>
-      </p:par>
-    </p:tnLst>
-  </p:timing>
-</p:sld>
-</file>
-
-<file path=ppt/slides/slide21.xml><?xml version="1.0" encoding="utf-8"?>
-<p:sld xmlns:a="http://schemas.openxmlformats.org/drawingml/2006/main" xmlns:r="http://schemas.openxmlformats.org/officeDocument/2006/relationships" xmlns:p="http://schemas.openxmlformats.org/presentationml/2006/main">
-  <p:cSld>
-    <p:spTree>
-      <p:nvGrpSpPr>
-        <p:cNvPr id="1" name=""/>
-        <p:cNvGrpSpPr/>
-        <p:nvPr/>
-      </p:nvGrpSpPr>
-      <p:grpSpPr>
-        <a:xfrm>
-          <a:off x="0" y="0"/>
-          <a:ext cx="0" cy="0"/>
-          <a:chOff x="0" y="0"/>
-          <a:chExt cx="0" cy="0"/>
-        </a:xfrm>
-      </p:grpSpPr>
-      <p:sp>
-        <p:nvSpPr>
-          <p:cNvPr id="2" name="Title 1"/>
-          <p:cNvSpPr>
-            <a:spLocks noGrp="1"/>
-          </p:cNvSpPr>
-          <p:nvPr>
-            <p:ph type="ctrTitle"/>
-          </p:nvPr>
-        </p:nvSpPr>
-        <p:spPr/>
-        <p:txBody>
-          <a:bodyPr/>
-          <a:lstStyle/>
-          <a:p>
-            <a:r>
-              <a:rPr lang="en-GB" dirty="0" smtClean="0"/>
-              <a:t>Enhancement</a:t>
-            </a:r>
-            <a:endParaRPr lang="en-GB" dirty="0"/>
-          </a:p>
-        </p:txBody>
-      </p:sp>
-      <p:sp>
-        <p:nvSpPr>
-          <p:cNvPr id="3" name="Subtitle 2"/>
-          <p:cNvSpPr>
-            <a:spLocks noGrp="1"/>
-          </p:cNvSpPr>
-          <p:nvPr>
-            <p:ph type="subTitle" idx="1"/>
-          </p:nvPr>
-        </p:nvSpPr>
-        <p:spPr/>
-        <p:txBody>
-          <a:bodyPr/>
-          <a:lstStyle/>
-          <a:p>
-            <a:r>
-              <a:rPr lang="en-GB" dirty="0" smtClean="0"/>
-              <a:t>HHEM</a:t>
-            </a:r>
-            <a:endParaRPr lang="en-GB" dirty="0"/>
-          </a:p>
-        </p:txBody>
-      </p:sp>
-    </p:spTree>
-    <p:extLst>
-      <p:ext uri="{BB962C8B-B14F-4D97-AF65-F5344CB8AC3E}">
-        <p14:creationId xmlns:p14="http://schemas.microsoft.com/office/powerpoint/2010/main" val="643548604"/>
-      </p:ext>
-    </p:extLst>
-  </p:cSld>
-  <p:clrMapOvr>
-    <a:masterClrMapping/>
-  </p:clrMapOvr>
-  <p:timing>
-    <p:tnLst>
-      <p:par>
-        <p:cTn id="1" dur="indefinite" restart="never" nodeType="tmRoot"/>
-      </p:par>
-    </p:tnLst>
-  </p:timing>
-</p:sld>
-</file>
-
-<file path=ppt/slides/slide22.xml><?xml version="1.0" encoding="utf-8"?>
-<p:sld xmlns:a="http://schemas.openxmlformats.org/drawingml/2006/main" xmlns:r="http://schemas.openxmlformats.org/officeDocument/2006/relationships" xmlns:p="http://schemas.openxmlformats.org/presentationml/2006/main">
-  <p:cSld>
-    <p:spTree>
-      <p:nvGrpSpPr>
-        <p:cNvPr id="1" name=""/>
-        <p:cNvGrpSpPr/>
-        <p:nvPr/>
-      </p:nvGrpSpPr>
-      <p:grpSpPr>
-        <a:xfrm>
-          <a:off x="0" y="0"/>
-          <a:ext cx="0" cy="0"/>
-          <a:chOff x="0" y="0"/>
-          <a:chExt cx="0" cy="0"/>
-        </a:xfrm>
-      </p:grpSpPr>
-      <p:sp>
-        <p:nvSpPr>
-          <p:cNvPr id="2" name="Title 1"/>
-          <p:cNvSpPr>
-            <a:spLocks noGrp="1"/>
-          </p:cNvSpPr>
-          <p:nvPr>
-            <p:ph type="title"/>
-          </p:nvPr>
-        </p:nvSpPr>
-        <p:spPr/>
-        <p:txBody>
-          <a:bodyPr/>
-          <a:lstStyle/>
-          <a:p>
-            <a:r>
-              <a:rPr lang="en-GB" dirty="0" smtClean="0"/>
-              <a:t>Proposal</a:t>
-            </a:r>
-            <a:endParaRPr lang="en-GB" dirty="0"/>
-          </a:p>
-        </p:txBody>
-      </p:sp>
-      <p:sp>
-        <p:nvSpPr>
-          <p:cNvPr id="3" name="Content Placeholder 2"/>
-          <p:cNvSpPr>
-            <a:spLocks noGrp="1"/>
-          </p:cNvSpPr>
-          <p:nvPr>
-            <p:ph idx="1"/>
-          </p:nvPr>
-        </p:nvSpPr>
-        <p:spPr/>
-        <p:txBody>
-          <a:bodyPr/>
-          <a:lstStyle/>
-          <a:p>
-            <a:r>
-              <a:rPr lang="en-GB" dirty="0" smtClean="0"/>
-              <a:t>Human Detecting</a:t>
-            </a:r>
-          </a:p>
-          <a:p>
-            <a:endParaRPr lang="en-GB" dirty="0" smtClean="0"/>
-          </a:p>
-        </p:txBody>
-      </p:sp>
-      <p:sp>
-        <p:nvSpPr>
-          <p:cNvPr id="5" name="灯片编号占位符 4"/>
-          <p:cNvSpPr>
-            <a:spLocks noGrp="1"/>
-          </p:cNvSpPr>
-          <p:nvPr>
-            <p:ph type="sldNum" sz="quarter" idx="10"/>
-          </p:nvPr>
-        </p:nvSpPr>
-        <p:spPr/>
-        <p:txBody>
-          <a:bodyPr/>
-          <a:lstStyle/>
-          <a:p>
-            <a:fld id="{F7E2903A-6526-4E0B-828D-C31687035264}" type="slidenum">
-              <a:rPr lang="en-GB" smtClean="0"/>
-              <a:pPr/>
-              <a:t>22</a:t>
             </a:fld>
             <a:endParaRPr lang="en-GB" dirty="0"/>
           </a:p>
@@ -17072,125 +16170,7 @@
 </p:sld>
 </file>
 
-<file path=ppt/slides/slide23.xml><?xml version="1.0" encoding="utf-8"?>
-<p:sld xmlns:a="http://schemas.openxmlformats.org/drawingml/2006/main" xmlns:r="http://schemas.openxmlformats.org/officeDocument/2006/relationships" xmlns:p="http://schemas.openxmlformats.org/presentationml/2006/main">
-  <p:cSld>
-    <p:spTree>
-      <p:nvGrpSpPr>
-        <p:cNvPr id="1" name=""/>
-        <p:cNvGrpSpPr/>
-        <p:nvPr/>
-      </p:nvGrpSpPr>
-      <p:grpSpPr>
-        <a:xfrm>
-          <a:off x="0" y="0"/>
-          <a:ext cx="0" cy="0"/>
-          <a:chOff x="0" y="0"/>
-          <a:chExt cx="0" cy="0"/>
-        </a:xfrm>
-      </p:grpSpPr>
-      <p:sp>
-        <p:nvSpPr>
-          <p:cNvPr id="2" name="Title 1"/>
-          <p:cNvSpPr>
-            <a:spLocks noGrp="1"/>
-          </p:cNvSpPr>
-          <p:nvPr>
-            <p:ph type="title"/>
-          </p:nvPr>
-        </p:nvSpPr>
-        <p:spPr/>
-        <p:txBody>
-          <a:bodyPr/>
-          <a:lstStyle/>
-          <a:p>
-            <a:endParaRPr lang="en-GB"/>
-          </a:p>
-        </p:txBody>
-      </p:sp>
-      <p:sp>
-        <p:nvSpPr>
-          <p:cNvPr id="3" name="Content Placeholder 2"/>
-          <p:cNvSpPr>
-            <a:spLocks noGrp="1"/>
-          </p:cNvSpPr>
-          <p:nvPr>
-            <p:ph sz="half" idx="1"/>
-          </p:nvPr>
-        </p:nvSpPr>
-        <p:spPr/>
-        <p:txBody>
-          <a:bodyPr/>
-          <a:lstStyle/>
-          <a:p>
-            <a:endParaRPr lang="en-GB" dirty="0"/>
-          </a:p>
-        </p:txBody>
-      </p:sp>
-      <p:sp>
-        <p:nvSpPr>
-          <p:cNvPr id="4" name="Content Placeholder 3"/>
-          <p:cNvSpPr>
-            <a:spLocks noGrp="1"/>
-          </p:cNvSpPr>
-          <p:nvPr>
-            <p:ph sz="half" idx="2"/>
-          </p:nvPr>
-        </p:nvSpPr>
-        <p:spPr/>
-        <p:txBody>
-          <a:bodyPr/>
-          <a:lstStyle/>
-          <a:p>
-            <a:endParaRPr lang="en-GB" dirty="0"/>
-          </a:p>
-        </p:txBody>
-      </p:sp>
-      <p:sp>
-        <p:nvSpPr>
-          <p:cNvPr id="6" name="灯片编号占位符 5"/>
-          <p:cNvSpPr>
-            <a:spLocks noGrp="1"/>
-          </p:cNvSpPr>
-          <p:nvPr>
-            <p:ph type="sldNum" sz="quarter" idx="10"/>
-          </p:nvPr>
-        </p:nvSpPr>
-        <p:spPr/>
-        <p:txBody>
-          <a:bodyPr/>
-          <a:lstStyle/>
-          <a:p>
-            <a:fld id="{F7E2903A-6526-4E0B-828D-C31687035264}" type="slidenum">
-              <a:rPr lang="en-GB" smtClean="0"/>
-              <a:pPr/>
-              <a:t>23</a:t>
-            </a:fld>
-            <a:endParaRPr lang="en-GB" dirty="0"/>
-          </a:p>
-        </p:txBody>
-      </p:sp>
-    </p:spTree>
-    <p:extLst>
-      <p:ext uri="{BB962C8B-B14F-4D97-AF65-F5344CB8AC3E}">
-        <p14:creationId xmlns:p14="http://schemas.microsoft.com/office/powerpoint/2010/main" val="2471984264"/>
-      </p:ext>
-    </p:extLst>
-  </p:cSld>
-  <p:clrMapOvr>
-    <a:masterClrMapping/>
-  </p:clrMapOvr>
-  <p:timing>
-    <p:tnLst>
-      <p:par>
-        <p:cTn id="1" dur="indefinite" restart="never" nodeType="tmRoot"/>
-      </p:par>
-    </p:tnLst>
-  </p:timing>
-</p:sld>
-</file>
-
-<file path=ppt/slides/slide24.xml><?xml version="1.0" encoding="utf-8"?>
+<file path=ppt/slides/slide21.xml><?xml version="1.0" encoding="utf-8"?>
 <p:sld xmlns:a="http://schemas.openxmlformats.org/drawingml/2006/main" xmlns:r="http://schemas.openxmlformats.org/officeDocument/2006/relationships" xmlns:p="http://schemas.openxmlformats.org/presentationml/2006/main">
   <p:cSld>
     <p:spTree>
@@ -17622,13 +16602,11 @@
           <a:p>
             <a:r>
               <a:rPr lang="en-GB" dirty="0" smtClean="0"/>
-              <a:t>Air Quality Sensor</a:t>
-            </a:r>
-          </a:p>
-          <a:p>
+              <a:t>Temperature </a:t>
+            </a:r>
             <a:r>
               <a:rPr lang="en-GB" dirty="0"/>
-              <a:t>Temperature and Humidity </a:t>
+              <a:t>and Humidity </a:t>
             </a:r>
             <a:r>
               <a:rPr lang="en-GB" dirty="0" smtClean="0"/>

--- a/hand-held_environment_monitor_Template.pptx
+++ b/hand-held_environment_monitor_Template.pptx
@@ -22,12 +22,12 @@
     <p:sldId id="263" r:id="rId10"/>
     <p:sldId id="268" r:id="rId11"/>
     <p:sldId id="264" r:id="rId12"/>
-    <p:sldId id="267" r:id="rId13"/>
+    <p:sldId id="286" r:id="rId13"/>
     <p:sldId id="284" r:id="rId14"/>
     <p:sldId id="285" r:id="rId15"/>
     <p:sldId id="283" r:id="rId16"/>
     <p:sldId id="269" r:id="rId17"/>
-    <p:sldId id="270" r:id="rId18"/>
+    <p:sldId id="287" r:id="rId18"/>
     <p:sldId id="278" r:id="rId19"/>
     <p:sldId id="280" r:id="rId20"/>
     <p:sldId id="281" r:id="rId21"/>
@@ -1314,21 +1314,21 @@
     </dgm:pt>
   </dgm:ptLst>
   <dgm:cxnLst>
+    <dgm:cxn modelId="{6421676A-45E2-4701-ACB9-C8FD453612FD}" srcId="{F367BEBF-D9F1-4A32-9C07-AEB36DA575D5}" destId="{B51F6A52-2D75-4129-8C99-32EBEE9D862F}" srcOrd="2" destOrd="0" parTransId="{4E77BBAB-3767-4C7C-89A6-6C30CF70AF9C}" sibTransId="{04DE8F79-3FBB-411D-A065-DBDEAF47CB17}"/>
+    <dgm:cxn modelId="{714A23FF-BA44-4EB8-B483-3D5DF528D5CC}" type="presOf" srcId="{6C1B94BE-6852-4EBF-81F5-B7394C883F29}" destId="{9CADC56C-2549-413C-A4B3-D0E8F7085CB4}" srcOrd="0" destOrd="0" presId="urn:microsoft.com/office/officeart/2005/8/layout/radial4"/>
+    <dgm:cxn modelId="{AD678C62-21F8-4C32-B2EC-C81749827E50}" srcId="{F367BEBF-D9F1-4A32-9C07-AEB36DA575D5}" destId="{98BBC121-5C91-4DC9-B19B-3144686B63E6}" srcOrd="0" destOrd="0" parTransId="{754C3326-FC53-4CC7-B281-CC03656AEDA6}" sibTransId="{A0FEE6C0-3DC3-4F2F-A775-1E9E67EB8420}"/>
+    <dgm:cxn modelId="{81D6FC2B-B93A-45D1-B1E1-C5FB6BAF8CEB}" type="presOf" srcId="{2C5A8E47-5FB9-453D-B2AA-3AFEF77087B7}" destId="{59491F13-2308-41AE-90B9-8F6BADDEDFF4}" srcOrd="0" destOrd="0" presId="urn:microsoft.com/office/officeart/2005/8/layout/radial4"/>
+    <dgm:cxn modelId="{474F81AE-F123-425E-883B-CBF24941EF4F}" type="presOf" srcId="{98BBC121-5C91-4DC9-B19B-3144686B63E6}" destId="{084A16DB-BBA9-446B-9E05-BA04740747E0}" srcOrd="0" destOrd="0" presId="urn:microsoft.com/office/officeart/2005/8/layout/radial4"/>
+    <dgm:cxn modelId="{AC555F4F-83F3-4136-985E-BEC2C09C3337}" type="presOf" srcId="{7F064D22-915C-4E96-A693-282E3C9907E4}" destId="{BF6D7523-14F2-4E12-A4D1-F1271B8FC5D6}" srcOrd="0" destOrd="0" presId="urn:microsoft.com/office/officeart/2005/8/layout/radial4"/>
+    <dgm:cxn modelId="{E1D28859-7496-4B7C-B9C5-A111C5D06488}" type="presOf" srcId="{754C3326-FC53-4CC7-B281-CC03656AEDA6}" destId="{B5DDEEE0-788D-4A47-8981-9A3D05B4237C}" srcOrd="0" destOrd="0" presId="urn:microsoft.com/office/officeart/2005/8/layout/radial4"/>
+    <dgm:cxn modelId="{45957881-71CE-447A-9B20-DCE3D255123D}" srcId="{F367BEBF-D9F1-4A32-9C07-AEB36DA575D5}" destId="{2C5A8E47-5FB9-453D-B2AA-3AFEF77087B7}" srcOrd="1" destOrd="0" parTransId="{6C1B94BE-6852-4EBF-81F5-B7394C883F29}" sibTransId="{4BBDF689-549C-40D0-AD16-3103BA374954}"/>
+    <dgm:cxn modelId="{52713573-B336-44B8-9DE2-CAA95CE7CA39}" srcId="{F367BEBF-D9F1-4A32-9C07-AEB36DA575D5}" destId="{04FADAF6-9C01-4EB0-A40B-FDC49A2FEB2D}" srcOrd="3" destOrd="0" parTransId="{7F064D22-915C-4E96-A693-282E3C9907E4}" sibTransId="{E706EA7B-0C28-460D-8DFA-8FD6741B10EF}"/>
+    <dgm:cxn modelId="{66FAC4BB-E28F-4060-A887-39937DA74540}" type="presOf" srcId="{F367BEBF-D9F1-4A32-9C07-AEB36DA575D5}" destId="{BA7B139A-1A2F-497B-9463-05040C97EBF7}" srcOrd="0" destOrd="0" presId="urn:microsoft.com/office/officeart/2005/8/layout/radial4"/>
+    <dgm:cxn modelId="{3D5C871A-FECE-4C69-A3D5-C6A2D1E8B6F1}" srcId="{03CD5F60-3C9E-479B-BF5B-186B13180958}" destId="{F367BEBF-D9F1-4A32-9C07-AEB36DA575D5}" srcOrd="0" destOrd="0" parTransId="{D2FFD240-B44F-4996-89A5-F05AC998ADCE}" sibTransId="{457C6250-1909-4785-8E98-CB2261D8B3A2}"/>
+    <dgm:cxn modelId="{DBAA762E-B665-4B24-B675-CF0453D11D55}" type="presOf" srcId="{04FADAF6-9C01-4EB0-A40B-FDC49A2FEB2D}" destId="{D71C0E9E-C759-44C7-A943-9ED763CCF038}" srcOrd="0" destOrd="0" presId="urn:microsoft.com/office/officeart/2005/8/layout/radial4"/>
+    <dgm:cxn modelId="{73B189AC-C3C8-4555-B470-FE3EC73F6234}" type="presOf" srcId="{B51F6A52-2D75-4129-8C99-32EBEE9D862F}" destId="{F7C0FD41-478A-46A3-B2D4-0C9B59CC473A}" srcOrd="0" destOrd="0" presId="urn:microsoft.com/office/officeart/2005/8/layout/radial4"/>
     <dgm:cxn modelId="{D0BF936D-B00A-4D49-80A7-103ACFB1BDFF}" type="presOf" srcId="{03CD5F60-3C9E-479B-BF5B-186B13180958}" destId="{C4D07FF7-8274-4816-A43F-F734A84E6C11}" srcOrd="0" destOrd="0" presId="urn:microsoft.com/office/officeart/2005/8/layout/radial4"/>
-    <dgm:cxn modelId="{3D5C871A-FECE-4C69-A3D5-C6A2D1E8B6F1}" srcId="{03CD5F60-3C9E-479B-BF5B-186B13180958}" destId="{F367BEBF-D9F1-4A32-9C07-AEB36DA575D5}" srcOrd="0" destOrd="0" parTransId="{D2FFD240-B44F-4996-89A5-F05AC998ADCE}" sibTransId="{457C6250-1909-4785-8E98-CB2261D8B3A2}"/>
-    <dgm:cxn modelId="{66FAC4BB-E28F-4060-A887-39937DA74540}" type="presOf" srcId="{F367BEBF-D9F1-4A32-9C07-AEB36DA575D5}" destId="{BA7B139A-1A2F-497B-9463-05040C97EBF7}" srcOrd="0" destOrd="0" presId="urn:microsoft.com/office/officeart/2005/8/layout/radial4"/>
-    <dgm:cxn modelId="{DBAA762E-B665-4B24-B675-CF0453D11D55}" type="presOf" srcId="{04FADAF6-9C01-4EB0-A40B-FDC49A2FEB2D}" destId="{D71C0E9E-C759-44C7-A943-9ED763CCF038}" srcOrd="0" destOrd="0" presId="urn:microsoft.com/office/officeart/2005/8/layout/radial4"/>
-    <dgm:cxn modelId="{AC555F4F-83F3-4136-985E-BEC2C09C3337}" type="presOf" srcId="{7F064D22-915C-4E96-A693-282E3C9907E4}" destId="{BF6D7523-14F2-4E12-A4D1-F1271B8FC5D6}" srcOrd="0" destOrd="0" presId="urn:microsoft.com/office/officeart/2005/8/layout/radial4"/>
-    <dgm:cxn modelId="{6421676A-45E2-4701-ACB9-C8FD453612FD}" srcId="{F367BEBF-D9F1-4A32-9C07-AEB36DA575D5}" destId="{B51F6A52-2D75-4129-8C99-32EBEE9D862F}" srcOrd="2" destOrd="0" parTransId="{4E77BBAB-3767-4C7C-89A6-6C30CF70AF9C}" sibTransId="{04DE8F79-3FBB-411D-A065-DBDEAF47CB17}"/>
-    <dgm:cxn modelId="{474F81AE-F123-425E-883B-CBF24941EF4F}" type="presOf" srcId="{98BBC121-5C91-4DC9-B19B-3144686B63E6}" destId="{084A16DB-BBA9-446B-9E05-BA04740747E0}" srcOrd="0" destOrd="0" presId="urn:microsoft.com/office/officeart/2005/8/layout/radial4"/>
     <dgm:cxn modelId="{71A09525-FBC3-4B7B-A958-0B75A2E8C545}" type="presOf" srcId="{4E77BBAB-3767-4C7C-89A6-6C30CF70AF9C}" destId="{8419F5A1-A69B-4543-A679-1CA2817D8EC5}" srcOrd="0" destOrd="0" presId="urn:microsoft.com/office/officeart/2005/8/layout/radial4"/>
-    <dgm:cxn modelId="{714A23FF-BA44-4EB8-B483-3D5DF528D5CC}" type="presOf" srcId="{6C1B94BE-6852-4EBF-81F5-B7394C883F29}" destId="{9CADC56C-2549-413C-A4B3-D0E8F7085CB4}" srcOrd="0" destOrd="0" presId="urn:microsoft.com/office/officeart/2005/8/layout/radial4"/>
-    <dgm:cxn modelId="{73B189AC-C3C8-4555-B470-FE3EC73F6234}" type="presOf" srcId="{B51F6A52-2D75-4129-8C99-32EBEE9D862F}" destId="{F7C0FD41-478A-46A3-B2D4-0C9B59CC473A}" srcOrd="0" destOrd="0" presId="urn:microsoft.com/office/officeart/2005/8/layout/radial4"/>
-    <dgm:cxn modelId="{45957881-71CE-447A-9B20-DCE3D255123D}" srcId="{F367BEBF-D9F1-4A32-9C07-AEB36DA575D5}" destId="{2C5A8E47-5FB9-453D-B2AA-3AFEF77087B7}" srcOrd="1" destOrd="0" parTransId="{6C1B94BE-6852-4EBF-81F5-B7394C883F29}" sibTransId="{4BBDF689-549C-40D0-AD16-3103BA374954}"/>
-    <dgm:cxn modelId="{81D6FC2B-B93A-45D1-B1E1-C5FB6BAF8CEB}" type="presOf" srcId="{2C5A8E47-5FB9-453D-B2AA-3AFEF77087B7}" destId="{59491F13-2308-41AE-90B9-8F6BADDEDFF4}" srcOrd="0" destOrd="0" presId="urn:microsoft.com/office/officeart/2005/8/layout/radial4"/>
-    <dgm:cxn modelId="{E1D28859-7496-4B7C-B9C5-A111C5D06488}" type="presOf" srcId="{754C3326-FC53-4CC7-B281-CC03656AEDA6}" destId="{B5DDEEE0-788D-4A47-8981-9A3D05B4237C}" srcOrd="0" destOrd="0" presId="urn:microsoft.com/office/officeart/2005/8/layout/radial4"/>
-    <dgm:cxn modelId="{AD678C62-21F8-4C32-B2EC-C81749827E50}" srcId="{F367BEBF-D9F1-4A32-9C07-AEB36DA575D5}" destId="{98BBC121-5C91-4DC9-B19B-3144686B63E6}" srcOrd="0" destOrd="0" parTransId="{754C3326-FC53-4CC7-B281-CC03656AEDA6}" sibTransId="{A0FEE6C0-3DC3-4F2F-A775-1E9E67EB8420}"/>
-    <dgm:cxn modelId="{52713573-B336-44B8-9DE2-CAA95CE7CA39}" srcId="{F367BEBF-D9F1-4A32-9C07-AEB36DA575D5}" destId="{04FADAF6-9C01-4EB0-A40B-FDC49A2FEB2D}" srcOrd="3" destOrd="0" parTransId="{7F064D22-915C-4E96-A693-282E3C9907E4}" sibTransId="{E706EA7B-0C28-460D-8DFA-8FD6741B10EF}"/>
     <dgm:cxn modelId="{EFD6AB27-83C2-430E-B837-B60711DC63D7}" type="presParOf" srcId="{C4D07FF7-8274-4816-A43F-F734A84E6C11}" destId="{BA7B139A-1A2F-497B-9463-05040C97EBF7}" srcOrd="0" destOrd="0" presId="urn:microsoft.com/office/officeart/2005/8/layout/radial4"/>
     <dgm:cxn modelId="{4B33CC13-B806-4C88-B6B8-6B0AF0E79676}" type="presParOf" srcId="{C4D07FF7-8274-4816-A43F-F734A84E6C11}" destId="{B5DDEEE0-788D-4A47-8981-9A3D05B4237C}" srcOrd="1" destOrd="0" presId="urn:microsoft.com/office/officeart/2005/8/layout/radial4"/>
     <dgm:cxn modelId="{974C750A-6B06-4B24-83B3-73119DC3BCBF}" type="presParOf" srcId="{C4D07FF7-8274-4816-A43F-F734A84E6C11}" destId="{084A16DB-BBA9-446B-9E05-BA04740747E0}" srcOrd="2" destOrd="0" presId="urn:microsoft.com/office/officeart/2005/8/layout/radial4"/>
@@ -1357,6 +1357,554 @@
       <dsp:cNvGrpSpPr/>
     </dsp:nvGrpSpPr>
     <dsp:grpSpPr/>
+    <dsp:sp modelId="{BA7B139A-1A2F-497B-9463-05040C97EBF7}">
+      <dsp:nvSpPr>
+        <dsp:cNvPr id="0" name=""/>
+        <dsp:cNvSpPr/>
+      </dsp:nvSpPr>
+      <dsp:spPr>
+        <a:xfrm>
+          <a:off x="5563941" y="2526744"/>
+          <a:ext cx="1873286" cy="364661"/>
+        </a:xfrm>
+        <a:prstGeom prst="ellipse">
+          <a:avLst/>
+        </a:prstGeom>
+        <a:solidFill>
+          <a:schemeClr val="bg1"/>
+        </a:solidFill>
+        <a:ln w="25400" cap="flat" cmpd="sng" algn="ctr">
+          <a:solidFill>
+            <a:schemeClr val="lt1">
+              <a:hueOff val="0"/>
+              <a:satOff val="0"/>
+              <a:lumOff val="0"/>
+              <a:alphaOff val="0"/>
+            </a:schemeClr>
+          </a:solidFill>
+          <a:prstDash val="solid"/>
+        </a:ln>
+        <a:effectLst/>
+      </dsp:spPr>
+      <dsp:style>
+        <a:lnRef idx="2">
+          <a:scrgbClr r="0" g="0" b="0"/>
+        </a:lnRef>
+        <a:fillRef idx="1">
+          <a:scrgbClr r="0" g="0" b="0"/>
+        </a:fillRef>
+        <a:effectRef idx="0">
+          <a:scrgbClr r="0" g="0" b="0"/>
+        </a:effectRef>
+        <a:fontRef idx="minor">
+          <a:schemeClr val="lt1"/>
+        </a:fontRef>
+      </dsp:style>
+      <dsp:txBody>
+        <a:bodyPr spcFirstLastPara="0" vert="horz" wrap="square" lIns="10160" tIns="10160" rIns="10160" bIns="10160" numCol="1" spcCol="1270" anchor="ctr" anchorCtr="0">
+          <a:noAutofit/>
+        </a:bodyPr>
+        <a:lstStyle/>
+        <a:p>
+          <a:pPr lvl="0" algn="ctr" defTabSz="711200">
+            <a:lnSpc>
+              <a:spcPct val="90000"/>
+            </a:lnSpc>
+            <a:spcBef>
+              <a:spcPct val="0"/>
+            </a:spcBef>
+            <a:spcAft>
+              <a:spcPct val="35000"/>
+            </a:spcAft>
+          </a:pPr>
+          <a:r>
+            <a:rPr lang="en-US" altLang="zh-CN" sz="1600" kern="1200" dirty="0" smtClean="0">
+              <a:solidFill>
+                <a:schemeClr val="tx2"/>
+              </a:solidFill>
+            </a:rPr>
+            <a:t>Cloud Server</a:t>
+          </a:r>
+        </a:p>
+      </dsp:txBody>
+      <dsp:txXfrm>
+        <a:off x="5838277" y="2580147"/>
+        <a:ext cx="1324614" cy="257855"/>
+      </dsp:txXfrm>
+    </dsp:sp>
+    <dsp:sp modelId="{B5DDEEE0-788D-4A47-8981-9A3D05B4237C}">
+      <dsp:nvSpPr>
+        <dsp:cNvPr id="0" name=""/>
+        <dsp:cNvSpPr/>
+      </dsp:nvSpPr>
+      <dsp:spPr>
+        <a:xfrm rot="10800000">
+          <a:off x="5002930" y="2403048"/>
+          <a:ext cx="714507" cy="432279"/>
+        </a:xfrm>
+        <a:prstGeom prst="leftArrow">
+          <a:avLst>
+            <a:gd name="adj1" fmla="val 60000"/>
+            <a:gd name="adj2" fmla="val 50000"/>
+          </a:avLst>
+        </a:prstGeom>
+        <a:solidFill>
+          <a:schemeClr val="accent1">
+            <a:lumMod val="60000"/>
+            <a:lumOff val="40000"/>
+          </a:schemeClr>
+        </a:solidFill>
+        <a:ln>
+          <a:noFill/>
+        </a:ln>
+        <a:effectLst/>
+      </dsp:spPr>
+      <dsp:style>
+        <a:lnRef idx="0">
+          <a:scrgbClr r="0" g="0" b="0"/>
+        </a:lnRef>
+        <a:fillRef idx="1">
+          <a:scrgbClr r="0" g="0" b="0"/>
+        </a:fillRef>
+        <a:effectRef idx="0">
+          <a:scrgbClr r="0" g="0" b="0"/>
+        </a:effectRef>
+        <a:fontRef idx="minor">
+          <a:schemeClr val="lt1"/>
+        </a:fontRef>
+      </dsp:style>
+    </dsp:sp>
+    <dsp:sp modelId="{084A16DB-BBA9-446B-9E05-BA04740747E0}">
+      <dsp:nvSpPr>
+        <dsp:cNvPr id="0" name=""/>
+        <dsp:cNvSpPr/>
+      </dsp:nvSpPr>
+      <dsp:spPr>
+        <a:xfrm>
+          <a:off x="3456631" y="2440134"/>
+          <a:ext cx="1440931" cy="396682"/>
+        </a:xfrm>
+        <a:prstGeom prst="roundRect">
+          <a:avLst>
+            <a:gd name="adj" fmla="val 10000"/>
+          </a:avLst>
+        </a:prstGeom>
+        <a:solidFill>
+          <a:schemeClr val="bg1"/>
+        </a:solidFill>
+        <a:ln w="25400" cap="flat" cmpd="sng" algn="ctr">
+          <a:solidFill>
+            <a:schemeClr val="lt1">
+              <a:hueOff val="0"/>
+              <a:satOff val="0"/>
+              <a:lumOff val="0"/>
+              <a:alphaOff val="0"/>
+            </a:schemeClr>
+          </a:solidFill>
+          <a:prstDash val="solid"/>
+        </a:ln>
+        <a:effectLst/>
+      </dsp:spPr>
+      <dsp:style>
+        <a:lnRef idx="2">
+          <a:scrgbClr r="0" g="0" b="0"/>
+        </a:lnRef>
+        <a:fillRef idx="1">
+          <a:scrgbClr r="0" g="0" b="0"/>
+        </a:fillRef>
+        <a:effectRef idx="0">
+          <a:scrgbClr r="0" g="0" b="0"/>
+        </a:effectRef>
+        <a:fontRef idx="minor">
+          <a:schemeClr val="lt1"/>
+        </a:fontRef>
+      </dsp:style>
+      <dsp:txBody>
+        <a:bodyPr spcFirstLastPara="0" vert="horz" wrap="square" lIns="30480" tIns="30480" rIns="30480" bIns="30480" numCol="1" spcCol="1270" anchor="ctr" anchorCtr="0">
+          <a:noAutofit/>
+        </a:bodyPr>
+        <a:lstStyle/>
+        <a:p>
+          <a:pPr lvl="0" algn="ctr" defTabSz="711200">
+            <a:lnSpc>
+              <a:spcPct val="90000"/>
+            </a:lnSpc>
+            <a:spcBef>
+              <a:spcPct val="0"/>
+            </a:spcBef>
+            <a:spcAft>
+              <a:spcPct val="35000"/>
+            </a:spcAft>
+          </a:pPr>
+          <a:r>
+            <a:rPr lang="en-US" altLang="zh-CN" sz="1600" kern="1200" dirty="0" smtClean="0">
+              <a:solidFill>
+                <a:schemeClr val="tx2"/>
+              </a:solidFill>
+            </a:rPr>
+            <a:t>Yun Shield</a:t>
+          </a:r>
+        </a:p>
+      </dsp:txBody>
+      <dsp:txXfrm>
+        <a:off x="3468249" y="2451752"/>
+        <a:ext cx="1417695" cy="373446"/>
+      </dsp:txXfrm>
+    </dsp:sp>
+    <dsp:sp modelId="{9CADC56C-2549-413C-A4B3-D0E8F7085CB4}">
+      <dsp:nvSpPr>
+        <dsp:cNvPr id="0" name=""/>
+        <dsp:cNvSpPr/>
+      </dsp:nvSpPr>
+      <dsp:spPr>
+        <a:xfrm rot="10855017">
+          <a:off x="2551518" y="2370748"/>
+          <a:ext cx="745935" cy="432279"/>
+        </a:xfrm>
+        <a:prstGeom prst="leftArrow">
+          <a:avLst>
+            <a:gd name="adj1" fmla="val 60000"/>
+            <a:gd name="adj2" fmla="val 50000"/>
+          </a:avLst>
+        </a:prstGeom>
+        <a:solidFill>
+          <a:schemeClr val="accent1">
+            <a:lumMod val="60000"/>
+            <a:lumOff val="40000"/>
+          </a:schemeClr>
+        </a:solidFill>
+        <a:ln>
+          <a:noFill/>
+        </a:ln>
+        <a:effectLst/>
+      </dsp:spPr>
+      <dsp:style>
+        <a:lnRef idx="0">
+          <a:scrgbClr r="0" g="0" b="0"/>
+        </a:lnRef>
+        <a:fillRef idx="1">
+          <a:scrgbClr r="0" g="0" b="0"/>
+        </a:fillRef>
+        <a:effectRef idx="0">
+          <a:scrgbClr r="0" g="0" b="0"/>
+        </a:effectRef>
+        <a:fontRef idx="minor">
+          <a:schemeClr val="lt1"/>
+        </a:fontRef>
+      </dsp:style>
+    </dsp:sp>
+    <dsp:sp modelId="{59491F13-2308-41AE-90B9-8F6BADDEDFF4}">
+      <dsp:nvSpPr>
+        <dsp:cNvPr id="0" name=""/>
+        <dsp:cNvSpPr/>
+      </dsp:nvSpPr>
+      <dsp:spPr>
+        <a:xfrm>
+          <a:off x="417789" y="2512146"/>
+          <a:ext cx="702497" cy="288635"/>
+        </a:xfrm>
+        <a:prstGeom prst="roundRect">
+          <a:avLst>
+            <a:gd name="adj" fmla="val 10000"/>
+          </a:avLst>
+        </a:prstGeom>
+        <a:solidFill>
+          <a:schemeClr val="bg1"/>
+        </a:solidFill>
+        <a:ln w="25400" cap="flat" cmpd="sng" algn="ctr">
+          <a:solidFill>
+            <a:schemeClr val="lt1">
+              <a:hueOff val="0"/>
+              <a:satOff val="0"/>
+              <a:lumOff val="0"/>
+              <a:alphaOff val="0"/>
+            </a:schemeClr>
+          </a:solidFill>
+          <a:prstDash val="solid"/>
+        </a:ln>
+        <a:effectLst/>
+      </dsp:spPr>
+      <dsp:style>
+        <a:lnRef idx="2">
+          <a:scrgbClr r="0" g="0" b="0"/>
+        </a:lnRef>
+        <a:fillRef idx="1">
+          <a:scrgbClr r="0" g="0" b="0"/>
+        </a:fillRef>
+        <a:effectRef idx="0">
+          <a:scrgbClr r="0" g="0" b="0"/>
+        </a:effectRef>
+        <a:fontRef idx="minor">
+          <a:schemeClr val="lt1"/>
+        </a:fontRef>
+      </dsp:style>
+      <dsp:txBody>
+        <a:bodyPr spcFirstLastPara="0" vert="horz" wrap="square" lIns="30480" tIns="30480" rIns="30480" bIns="30480" numCol="1" spcCol="1270" anchor="ctr" anchorCtr="0">
+          <a:noAutofit/>
+        </a:bodyPr>
+        <a:lstStyle/>
+        <a:p>
+          <a:pPr lvl="0" algn="ctr" defTabSz="711200">
+            <a:lnSpc>
+              <a:spcPct val="90000"/>
+            </a:lnSpc>
+            <a:spcBef>
+              <a:spcPct val="0"/>
+            </a:spcBef>
+            <a:spcAft>
+              <a:spcPct val="35000"/>
+            </a:spcAft>
+          </a:pPr>
+          <a:r>
+            <a:rPr lang="en-US" altLang="zh-CN" sz="1600" kern="1200" dirty="0" smtClean="0">
+              <a:solidFill>
+                <a:schemeClr val="tx2"/>
+              </a:solidFill>
+            </a:rPr>
+            <a:t>Board</a:t>
+          </a:r>
+        </a:p>
+      </dsp:txBody>
+      <dsp:txXfrm>
+        <a:off x="426243" y="2520600"/>
+        <a:ext cx="685589" cy="271727"/>
+      </dsp:txXfrm>
+    </dsp:sp>
+    <dsp:sp modelId="{8419F5A1-A69B-4543-A679-1CA2817D8EC5}">
+      <dsp:nvSpPr>
+        <dsp:cNvPr id="0" name=""/>
+        <dsp:cNvSpPr/>
+      </dsp:nvSpPr>
+      <dsp:spPr>
+        <a:xfrm rot="13162373">
+          <a:off x="5061404" y="1264852"/>
+          <a:ext cx="1147114" cy="432279"/>
+        </a:xfrm>
+        <a:prstGeom prst="rightArrow">
+          <a:avLst/>
+        </a:prstGeom>
+        <a:solidFill>
+          <a:schemeClr val="accent1">
+            <a:lumMod val="60000"/>
+            <a:lumOff val="40000"/>
+          </a:schemeClr>
+        </a:solidFill>
+        <a:ln>
+          <a:noFill/>
+        </a:ln>
+        <a:effectLst/>
+      </dsp:spPr>
+      <dsp:style>
+        <a:lnRef idx="0">
+          <a:scrgbClr r="0" g="0" b="0"/>
+        </a:lnRef>
+        <a:fillRef idx="1">
+          <a:scrgbClr r="0" g="0" b="0"/>
+        </a:fillRef>
+        <a:effectRef idx="0">
+          <a:scrgbClr r="0" g="0" b="0"/>
+        </a:effectRef>
+        <a:fontRef idx="minor">
+          <a:schemeClr val="lt1"/>
+        </a:fontRef>
+      </dsp:style>
+    </dsp:sp>
+    <dsp:sp modelId="{F7C0FD41-478A-46A3-B2D4-0C9B59CC473A}">
+      <dsp:nvSpPr>
+        <dsp:cNvPr id="0" name=""/>
+        <dsp:cNvSpPr/>
+      </dsp:nvSpPr>
+      <dsp:spPr>
+        <a:xfrm>
+          <a:off x="5235359" y="445721"/>
+          <a:ext cx="850019" cy="256405"/>
+        </a:xfrm>
+        <a:prstGeom prst="roundRect">
+          <a:avLst>
+            <a:gd name="adj" fmla="val 10000"/>
+          </a:avLst>
+        </a:prstGeom>
+        <a:solidFill>
+          <a:schemeClr val="bg1"/>
+        </a:solidFill>
+        <a:ln w="25400" cap="flat" cmpd="sng" algn="ctr">
+          <a:solidFill>
+            <a:schemeClr val="lt1">
+              <a:hueOff val="0"/>
+              <a:satOff val="0"/>
+              <a:lumOff val="0"/>
+              <a:alphaOff val="0"/>
+            </a:schemeClr>
+          </a:solidFill>
+          <a:prstDash val="solid"/>
+        </a:ln>
+        <a:effectLst/>
+      </dsp:spPr>
+      <dsp:style>
+        <a:lnRef idx="2">
+          <a:scrgbClr r="0" g="0" b="0"/>
+        </a:lnRef>
+        <a:fillRef idx="1">
+          <a:scrgbClr r="0" g="0" b="0"/>
+        </a:fillRef>
+        <a:effectRef idx="0">
+          <a:scrgbClr r="0" g="0" b="0"/>
+        </a:effectRef>
+        <a:fontRef idx="minor">
+          <a:schemeClr val="lt1"/>
+        </a:fontRef>
+      </dsp:style>
+      <dsp:txBody>
+        <a:bodyPr spcFirstLastPara="0" vert="horz" wrap="square" lIns="30480" tIns="30480" rIns="30480" bIns="30480" numCol="1" spcCol="1270" anchor="ctr" anchorCtr="0">
+          <a:noAutofit/>
+        </a:bodyPr>
+        <a:lstStyle/>
+        <a:p>
+          <a:pPr lvl="0" algn="ctr" defTabSz="711200">
+            <a:lnSpc>
+              <a:spcPct val="90000"/>
+            </a:lnSpc>
+            <a:spcBef>
+              <a:spcPct val="0"/>
+            </a:spcBef>
+            <a:spcAft>
+              <a:spcPct val="35000"/>
+            </a:spcAft>
+          </a:pPr>
+          <a:r>
+            <a:rPr lang="en-US" altLang="zh-CN" sz="1600" kern="1200" dirty="0" smtClean="0">
+              <a:solidFill>
+                <a:schemeClr val="tx2"/>
+              </a:solidFill>
+            </a:rPr>
+            <a:t>Mobile</a:t>
+          </a:r>
+        </a:p>
+      </dsp:txBody>
+      <dsp:txXfrm>
+        <a:off x="5242869" y="453231"/>
+        <a:ext cx="834999" cy="241385"/>
+      </dsp:txXfrm>
+    </dsp:sp>
+    <dsp:sp modelId="{BF6D7523-14F2-4E12-A4D1-F1271B8FC5D6}">
+      <dsp:nvSpPr>
+        <dsp:cNvPr id="0" name=""/>
+        <dsp:cNvSpPr/>
+      </dsp:nvSpPr>
+      <dsp:spPr>
+        <a:xfrm rot="16200000">
+          <a:off x="1154360" y="1407893"/>
+          <a:ext cx="862131" cy="432279"/>
+        </a:xfrm>
+        <a:prstGeom prst="leftArrow">
+          <a:avLst>
+            <a:gd name="adj1" fmla="val 60000"/>
+            <a:gd name="adj2" fmla="val 50000"/>
+          </a:avLst>
+        </a:prstGeom>
+        <a:solidFill>
+          <a:schemeClr val="accent1">
+            <a:lumMod val="60000"/>
+            <a:lumOff val="40000"/>
+          </a:schemeClr>
+        </a:solidFill>
+        <a:ln>
+          <a:noFill/>
+        </a:ln>
+        <a:effectLst/>
+      </dsp:spPr>
+      <dsp:style>
+        <a:lnRef idx="0">
+          <a:scrgbClr r="0" g="0" b="0"/>
+        </a:lnRef>
+        <a:fillRef idx="1">
+          <a:scrgbClr r="0" g="0" b="0"/>
+        </a:fillRef>
+        <a:effectRef idx="0">
+          <a:scrgbClr r="0" g="0" b="0"/>
+        </a:effectRef>
+        <a:fontRef idx="minor">
+          <a:schemeClr val="lt1"/>
+        </a:fontRef>
+      </dsp:style>
+    </dsp:sp>
+    <dsp:sp modelId="{D71C0E9E-C759-44C7-A943-9ED763CCF038}">
+      <dsp:nvSpPr>
+        <dsp:cNvPr id="0" name=""/>
+        <dsp:cNvSpPr/>
+      </dsp:nvSpPr>
+      <dsp:spPr>
+        <a:xfrm>
+          <a:off x="1088872" y="749286"/>
+          <a:ext cx="1208120" cy="432671"/>
+        </a:xfrm>
+        <a:prstGeom prst="roundRect">
+          <a:avLst>
+            <a:gd name="adj" fmla="val 10000"/>
+          </a:avLst>
+        </a:prstGeom>
+        <a:solidFill>
+          <a:schemeClr val="bg1"/>
+        </a:solidFill>
+        <a:ln w="25400" cap="flat" cmpd="sng" algn="ctr">
+          <a:solidFill>
+            <a:schemeClr val="lt1">
+              <a:hueOff val="0"/>
+              <a:satOff val="0"/>
+              <a:lumOff val="0"/>
+              <a:alphaOff val="0"/>
+            </a:schemeClr>
+          </a:solidFill>
+          <a:prstDash val="solid"/>
+        </a:ln>
+        <a:effectLst/>
+      </dsp:spPr>
+      <dsp:style>
+        <a:lnRef idx="2">
+          <a:scrgbClr r="0" g="0" b="0"/>
+        </a:lnRef>
+        <a:fillRef idx="1">
+          <a:scrgbClr r="0" g="0" b="0"/>
+        </a:fillRef>
+        <a:effectRef idx="0">
+          <a:scrgbClr r="0" g="0" b="0"/>
+        </a:effectRef>
+        <a:fontRef idx="minor">
+          <a:schemeClr val="lt1"/>
+        </a:fontRef>
+      </dsp:style>
+      <dsp:txBody>
+        <a:bodyPr spcFirstLastPara="0" vert="horz" wrap="square" lIns="30480" tIns="30480" rIns="30480" bIns="30480" numCol="1" spcCol="1270" anchor="ctr" anchorCtr="0">
+          <a:noAutofit/>
+        </a:bodyPr>
+        <a:lstStyle/>
+        <a:p>
+          <a:pPr lvl="0" algn="ctr" defTabSz="711200">
+            <a:lnSpc>
+              <a:spcPct val="90000"/>
+            </a:lnSpc>
+            <a:spcBef>
+              <a:spcPct val="0"/>
+            </a:spcBef>
+            <a:spcAft>
+              <a:spcPct val="35000"/>
+            </a:spcAft>
+          </a:pPr>
+          <a:r>
+            <a:rPr lang="en-US" altLang="zh-CN" sz="1600" kern="1200" dirty="0" smtClean="0">
+              <a:solidFill>
+                <a:schemeClr val="tx2"/>
+              </a:solidFill>
+            </a:rPr>
+            <a:t>Sensors</a:t>
+          </a:r>
+        </a:p>
+      </dsp:txBody>
+      <dsp:txXfrm>
+        <a:off x="1101545" y="761959"/>
+        <a:ext cx="1182774" cy="407325"/>
+      </dsp:txXfrm>
+    </dsp:sp>
   </dsp:spTree>
 </dsp:drawing>
 </file>
@@ -14852,12 +15400,24 @@
             <p:ph idx="1"/>
           </p:nvPr>
         </p:nvSpPr>
-        <p:spPr/>
+        <p:spPr>
+          <a:xfrm>
+            <a:off x="396000" y="1059584"/>
+            <a:ext cx="4852108" cy="1724708"/>
+          </a:xfrm>
+        </p:spPr>
         <p:txBody>
           <a:bodyPr/>
           <a:lstStyle/>
           <a:p>
-            <a:endParaRPr lang="en-GB" dirty="0" smtClean="0"/>
+            <a:r>
+              <a:rPr lang="en-US" altLang="zh-CN" sz="1400" dirty="0"/>
+              <a:t>This is a multifunctional sensor that gives you temperature and relative humidity information at the same time. It utilizes a DHT11 sensor that can meet measurement needs of general purposes. It provides reliable readings when environment humidity condition in between 20% RH and 90% RH, and temperature condition in between 0°C and 50°C, covering needs in most home and daily applications that don't contain extreme conditions.</a:t>
+            </a:r>
+            <a:endParaRPr lang="en-GB" altLang="zh-CN" sz="1400" dirty="0"/>
+          </a:p>
+          <a:p>
+            <a:endParaRPr lang="en-GB" sz="1400" dirty="0" smtClean="0"/>
           </a:p>
         </p:txBody>
       </p:sp>
@@ -14885,10 +15445,99 @@
           </a:p>
         </p:txBody>
       </p:sp>
+      <p:pic>
+        <p:nvPicPr>
+          <p:cNvPr id="6" name="Picture 4" descr="Temp&amp;Humi.jpg"/>
+          <p:cNvPicPr>
+            <a:picLocks noChangeAspect="1" noChangeArrowheads="1"/>
+          </p:cNvPicPr>
+          <p:nvPr/>
+        </p:nvPicPr>
+        <p:blipFill>
+          <a:blip r:embed="rId2">
+            <a:extLst>
+              <a:ext uri="{28A0092B-C50C-407E-A947-70E740481C1C}">
+                <a14:useLocalDpi xmlns:a14="http://schemas.microsoft.com/office/drawing/2010/main" val="0"/>
+              </a:ext>
+            </a:extLst>
+          </a:blip>
+          <a:srcRect/>
+          <a:stretch>
+            <a:fillRect/>
+          </a:stretch>
+        </p:blipFill>
+        <p:spPr bwMode="auto">
+          <a:xfrm>
+            <a:off x="5526084" y="737560"/>
+            <a:ext cx="2857500" cy="2143125"/>
+          </a:xfrm>
+          <a:prstGeom prst="rect">
+            <a:avLst/>
+          </a:prstGeom>
+          <a:noFill/>
+          <a:extLst>
+            <a:ext uri="{909E8E84-426E-40DD-AFC4-6F175D3DCCD1}">
+              <a14:hiddenFill xmlns:a14="http://schemas.microsoft.com/office/drawing/2010/main">
+                <a:solidFill>
+                  <a:srgbClr val="FFFFFF"/>
+                </a:solidFill>
+              </a14:hiddenFill>
+            </a:ext>
+          </a:extLst>
+        </p:spPr>
+      </p:pic>
+      <p:pic>
+        <p:nvPicPr>
+          <p:cNvPr id="7" name="Picture 6"/>
+          <p:cNvPicPr>
+            <a:picLocks noChangeAspect="1"/>
+          </p:cNvPicPr>
+          <p:nvPr/>
+        </p:nvPicPr>
+        <p:blipFill>
+          <a:blip r:embed="rId3"/>
+          <a:stretch>
+            <a:fillRect/>
+          </a:stretch>
+        </p:blipFill>
+        <p:spPr>
+          <a:xfrm>
+            <a:off x="245528" y="2926098"/>
+            <a:ext cx="4118728" cy="1653766"/>
+          </a:xfrm>
+          <a:prstGeom prst="rect">
+            <a:avLst/>
+          </a:prstGeom>
+        </p:spPr>
+      </p:pic>
+      <p:pic>
+        <p:nvPicPr>
+          <p:cNvPr id="4" name="Picture 3"/>
+          <p:cNvPicPr>
+            <a:picLocks noChangeAspect="1"/>
+          </p:cNvPicPr>
+          <p:nvPr/>
+        </p:nvPicPr>
+        <p:blipFill>
+          <a:blip r:embed="rId4"/>
+          <a:stretch>
+            <a:fillRect/>
+          </a:stretch>
+        </p:blipFill>
+        <p:spPr>
+          <a:xfrm>
+            <a:off x="4364256" y="2928204"/>
+            <a:ext cx="4684243" cy="1653766"/>
+          </a:xfrm>
+          <a:prstGeom prst="rect">
+            <a:avLst/>
+          </a:prstGeom>
+        </p:spPr>
+      </p:pic>
     </p:spTree>
     <p:extLst>
       <p:ext uri="{BB962C8B-B14F-4D97-AF65-F5344CB8AC3E}">
-        <p14:creationId xmlns:p14="http://schemas.microsoft.com/office/powerpoint/2010/main" val="1107435703"/>
+        <p14:creationId xmlns:p14="http://schemas.microsoft.com/office/powerpoint/2010/main" val="1282311629"/>
       </p:ext>
     </p:extLst>
   </p:cSld>
@@ -16087,11 +16736,7 @@
             </a:r>
             <a:r>
               <a:rPr lang="en-US" altLang="zh-CN" dirty="0" smtClean="0"/>
-              <a:t> </a:t>
-            </a:r>
-            <a:r>
-              <a:rPr lang="en-US" altLang="zh-CN" dirty="0" smtClean="0"/>
-              <a:t>improving</a:t>
+              <a:t> improving</a:t>
             </a:r>
           </a:p>
           <a:p>
@@ -17020,7 +17665,7 @@
           <a:p>
             <a:r>
               <a:rPr lang="en-GB" dirty="0" smtClean="0"/>
-              <a:t>OLED &amp; Network</a:t>
+              <a:t>OLED</a:t>
             </a:r>
             <a:endParaRPr lang="en-GB" dirty="0"/>
           </a:p>
@@ -17036,21 +17681,32 @@
             <p:ph idx="1"/>
           </p:nvPr>
         </p:nvSpPr>
-        <p:spPr/>
+        <p:spPr>
+          <a:xfrm>
+            <a:off x="396000" y="1266827"/>
+            <a:ext cx="3527928" cy="2889100"/>
+          </a:xfrm>
+        </p:spPr>
         <p:txBody>
           <a:bodyPr/>
           <a:lstStyle/>
           <a:p>
             <a:r>
-              <a:rPr lang="en-GB" dirty="0" smtClean="0"/>
-              <a:t>OLED Display 128X64</a:t>
-            </a:r>
-          </a:p>
-          <a:p>
-            <a:r>
-              <a:rPr lang="en-GB" dirty="0" smtClean="0"/>
-              <a:t>Yun Shield Arduino</a:t>
-            </a:r>
+              <a:rPr lang="en-US" altLang="zh-CN" sz="1600" dirty="0"/>
+              <a:t>LED 128×64 Display module is an OLED monochrome 128×64dot matrix display module with Grove 4pin I2C </a:t>
+            </a:r>
+            <a:r>
+              <a:rPr lang="en-US" altLang="zh-CN" sz="1600" dirty="0" err="1"/>
+              <a:t>Interface.Comparing</a:t>
+            </a:r>
+            <a:r>
+              <a:rPr lang="en-US" altLang="zh-CN" sz="1600" dirty="0"/>
+              <a:t> to LCD, OLED screens are way more competitive, which has a number of advantages such as high brightness, self-emission, high contrast ratio, slim / thin outline, wide viewing angle, wide temperature range, and low power consumption. </a:t>
+            </a:r>
+            <a:endParaRPr lang="en-GB" altLang="zh-CN" sz="1600" dirty="0"/>
+          </a:p>
+          <a:p>
+            <a:endParaRPr lang="en-GB" sz="1600" dirty="0" smtClean="0"/>
           </a:p>
         </p:txBody>
       </p:sp>
@@ -17078,10 +17734,40 @@
           </a:p>
         </p:txBody>
       </p:sp>
+      <p:pic>
+        <p:nvPicPr>
+          <p:cNvPr id="6" name="Content Placeholder 7"/>
+          <p:cNvPicPr>
+            <a:picLocks noChangeAspect="1"/>
+          </p:cNvPicPr>
+          <p:nvPr/>
+        </p:nvPicPr>
+        <p:blipFill>
+          <a:blip r:embed="rId2">
+            <a:extLst>
+              <a:ext uri="{28A0092B-C50C-407E-A947-70E740481C1C}">
+                <a14:useLocalDpi xmlns:a14="http://schemas.microsoft.com/office/drawing/2010/main" val="0"/>
+              </a:ext>
+            </a:extLst>
+          </a:blip>
+          <a:stretch>
+            <a:fillRect/>
+          </a:stretch>
+        </p:blipFill>
+        <p:spPr>
+          <a:xfrm>
+            <a:off x="4161104" y="1059582"/>
+            <a:ext cx="4464496" cy="3026385"/>
+          </a:xfrm>
+          <a:prstGeom prst="rect">
+            <a:avLst/>
+          </a:prstGeom>
+        </p:spPr>
+      </p:pic>
     </p:spTree>
     <p:extLst>
       <p:ext uri="{BB962C8B-B14F-4D97-AF65-F5344CB8AC3E}">
-        <p14:creationId xmlns:p14="http://schemas.microsoft.com/office/powerpoint/2010/main" val="4144393374"/>
+        <p14:creationId xmlns:p14="http://schemas.microsoft.com/office/powerpoint/2010/main" val="182558311"/>
       </p:ext>
     </p:extLst>
   </p:cSld>

--- a/hand-held_environment_monitor_Template.pptx
+++ b/hand-held_environment_monitor_Template.pptx
@@ -8,10 +8,10 @@
     <p:sldMasterId id="2147483699" r:id="rId4"/>
   </p:sldMasterIdLst>
   <p:notesMasterIdLst>
-    <p:notesMasterId r:id="rId26"/>
+    <p:notesMasterId r:id="rId28"/>
   </p:notesMasterIdLst>
   <p:handoutMasterIdLst>
-    <p:handoutMasterId r:id="rId27"/>
+    <p:handoutMasterId r:id="rId29"/>
   </p:handoutMasterIdLst>
   <p:sldIdLst>
     <p:sldId id="256" r:id="rId5"/>
@@ -34,7 +34,9 @@
     <p:sldId id="282" r:id="rId22"/>
     <p:sldId id="276" r:id="rId23"/>
     <p:sldId id="277" r:id="rId24"/>
-    <p:sldId id="261" r:id="rId25"/>
+    <p:sldId id="288" r:id="rId25"/>
+    <p:sldId id="290" r:id="rId26"/>
+    <p:sldId id="261" r:id="rId27"/>
   </p:sldIdLst>
   <p:sldSz cx="9144000" cy="5143500" type="screen16x9"/>
   <p:notesSz cx="6858000" cy="9144000"/>
@@ -1314,21 +1316,21 @@
     </dgm:pt>
   </dgm:ptLst>
   <dgm:cxnLst>
+    <dgm:cxn modelId="{D0BF936D-B00A-4D49-80A7-103ACFB1BDFF}" type="presOf" srcId="{03CD5F60-3C9E-479B-BF5B-186B13180958}" destId="{C4D07FF7-8274-4816-A43F-F734A84E6C11}" srcOrd="0" destOrd="0" presId="urn:microsoft.com/office/officeart/2005/8/layout/radial4"/>
+    <dgm:cxn modelId="{3D5C871A-FECE-4C69-A3D5-C6A2D1E8B6F1}" srcId="{03CD5F60-3C9E-479B-BF5B-186B13180958}" destId="{F367BEBF-D9F1-4A32-9C07-AEB36DA575D5}" srcOrd="0" destOrd="0" parTransId="{D2FFD240-B44F-4996-89A5-F05AC998ADCE}" sibTransId="{457C6250-1909-4785-8E98-CB2261D8B3A2}"/>
+    <dgm:cxn modelId="{66FAC4BB-E28F-4060-A887-39937DA74540}" type="presOf" srcId="{F367BEBF-D9F1-4A32-9C07-AEB36DA575D5}" destId="{BA7B139A-1A2F-497B-9463-05040C97EBF7}" srcOrd="0" destOrd="0" presId="urn:microsoft.com/office/officeart/2005/8/layout/radial4"/>
+    <dgm:cxn modelId="{DBAA762E-B665-4B24-B675-CF0453D11D55}" type="presOf" srcId="{04FADAF6-9C01-4EB0-A40B-FDC49A2FEB2D}" destId="{D71C0E9E-C759-44C7-A943-9ED763CCF038}" srcOrd="0" destOrd="0" presId="urn:microsoft.com/office/officeart/2005/8/layout/radial4"/>
+    <dgm:cxn modelId="{AC555F4F-83F3-4136-985E-BEC2C09C3337}" type="presOf" srcId="{7F064D22-915C-4E96-A693-282E3C9907E4}" destId="{BF6D7523-14F2-4E12-A4D1-F1271B8FC5D6}" srcOrd="0" destOrd="0" presId="urn:microsoft.com/office/officeart/2005/8/layout/radial4"/>
     <dgm:cxn modelId="{6421676A-45E2-4701-ACB9-C8FD453612FD}" srcId="{F367BEBF-D9F1-4A32-9C07-AEB36DA575D5}" destId="{B51F6A52-2D75-4129-8C99-32EBEE9D862F}" srcOrd="2" destOrd="0" parTransId="{4E77BBAB-3767-4C7C-89A6-6C30CF70AF9C}" sibTransId="{04DE8F79-3FBB-411D-A065-DBDEAF47CB17}"/>
+    <dgm:cxn modelId="{474F81AE-F123-425E-883B-CBF24941EF4F}" type="presOf" srcId="{98BBC121-5C91-4DC9-B19B-3144686B63E6}" destId="{084A16DB-BBA9-446B-9E05-BA04740747E0}" srcOrd="0" destOrd="0" presId="urn:microsoft.com/office/officeart/2005/8/layout/radial4"/>
+    <dgm:cxn modelId="{71A09525-FBC3-4B7B-A958-0B75A2E8C545}" type="presOf" srcId="{4E77BBAB-3767-4C7C-89A6-6C30CF70AF9C}" destId="{8419F5A1-A69B-4543-A679-1CA2817D8EC5}" srcOrd="0" destOrd="0" presId="urn:microsoft.com/office/officeart/2005/8/layout/radial4"/>
     <dgm:cxn modelId="{714A23FF-BA44-4EB8-B483-3D5DF528D5CC}" type="presOf" srcId="{6C1B94BE-6852-4EBF-81F5-B7394C883F29}" destId="{9CADC56C-2549-413C-A4B3-D0E8F7085CB4}" srcOrd="0" destOrd="0" presId="urn:microsoft.com/office/officeart/2005/8/layout/radial4"/>
+    <dgm:cxn modelId="{73B189AC-C3C8-4555-B470-FE3EC73F6234}" type="presOf" srcId="{B51F6A52-2D75-4129-8C99-32EBEE9D862F}" destId="{F7C0FD41-478A-46A3-B2D4-0C9B59CC473A}" srcOrd="0" destOrd="0" presId="urn:microsoft.com/office/officeart/2005/8/layout/radial4"/>
+    <dgm:cxn modelId="{45957881-71CE-447A-9B20-DCE3D255123D}" srcId="{F367BEBF-D9F1-4A32-9C07-AEB36DA575D5}" destId="{2C5A8E47-5FB9-453D-B2AA-3AFEF77087B7}" srcOrd="1" destOrd="0" parTransId="{6C1B94BE-6852-4EBF-81F5-B7394C883F29}" sibTransId="{4BBDF689-549C-40D0-AD16-3103BA374954}"/>
+    <dgm:cxn modelId="{81D6FC2B-B93A-45D1-B1E1-C5FB6BAF8CEB}" type="presOf" srcId="{2C5A8E47-5FB9-453D-B2AA-3AFEF77087B7}" destId="{59491F13-2308-41AE-90B9-8F6BADDEDFF4}" srcOrd="0" destOrd="0" presId="urn:microsoft.com/office/officeart/2005/8/layout/radial4"/>
+    <dgm:cxn modelId="{E1D28859-7496-4B7C-B9C5-A111C5D06488}" type="presOf" srcId="{754C3326-FC53-4CC7-B281-CC03656AEDA6}" destId="{B5DDEEE0-788D-4A47-8981-9A3D05B4237C}" srcOrd="0" destOrd="0" presId="urn:microsoft.com/office/officeart/2005/8/layout/radial4"/>
     <dgm:cxn modelId="{AD678C62-21F8-4C32-B2EC-C81749827E50}" srcId="{F367BEBF-D9F1-4A32-9C07-AEB36DA575D5}" destId="{98BBC121-5C91-4DC9-B19B-3144686B63E6}" srcOrd="0" destOrd="0" parTransId="{754C3326-FC53-4CC7-B281-CC03656AEDA6}" sibTransId="{A0FEE6C0-3DC3-4F2F-A775-1E9E67EB8420}"/>
-    <dgm:cxn modelId="{81D6FC2B-B93A-45D1-B1E1-C5FB6BAF8CEB}" type="presOf" srcId="{2C5A8E47-5FB9-453D-B2AA-3AFEF77087B7}" destId="{59491F13-2308-41AE-90B9-8F6BADDEDFF4}" srcOrd="0" destOrd="0" presId="urn:microsoft.com/office/officeart/2005/8/layout/radial4"/>
-    <dgm:cxn modelId="{474F81AE-F123-425E-883B-CBF24941EF4F}" type="presOf" srcId="{98BBC121-5C91-4DC9-B19B-3144686B63E6}" destId="{084A16DB-BBA9-446B-9E05-BA04740747E0}" srcOrd="0" destOrd="0" presId="urn:microsoft.com/office/officeart/2005/8/layout/radial4"/>
-    <dgm:cxn modelId="{AC555F4F-83F3-4136-985E-BEC2C09C3337}" type="presOf" srcId="{7F064D22-915C-4E96-A693-282E3C9907E4}" destId="{BF6D7523-14F2-4E12-A4D1-F1271B8FC5D6}" srcOrd="0" destOrd="0" presId="urn:microsoft.com/office/officeart/2005/8/layout/radial4"/>
-    <dgm:cxn modelId="{E1D28859-7496-4B7C-B9C5-A111C5D06488}" type="presOf" srcId="{754C3326-FC53-4CC7-B281-CC03656AEDA6}" destId="{B5DDEEE0-788D-4A47-8981-9A3D05B4237C}" srcOrd="0" destOrd="0" presId="urn:microsoft.com/office/officeart/2005/8/layout/radial4"/>
-    <dgm:cxn modelId="{45957881-71CE-447A-9B20-DCE3D255123D}" srcId="{F367BEBF-D9F1-4A32-9C07-AEB36DA575D5}" destId="{2C5A8E47-5FB9-453D-B2AA-3AFEF77087B7}" srcOrd="1" destOrd="0" parTransId="{6C1B94BE-6852-4EBF-81F5-B7394C883F29}" sibTransId="{4BBDF689-549C-40D0-AD16-3103BA374954}"/>
     <dgm:cxn modelId="{52713573-B336-44B8-9DE2-CAA95CE7CA39}" srcId="{F367BEBF-D9F1-4A32-9C07-AEB36DA575D5}" destId="{04FADAF6-9C01-4EB0-A40B-FDC49A2FEB2D}" srcOrd="3" destOrd="0" parTransId="{7F064D22-915C-4E96-A693-282E3C9907E4}" sibTransId="{E706EA7B-0C28-460D-8DFA-8FD6741B10EF}"/>
-    <dgm:cxn modelId="{66FAC4BB-E28F-4060-A887-39937DA74540}" type="presOf" srcId="{F367BEBF-D9F1-4A32-9C07-AEB36DA575D5}" destId="{BA7B139A-1A2F-497B-9463-05040C97EBF7}" srcOrd="0" destOrd="0" presId="urn:microsoft.com/office/officeart/2005/8/layout/radial4"/>
-    <dgm:cxn modelId="{3D5C871A-FECE-4C69-A3D5-C6A2D1E8B6F1}" srcId="{03CD5F60-3C9E-479B-BF5B-186B13180958}" destId="{F367BEBF-D9F1-4A32-9C07-AEB36DA575D5}" srcOrd="0" destOrd="0" parTransId="{D2FFD240-B44F-4996-89A5-F05AC998ADCE}" sibTransId="{457C6250-1909-4785-8E98-CB2261D8B3A2}"/>
-    <dgm:cxn modelId="{DBAA762E-B665-4B24-B675-CF0453D11D55}" type="presOf" srcId="{04FADAF6-9C01-4EB0-A40B-FDC49A2FEB2D}" destId="{D71C0E9E-C759-44C7-A943-9ED763CCF038}" srcOrd="0" destOrd="0" presId="urn:microsoft.com/office/officeart/2005/8/layout/radial4"/>
-    <dgm:cxn modelId="{73B189AC-C3C8-4555-B470-FE3EC73F6234}" type="presOf" srcId="{B51F6A52-2D75-4129-8C99-32EBEE9D862F}" destId="{F7C0FD41-478A-46A3-B2D4-0C9B59CC473A}" srcOrd="0" destOrd="0" presId="urn:microsoft.com/office/officeart/2005/8/layout/radial4"/>
-    <dgm:cxn modelId="{D0BF936D-B00A-4D49-80A7-103ACFB1BDFF}" type="presOf" srcId="{03CD5F60-3C9E-479B-BF5B-186B13180958}" destId="{C4D07FF7-8274-4816-A43F-F734A84E6C11}" srcOrd="0" destOrd="0" presId="urn:microsoft.com/office/officeart/2005/8/layout/radial4"/>
-    <dgm:cxn modelId="{71A09525-FBC3-4B7B-A958-0B75A2E8C545}" type="presOf" srcId="{4E77BBAB-3767-4C7C-89A6-6C30CF70AF9C}" destId="{8419F5A1-A69B-4543-A679-1CA2817D8EC5}" srcOrd="0" destOrd="0" presId="urn:microsoft.com/office/officeart/2005/8/layout/radial4"/>
     <dgm:cxn modelId="{EFD6AB27-83C2-430E-B837-B60711DC63D7}" type="presParOf" srcId="{C4D07FF7-8274-4816-A43F-F734A84E6C11}" destId="{BA7B139A-1A2F-497B-9463-05040C97EBF7}" srcOrd="0" destOrd="0" presId="urn:microsoft.com/office/officeart/2005/8/layout/radial4"/>
     <dgm:cxn modelId="{4B33CC13-B806-4C88-B6B8-6B0AF0E79676}" type="presParOf" srcId="{C4D07FF7-8274-4816-A43F-F734A84E6C11}" destId="{B5DDEEE0-788D-4A47-8981-9A3D05B4237C}" srcOrd="1" destOrd="0" presId="urn:microsoft.com/office/officeart/2005/8/layout/radial4"/>
     <dgm:cxn modelId="{974C750A-6B06-4B24-83B3-73119DC3BCBF}" type="presParOf" srcId="{C4D07FF7-8274-4816-A43F-F734A84E6C11}" destId="{084A16DB-BBA9-446B-9E05-BA04740747E0}" srcOrd="2" destOrd="0" presId="urn:microsoft.com/office/officeart/2005/8/layout/radial4"/>
@@ -1357,554 +1359,6 @@
       <dsp:cNvGrpSpPr/>
     </dsp:nvGrpSpPr>
     <dsp:grpSpPr/>
-    <dsp:sp modelId="{BA7B139A-1A2F-497B-9463-05040C97EBF7}">
-      <dsp:nvSpPr>
-        <dsp:cNvPr id="0" name=""/>
-        <dsp:cNvSpPr/>
-      </dsp:nvSpPr>
-      <dsp:spPr>
-        <a:xfrm>
-          <a:off x="5563941" y="2526744"/>
-          <a:ext cx="1873286" cy="364661"/>
-        </a:xfrm>
-        <a:prstGeom prst="ellipse">
-          <a:avLst/>
-        </a:prstGeom>
-        <a:solidFill>
-          <a:schemeClr val="bg1"/>
-        </a:solidFill>
-        <a:ln w="25400" cap="flat" cmpd="sng" algn="ctr">
-          <a:solidFill>
-            <a:schemeClr val="lt1">
-              <a:hueOff val="0"/>
-              <a:satOff val="0"/>
-              <a:lumOff val="0"/>
-              <a:alphaOff val="0"/>
-            </a:schemeClr>
-          </a:solidFill>
-          <a:prstDash val="solid"/>
-        </a:ln>
-        <a:effectLst/>
-      </dsp:spPr>
-      <dsp:style>
-        <a:lnRef idx="2">
-          <a:scrgbClr r="0" g="0" b="0"/>
-        </a:lnRef>
-        <a:fillRef idx="1">
-          <a:scrgbClr r="0" g="0" b="0"/>
-        </a:fillRef>
-        <a:effectRef idx="0">
-          <a:scrgbClr r="0" g="0" b="0"/>
-        </a:effectRef>
-        <a:fontRef idx="minor">
-          <a:schemeClr val="lt1"/>
-        </a:fontRef>
-      </dsp:style>
-      <dsp:txBody>
-        <a:bodyPr spcFirstLastPara="0" vert="horz" wrap="square" lIns="10160" tIns="10160" rIns="10160" bIns="10160" numCol="1" spcCol="1270" anchor="ctr" anchorCtr="0">
-          <a:noAutofit/>
-        </a:bodyPr>
-        <a:lstStyle/>
-        <a:p>
-          <a:pPr lvl="0" algn="ctr" defTabSz="711200">
-            <a:lnSpc>
-              <a:spcPct val="90000"/>
-            </a:lnSpc>
-            <a:spcBef>
-              <a:spcPct val="0"/>
-            </a:spcBef>
-            <a:spcAft>
-              <a:spcPct val="35000"/>
-            </a:spcAft>
-          </a:pPr>
-          <a:r>
-            <a:rPr lang="en-US" altLang="zh-CN" sz="1600" kern="1200" dirty="0" smtClean="0">
-              <a:solidFill>
-                <a:schemeClr val="tx2"/>
-              </a:solidFill>
-            </a:rPr>
-            <a:t>Cloud Server</a:t>
-          </a:r>
-        </a:p>
-      </dsp:txBody>
-      <dsp:txXfrm>
-        <a:off x="5838277" y="2580147"/>
-        <a:ext cx="1324614" cy="257855"/>
-      </dsp:txXfrm>
-    </dsp:sp>
-    <dsp:sp modelId="{B5DDEEE0-788D-4A47-8981-9A3D05B4237C}">
-      <dsp:nvSpPr>
-        <dsp:cNvPr id="0" name=""/>
-        <dsp:cNvSpPr/>
-      </dsp:nvSpPr>
-      <dsp:spPr>
-        <a:xfrm rot="10800000">
-          <a:off x="5002930" y="2403048"/>
-          <a:ext cx="714507" cy="432279"/>
-        </a:xfrm>
-        <a:prstGeom prst="leftArrow">
-          <a:avLst>
-            <a:gd name="adj1" fmla="val 60000"/>
-            <a:gd name="adj2" fmla="val 50000"/>
-          </a:avLst>
-        </a:prstGeom>
-        <a:solidFill>
-          <a:schemeClr val="accent1">
-            <a:lumMod val="60000"/>
-            <a:lumOff val="40000"/>
-          </a:schemeClr>
-        </a:solidFill>
-        <a:ln>
-          <a:noFill/>
-        </a:ln>
-        <a:effectLst/>
-      </dsp:spPr>
-      <dsp:style>
-        <a:lnRef idx="0">
-          <a:scrgbClr r="0" g="0" b="0"/>
-        </a:lnRef>
-        <a:fillRef idx="1">
-          <a:scrgbClr r="0" g="0" b="0"/>
-        </a:fillRef>
-        <a:effectRef idx="0">
-          <a:scrgbClr r="0" g="0" b="0"/>
-        </a:effectRef>
-        <a:fontRef idx="minor">
-          <a:schemeClr val="lt1"/>
-        </a:fontRef>
-      </dsp:style>
-    </dsp:sp>
-    <dsp:sp modelId="{084A16DB-BBA9-446B-9E05-BA04740747E0}">
-      <dsp:nvSpPr>
-        <dsp:cNvPr id="0" name=""/>
-        <dsp:cNvSpPr/>
-      </dsp:nvSpPr>
-      <dsp:spPr>
-        <a:xfrm>
-          <a:off x="3456631" y="2440134"/>
-          <a:ext cx="1440931" cy="396682"/>
-        </a:xfrm>
-        <a:prstGeom prst="roundRect">
-          <a:avLst>
-            <a:gd name="adj" fmla="val 10000"/>
-          </a:avLst>
-        </a:prstGeom>
-        <a:solidFill>
-          <a:schemeClr val="bg1"/>
-        </a:solidFill>
-        <a:ln w="25400" cap="flat" cmpd="sng" algn="ctr">
-          <a:solidFill>
-            <a:schemeClr val="lt1">
-              <a:hueOff val="0"/>
-              <a:satOff val="0"/>
-              <a:lumOff val="0"/>
-              <a:alphaOff val="0"/>
-            </a:schemeClr>
-          </a:solidFill>
-          <a:prstDash val="solid"/>
-        </a:ln>
-        <a:effectLst/>
-      </dsp:spPr>
-      <dsp:style>
-        <a:lnRef idx="2">
-          <a:scrgbClr r="0" g="0" b="0"/>
-        </a:lnRef>
-        <a:fillRef idx="1">
-          <a:scrgbClr r="0" g="0" b="0"/>
-        </a:fillRef>
-        <a:effectRef idx="0">
-          <a:scrgbClr r="0" g="0" b="0"/>
-        </a:effectRef>
-        <a:fontRef idx="minor">
-          <a:schemeClr val="lt1"/>
-        </a:fontRef>
-      </dsp:style>
-      <dsp:txBody>
-        <a:bodyPr spcFirstLastPara="0" vert="horz" wrap="square" lIns="30480" tIns="30480" rIns="30480" bIns="30480" numCol="1" spcCol="1270" anchor="ctr" anchorCtr="0">
-          <a:noAutofit/>
-        </a:bodyPr>
-        <a:lstStyle/>
-        <a:p>
-          <a:pPr lvl="0" algn="ctr" defTabSz="711200">
-            <a:lnSpc>
-              <a:spcPct val="90000"/>
-            </a:lnSpc>
-            <a:spcBef>
-              <a:spcPct val="0"/>
-            </a:spcBef>
-            <a:spcAft>
-              <a:spcPct val="35000"/>
-            </a:spcAft>
-          </a:pPr>
-          <a:r>
-            <a:rPr lang="en-US" altLang="zh-CN" sz="1600" kern="1200" dirty="0" smtClean="0">
-              <a:solidFill>
-                <a:schemeClr val="tx2"/>
-              </a:solidFill>
-            </a:rPr>
-            <a:t>Yun Shield</a:t>
-          </a:r>
-        </a:p>
-      </dsp:txBody>
-      <dsp:txXfrm>
-        <a:off x="3468249" y="2451752"/>
-        <a:ext cx="1417695" cy="373446"/>
-      </dsp:txXfrm>
-    </dsp:sp>
-    <dsp:sp modelId="{9CADC56C-2549-413C-A4B3-D0E8F7085CB4}">
-      <dsp:nvSpPr>
-        <dsp:cNvPr id="0" name=""/>
-        <dsp:cNvSpPr/>
-      </dsp:nvSpPr>
-      <dsp:spPr>
-        <a:xfrm rot="10855017">
-          <a:off x="2551518" y="2370748"/>
-          <a:ext cx="745935" cy="432279"/>
-        </a:xfrm>
-        <a:prstGeom prst="leftArrow">
-          <a:avLst>
-            <a:gd name="adj1" fmla="val 60000"/>
-            <a:gd name="adj2" fmla="val 50000"/>
-          </a:avLst>
-        </a:prstGeom>
-        <a:solidFill>
-          <a:schemeClr val="accent1">
-            <a:lumMod val="60000"/>
-            <a:lumOff val="40000"/>
-          </a:schemeClr>
-        </a:solidFill>
-        <a:ln>
-          <a:noFill/>
-        </a:ln>
-        <a:effectLst/>
-      </dsp:spPr>
-      <dsp:style>
-        <a:lnRef idx="0">
-          <a:scrgbClr r="0" g="0" b="0"/>
-        </a:lnRef>
-        <a:fillRef idx="1">
-          <a:scrgbClr r="0" g="0" b="0"/>
-        </a:fillRef>
-        <a:effectRef idx="0">
-          <a:scrgbClr r="0" g="0" b="0"/>
-        </a:effectRef>
-        <a:fontRef idx="minor">
-          <a:schemeClr val="lt1"/>
-        </a:fontRef>
-      </dsp:style>
-    </dsp:sp>
-    <dsp:sp modelId="{59491F13-2308-41AE-90B9-8F6BADDEDFF4}">
-      <dsp:nvSpPr>
-        <dsp:cNvPr id="0" name=""/>
-        <dsp:cNvSpPr/>
-      </dsp:nvSpPr>
-      <dsp:spPr>
-        <a:xfrm>
-          <a:off x="417789" y="2512146"/>
-          <a:ext cx="702497" cy="288635"/>
-        </a:xfrm>
-        <a:prstGeom prst="roundRect">
-          <a:avLst>
-            <a:gd name="adj" fmla="val 10000"/>
-          </a:avLst>
-        </a:prstGeom>
-        <a:solidFill>
-          <a:schemeClr val="bg1"/>
-        </a:solidFill>
-        <a:ln w="25400" cap="flat" cmpd="sng" algn="ctr">
-          <a:solidFill>
-            <a:schemeClr val="lt1">
-              <a:hueOff val="0"/>
-              <a:satOff val="0"/>
-              <a:lumOff val="0"/>
-              <a:alphaOff val="0"/>
-            </a:schemeClr>
-          </a:solidFill>
-          <a:prstDash val="solid"/>
-        </a:ln>
-        <a:effectLst/>
-      </dsp:spPr>
-      <dsp:style>
-        <a:lnRef idx="2">
-          <a:scrgbClr r="0" g="0" b="0"/>
-        </a:lnRef>
-        <a:fillRef idx="1">
-          <a:scrgbClr r="0" g="0" b="0"/>
-        </a:fillRef>
-        <a:effectRef idx="0">
-          <a:scrgbClr r="0" g="0" b="0"/>
-        </a:effectRef>
-        <a:fontRef idx="minor">
-          <a:schemeClr val="lt1"/>
-        </a:fontRef>
-      </dsp:style>
-      <dsp:txBody>
-        <a:bodyPr spcFirstLastPara="0" vert="horz" wrap="square" lIns="30480" tIns="30480" rIns="30480" bIns="30480" numCol="1" spcCol="1270" anchor="ctr" anchorCtr="0">
-          <a:noAutofit/>
-        </a:bodyPr>
-        <a:lstStyle/>
-        <a:p>
-          <a:pPr lvl="0" algn="ctr" defTabSz="711200">
-            <a:lnSpc>
-              <a:spcPct val="90000"/>
-            </a:lnSpc>
-            <a:spcBef>
-              <a:spcPct val="0"/>
-            </a:spcBef>
-            <a:spcAft>
-              <a:spcPct val="35000"/>
-            </a:spcAft>
-          </a:pPr>
-          <a:r>
-            <a:rPr lang="en-US" altLang="zh-CN" sz="1600" kern="1200" dirty="0" smtClean="0">
-              <a:solidFill>
-                <a:schemeClr val="tx2"/>
-              </a:solidFill>
-            </a:rPr>
-            <a:t>Board</a:t>
-          </a:r>
-        </a:p>
-      </dsp:txBody>
-      <dsp:txXfrm>
-        <a:off x="426243" y="2520600"/>
-        <a:ext cx="685589" cy="271727"/>
-      </dsp:txXfrm>
-    </dsp:sp>
-    <dsp:sp modelId="{8419F5A1-A69B-4543-A679-1CA2817D8EC5}">
-      <dsp:nvSpPr>
-        <dsp:cNvPr id="0" name=""/>
-        <dsp:cNvSpPr/>
-      </dsp:nvSpPr>
-      <dsp:spPr>
-        <a:xfrm rot="13162373">
-          <a:off x="5061404" y="1264852"/>
-          <a:ext cx="1147114" cy="432279"/>
-        </a:xfrm>
-        <a:prstGeom prst="rightArrow">
-          <a:avLst/>
-        </a:prstGeom>
-        <a:solidFill>
-          <a:schemeClr val="accent1">
-            <a:lumMod val="60000"/>
-            <a:lumOff val="40000"/>
-          </a:schemeClr>
-        </a:solidFill>
-        <a:ln>
-          <a:noFill/>
-        </a:ln>
-        <a:effectLst/>
-      </dsp:spPr>
-      <dsp:style>
-        <a:lnRef idx="0">
-          <a:scrgbClr r="0" g="0" b="0"/>
-        </a:lnRef>
-        <a:fillRef idx="1">
-          <a:scrgbClr r="0" g="0" b="0"/>
-        </a:fillRef>
-        <a:effectRef idx="0">
-          <a:scrgbClr r="0" g="0" b="0"/>
-        </a:effectRef>
-        <a:fontRef idx="minor">
-          <a:schemeClr val="lt1"/>
-        </a:fontRef>
-      </dsp:style>
-    </dsp:sp>
-    <dsp:sp modelId="{F7C0FD41-478A-46A3-B2D4-0C9B59CC473A}">
-      <dsp:nvSpPr>
-        <dsp:cNvPr id="0" name=""/>
-        <dsp:cNvSpPr/>
-      </dsp:nvSpPr>
-      <dsp:spPr>
-        <a:xfrm>
-          <a:off x="5235359" y="445721"/>
-          <a:ext cx="850019" cy="256405"/>
-        </a:xfrm>
-        <a:prstGeom prst="roundRect">
-          <a:avLst>
-            <a:gd name="adj" fmla="val 10000"/>
-          </a:avLst>
-        </a:prstGeom>
-        <a:solidFill>
-          <a:schemeClr val="bg1"/>
-        </a:solidFill>
-        <a:ln w="25400" cap="flat" cmpd="sng" algn="ctr">
-          <a:solidFill>
-            <a:schemeClr val="lt1">
-              <a:hueOff val="0"/>
-              <a:satOff val="0"/>
-              <a:lumOff val="0"/>
-              <a:alphaOff val="0"/>
-            </a:schemeClr>
-          </a:solidFill>
-          <a:prstDash val="solid"/>
-        </a:ln>
-        <a:effectLst/>
-      </dsp:spPr>
-      <dsp:style>
-        <a:lnRef idx="2">
-          <a:scrgbClr r="0" g="0" b="0"/>
-        </a:lnRef>
-        <a:fillRef idx="1">
-          <a:scrgbClr r="0" g="0" b="0"/>
-        </a:fillRef>
-        <a:effectRef idx="0">
-          <a:scrgbClr r="0" g="0" b="0"/>
-        </a:effectRef>
-        <a:fontRef idx="minor">
-          <a:schemeClr val="lt1"/>
-        </a:fontRef>
-      </dsp:style>
-      <dsp:txBody>
-        <a:bodyPr spcFirstLastPara="0" vert="horz" wrap="square" lIns="30480" tIns="30480" rIns="30480" bIns="30480" numCol="1" spcCol="1270" anchor="ctr" anchorCtr="0">
-          <a:noAutofit/>
-        </a:bodyPr>
-        <a:lstStyle/>
-        <a:p>
-          <a:pPr lvl="0" algn="ctr" defTabSz="711200">
-            <a:lnSpc>
-              <a:spcPct val="90000"/>
-            </a:lnSpc>
-            <a:spcBef>
-              <a:spcPct val="0"/>
-            </a:spcBef>
-            <a:spcAft>
-              <a:spcPct val="35000"/>
-            </a:spcAft>
-          </a:pPr>
-          <a:r>
-            <a:rPr lang="en-US" altLang="zh-CN" sz="1600" kern="1200" dirty="0" smtClean="0">
-              <a:solidFill>
-                <a:schemeClr val="tx2"/>
-              </a:solidFill>
-            </a:rPr>
-            <a:t>Mobile</a:t>
-          </a:r>
-        </a:p>
-      </dsp:txBody>
-      <dsp:txXfrm>
-        <a:off x="5242869" y="453231"/>
-        <a:ext cx="834999" cy="241385"/>
-      </dsp:txXfrm>
-    </dsp:sp>
-    <dsp:sp modelId="{BF6D7523-14F2-4E12-A4D1-F1271B8FC5D6}">
-      <dsp:nvSpPr>
-        <dsp:cNvPr id="0" name=""/>
-        <dsp:cNvSpPr/>
-      </dsp:nvSpPr>
-      <dsp:spPr>
-        <a:xfrm rot="16200000">
-          <a:off x="1154360" y="1407893"/>
-          <a:ext cx="862131" cy="432279"/>
-        </a:xfrm>
-        <a:prstGeom prst="leftArrow">
-          <a:avLst>
-            <a:gd name="adj1" fmla="val 60000"/>
-            <a:gd name="adj2" fmla="val 50000"/>
-          </a:avLst>
-        </a:prstGeom>
-        <a:solidFill>
-          <a:schemeClr val="accent1">
-            <a:lumMod val="60000"/>
-            <a:lumOff val="40000"/>
-          </a:schemeClr>
-        </a:solidFill>
-        <a:ln>
-          <a:noFill/>
-        </a:ln>
-        <a:effectLst/>
-      </dsp:spPr>
-      <dsp:style>
-        <a:lnRef idx="0">
-          <a:scrgbClr r="0" g="0" b="0"/>
-        </a:lnRef>
-        <a:fillRef idx="1">
-          <a:scrgbClr r="0" g="0" b="0"/>
-        </a:fillRef>
-        <a:effectRef idx="0">
-          <a:scrgbClr r="0" g="0" b="0"/>
-        </a:effectRef>
-        <a:fontRef idx="minor">
-          <a:schemeClr val="lt1"/>
-        </a:fontRef>
-      </dsp:style>
-    </dsp:sp>
-    <dsp:sp modelId="{D71C0E9E-C759-44C7-A943-9ED763CCF038}">
-      <dsp:nvSpPr>
-        <dsp:cNvPr id="0" name=""/>
-        <dsp:cNvSpPr/>
-      </dsp:nvSpPr>
-      <dsp:spPr>
-        <a:xfrm>
-          <a:off x="1088872" y="749286"/>
-          <a:ext cx="1208120" cy="432671"/>
-        </a:xfrm>
-        <a:prstGeom prst="roundRect">
-          <a:avLst>
-            <a:gd name="adj" fmla="val 10000"/>
-          </a:avLst>
-        </a:prstGeom>
-        <a:solidFill>
-          <a:schemeClr val="bg1"/>
-        </a:solidFill>
-        <a:ln w="25400" cap="flat" cmpd="sng" algn="ctr">
-          <a:solidFill>
-            <a:schemeClr val="lt1">
-              <a:hueOff val="0"/>
-              <a:satOff val="0"/>
-              <a:lumOff val="0"/>
-              <a:alphaOff val="0"/>
-            </a:schemeClr>
-          </a:solidFill>
-          <a:prstDash val="solid"/>
-        </a:ln>
-        <a:effectLst/>
-      </dsp:spPr>
-      <dsp:style>
-        <a:lnRef idx="2">
-          <a:scrgbClr r="0" g="0" b="0"/>
-        </a:lnRef>
-        <a:fillRef idx="1">
-          <a:scrgbClr r="0" g="0" b="0"/>
-        </a:fillRef>
-        <a:effectRef idx="0">
-          <a:scrgbClr r="0" g="0" b="0"/>
-        </a:effectRef>
-        <a:fontRef idx="minor">
-          <a:schemeClr val="lt1"/>
-        </a:fontRef>
-      </dsp:style>
-      <dsp:txBody>
-        <a:bodyPr spcFirstLastPara="0" vert="horz" wrap="square" lIns="30480" tIns="30480" rIns="30480" bIns="30480" numCol="1" spcCol="1270" anchor="ctr" anchorCtr="0">
-          <a:noAutofit/>
-        </a:bodyPr>
-        <a:lstStyle/>
-        <a:p>
-          <a:pPr lvl="0" algn="ctr" defTabSz="711200">
-            <a:lnSpc>
-              <a:spcPct val="90000"/>
-            </a:lnSpc>
-            <a:spcBef>
-              <a:spcPct val="0"/>
-            </a:spcBef>
-            <a:spcAft>
-              <a:spcPct val="35000"/>
-            </a:spcAft>
-          </a:pPr>
-          <a:r>
-            <a:rPr lang="en-US" altLang="zh-CN" sz="1600" kern="1200" dirty="0" smtClean="0">
-              <a:solidFill>
-                <a:schemeClr val="tx2"/>
-              </a:solidFill>
-            </a:rPr>
-            <a:t>Sensors</a:t>
-          </a:r>
-        </a:p>
-      </dsp:txBody>
-      <dsp:txXfrm>
-        <a:off x="1101545" y="761959"/>
-        <a:ext cx="1182774" cy="407325"/>
-      </dsp:txXfrm>
-    </dsp:sp>
   </dsp:spTree>
 </dsp:drawing>
 </file>
@@ -16736,8 +16190,13 @@
             </a:r>
             <a:r>
               <a:rPr lang="en-US" altLang="zh-CN" dirty="0" smtClean="0"/>
-              <a:t> improving</a:t>
-            </a:r>
+              <a:t> </a:t>
+            </a:r>
+            <a:r>
+              <a:rPr lang="en-US" altLang="zh-CN" dirty="0" smtClean="0"/>
+              <a:t>improving</a:t>
+            </a:r>
+            <a:endParaRPr lang="en-US" altLang="zh-CN" dirty="0" smtClean="0"/>
           </a:p>
           <a:p>
             <a:r>
@@ -16749,20 +16208,40 @@
               <a:t>IoT</a:t>
             </a:r>
             <a:r>
-              <a:rPr lang="en-US" smtClean="0"/>
+              <a:rPr lang="en-US" dirty="0" smtClean="0"/>
               <a:t> </a:t>
             </a:r>
             <a:r>
-              <a:rPr lang="en-US"/>
+              <a:rPr lang="en-US" dirty="0"/>
               <a:t>W</a:t>
             </a:r>
             <a:r>
-              <a:rPr lang="en-US" smtClean="0"/>
+              <a:rPr lang="en-US" dirty="0" smtClean="0"/>
               <a:t>eb </a:t>
             </a:r>
             <a:r>
               <a:rPr lang="en-US" dirty="0" smtClean="0"/>
               <a:t>supporting</a:t>
+            </a:r>
+            <a:r>
+              <a:rPr lang="zh-CN" altLang="en-US" dirty="0" smtClean="0"/>
+              <a:t>（</a:t>
+            </a:r>
+            <a:r>
+              <a:rPr lang="en-US" altLang="zh-CN" dirty="0" err="1" smtClean="0"/>
+              <a:t>e.g</a:t>
+            </a:r>
+            <a:r>
+              <a:rPr lang="en-US" altLang="zh-CN" dirty="0" smtClean="0"/>
+              <a:t>: </a:t>
+            </a:r>
+            <a:r>
+              <a:rPr lang="en-US" altLang="zh-CN" dirty="0" err="1" smtClean="0"/>
+              <a:t>Xively</a:t>
+            </a:r>
+            <a:r>
+              <a:rPr lang="zh-CN" altLang="en-US" dirty="0" smtClean="0"/>
+              <a:t>）</a:t>
             </a:r>
             <a:endParaRPr lang="en-GB" dirty="0" smtClean="0"/>
           </a:p>
@@ -16816,6 +16295,260 @@
 </file>
 
 <file path=ppt/slides/slide21.xml><?xml version="1.0" encoding="utf-8"?>
+<p:sld xmlns:a="http://schemas.openxmlformats.org/drawingml/2006/main" xmlns:r="http://schemas.openxmlformats.org/officeDocument/2006/relationships" xmlns:p="http://schemas.openxmlformats.org/presentationml/2006/main">
+  <p:cSld>
+    <p:spTree>
+      <p:nvGrpSpPr>
+        <p:cNvPr id="1" name=""/>
+        <p:cNvGrpSpPr/>
+        <p:nvPr/>
+      </p:nvGrpSpPr>
+      <p:grpSpPr>
+        <a:xfrm>
+          <a:off x="0" y="0"/>
+          <a:ext cx="0" cy="0"/>
+          <a:chOff x="0" y="0"/>
+          <a:chExt cx="0" cy="0"/>
+        </a:xfrm>
+      </p:grpSpPr>
+      <p:sp>
+        <p:nvSpPr>
+          <p:cNvPr id="2" name="Title 1"/>
+          <p:cNvSpPr>
+            <a:spLocks noGrp="1"/>
+          </p:cNvSpPr>
+          <p:nvPr>
+            <p:ph type="ctrTitle"/>
+          </p:nvPr>
+        </p:nvSpPr>
+        <p:spPr/>
+        <p:txBody>
+          <a:bodyPr/>
+          <a:lstStyle/>
+          <a:p>
+            <a:r>
+              <a:rPr lang="en-GB" dirty="0" smtClean="0"/>
+              <a:t>Team</a:t>
+            </a:r>
+            <a:endParaRPr lang="en-GB" dirty="0"/>
+          </a:p>
+        </p:txBody>
+      </p:sp>
+      <p:sp>
+        <p:nvSpPr>
+          <p:cNvPr id="3" name="Subtitle 2"/>
+          <p:cNvSpPr>
+            <a:spLocks noGrp="1"/>
+          </p:cNvSpPr>
+          <p:nvPr>
+            <p:ph type="subTitle" idx="1"/>
+          </p:nvPr>
+        </p:nvSpPr>
+        <p:spPr/>
+        <p:txBody>
+          <a:bodyPr/>
+          <a:lstStyle/>
+          <a:p>
+            <a:r>
+              <a:rPr lang="en-GB" dirty="0" smtClean="0"/>
+              <a:t>HHEM</a:t>
+            </a:r>
+            <a:endParaRPr lang="en-GB" dirty="0"/>
+          </a:p>
+        </p:txBody>
+      </p:sp>
+    </p:spTree>
+    <p:extLst>
+      <p:ext uri="{BB962C8B-B14F-4D97-AF65-F5344CB8AC3E}">
+        <p14:creationId xmlns:p14="http://schemas.microsoft.com/office/powerpoint/2010/main" val="1858024821"/>
+      </p:ext>
+    </p:extLst>
+  </p:cSld>
+  <p:clrMapOvr>
+    <a:masterClrMapping/>
+  </p:clrMapOvr>
+  <p:timing>
+    <p:tnLst>
+      <p:par>
+        <p:cTn id="1" dur="indefinite" restart="never" nodeType="tmRoot"/>
+      </p:par>
+    </p:tnLst>
+  </p:timing>
+</p:sld>
+</file>
+
+<file path=ppt/slides/slide22.xml><?xml version="1.0" encoding="utf-8"?>
+<p:sld xmlns:a="http://schemas.openxmlformats.org/drawingml/2006/main" xmlns:r="http://schemas.openxmlformats.org/officeDocument/2006/relationships" xmlns:p="http://schemas.openxmlformats.org/presentationml/2006/main">
+  <p:cSld>
+    <p:spTree>
+      <p:nvGrpSpPr>
+        <p:cNvPr id="1" name=""/>
+        <p:cNvGrpSpPr/>
+        <p:nvPr/>
+      </p:nvGrpSpPr>
+      <p:grpSpPr>
+        <a:xfrm>
+          <a:off x="0" y="0"/>
+          <a:ext cx="0" cy="0"/>
+          <a:chOff x="0" y="0"/>
+          <a:chExt cx="0" cy="0"/>
+        </a:xfrm>
+      </p:grpSpPr>
+      <p:sp>
+        <p:nvSpPr>
+          <p:cNvPr id="2" name="Title 1"/>
+          <p:cNvSpPr>
+            <a:spLocks noGrp="1"/>
+          </p:cNvSpPr>
+          <p:nvPr>
+            <p:ph type="title"/>
+          </p:nvPr>
+        </p:nvSpPr>
+        <p:spPr/>
+        <p:txBody>
+          <a:bodyPr/>
+          <a:lstStyle/>
+          <a:p>
+            <a:r>
+              <a:rPr lang="en-GB" dirty="0" smtClean="0"/>
+              <a:t>Team M</a:t>
+            </a:r>
+            <a:r>
+              <a:rPr lang="en-US" altLang="zh-CN" dirty="0" smtClean="0"/>
+              <a:t>embers</a:t>
+            </a:r>
+            <a:endParaRPr lang="en-GB" dirty="0"/>
+          </a:p>
+        </p:txBody>
+      </p:sp>
+      <p:pic>
+        <p:nvPicPr>
+          <p:cNvPr id="5" name="内容占位符 4"/>
+          <p:cNvPicPr>
+            <a:picLocks noGrp="1" noChangeAspect="1"/>
+          </p:cNvPicPr>
+          <p:nvPr>
+            <p:ph sz="half" idx="1"/>
+          </p:nvPr>
+        </p:nvPicPr>
+        <p:blipFill>
+          <a:blip r:embed="rId2">
+            <a:extLst>
+              <a:ext uri="{28A0092B-C50C-407E-A947-70E740481C1C}">
+                <a14:useLocalDpi xmlns:a14="http://schemas.microsoft.com/office/drawing/2010/main" val="0"/>
+              </a:ext>
+            </a:extLst>
+          </a:blip>
+          <a:stretch>
+            <a:fillRect/>
+          </a:stretch>
+        </p:blipFill>
+        <p:spPr>
+          <a:xfrm>
+            <a:off x="395288" y="1422868"/>
+            <a:ext cx="3732212" cy="2794651"/>
+          </a:xfrm>
+        </p:spPr>
+      </p:pic>
+      <p:sp>
+        <p:nvSpPr>
+          <p:cNvPr id="4" name="Content Placeholder 3"/>
+          <p:cNvSpPr>
+            <a:spLocks noGrp="1"/>
+          </p:cNvSpPr>
+          <p:nvPr>
+            <p:ph sz="half" idx="2"/>
+          </p:nvPr>
+        </p:nvSpPr>
+        <p:spPr/>
+        <p:txBody>
+          <a:bodyPr/>
+          <a:lstStyle/>
+          <a:p>
+            <a:r>
+              <a:rPr lang="en-GB" dirty="0" smtClean="0"/>
+              <a:t>Liu </a:t>
+            </a:r>
+            <a:r>
+              <a:rPr lang="en-GB" dirty="0" err="1" smtClean="0"/>
+              <a:t>MingYuan</a:t>
+            </a:r>
+            <a:endParaRPr lang="en-GB" dirty="0" smtClean="0"/>
+          </a:p>
+          <a:p>
+            <a:r>
+              <a:rPr lang="en-GB" dirty="0" smtClean="0"/>
+              <a:t>Hu Pan</a:t>
+            </a:r>
+          </a:p>
+          <a:p>
+            <a:r>
+              <a:rPr lang="en-GB" dirty="0" smtClean="0"/>
+              <a:t>Han </a:t>
+            </a:r>
+            <a:r>
+              <a:rPr lang="en-GB" dirty="0" err="1" smtClean="0"/>
+              <a:t>Qiankun</a:t>
+            </a:r>
+            <a:endParaRPr lang="en-GB" dirty="0" smtClean="0"/>
+          </a:p>
+          <a:p>
+            <a:r>
+              <a:rPr lang="en-GB" dirty="0" smtClean="0"/>
+              <a:t>Feng Wei</a:t>
+            </a:r>
+          </a:p>
+          <a:p>
+            <a:r>
+              <a:rPr lang="en-GB" dirty="0" smtClean="0"/>
+              <a:t>Fan </a:t>
+            </a:r>
+            <a:r>
+              <a:rPr lang="en-GB" dirty="0" err="1" smtClean="0"/>
+              <a:t>Dewei</a:t>
+            </a:r>
+            <a:endParaRPr lang="en-GB" dirty="0"/>
+          </a:p>
+        </p:txBody>
+      </p:sp>
+      <p:sp>
+        <p:nvSpPr>
+          <p:cNvPr id="6" name="灯片编号占位符 5"/>
+          <p:cNvSpPr>
+            <a:spLocks noGrp="1"/>
+          </p:cNvSpPr>
+          <p:nvPr>
+            <p:ph type="sldNum" sz="quarter" idx="10"/>
+          </p:nvPr>
+        </p:nvSpPr>
+        <p:spPr/>
+        <p:txBody>
+          <a:bodyPr/>
+          <a:lstStyle/>
+          <a:p>
+            <a:fld id="{F7E2903A-6526-4E0B-828D-C31687035264}" type="slidenum">
+              <a:rPr lang="en-GB" smtClean="0"/>
+              <a:pPr/>
+              <a:t>22</a:t>
+            </a:fld>
+            <a:endParaRPr lang="en-GB" dirty="0"/>
+          </a:p>
+        </p:txBody>
+      </p:sp>
+    </p:spTree>
+    <p:extLst>
+      <p:ext uri="{BB962C8B-B14F-4D97-AF65-F5344CB8AC3E}">
+        <p14:creationId xmlns:p14="http://schemas.microsoft.com/office/powerpoint/2010/main" val="3186849101"/>
+      </p:ext>
+    </p:extLst>
+  </p:cSld>
+  <p:clrMapOvr>
+    <a:masterClrMapping/>
+  </p:clrMapOvr>
+</p:sld>
+</file>
+
+<file path=ppt/slides/slide23.xml><?xml version="1.0" encoding="utf-8"?>
 <p:sld xmlns:a="http://schemas.openxmlformats.org/drawingml/2006/main" xmlns:r="http://schemas.openxmlformats.org/officeDocument/2006/relationships" xmlns:p="http://schemas.openxmlformats.org/presentationml/2006/main">
   <p:cSld>
     <p:spTree>
